--- a/06_Triggers/06-01_en_Triggers - part 1.pptx
+++ b/06_Triggers/06-01_en_Triggers - part 1.pptx
@@ -19,7 +19,14 @@
     <p:sldId id="541" r:id="rId13"/>
     <p:sldId id="542" r:id="rId14"/>
     <p:sldId id="543" r:id="rId15"/>
-    <p:sldId id="545" r:id="rId16"/>
+    <p:sldId id="550" r:id="rId16"/>
+    <p:sldId id="545" r:id="rId17"/>
+    <p:sldId id="551" r:id="rId18"/>
+    <p:sldId id="546" r:id="rId19"/>
+    <p:sldId id="547" r:id="rId20"/>
+    <p:sldId id="552" r:id="rId21"/>
+    <p:sldId id="548" r:id="rId22"/>
+    <p:sldId id="549" r:id="rId23"/>
   </p:sldIdLst>
   <p:sldSz cx="9144000" cy="6858000" type="screen4x3"/>
   <p:notesSz cx="6858000" cy="9144000"/>
@@ -6559,6 +6566,154 @@
         </p:nvSpPr>
         <p:spPr>
           <a:xfrm>
+            <a:off x="0" y="152400"/>
+            <a:ext cx="9144000" cy="609600"/>
+          </a:xfrm>
+        </p:spPr>
+        <p:txBody>
+          <a:bodyPr anchor="ctr">
+            <a:normAutofit fontScale="90000"/>
+          </a:bodyPr>
+          <a:lstStyle/>
+          <a:p>
+            <a:pPr algn="ctr"/>
+            <a:r>
+              <a:rPr lang="ro-RO" sz="3600" b="1" dirty="0" err="1">
+                <a:latin typeface="American Typewriter"/>
+                <a:ea typeface="Arial Unicode MS" panose="020B0604020202020204" pitchFamily="34" charset="-128"/>
+                <a:cs typeface="American Typewriter"/>
+              </a:rPr>
+              <a:t>sales</a:t>
+            </a:r>
+            <a:r>
+              <a:rPr lang="ro-RO" sz="3600" dirty="0">
+                <a:latin typeface="American Typewriter"/>
+                <a:ea typeface="Arial Unicode MS" panose="020B0604020202020204" pitchFamily="34" charset="-128"/>
+                <a:cs typeface="American Typewriter"/>
+              </a:rPr>
+              <a:t> </a:t>
+            </a:r>
+            <a:r>
+              <a:rPr lang="ro-RO" sz="3600" dirty="0" err="1">
+                <a:latin typeface="American Typewriter"/>
+                <a:ea typeface="Arial Unicode MS" panose="020B0604020202020204" pitchFamily="34" charset="-128"/>
+                <a:cs typeface="American Typewriter"/>
+              </a:rPr>
+              <a:t>database</a:t>
+            </a:r>
+            <a:r>
+              <a:rPr lang="ro-RO" sz="3600" dirty="0">
+                <a:latin typeface="American Typewriter"/>
+                <a:ea typeface="Arial Unicode MS" panose="020B0604020202020204" pitchFamily="34" charset="-128"/>
+                <a:cs typeface="American Typewriter"/>
+              </a:rPr>
+              <a:t> schema (</a:t>
+            </a:r>
+            <a:r>
+              <a:rPr lang="ro-RO" sz="3600" dirty="0" err="1">
+                <a:latin typeface="American Typewriter"/>
+                <a:ea typeface="Arial Unicode MS" panose="020B0604020202020204" pitchFamily="34" charset="-128"/>
+                <a:cs typeface="American Typewriter"/>
+              </a:rPr>
+              <a:t>relational</a:t>
+            </a:r>
+            <a:r>
+              <a:rPr lang="ro-RO" sz="3600" dirty="0">
+                <a:latin typeface="American Typewriter"/>
+                <a:ea typeface="Arial Unicode MS" panose="020B0604020202020204" pitchFamily="34" charset="-128"/>
+                <a:cs typeface="American Typewriter"/>
+              </a:rPr>
+              <a:t>)</a:t>
+            </a:r>
+            <a:endParaRPr lang="en-US" sz="3600" dirty="0">
+              <a:latin typeface="American Typewriter"/>
+              <a:ea typeface="Arial Unicode MS" panose="020B0604020202020204" pitchFamily="34" charset="-128"/>
+              <a:cs typeface="American Typewriter"/>
+            </a:endParaRPr>
+          </a:p>
+        </p:txBody>
+      </p:sp>
+      <p:pic>
+        <p:nvPicPr>
+          <p:cNvPr id="8" name="Picture 7">
+            <a:extLst>
+              <a:ext uri="{FF2B5EF4-FFF2-40B4-BE49-F238E27FC236}">
+                <a16:creationId xmlns:a16="http://schemas.microsoft.com/office/drawing/2014/main" id="{5945716E-36A6-A24D-B145-CDA32862CFDC}"/>
+              </a:ext>
+            </a:extLst>
+          </p:cNvPr>
+          <p:cNvPicPr>
+            <a:picLocks noChangeAspect="1"/>
+          </p:cNvPicPr>
+          <p:nvPr/>
+        </p:nvPicPr>
+        <p:blipFill>
+          <a:blip r:embed="rId2">
+            <a:extLst>
+              <a:ext uri="{28A0092B-C50C-407E-A947-70E740481C1C}">
+                <a14:useLocalDpi xmlns:a14="http://schemas.microsoft.com/office/drawing/2010/main" val="0"/>
+              </a:ext>
+            </a:extLst>
+          </a:blip>
+          <a:stretch>
+            <a:fillRect/>
+          </a:stretch>
+        </p:blipFill>
+        <p:spPr>
+          <a:xfrm>
+            <a:off x="0" y="913993"/>
+            <a:ext cx="9144000" cy="5944007"/>
+          </a:xfrm>
+          <a:prstGeom prst="rect">
+            <a:avLst/>
+          </a:prstGeom>
+        </p:spPr>
+      </p:pic>
+    </p:spTree>
+    <p:extLst>
+      <p:ext uri="{BB962C8B-B14F-4D97-AF65-F5344CB8AC3E}">
+        <p14:creationId xmlns:p14="http://schemas.microsoft.com/office/powerpoint/2010/main" val="3448445966"/>
+      </p:ext>
+    </p:extLst>
+  </p:cSld>
+  <p:clrMapOvr>
+    <a:masterClrMapping/>
+  </p:clrMapOvr>
+  <p:transition>
+    <p:random/>
+  </p:transition>
+</p:sld>
+</file>
+
+<file path=ppt/slides/slide16.xml><?xml version="1.0" encoding="utf-8"?>
+<p:sld xmlns:a="http://schemas.openxmlformats.org/drawingml/2006/main" xmlns:r="http://schemas.openxmlformats.org/officeDocument/2006/relationships" xmlns:p="http://schemas.openxmlformats.org/presentationml/2006/main">
+  <p:cSld>
+    <p:spTree>
+      <p:nvGrpSpPr>
+        <p:cNvPr id="1" name=""/>
+        <p:cNvGrpSpPr/>
+        <p:nvPr/>
+      </p:nvGrpSpPr>
+      <p:grpSpPr>
+        <a:xfrm>
+          <a:off x="0" y="0"/>
+          <a:ext cx="0" cy="0"/>
+          <a:chOff x="0" y="0"/>
+          <a:chExt cx="0" cy="0"/>
+        </a:xfrm>
+      </p:grpSpPr>
+      <p:sp>
+        <p:nvSpPr>
+          <p:cNvPr id="2" name="Title 1"/>
+          <p:cNvSpPr>
+            <a:spLocks noGrp="1"/>
+          </p:cNvSpPr>
+          <p:nvPr>
+            <p:ph type="title"/>
+          </p:nvPr>
+        </p:nvSpPr>
+        <p:spPr>
+          <a:xfrm>
             <a:off x="228600" y="76200"/>
             <a:ext cx="8686800" cy="1143000"/>
           </a:xfrm>
@@ -6954,6 +7109,1815 @@
     <p:extLst>
       <p:ext uri="{BB962C8B-B14F-4D97-AF65-F5344CB8AC3E}">
         <p14:creationId xmlns:p14="http://schemas.microsoft.com/office/powerpoint/2010/main" val="1510746748"/>
+      </p:ext>
+    </p:extLst>
+  </p:cSld>
+  <p:clrMapOvr>
+    <a:masterClrMapping/>
+  </p:clrMapOvr>
+  <p:transition>
+    <p:random/>
+  </p:transition>
+</p:sld>
+</file>
+
+<file path=ppt/slides/slide17.xml><?xml version="1.0" encoding="utf-8"?>
+<p:sld xmlns:a="http://schemas.openxmlformats.org/drawingml/2006/main" xmlns:r="http://schemas.openxmlformats.org/officeDocument/2006/relationships" xmlns:p="http://schemas.openxmlformats.org/presentationml/2006/main">
+  <p:cSld>
+    <p:spTree>
+      <p:nvGrpSpPr>
+        <p:cNvPr id="1" name=""/>
+        <p:cNvGrpSpPr/>
+        <p:nvPr/>
+      </p:nvGrpSpPr>
+      <p:grpSpPr>
+        <a:xfrm>
+          <a:off x="0" y="0"/>
+          <a:ext cx="0" cy="0"/>
+          <a:chOff x="0" y="0"/>
+          <a:chExt cx="0" cy="0"/>
+        </a:xfrm>
+      </p:grpSpPr>
+      <p:sp>
+        <p:nvSpPr>
+          <p:cNvPr id="2" name="Title 1"/>
+          <p:cNvSpPr>
+            <a:spLocks noGrp="1"/>
+          </p:cNvSpPr>
+          <p:nvPr>
+            <p:ph type="title"/>
+          </p:nvPr>
+        </p:nvSpPr>
+        <p:spPr>
+          <a:xfrm>
+            <a:off x="0" y="152400"/>
+            <a:ext cx="9144000" cy="609600"/>
+          </a:xfrm>
+        </p:spPr>
+        <p:txBody>
+          <a:bodyPr anchor="ctr">
+            <a:normAutofit fontScale="90000"/>
+          </a:bodyPr>
+          <a:lstStyle/>
+          <a:p>
+            <a:pPr algn="ctr"/>
+            <a:r>
+              <a:rPr lang="ro-RO" sz="3600" b="1" dirty="0" err="1">
+                <a:latin typeface="American Typewriter"/>
+                <a:ea typeface="Arial Unicode MS" panose="020B0604020202020204" pitchFamily="34" charset="-128"/>
+                <a:cs typeface="American Typewriter"/>
+              </a:rPr>
+              <a:t>Surrogate</a:t>
+            </a:r>
+            <a:r>
+              <a:rPr lang="ro-RO" sz="3600" b="1" dirty="0">
+                <a:latin typeface="American Typewriter"/>
+                <a:ea typeface="Arial Unicode MS" panose="020B0604020202020204" pitchFamily="34" charset="-128"/>
+                <a:cs typeface="American Typewriter"/>
+              </a:rPr>
+              <a:t> </a:t>
+            </a:r>
+            <a:r>
+              <a:rPr lang="ro-RO" sz="3600" b="1" dirty="0" err="1">
+                <a:latin typeface="American Typewriter"/>
+                <a:ea typeface="Arial Unicode MS" panose="020B0604020202020204" pitchFamily="34" charset="-128"/>
+                <a:cs typeface="American Typewriter"/>
+              </a:rPr>
+              <a:t>Keys</a:t>
+            </a:r>
+            <a:endParaRPr lang="en-US" sz="3600" dirty="0">
+              <a:latin typeface="American Typewriter"/>
+              <a:ea typeface="Arial Unicode MS" panose="020B0604020202020204" pitchFamily="34" charset="-128"/>
+              <a:cs typeface="American Typewriter"/>
+            </a:endParaRPr>
+          </a:p>
+        </p:txBody>
+      </p:sp>
+      <p:pic>
+        <p:nvPicPr>
+          <p:cNvPr id="8" name="Picture 7">
+            <a:extLst>
+              <a:ext uri="{FF2B5EF4-FFF2-40B4-BE49-F238E27FC236}">
+                <a16:creationId xmlns:a16="http://schemas.microsoft.com/office/drawing/2014/main" id="{5945716E-36A6-A24D-B145-CDA32862CFDC}"/>
+              </a:ext>
+            </a:extLst>
+          </p:cNvPr>
+          <p:cNvPicPr>
+            <a:picLocks noChangeAspect="1"/>
+          </p:cNvPicPr>
+          <p:nvPr/>
+        </p:nvPicPr>
+        <p:blipFill>
+          <a:blip r:embed="rId2">
+            <a:extLst>
+              <a:ext uri="{28A0092B-C50C-407E-A947-70E740481C1C}">
+                <a14:useLocalDpi xmlns:a14="http://schemas.microsoft.com/office/drawing/2010/main" val="0"/>
+              </a:ext>
+            </a:extLst>
+          </a:blip>
+          <a:stretch>
+            <a:fillRect/>
+          </a:stretch>
+        </p:blipFill>
+        <p:spPr>
+          <a:xfrm>
+            <a:off x="0" y="913993"/>
+            <a:ext cx="9144000" cy="5944007"/>
+          </a:xfrm>
+          <a:prstGeom prst="rect">
+            <a:avLst/>
+          </a:prstGeom>
+        </p:spPr>
+      </p:pic>
+      <p:cxnSp>
+        <p:nvCxnSpPr>
+          <p:cNvPr id="4" name="Straight Arrow Connector 3">
+            <a:extLst>
+              <a:ext uri="{FF2B5EF4-FFF2-40B4-BE49-F238E27FC236}">
+                <a16:creationId xmlns:a16="http://schemas.microsoft.com/office/drawing/2014/main" id="{478FF49D-4E64-7B41-B792-8DFFB1D13608}"/>
+              </a:ext>
+            </a:extLst>
+          </p:cNvPr>
+          <p:cNvCxnSpPr/>
+          <p:nvPr/>
+        </p:nvCxnSpPr>
+        <p:spPr>
+          <a:xfrm flipH="1">
+            <a:off x="609600" y="762000"/>
+            <a:ext cx="2438400" cy="381000"/>
+          </a:xfrm>
+          <a:prstGeom prst="straightConnector1">
+            <a:avLst/>
+          </a:prstGeom>
+          <a:ln w="25400">
+            <a:solidFill>
+              <a:schemeClr val="accent5"/>
+            </a:solidFill>
+            <a:tailEnd type="triangle"/>
+          </a:ln>
+        </p:spPr>
+        <p:style>
+          <a:lnRef idx="1">
+            <a:schemeClr val="accent5"/>
+          </a:lnRef>
+          <a:fillRef idx="0">
+            <a:schemeClr val="accent5"/>
+          </a:fillRef>
+          <a:effectRef idx="0">
+            <a:schemeClr val="accent5"/>
+          </a:effectRef>
+          <a:fontRef idx="minor">
+            <a:schemeClr val="tx1"/>
+          </a:fontRef>
+        </p:style>
+      </p:cxnSp>
+      <p:cxnSp>
+        <p:nvCxnSpPr>
+          <p:cNvPr id="6" name="Straight Arrow Connector 5">
+            <a:extLst>
+              <a:ext uri="{FF2B5EF4-FFF2-40B4-BE49-F238E27FC236}">
+                <a16:creationId xmlns:a16="http://schemas.microsoft.com/office/drawing/2014/main" id="{C0F8957C-EFF1-D94E-B319-1A001591B4D2}"/>
+              </a:ext>
+            </a:extLst>
+          </p:cNvPr>
+          <p:cNvCxnSpPr>
+            <a:cxnSpLocks/>
+          </p:cNvCxnSpPr>
+          <p:nvPr/>
+        </p:nvCxnSpPr>
+        <p:spPr>
+          <a:xfrm flipH="1">
+            <a:off x="685800" y="762000"/>
+            <a:ext cx="2514600" cy="3810000"/>
+          </a:xfrm>
+          <a:prstGeom prst="straightConnector1">
+            <a:avLst/>
+          </a:prstGeom>
+          <a:ln w="25400">
+            <a:solidFill>
+              <a:schemeClr val="accent5"/>
+            </a:solidFill>
+            <a:tailEnd type="triangle"/>
+          </a:ln>
+        </p:spPr>
+        <p:style>
+          <a:lnRef idx="1">
+            <a:schemeClr val="accent5"/>
+          </a:lnRef>
+          <a:fillRef idx="0">
+            <a:schemeClr val="accent5"/>
+          </a:fillRef>
+          <a:effectRef idx="0">
+            <a:schemeClr val="accent5"/>
+          </a:effectRef>
+          <a:fontRef idx="minor">
+            <a:schemeClr val="tx1"/>
+          </a:fontRef>
+        </p:style>
+      </p:cxnSp>
+      <p:cxnSp>
+        <p:nvCxnSpPr>
+          <p:cNvPr id="10" name="Straight Arrow Connector 9">
+            <a:extLst>
+              <a:ext uri="{FF2B5EF4-FFF2-40B4-BE49-F238E27FC236}">
+                <a16:creationId xmlns:a16="http://schemas.microsoft.com/office/drawing/2014/main" id="{4B4D53FE-076B-DB47-9FA9-9EAA21F5E206}"/>
+              </a:ext>
+            </a:extLst>
+          </p:cNvPr>
+          <p:cNvCxnSpPr>
+            <a:cxnSpLocks/>
+          </p:cNvCxnSpPr>
+          <p:nvPr/>
+        </p:nvCxnSpPr>
+        <p:spPr>
+          <a:xfrm>
+            <a:off x="5943602" y="609600"/>
+            <a:ext cx="1447798" cy="533400"/>
+          </a:xfrm>
+          <a:prstGeom prst="straightConnector1">
+            <a:avLst/>
+          </a:prstGeom>
+          <a:ln w="25400">
+            <a:solidFill>
+              <a:schemeClr val="accent5"/>
+            </a:solidFill>
+            <a:tailEnd type="triangle"/>
+          </a:ln>
+        </p:spPr>
+        <p:style>
+          <a:lnRef idx="1">
+            <a:schemeClr val="accent5"/>
+          </a:lnRef>
+          <a:fillRef idx="0">
+            <a:schemeClr val="accent5"/>
+          </a:fillRef>
+          <a:effectRef idx="0">
+            <a:schemeClr val="accent5"/>
+          </a:effectRef>
+          <a:fontRef idx="minor">
+            <a:schemeClr val="tx1"/>
+          </a:fontRef>
+        </p:style>
+      </p:cxnSp>
+      <p:cxnSp>
+        <p:nvCxnSpPr>
+          <p:cNvPr id="13" name="Straight Arrow Connector 12">
+            <a:extLst>
+              <a:ext uri="{FF2B5EF4-FFF2-40B4-BE49-F238E27FC236}">
+                <a16:creationId xmlns:a16="http://schemas.microsoft.com/office/drawing/2014/main" id="{A6B8C49F-A945-9341-806B-B233BB37472D}"/>
+              </a:ext>
+            </a:extLst>
+          </p:cNvPr>
+          <p:cNvCxnSpPr>
+            <a:cxnSpLocks/>
+          </p:cNvCxnSpPr>
+          <p:nvPr/>
+        </p:nvCxnSpPr>
+        <p:spPr>
+          <a:xfrm>
+            <a:off x="5562600" y="685800"/>
+            <a:ext cx="1981200" cy="2971800"/>
+          </a:xfrm>
+          <a:prstGeom prst="straightConnector1">
+            <a:avLst/>
+          </a:prstGeom>
+          <a:ln w="25400">
+            <a:solidFill>
+              <a:schemeClr val="accent5"/>
+            </a:solidFill>
+            <a:tailEnd type="triangle"/>
+          </a:ln>
+        </p:spPr>
+        <p:style>
+          <a:lnRef idx="1">
+            <a:schemeClr val="accent5"/>
+          </a:lnRef>
+          <a:fillRef idx="0">
+            <a:schemeClr val="accent5"/>
+          </a:fillRef>
+          <a:effectRef idx="0">
+            <a:schemeClr val="accent5"/>
+          </a:effectRef>
+          <a:fontRef idx="minor">
+            <a:schemeClr val="tx1"/>
+          </a:fontRef>
+        </p:style>
+      </p:cxnSp>
+      <p:cxnSp>
+        <p:nvCxnSpPr>
+          <p:cNvPr id="17" name="Straight Arrow Connector 16">
+            <a:extLst>
+              <a:ext uri="{FF2B5EF4-FFF2-40B4-BE49-F238E27FC236}">
+                <a16:creationId xmlns:a16="http://schemas.microsoft.com/office/drawing/2014/main" id="{EAD3D0F6-7D22-EF40-AEFA-28562ACF33BF}"/>
+              </a:ext>
+            </a:extLst>
+          </p:cNvPr>
+          <p:cNvCxnSpPr>
+            <a:cxnSpLocks/>
+          </p:cNvCxnSpPr>
+          <p:nvPr/>
+        </p:nvCxnSpPr>
+        <p:spPr>
+          <a:xfrm>
+            <a:off x="4229102" y="762000"/>
+            <a:ext cx="1104898" cy="5181600"/>
+          </a:xfrm>
+          <a:prstGeom prst="straightConnector1">
+            <a:avLst/>
+          </a:prstGeom>
+          <a:ln w="25400">
+            <a:solidFill>
+              <a:schemeClr val="accent5"/>
+            </a:solidFill>
+            <a:tailEnd type="triangle"/>
+          </a:ln>
+        </p:spPr>
+        <p:style>
+          <a:lnRef idx="1">
+            <a:schemeClr val="accent5"/>
+          </a:lnRef>
+          <a:fillRef idx="0">
+            <a:schemeClr val="accent5"/>
+          </a:fillRef>
+          <a:effectRef idx="0">
+            <a:schemeClr val="accent5"/>
+          </a:effectRef>
+          <a:fontRef idx="minor">
+            <a:schemeClr val="tx1"/>
+          </a:fontRef>
+        </p:style>
+      </p:cxnSp>
+      <p:cxnSp>
+        <p:nvCxnSpPr>
+          <p:cNvPr id="20" name="Straight Arrow Connector 19">
+            <a:extLst>
+              <a:ext uri="{FF2B5EF4-FFF2-40B4-BE49-F238E27FC236}">
+                <a16:creationId xmlns:a16="http://schemas.microsoft.com/office/drawing/2014/main" id="{6D11BE37-DD0C-474C-BFCD-E35201614738}"/>
+              </a:ext>
+            </a:extLst>
+          </p:cNvPr>
+          <p:cNvCxnSpPr>
+            <a:cxnSpLocks/>
+          </p:cNvCxnSpPr>
+          <p:nvPr/>
+        </p:nvCxnSpPr>
+        <p:spPr>
+          <a:xfrm>
+            <a:off x="4914899" y="685800"/>
+            <a:ext cx="228602" cy="1485900"/>
+          </a:xfrm>
+          <a:prstGeom prst="straightConnector1">
+            <a:avLst/>
+          </a:prstGeom>
+          <a:ln w="25400">
+            <a:solidFill>
+              <a:schemeClr val="accent5"/>
+            </a:solidFill>
+            <a:tailEnd type="triangle"/>
+          </a:ln>
+        </p:spPr>
+        <p:style>
+          <a:lnRef idx="1">
+            <a:schemeClr val="accent5"/>
+          </a:lnRef>
+          <a:fillRef idx="0">
+            <a:schemeClr val="accent5"/>
+          </a:fillRef>
+          <a:effectRef idx="0">
+            <a:schemeClr val="accent5"/>
+          </a:effectRef>
+          <a:fontRef idx="minor">
+            <a:schemeClr val="tx1"/>
+          </a:fontRef>
+        </p:style>
+      </p:cxnSp>
+    </p:spTree>
+    <p:extLst>
+      <p:ext uri="{BB962C8B-B14F-4D97-AF65-F5344CB8AC3E}">
+        <p14:creationId xmlns:p14="http://schemas.microsoft.com/office/powerpoint/2010/main" val="1570038495"/>
+      </p:ext>
+    </p:extLst>
+  </p:cSld>
+  <p:clrMapOvr>
+    <a:masterClrMapping/>
+  </p:clrMapOvr>
+  <p:transition>
+    <p:random/>
+  </p:transition>
+</p:sld>
+</file>
+
+<file path=ppt/slides/slide18.xml><?xml version="1.0" encoding="utf-8"?>
+<p:sld xmlns:a="http://schemas.openxmlformats.org/drawingml/2006/main" xmlns:r="http://schemas.openxmlformats.org/officeDocument/2006/relationships" xmlns:p="http://schemas.openxmlformats.org/presentationml/2006/main">
+  <p:cSld>
+    <p:spTree>
+      <p:nvGrpSpPr>
+        <p:cNvPr id="1" name=""/>
+        <p:cNvGrpSpPr/>
+        <p:nvPr/>
+      </p:nvGrpSpPr>
+      <p:grpSpPr>
+        <a:xfrm>
+          <a:off x="0" y="0"/>
+          <a:ext cx="0" cy="0"/>
+          <a:chOff x="0" y="0"/>
+          <a:chExt cx="0" cy="0"/>
+        </a:xfrm>
+      </p:grpSpPr>
+      <p:sp>
+        <p:nvSpPr>
+          <p:cNvPr id="2" name="Title 1"/>
+          <p:cNvSpPr>
+            <a:spLocks noGrp="1"/>
+          </p:cNvSpPr>
+          <p:nvPr>
+            <p:ph type="title"/>
+          </p:nvPr>
+        </p:nvSpPr>
+        <p:spPr>
+          <a:xfrm>
+            <a:off x="228600" y="76200"/>
+            <a:ext cx="8686800" cy="1143000"/>
+          </a:xfrm>
+        </p:spPr>
+        <p:txBody>
+          <a:bodyPr anchor="ctr">
+            <a:normAutofit/>
+          </a:bodyPr>
+          <a:lstStyle/>
+          <a:p>
+            <a:pPr algn="ctr"/>
+            <a:r>
+              <a:rPr lang="ro-RO" sz="3600" dirty="0">
+                <a:latin typeface="American Typewriter"/>
+                <a:ea typeface="Arial Unicode MS" panose="020B0604020202020204" pitchFamily="34" charset="-128"/>
+                <a:cs typeface="American Typewriter"/>
+              </a:rPr>
+              <a:t>Script </a:t>
+            </a:r>
+            <a:r>
+              <a:rPr lang="ro-RO" sz="3600" b="1" dirty="0">
+                <a:latin typeface="American Typewriter"/>
+                <a:ea typeface="Arial Unicode MS" panose="020B0604020202020204" pitchFamily="34" charset="-128"/>
+                <a:cs typeface="American Typewriter"/>
+              </a:rPr>
+              <a:t>06-01a_en_sequences.sql</a:t>
+            </a:r>
+            <a:endParaRPr lang="en-US" sz="3600" dirty="0">
+              <a:latin typeface="American Typewriter"/>
+              <a:ea typeface="Arial Unicode MS" panose="020B0604020202020204" pitchFamily="34" charset="-128"/>
+              <a:cs typeface="American Typewriter"/>
+            </a:endParaRPr>
+          </a:p>
+        </p:txBody>
+      </p:sp>
+      <p:sp>
+        <p:nvSpPr>
+          <p:cNvPr id="3" name="Content Placeholder 2"/>
+          <p:cNvSpPr>
+            <a:spLocks noGrp="1"/>
+          </p:cNvSpPr>
+          <p:nvPr>
+            <p:ph idx="1"/>
+          </p:nvPr>
+        </p:nvSpPr>
+        <p:spPr>
+          <a:xfrm>
+            <a:off x="609600" y="1295400"/>
+            <a:ext cx="8534400" cy="5486400"/>
+          </a:xfrm>
+        </p:spPr>
+        <p:txBody>
+          <a:bodyPr>
+            <a:normAutofit fontScale="92500" lnSpcReduction="10000"/>
+          </a:bodyPr>
+          <a:lstStyle/>
+          <a:p>
+            <a:r>
+              <a:rPr lang="ro-RO" sz="3000" dirty="0" err="1">
+                <a:latin typeface="Avenir Medium"/>
+                <a:cs typeface="Avenir Medium"/>
+              </a:rPr>
+              <a:t>Sequence</a:t>
+            </a:r>
+            <a:r>
+              <a:rPr lang="ro-RO" sz="3000" dirty="0">
+                <a:latin typeface="Avenir Medium"/>
+                <a:cs typeface="Avenir Medium"/>
+              </a:rPr>
+              <a:t> </a:t>
+            </a:r>
+            <a:r>
+              <a:rPr lang="ro-RO" sz="3000" dirty="0" err="1">
+                <a:latin typeface="Avenir Medium"/>
+                <a:cs typeface="Avenir Medium"/>
+              </a:rPr>
+              <a:t>creation</a:t>
+            </a:r>
+            <a:r>
+              <a:rPr lang="ro-RO" sz="3000" dirty="0">
+                <a:latin typeface="Avenir Medium"/>
+                <a:cs typeface="Avenir Medium"/>
+              </a:rPr>
+              <a:t> </a:t>
+            </a:r>
+            <a:r>
+              <a:rPr lang="ro-RO" sz="3000" dirty="0" err="1">
+                <a:latin typeface="Avenir Medium"/>
+                <a:cs typeface="Avenir Medium"/>
+              </a:rPr>
+              <a:t>and</a:t>
+            </a:r>
+            <a:r>
+              <a:rPr lang="ro-RO" sz="3000" dirty="0">
+                <a:latin typeface="Avenir Medium"/>
+                <a:cs typeface="Avenir Medium"/>
+              </a:rPr>
+              <a:t> </a:t>
+            </a:r>
+            <a:r>
+              <a:rPr lang="ro-RO" sz="3000" dirty="0" err="1">
+                <a:latin typeface="Avenir Medium"/>
+                <a:cs typeface="Avenir Medium"/>
+              </a:rPr>
+              <a:t>methods</a:t>
+            </a:r>
+            <a:endParaRPr lang="ro-RO" sz="3000" dirty="0">
+              <a:latin typeface="Avenir Medium"/>
+              <a:cs typeface="Avenir Medium"/>
+            </a:endParaRPr>
+          </a:p>
+          <a:p>
+            <a:pPr lvl="1"/>
+            <a:r>
+              <a:rPr lang="ro-RO" sz="2600" dirty="0">
+                <a:latin typeface="Avenir Medium"/>
+                <a:cs typeface="Avenir Medium"/>
+              </a:rPr>
+              <a:t>CREATE SEQUENCE </a:t>
+            </a:r>
+          </a:p>
+          <a:p>
+            <a:pPr lvl="1"/>
+            <a:r>
+              <a:rPr lang="ro-RO" sz="2600" dirty="0" err="1">
+                <a:latin typeface="Avenir Medium"/>
+                <a:cs typeface="Avenir Medium"/>
+              </a:rPr>
+              <a:t>NextVal</a:t>
+            </a:r>
+            <a:r>
+              <a:rPr lang="ro-RO" sz="2600" dirty="0">
+                <a:latin typeface="Avenir Medium"/>
+                <a:cs typeface="Avenir Medium"/>
+              </a:rPr>
+              <a:t> </a:t>
+            </a:r>
+            <a:r>
+              <a:rPr lang="ro-RO" sz="2600" dirty="0" err="1">
+                <a:latin typeface="Avenir Medium"/>
+                <a:cs typeface="Avenir Medium"/>
+              </a:rPr>
+              <a:t>and</a:t>
+            </a:r>
+            <a:r>
+              <a:rPr lang="ro-RO" sz="2600" dirty="0">
+                <a:latin typeface="Avenir Medium"/>
+                <a:cs typeface="Avenir Medium"/>
+              </a:rPr>
+              <a:t> </a:t>
+            </a:r>
+            <a:r>
+              <a:rPr lang="ro-RO" sz="2600" dirty="0" err="1">
+                <a:latin typeface="Avenir Medium"/>
+                <a:cs typeface="Avenir Medium"/>
+              </a:rPr>
+              <a:t>CurrVal</a:t>
+            </a:r>
+            <a:r>
+              <a:rPr lang="ro-RO" sz="2600" dirty="0">
+                <a:latin typeface="Avenir Medium"/>
+                <a:cs typeface="Avenir Medium"/>
+              </a:rPr>
+              <a:t> </a:t>
+            </a:r>
+            <a:r>
+              <a:rPr lang="ro-RO" sz="2600" dirty="0" err="1">
+                <a:latin typeface="Avenir Medium"/>
+                <a:cs typeface="Avenir Medium"/>
+              </a:rPr>
+              <a:t>methods</a:t>
+            </a:r>
+            <a:endParaRPr lang="ro-RO" sz="2600" dirty="0">
+              <a:latin typeface="Avenir Medium"/>
+              <a:cs typeface="Avenir Medium"/>
+            </a:endParaRPr>
+          </a:p>
+          <a:p>
+            <a:pPr lvl="1"/>
+            <a:r>
+              <a:rPr lang="ro-RO" sz="2600" dirty="0" err="1">
+                <a:latin typeface="Avenir Medium"/>
+                <a:cs typeface="Avenir Medium"/>
+              </a:rPr>
+              <a:t>Sequences</a:t>
+            </a:r>
+            <a:r>
+              <a:rPr lang="ro-RO" sz="2600" dirty="0">
+                <a:latin typeface="Avenir Medium"/>
+                <a:cs typeface="Avenir Medium"/>
+              </a:rPr>
+              <a:t> in </a:t>
+            </a:r>
+            <a:r>
+              <a:rPr lang="ro-RO" sz="2600" dirty="0" err="1">
+                <a:latin typeface="Avenir Medium"/>
+                <a:cs typeface="Avenir Medium"/>
+              </a:rPr>
+              <a:t>the</a:t>
+            </a:r>
+            <a:r>
+              <a:rPr lang="ro-RO" sz="2600" dirty="0">
+                <a:latin typeface="Avenir Medium"/>
+                <a:cs typeface="Avenir Medium"/>
+              </a:rPr>
+              <a:t> data </a:t>
+            </a:r>
+            <a:r>
+              <a:rPr lang="ro-RO" sz="2600" dirty="0" err="1">
+                <a:latin typeface="Avenir Medium"/>
+                <a:cs typeface="Avenir Medium"/>
+              </a:rPr>
+              <a:t>dictionary</a:t>
+            </a:r>
+            <a:r>
+              <a:rPr lang="ro-RO" sz="2600" dirty="0">
+                <a:latin typeface="Avenir Medium"/>
+                <a:cs typeface="Avenir Medium"/>
+              </a:rPr>
+              <a:t> (USER_SEQUENCES)</a:t>
+            </a:r>
+          </a:p>
+          <a:p>
+            <a:pPr lvl="1"/>
+            <a:r>
+              <a:rPr lang="ro-RO" sz="2600" dirty="0">
+                <a:latin typeface="Avenir Medium"/>
+                <a:cs typeface="Avenir Medium"/>
+              </a:rPr>
+              <a:t>06-00-3_add_constraints_sales_2015.sql</a:t>
+            </a:r>
+          </a:p>
+          <a:p>
+            <a:r>
+              <a:rPr lang="ro-RO" sz="3000" dirty="0" err="1">
+                <a:latin typeface="Avenir Medium"/>
+                <a:cs typeface="Avenir Medium"/>
+              </a:rPr>
+              <a:t>Using</a:t>
+            </a:r>
+            <a:r>
+              <a:rPr lang="ro-RO" sz="3000" dirty="0">
+                <a:latin typeface="Avenir Medium"/>
+                <a:cs typeface="Avenir Medium"/>
+              </a:rPr>
+              <a:t> </a:t>
+            </a:r>
+            <a:r>
+              <a:rPr lang="ro-RO" sz="3000" dirty="0" err="1">
+                <a:latin typeface="Avenir Medium"/>
+                <a:cs typeface="Avenir Medium"/>
+              </a:rPr>
+              <a:t>sequences</a:t>
+            </a:r>
+            <a:r>
+              <a:rPr lang="ro-RO" sz="3000" dirty="0">
+                <a:latin typeface="Avenir Medium"/>
+                <a:cs typeface="Avenir Medium"/>
+              </a:rPr>
+              <a:t> in INSERT </a:t>
+            </a:r>
+            <a:r>
+              <a:rPr lang="ro-RO" sz="3000" dirty="0" err="1">
+                <a:latin typeface="Avenir Medium"/>
+                <a:cs typeface="Avenir Medium"/>
+              </a:rPr>
+              <a:t>commands</a:t>
+            </a:r>
+            <a:endParaRPr lang="ro-RO" sz="3000" dirty="0">
+              <a:latin typeface="Avenir Medium"/>
+              <a:cs typeface="Avenir Medium"/>
+            </a:endParaRPr>
+          </a:p>
+          <a:p>
+            <a:r>
+              <a:rPr lang="ro-RO" sz="3000" dirty="0" err="1">
+                <a:latin typeface="Avenir Medium"/>
+                <a:cs typeface="Avenir Medium"/>
+              </a:rPr>
+              <a:t>Creating</a:t>
+            </a:r>
+            <a:r>
+              <a:rPr lang="ro-RO" sz="3000" dirty="0">
+                <a:latin typeface="Avenir Medium"/>
+                <a:cs typeface="Avenir Medium"/>
+              </a:rPr>
+              <a:t> </a:t>
+            </a:r>
+            <a:r>
+              <a:rPr lang="ro-RO" sz="3000" dirty="0" err="1">
+                <a:latin typeface="Avenir Medium"/>
+                <a:cs typeface="Avenir Medium"/>
+              </a:rPr>
+              <a:t>sequences</a:t>
+            </a:r>
+            <a:r>
+              <a:rPr lang="ro-RO" sz="3000" dirty="0">
+                <a:latin typeface="Avenir Medium"/>
+                <a:cs typeface="Avenir Medium"/>
+              </a:rPr>
+              <a:t> for </a:t>
+            </a:r>
+            <a:r>
+              <a:rPr lang="ro-RO" sz="3000" dirty="0" err="1">
+                <a:latin typeface="Avenir Medium"/>
+                <a:cs typeface="Avenir Medium"/>
+              </a:rPr>
+              <a:t>database</a:t>
+            </a:r>
+            <a:r>
+              <a:rPr lang="ro-RO" sz="3000" dirty="0">
+                <a:latin typeface="Avenir Medium"/>
+                <a:cs typeface="Avenir Medium"/>
+              </a:rPr>
+              <a:t> </a:t>
+            </a:r>
+            <a:r>
+              <a:rPr lang="ro-RO" sz="3000" dirty="0" err="1">
+                <a:latin typeface="Avenir Medium"/>
+                <a:cs typeface="Avenir Medium"/>
+              </a:rPr>
+              <a:t>surrogate</a:t>
+            </a:r>
+            <a:r>
+              <a:rPr lang="ro-RO" sz="3000" dirty="0">
+                <a:latin typeface="Avenir Medium"/>
+                <a:cs typeface="Avenir Medium"/>
+              </a:rPr>
+              <a:t> </a:t>
+            </a:r>
+            <a:r>
+              <a:rPr lang="ro-RO" sz="3000" dirty="0" err="1">
+                <a:latin typeface="Avenir Medium"/>
+                <a:cs typeface="Avenir Medium"/>
+              </a:rPr>
+              <a:t>keys</a:t>
+            </a:r>
+            <a:r>
+              <a:rPr lang="ro-RO" sz="3000" dirty="0">
+                <a:latin typeface="Avenir Medium"/>
+                <a:cs typeface="Avenir Medium"/>
+              </a:rPr>
+              <a:t>:</a:t>
+            </a:r>
+          </a:p>
+          <a:p>
+            <a:pPr lvl="1"/>
+            <a:r>
+              <a:rPr lang="ro-RO" sz="2600" dirty="0" err="1">
+                <a:latin typeface="Avenir Medium"/>
+                <a:cs typeface="Avenir Medium"/>
+              </a:rPr>
+              <a:t>seq</a:t>
+            </a:r>
+            <a:r>
+              <a:rPr lang="ro-RO" sz="2600" dirty="0">
+                <a:latin typeface="Avenir Medium"/>
+                <a:cs typeface="Avenir Medium"/>
+              </a:rPr>
+              <a:t>__</a:t>
+            </a:r>
+            <a:r>
+              <a:rPr lang="ro-RO" sz="2600" dirty="0" err="1">
+                <a:latin typeface="Avenir Medium"/>
+                <a:cs typeface="Avenir Medium"/>
+              </a:rPr>
+              <a:t>cust_id</a:t>
+            </a:r>
+            <a:endParaRPr lang="ro-RO" sz="2600" dirty="0">
+              <a:latin typeface="Avenir Medium"/>
+              <a:cs typeface="Avenir Medium"/>
+            </a:endParaRPr>
+          </a:p>
+          <a:p>
+            <a:pPr lvl="1"/>
+            <a:r>
+              <a:rPr lang="ro-RO" sz="2600" dirty="0" err="1">
+                <a:latin typeface="Avenir Medium"/>
+                <a:cs typeface="Avenir Medium"/>
+              </a:rPr>
+              <a:t>seq</a:t>
+            </a:r>
+            <a:r>
+              <a:rPr lang="ro-RO" sz="2600" dirty="0">
+                <a:latin typeface="Avenir Medium"/>
+                <a:cs typeface="Avenir Medium"/>
+              </a:rPr>
+              <a:t>__</a:t>
+            </a:r>
+            <a:r>
+              <a:rPr lang="ro-RO" sz="2600" dirty="0" err="1">
+                <a:latin typeface="Avenir Medium"/>
+                <a:cs typeface="Avenir Medium"/>
+              </a:rPr>
+              <a:t>pers_id</a:t>
+            </a:r>
+            <a:endParaRPr lang="ro-RO" sz="2600" dirty="0">
+              <a:latin typeface="Avenir Medium"/>
+              <a:cs typeface="Avenir Medium"/>
+            </a:endParaRPr>
+          </a:p>
+          <a:p>
+            <a:pPr lvl="1"/>
+            <a:r>
+              <a:rPr lang="ro-RO" sz="2600" dirty="0" err="1">
+                <a:latin typeface="Avenir Medium"/>
+                <a:cs typeface="Avenir Medium"/>
+              </a:rPr>
+              <a:t>seq</a:t>
+            </a:r>
+            <a:r>
+              <a:rPr lang="ro-RO" sz="2600" dirty="0">
+                <a:latin typeface="Avenir Medium"/>
+                <a:cs typeface="Avenir Medium"/>
+              </a:rPr>
+              <a:t>__</a:t>
+            </a:r>
+            <a:r>
+              <a:rPr lang="ro-RO" sz="2600" dirty="0" err="1">
+                <a:latin typeface="Avenir Medium"/>
+                <a:cs typeface="Avenir Medium"/>
+              </a:rPr>
+              <a:t>invoice_id</a:t>
+            </a:r>
+            <a:endParaRPr lang="ro-RO" sz="2600" dirty="0">
+              <a:latin typeface="Avenir Medium"/>
+              <a:cs typeface="Avenir Medium"/>
+            </a:endParaRPr>
+          </a:p>
+          <a:p>
+            <a:pPr lvl="1"/>
+            <a:r>
+              <a:rPr lang="ro-RO" sz="2600" dirty="0" err="1">
+                <a:latin typeface="Avenir Medium"/>
+                <a:cs typeface="Avenir Medium"/>
+              </a:rPr>
+              <a:t>seq</a:t>
+            </a:r>
+            <a:r>
+              <a:rPr lang="ro-RO" sz="2600" dirty="0">
+                <a:latin typeface="Avenir Medium"/>
+                <a:cs typeface="Avenir Medium"/>
+              </a:rPr>
+              <a:t>__</a:t>
+            </a:r>
+            <a:r>
+              <a:rPr lang="ro-RO" sz="2600" dirty="0" err="1">
+                <a:latin typeface="Avenir Medium"/>
+                <a:cs typeface="Avenir Medium"/>
+              </a:rPr>
+              <a:t>product_id</a:t>
+            </a:r>
+            <a:endParaRPr lang="ro-RO" sz="2600" dirty="0">
+              <a:latin typeface="Avenir Medium"/>
+              <a:cs typeface="Avenir Medium"/>
+            </a:endParaRPr>
+          </a:p>
+          <a:p>
+            <a:pPr lvl="1"/>
+            <a:r>
+              <a:rPr lang="ro-RO" sz="2600" dirty="0" err="1">
+                <a:latin typeface="Avenir Medium"/>
+                <a:cs typeface="Avenir Medium"/>
+              </a:rPr>
+              <a:t>seq</a:t>
+            </a:r>
+            <a:r>
+              <a:rPr lang="ro-RO" sz="2600" dirty="0">
+                <a:latin typeface="Avenir Medium"/>
+                <a:cs typeface="Avenir Medium"/>
+              </a:rPr>
+              <a:t>__</a:t>
+            </a:r>
+            <a:r>
+              <a:rPr lang="ro-RO" sz="2600" dirty="0" err="1">
+                <a:latin typeface="Avenir Medium"/>
+                <a:cs typeface="Avenir Medium"/>
+              </a:rPr>
+              <a:t>receipt_id</a:t>
+            </a:r>
+            <a:endParaRPr lang="ro-RO" sz="2600" dirty="0">
+              <a:latin typeface="Avenir Medium"/>
+              <a:cs typeface="Avenir Medium"/>
+            </a:endParaRPr>
+          </a:p>
+          <a:p>
+            <a:pPr lvl="1"/>
+            <a:r>
+              <a:rPr lang="ro-RO" sz="2600" dirty="0" err="1">
+                <a:latin typeface="Avenir Medium"/>
+                <a:cs typeface="Avenir Medium"/>
+              </a:rPr>
+              <a:t>seq</a:t>
+            </a:r>
+            <a:r>
+              <a:rPr lang="ro-RO" sz="2600" dirty="0">
+                <a:latin typeface="Avenir Medium"/>
+                <a:cs typeface="Avenir Medium"/>
+              </a:rPr>
+              <a:t>__</a:t>
+            </a:r>
+            <a:r>
+              <a:rPr lang="ro-RO" sz="2600" dirty="0" err="1">
+                <a:latin typeface="Avenir Medium"/>
+                <a:cs typeface="Avenir Medium"/>
+              </a:rPr>
+              <a:t>refusal_id</a:t>
+            </a:r>
+            <a:endParaRPr lang="ro-RO" sz="2600" dirty="0">
+              <a:latin typeface="Avenir Medium"/>
+              <a:cs typeface="Avenir Medium"/>
+            </a:endParaRPr>
+          </a:p>
+          <a:p>
+            <a:pPr marL="82296" indent="0">
+              <a:buNone/>
+            </a:pPr>
+            <a:endParaRPr lang="ro-RO" sz="3000" dirty="0">
+              <a:latin typeface="Avenir Medium"/>
+              <a:cs typeface="Avenir Medium"/>
+            </a:endParaRPr>
+          </a:p>
+          <a:p>
+            <a:endParaRPr lang="ro-RO" sz="3000" dirty="0">
+              <a:latin typeface="Avenir Medium"/>
+              <a:cs typeface="Avenir Medium"/>
+            </a:endParaRPr>
+          </a:p>
+          <a:p>
+            <a:pPr marL="82296" indent="0">
+              <a:buNone/>
+            </a:pPr>
+            <a:endParaRPr lang="ro-RO" sz="3000" dirty="0">
+              <a:latin typeface="Avenir Medium"/>
+              <a:cs typeface="Avenir Medium"/>
+            </a:endParaRPr>
+          </a:p>
+          <a:p>
+            <a:endParaRPr lang="ro-RO" sz="3000" dirty="0">
+              <a:latin typeface="Avenir Medium"/>
+              <a:cs typeface="Avenir Medium"/>
+            </a:endParaRPr>
+          </a:p>
+          <a:p>
+            <a:endParaRPr lang="ro-RO" sz="3000" dirty="0">
+              <a:latin typeface="Avenir Medium"/>
+              <a:cs typeface="Avenir Medium"/>
+            </a:endParaRPr>
+          </a:p>
+          <a:p>
+            <a:endParaRPr lang="ro-RO" sz="3000" dirty="0">
+              <a:latin typeface="Avenir Medium"/>
+              <a:cs typeface="Avenir Medium"/>
+            </a:endParaRPr>
+          </a:p>
+        </p:txBody>
+      </p:sp>
+    </p:spTree>
+    <p:extLst>
+      <p:ext uri="{BB962C8B-B14F-4D97-AF65-F5344CB8AC3E}">
+        <p14:creationId xmlns:p14="http://schemas.microsoft.com/office/powerpoint/2010/main" val="1302709944"/>
+      </p:ext>
+    </p:extLst>
+  </p:cSld>
+  <p:clrMapOvr>
+    <a:masterClrMapping/>
+  </p:clrMapOvr>
+  <p:transition>
+    <p:random/>
+  </p:transition>
+</p:sld>
+</file>
+
+<file path=ppt/slides/slide19.xml><?xml version="1.0" encoding="utf-8"?>
+<p:sld xmlns:a="http://schemas.openxmlformats.org/drawingml/2006/main" xmlns:r="http://schemas.openxmlformats.org/officeDocument/2006/relationships" xmlns:p="http://schemas.openxmlformats.org/presentationml/2006/main">
+  <p:cSld>
+    <p:spTree>
+      <p:nvGrpSpPr>
+        <p:cNvPr id="1" name=""/>
+        <p:cNvGrpSpPr/>
+        <p:nvPr/>
+      </p:nvGrpSpPr>
+      <p:grpSpPr>
+        <a:xfrm>
+          <a:off x="0" y="0"/>
+          <a:ext cx="0" cy="0"/>
+          <a:chOff x="0" y="0"/>
+          <a:chExt cx="0" cy="0"/>
+        </a:xfrm>
+      </p:grpSpPr>
+      <p:sp>
+        <p:nvSpPr>
+          <p:cNvPr id="2" name="Title 1"/>
+          <p:cNvSpPr>
+            <a:spLocks noGrp="1"/>
+          </p:cNvSpPr>
+          <p:nvPr>
+            <p:ph type="title"/>
+          </p:nvPr>
+        </p:nvSpPr>
+        <p:spPr>
+          <a:xfrm>
+            <a:off x="0" y="76200"/>
+            <a:ext cx="9144000" cy="1143000"/>
+          </a:xfrm>
+        </p:spPr>
+        <p:txBody>
+          <a:bodyPr anchor="ctr">
+            <a:normAutofit/>
+          </a:bodyPr>
+          <a:lstStyle/>
+          <a:p>
+            <a:pPr algn="ctr"/>
+            <a:r>
+              <a:rPr lang="ro-RO" sz="3000" dirty="0">
+                <a:latin typeface="American Typewriter"/>
+                <a:ea typeface="Arial Unicode MS" panose="020B0604020202020204" pitchFamily="34" charset="-128"/>
+                <a:cs typeface="American Typewriter"/>
+              </a:rPr>
+              <a:t>Script </a:t>
+            </a:r>
+            <a:br>
+              <a:rPr lang="ro-RO" sz="3000" dirty="0">
+                <a:latin typeface="American Typewriter"/>
+                <a:ea typeface="Arial Unicode MS" panose="020B0604020202020204" pitchFamily="34" charset="-128"/>
+                <a:cs typeface="American Typewriter"/>
+              </a:rPr>
+            </a:br>
+            <a:r>
+              <a:rPr lang="ro-RO" sz="3000" b="1" dirty="0">
+                <a:latin typeface="American Typewriter"/>
+                <a:ea typeface="Arial Unicode MS" panose="020B0604020202020204" pitchFamily="34" charset="-128"/>
+                <a:cs typeface="American Typewriter"/>
+              </a:rPr>
+              <a:t>06-01b_en_data_cleaning__surrogate_keys.sql</a:t>
+            </a:r>
+            <a:endParaRPr lang="en-US" sz="3000" dirty="0">
+              <a:latin typeface="American Typewriter"/>
+              <a:ea typeface="Arial Unicode MS" panose="020B0604020202020204" pitchFamily="34" charset="-128"/>
+              <a:cs typeface="American Typewriter"/>
+            </a:endParaRPr>
+          </a:p>
+        </p:txBody>
+      </p:sp>
+      <p:sp>
+        <p:nvSpPr>
+          <p:cNvPr id="3" name="Content Placeholder 2"/>
+          <p:cNvSpPr>
+            <a:spLocks noGrp="1"/>
+          </p:cNvSpPr>
+          <p:nvPr>
+            <p:ph idx="1"/>
+          </p:nvPr>
+        </p:nvSpPr>
+        <p:spPr>
+          <a:xfrm>
+            <a:off x="609600" y="1295400"/>
+            <a:ext cx="8534400" cy="5486400"/>
+          </a:xfrm>
+        </p:spPr>
+        <p:txBody>
+          <a:bodyPr>
+            <a:normAutofit/>
+          </a:bodyPr>
+          <a:lstStyle/>
+          <a:p>
+            <a:r>
+              <a:rPr lang="ro-RO" sz="3000" dirty="0">
+                <a:latin typeface="Avenir Medium"/>
+                <a:cs typeface="Avenir Medium"/>
+              </a:rPr>
+              <a:t>Simple </a:t>
+            </a:r>
+            <a:r>
+              <a:rPr lang="ro-RO" sz="3000" dirty="0" err="1">
+                <a:latin typeface="Avenir Medium"/>
+                <a:cs typeface="Avenir Medium"/>
+              </a:rPr>
+              <a:t>triggers</a:t>
+            </a:r>
+            <a:endParaRPr lang="ro-RO" sz="3000" dirty="0">
+              <a:latin typeface="Avenir Medium"/>
+              <a:cs typeface="Avenir Medium"/>
+            </a:endParaRPr>
+          </a:p>
+          <a:p>
+            <a:pPr lvl="1"/>
+            <a:r>
+              <a:rPr lang="ro-RO" sz="2600" dirty="0" err="1">
+                <a:latin typeface="Avenir Medium"/>
+                <a:cs typeface="Avenir Medium"/>
+              </a:rPr>
+              <a:t>before</a:t>
+            </a:r>
+            <a:r>
+              <a:rPr lang="ro-RO" sz="2600" dirty="0">
+                <a:latin typeface="Avenir Medium"/>
+                <a:cs typeface="Avenir Medium"/>
+              </a:rPr>
+              <a:t>/</a:t>
+            </a:r>
+            <a:r>
+              <a:rPr lang="ro-RO" sz="2600" dirty="0" err="1">
+                <a:latin typeface="Avenir Medium"/>
+                <a:cs typeface="Avenir Medium"/>
+              </a:rPr>
+              <a:t>after</a:t>
+            </a:r>
+            <a:r>
+              <a:rPr lang="ro-RO" sz="2600" dirty="0">
+                <a:latin typeface="Avenir Medium"/>
+                <a:cs typeface="Avenir Medium"/>
+              </a:rPr>
+              <a:t> </a:t>
+            </a:r>
+            <a:r>
+              <a:rPr lang="ro-RO" sz="2600" dirty="0" err="1">
+                <a:latin typeface="Avenir Medium"/>
+                <a:cs typeface="Avenir Medium"/>
+              </a:rPr>
+              <a:t>row</a:t>
+            </a:r>
+            <a:r>
+              <a:rPr lang="ro-RO" sz="2600" dirty="0">
+                <a:latin typeface="Avenir Medium"/>
+                <a:cs typeface="Avenir Medium"/>
+              </a:rPr>
+              <a:t> </a:t>
+            </a:r>
+            <a:r>
+              <a:rPr lang="ro-RO" sz="2600" dirty="0" err="1">
+                <a:latin typeface="Avenir Medium"/>
+                <a:cs typeface="Avenir Medium"/>
+              </a:rPr>
+              <a:t>level</a:t>
+            </a:r>
+            <a:r>
+              <a:rPr lang="ro-RO" sz="2600" dirty="0">
+                <a:latin typeface="Avenir Medium"/>
+                <a:cs typeface="Avenir Medium"/>
+              </a:rPr>
+              <a:t> </a:t>
+            </a:r>
+          </a:p>
+          <a:p>
+            <a:pPr lvl="1"/>
+            <a:r>
+              <a:rPr lang="ro-RO" sz="2600" dirty="0" err="1">
+                <a:latin typeface="Avenir Medium"/>
+                <a:cs typeface="Avenir Medium"/>
+              </a:rPr>
+              <a:t>before</a:t>
+            </a:r>
+            <a:r>
+              <a:rPr lang="ro-RO" sz="2600" dirty="0">
+                <a:latin typeface="Avenir Medium"/>
+                <a:cs typeface="Avenir Medium"/>
+              </a:rPr>
+              <a:t>/</a:t>
+            </a:r>
+            <a:r>
+              <a:rPr lang="ro-RO" sz="2600" dirty="0" err="1">
+                <a:latin typeface="Avenir Medium"/>
+                <a:cs typeface="Avenir Medium"/>
+              </a:rPr>
+              <a:t>after</a:t>
+            </a:r>
+            <a:r>
+              <a:rPr lang="ro-RO" sz="2600" dirty="0">
+                <a:latin typeface="Avenir Medium"/>
+                <a:cs typeface="Avenir Medium"/>
+              </a:rPr>
+              <a:t> </a:t>
+            </a:r>
+            <a:r>
+              <a:rPr lang="ro-RO" sz="2600" dirty="0" err="1">
+                <a:latin typeface="Avenir Medium"/>
+                <a:cs typeface="Avenir Medium"/>
+              </a:rPr>
+              <a:t>statement</a:t>
+            </a:r>
+            <a:r>
+              <a:rPr lang="ro-RO" sz="2600" dirty="0">
+                <a:latin typeface="Avenir Medium"/>
+                <a:cs typeface="Avenir Medium"/>
+              </a:rPr>
+              <a:t> </a:t>
+            </a:r>
+            <a:r>
+              <a:rPr lang="ro-RO" sz="2600" dirty="0" err="1">
+                <a:latin typeface="Avenir Medium"/>
+                <a:cs typeface="Avenir Medium"/>
+              </a:rPr>
+              <a:t>level</a:t>
+            </a:r>
+            <a:endParaRPr lang="ro-RO" sz="2600" dirty="0">
+              <a:latin typeface="Avenir Medium"/>
+              <a:cs typeface="Avenir Medium"/>
+            </a:endParaRPr>
+          </a:p>
+          <a:p>
+            <a:r>
+              <a:rPr lang="ro-RO" sz="3000" dirty="0" err="1">
+                <a:latin typeface="Avenir Medium"/>
+                <a:cs typeface="Avenir Medium"/>
+              </a:rPr>
+              <a:t>Triggers</a:t>
+            </a:r>
+            <a:r>
+              <a:rPr lang="ro-RO" sz="3000" dirty="0">
+                <a:latin typeface="Avenir Medium"/>
+                <a:cs typeface="Avenir Medium"/>
+              </a:rPr>
+              <a:t> for data </a:t>
+            </a:r>
+            <a:r>
+              <a:rPr lang="ro-RO" sz="3000" dirty="0" err="1">
+                <a:latin typeface="Avenir Medium"/>
+                <a:cs typeface="Avenir Medium"/>
+              </a:rPr>
+              <a:t>cleaning</a:t>
+            </a:r>
+            <a:endParaRPr lang="ro-RO" sz="3000" dirty="0">
+              <a:latin typeface="Avenir Medium"/>
+              <a:cs typeface="Avenir Medium"/>
+            </a:endParaRPr>
+          </a:p>
+          <a:p>
+            <a:r>
+              <a:rPr lang="ro-RO" sz="3000" dirty="0" err="1">
+                <a:latin typeface="Avenir Medium"/>
+                <a:cs typeface="Avenir Medium"/>
+              </a:rPr>
+              <a:t>Triggers</a:t>
+            </a:r>
+            <a:r>
+              <a:rPr lang="ro-RO" sz="3000" dirty="0">
+                <a:latin typeface="Avenir Medium"/>
+                <a:cs typeface="Avenir Medium"/>
+              </a:rPr>
+              <a:t> </a:t>
+            </a:r>
+            <a:r>
+              <a:rPr lang="ro-RO" sz="3000" dirty="0" err="1">
+                <a:latin typeface="Avenir Medium"/>
+                <a:cs typeface="Avenir Medium"/>
+              </a:rPr>
+              <a:t>and</a:t>
+            </a:r>
+            <a:r>
+              <a:rPr lang="ro-RO" sz="3000" dirty="0">
+                <a:latin typeface="Avenir Medium"/>
+                <a:cs typeface="Avenir Medium"/>
+              </a:rPr>
+              <a:t> </a:t>
+            </a:r>
+            <a:r>
+              <a:rPr lang="ro-RO" sz="3000" dirty="0" err="1">
+                <a:latin typeface="Avenir Medium"/>
+                <a:cs typeface="Avenir Medium"/>
+              </a:rPr>
+              <a:t>surrogate</a:t>
+            </a:r>
+            <a:r>
+              <a:rPr lang="ro-RO" sz="3000" dirty="0">
+                <a:latin typeface="Avenir Medium"/>
+                <a:cs typeface="Avenir Medium"/>
+              </a:rPr>
+              <a:t> </a:t>
+            </a:r>
+            <a:r>
+              <a:rPr lang="ro-RO" sz="3000" dirty="0" err="1">
+                <a:latin typeface="Avenir Medium"/>
+                <a:cs typeface="Avenir Medium"/>
+              </a:rPr>
+              <a:t>keys</a:t>
+            </a:r>
+            <a:endParaRPr lang="ro-RO" sz="3000" dirty="0">
+              <a:latin typeface="Avenir Medium"/>
+              <a:cs typeface="Avenir Medium"/>
+            </a:endParaRPr>
+          </a:p>
+          <a:p>
+            <a:r>
+              <a:rPr lang="ro-RO" sz="3000" dirty="0" err="1">
+                <a:latin typeface="Avenir Medium"/>
+                <a:cs typeface="Avenir Medium"/>
+              </a:rPr>
+              <a:t>Problems</a:t>
+            </a:r>
+            <a:r>
+              <a:rPr lang="ro-RO" sz="3000" dirty="0">
+                <a:latin typeface="Avenir Medium"/>
+                <a:cs typeface="Avenir Medium"/>
+              </a:rPr>
+              <a:t> (</a:t>
+            </a:r>
+            <a:r>
+              <a:rPr lang="ro-RO" sz="3000" dirty="0" err="1">
+                <a:latin typeface="Avenir Medium"/>
+                <a:cs typeface="Avenir Medium"/>
+              </a:rPr>
+              <a:t>and</a:t>
+            </a:r>
+            <a:r>
+              <a:rPr lang="ro-RO" sz="3000" dirty="0">
+                <a:latin typeface="Avenir Medium"/>
+                <a:cs typeface="Avenir Medium"/>
+              </a:rPr>
+              <a:t> </a:t>
+            </a:r>
+            <a:r>
+              <a:rPr lang="ro-RO" sz="3000" dirty="0" err="1">
+                <a:latin typeface="Avenir Medium"/>
+                <a:cs typeface="Avenir Medium"/>
+              </a:rPr>
+              <a:t>solutions</a:t>
+            </a:r>
+            <a:r>
+              <a:rPr lang="ro-RO" sz="3000" dirty="0">
+                <a:latin typeface="Avenir Medium"/>
+                <a:cs typeface="Avenir Medium"/>
+              </a:rPr>
+              <a:t>) </a:t>
+            </a:r>
+            <a:r>
+              <a:rPr lang="ro-RO" sz="3000" dirty="0" err="1">
+                <a:latin typeface="Avenir Medium"/>
+                <a:cs typeface="Avenir Medium"/>
+              </a:rPr>
+              <a:t>when</a:t>
+            </a:r>
+            <a:r>
+              <a:rPr lang="ro-RO" sz="3000" dirty="0">
+                <a:latin typeface="Avenir Medium"/>
+                <a:cs typeface="Avenir Medium"/>
+              </a:rPr>
+              <a:t> </a:t>
+            </a:r>
+            <a:r>
+              <a:rPr lang="ro-RO" sz="3000" dirty="0" err="1">
+                <a:latin typeface="Avenir Medium"/>
+                <a:cs typeface="Avenir Medium"/>
+              </a:rPr>
+              <a:t>dealing</a:t>
+            </a:r>
+            <a:r>
+              <a:rPr lang="ro-RO" sz="3000" dirty="0">
+                <a:latin typeface="Avenir Medium"/>
+                <a:cs typeface="Avenir Medium"/>
+              </a:rPr>
+              <a:t> </a:t>
+            </a:r>
+            <a:r>
+              <a:rPr lang="ro-RO" sz="3000" dirty="0" err="1">
+                <a:latin typeface="Avenir Medium"/>
+                <a:cs typeface="Avenir Medium"/>
+              </a:rPr>
+              <a:t>with</a:t>
+            </a:r>
+            <a:r>
+              <a:rPr lang="ro-RO" sz="3000" dirty="0">
+                <a:latin typeface="Avenir Medium"/>
+                <a:cs typeface="Avenir Medium"/>
+              </a:rPr>
+              <a:t> </a:t>
+            </a:r>
+            <a:r>
+              <a:rPr lang="ro-RO" sz="3000" dirty="0" err="1">
+                <a:latin typeface="Avenir Medium"/>
+                <a:cs typeface="Avenir Medium"/>
+              </a:rPr>
+              <a:t>surrogate</a:t>
+            </a:r>
+            <a:r>
+              <a:rPr lang="ro-RO" sz="3000" dirty="0">
+                <a:latin typeface="Avenir Medium"/>
+                <a:cs typeface="Avenir Medium"/>
+              </a:rPr>
+              <a:t> </a:t>
+            </a:r>
+            <a:r>
+              <a:rPr lang="ro-RO" sz="3000" dirty="0" err="1">
+                <a:latin typeface="Avenir Medium"/>
+                <a:cs typeface="Avenir Medium"/>
+              </a:rPr>
+              <a:t>keys</a:t>
+            </a:r>
+            <a:endParaRPr lang="ro-RO" sz="3000" dirty="0">
+              <a:latin typeface="Avenir Medium"/>
+              <a:cs typeface="Avenir Medium"/>
+            </a:endParaRPr>
+          </a:p>
+          <a:p>
+            <a:pPr lvl="1"/>
+            <a:r>
+              <a:rPr lang="ro-RO" sz="2600" dirty="0" err="1">
+                <a:latin typeface="Avenir Medium"/>
+                <a:cs typeface="Avenir Medium"/>
+              </a:rPr>
+              <a:t>updates</a:t>
+            </a:r>
+            <a:r>
+              <a:rPr lang="ro-RO" sz="2600" dirty="0">
+                <a:latin typeface="Avenir Medium"/>
+                <a:cs typeface="Avenir Medium"/>
+              </a:rPr>
+              <a:t> </a:t>
+            </a:r>
+            <a:r>
+              <a:rPr lang="ro-RO" sz="2600" dirty="0" err="1">
+                <a:latin typeface="Avenir Medium"/>
+                <a:cs typeface="Avenir Medium"/>
+              </a:rPr>
+              <a:t>that</a:t>
+            </a:r>
+            <a:r>
+              <a:rPr lang="ro-RO" sz="2600" dirty="0">
+                <a:latin typeface="Avenir Medium"/>
+                <a:cs typeface="Avenir Medium"/>
+              </a:rPr>
+              <a:t> set </a:t>
+            </a:r>
+            <a:r>
+              <a:rPr lang="ro-RO" sz="2600" dirty="0" err="1">
+                <a:latin typeface="Avenir Medium"/>
+                <a:cs typeface="Avenir Medium"/>
+              </a:rPr>
+              <a:t>the</a:t>
+            </a:r>
+            <a:r>
+              <a:rPr lang="ro-RO" sz="2600" dirty="0">
+                <a:latin typeface="Avenir Medium"/>
+                <a:cs typeface="Avenir Medium"/>
+              </a:rPr>
+              <a:t> </a:t>
+            </a:r>
+            <a:r>
+              <a:rPr lang="ro-RO" sz="2600" dirty="0" err="1">
+                <a:latin typeface="Avenir Medium"/>
+                <a:cs typeface="Avenir Medium"/>
+              </a:rPr>
+              <a:t>surrogate</a:t>
+            </a:r>
+            <a:r>
+              <a:rPr lang="ro-RO" sz="2600" dirty="0">
+                <a:latin typeface="Avenir Medium"/>
+                <a:cs typeface="Avenir Medium"/>
+              </a:rPr>
+              <a:t> </a:t>
+            </a:r>
+            <a:r>
+              <a:rPr lang="ro-RO" sz="2600" dirty="0" err="1">
+                <a:latin typeface="Avenir Medium"/>
+                <a:cs typeface="Avenir Medium"/>
+              </a:rPr>
+              <a:t>key</a:t>
+            </a:r>
+            <a:r>
+              <a:rPr lang="ro-RO" sz="2600" dirty="0">
+                <a:latin typeface="Avenir Medium"/>
+                <a:cs typeface="Avenir Medium"/>
+              </a:rPr>
+              <a:t> </a:t>
+            </a:r>
+            <a:r>
+              <a:rPr lang="ro-RO" sz="2600" dirty="0" err="1">
+                <a:latin typeface="Avenir Medium"/>
+                <a:cs typeface="Avenir Medium"/>
+              </a:rPr>
+              <a:t>value</a:t>
+            </a:r>
+            <a:r>
+              <a:rPr lang="ro-RO" sz="2600" dirty="0">
+                <a:latin typeface="Avenir Medium"/>
+                <a:cs typeface="Avenir Medium"/>
+              </a:rPr>
+              <a:t> </a:t>
+            </a:r>
+            <a:r>
+              <a:rPr lang="ro-RO" sz="2600" dirty="0" err="1">
+                <a:latin typeface="Avenir Medium"/>
+                <a:cs typeface="Avenir Medium"/>
+              </a:rPr>
+              <a:t>above</a:t>
+            </a:r>
+            <a:r>
+              <a:rPr lang="ro-RO" sz="2600" dirty="0">
+                <a:latin typeface="Avenir Medium"/>
+                <a:cs typeface="Avenir Medium"/>
+              </a:rPr>
+              <a:t> </a:t>
+            </a:r>
+            <a:r>
+              <a:rPr lang="ro-RO" sz="2600" dirty="0" err="1">
+                <a:latin typeface="Avenir Medium"/>
+                <a:cs typeface="Avenir Medium"/>
+              </a:rPr>
+              <a:t>the</a:t>
+            </a:r>
+            <a:r>
+              <a:rPr lang="ro-RO" sz="2600" dirty="0">
+                <a:latin typeface="Avenir Medium"/>
+                <a:cs typeface="Avenir Medium"/>
+              </a:rPr>
+              <a:t> </a:t>
+            </a:r>
+            <a:r>
+              <a:rPr lang="ro-RO" sz="2600" dirty="0" err="1">
+                <a:latin typeface="Avenir Medium"/>
+                <a:cs typeface="Avenir Medium"/>
+              </a:rPr>
+              <a:t>current</a:t>
+            </a:r>
+            <a:r>
+              <a:rPr lang="ro-RO" sz="2600" dirty="0">
+                <a:latin typeface="Avenir Medium"/>
+                <a:cs typeface="Avenir Medium"/>
+              </a:rPr>
+              <a:t> </a:t>
+            </a:r>
+            <a:r>
+              <a:rPr lang="ro-RO" sz="2600" dirty="0" err="1">
+                <a:latin typeface="Avenir Medium"/>
+                <a:cs typeface="Avenir Medium"/>
+              </a:rPr>
+              <a:t>value</a:t>
+            </a:r>
+            <a:r>
+              <a:rPr lang="ro-RO" sz="2600" dirty="0">
+                <a:latin typeface="Avenir Medium"/>
+                <a:cs typeface="Avenir Medium"/>
+              </a:rPr>
+              <a:t> of </a:t>
+            </a:r>
+            <a:r>
+              <a:rPr lang="ro-RO" sz="2600" dirty="0" err="1">
+                <a:latin typeface="Avenir Medium"/>
+                <a:cs typeface="Avenir Medium"/>
+              </a:rPr>
+              <a:t>the</a:t>
+            </a:r>
+            <a:r>
+              <a:rPr lang="ro-RO" sz="2600" dirty="0">
+                <a:latin typeface="Avenir Medium"/>
+                <a:cs typeface="Avenir Medium"/>
+              </a:rPr>
+              <a:t> </a:t>
+            </a:r>
+            <a:r>
+              <a:rPr lang="ro-RO" sz="2600" dirty="0" err="1">
+                <a:latin typeface="Avenir Medium"/>
+                <a:cs typeface="Avenir Medium"/>
+              </a:rPr>
+              <a:t>corresponding</a:t>
+            </a:r>
+            <a:r>
+              <a:rPr lang="ro-RO" sz="2600" dirty="0">
+                <a:latin typeface="Avenir Medium"/>
+                <a:cs typeface="Avenir Medium"/>
+              </a:rPr>
+              <a:t> </a:t>
+            </a:r>
+            <a:r>
+              <a:rPr lang="ro-RO" sz="2600" dirty="0" err="1">
+                <a:latin typeface="Avenir Medium"/>
+                <a:cs typeface="Avenir Medium"/>
+              </a:rPr>
+              <a:t>sequence</a:t>
+            </a:r>
+            <a:endParaRPr lang="ro-RO" sz="2600" dirty="0">
+              <a:latin typeface="Avenir Medium"/>
+              <a:cs typeface="Avenir Medium"/>
+            </a:endParaRPr>
+          </a:p>
+          <a:p>
+            <a:pPr lvl="1"/>
+            <a:r>
+              <a:rPr lang="ro-RO" sz="2600" dirty="0" err="1">
+                <a:latin typeface="Avenir Medium"/>
+                <a:cs typeface="Avenir Medium"/>
+              </a:rPr>
+              <a:t>managing</a:t>
+            </a:r>
+            <a:r>
+              <a:rPr lang="ro-RO" sz="2600" dirty="0">
+                <a:latin typeface="Avenir Medium"/>
+                <a:cs typeface="Avenir Medium"/>
+              </a:rPr>
+              <a:t> </a:t>
+            </a:r>
+            <a:r>
+              <a:rPr lang="ro-RO" sz="2600" dirty="0" err="1">
+                <a:latin typeface="Avenir Medium"/>
+                <a:cs typeface="Avenir Medium"/>
+              </a:rPr>
+              <a:t>foreign</a:t>
+            </a:r>
+            <a:r>
+              <a:rPr lang="ro-RO" sz="2600" dirty="0">
+                <a:latin typeface="Avenir Medium"/>
+                <a:cs typeface="Avenir Medium"/>
+              </a:rPr>
+              <a:t> </a:t>
+            </a:r>
+            <a:r>
+              <a:rPr lang="ro-RO" sz="2600" dirty="0" err="1">
+                <a:latin typeface="Avenir Medium"/>
+                <a:cs typeface="Avenir Medium"/>
+              </a:rPr>
+              <a:t>keys</a:t>
+            </a:r>
+            <a:r>
+              <a:rPr lang="ro-RO" sz="2600" dirty="0">
+                <a:latin typeface="Avenir Medium"/>
+                <a:cs typeface="Avenir Medium"/>
+              </a:rPr>
+              <a:t> </a:t>
+            </a:r>
+            <a:r>
+              <a:rPr lang="ro-RO" sz="2600" dirty="0" err="1">
+                <a:latin typeface="Avenir Medium"/>
+                <a:cs typeface="Avenir Medium"/>
+              </a:rPr>
+              <a:t>values</a:t>
+            </a:r>
+            <a:r>
+              <a:rPr lang="ro-RO" sz="2600" dirty="0">
+                <a:latin typeface="Avenir Medium"/>
+                <a:cs typeface="Avenir Medium"/>
+              </a:rPr>
+              <a:t> of </a:t>
+            </a:r>
+            <a:r>
+              <a:rPr lang="ro-RO" sz="2600" dirty="0" err="1">
+                <a:latin typeface="Avenir Medium"/>
+                <a:cs typeface="Avenir Medium"/>
+              </a:rPr>
+              <a:t>the</a:t>
+            </a:r>
+            <a:r>
+              <a:rPr lang="ro-RO" sz="2600" dirty="0">
+                <a:latin typeface="Avenir Medium"/>
+                <a:cs typeface="Avenir Medium"/>
+              </a:rPr>
+              <a:t> </a:t>
+            </a:r>
+            <a:r>
+              <a:rPr lang="ro-RO" sz="2600" dirty="0" err="1">
+                <a:latin typeface="Avenir Medium"/>
+                <a:cs typeface="Avenir Medium"/>
+              </a:rPr>
+              <a:t>surrogate</a:t>
+            </a:r>
+            <a:r>
+              <a:rPr lang="ro-RO" sz="2600" dirty="0">
+                <a:latin typeface="Avenir Medium"/>
+                <a:cs typeface="Avenir Medium"/>
+              </a:rPr>
+              <a:t> </a:t>
+            </a:r>
+            <a:r>
+              <a:rPr lang="ro-RO" sz="2600" dirty="0" err="1">
+                <a:latin typeface="Avenir Medium"/>
+                <a:cs typeface="Avenir Medium"/>
+              </a:rPr>
+              <a:t>keys</a:t>
+            </a:r>
+            <a:r>
+              <a:rPr lang="ro-RO" sz="2600" dirty="0">
+                <a:latin typeface="Avenir Medium"/>
+                <a:cs typeface="Avenir Medium"/>
+              </a:rPr>
+              <a:t> </a:t>
+            </a:r>
+            <a:r>
+              <a:rPr lang="ro-RO" sz="2600" dirty="0" err="1">
+                <a:latin typeface="Avenir Medium"/>
+                <a:cs typeface="Avenir Medium"/>
+              </a:rPr>
+              <a:t>when</a:t>
+            </a:r>
+            <a:r>
+              <a:rPr lang="ro-RO" sz="2600" dirty="0">
+                <a:latin typeface="Avenir Medium"/>
+                <a:cs typeface="Avenir Medium"/>
+              </a:rPr>
+              <a:t> </a:t>
+            </a:r>
+            <a:r>
+              <a:rPr lang="ro-RO" sz="2600" dirty="0" err="1">
+                <a:latin typeface="Avenir Medium"/>
+                <a:cs typeface="Avenir Medium"/>
+              </a:rPr>
+              <a:t>inserting</a:t>
+            </a:r>
+            <a:r>
+              <a:rPr lang="ro-RO" sz="2600" dirty="0">
+                <a:latin typeface="Avenir Medium"/>
+                <a:cs typeface="Avenir Medium"/>
+              </a:rPr>
+              <a:t> </a:t>
+            </a:r>
+            <a:r>
+              <a:rPr lang="ro-RO" sz="2600" dirty="0" err="1">
+                <a:latin typeface="Avenir Medium"/>
+                <a:cs typeface="Avenir Medium"/>
+              </a:rPr>
+              <a:t>records</a:t>
+            </a:r>
+            <a:r>
+              <a:rPr lang="ro-RO" sz="2600" dirty="0">
+                <a:latin typeface="Avenir Medium"/>
+                <a:cs typeface="Avenir Medium"/>
+              </a:rPr>
+              <a:t> in </a:t>
+            </a:r>
+            <a:r>
+              <a:rPr lang="ro-RO" sz="2600" dirty="0" err="1">
+                <a:latin typeface="Avenir Medium"/>
+                <a:cs typeface="Avenir Medium"/>
+              </a:rPr>
+              <a:t>child</a:t>
+            </a:r>
+            <a:r>
+              <a:rPr lang="ro-RO" sz="2600" dirty="0">
+                <a:latin typeface="Avenir Medium"/>
+                <a:cs typeface="Avenir Medium"/>
+              </a:rPr>
+              <a:t> </a:t>
+            </a:r>
+            <a:r>
+              <a:rPr lang="ro-RO" sz="2600" dirty="0" err="1">
+                <a:latin typeface="Avenir Medium"/>
+                <a:cs typeface="Avenir Medium"/>
+              </a:rPr>
+              <a:t>tables</a:t>
+            </a:r>
+            <a:endParaRPr lang="ro-RO" sz="2600" dirty="0">
+              <a:latin typeface="Avenir Medium"/>
+              <a:cs typeface="Avenir Medium"/>
+            </a:endParaRPr>
+          </a:p>
+          <a:p>
+            <a:endParaRPr lang="ro-RO" sz="3000" dirty="0">
+              <a:latin typeface="Avenir Medium"/>
+              <a:cs typeface="Avenir Medium"/>
+            </a:endParaRPr>
+          </a:p>
+          <a:p>
+            <a:pPr marL="82296" indent="0">
+              <a:buNone/>
+            </a:pPr>
+            <a:endParaRPr lang="ro-RO" sz="3000" dirty="0">
+              <a:latin typeface="Avenir Medium"/>
+              <a:cs typeface="Avenir Medium"/>
+            </a:endParaRPr>
+          </a:p>
+          <a:p>
+            <a:endParaRPr lang="ro-RO" sz="3000" dirty="0">
+              <a:latin typeface="Avenir Medium"/>
+              <a:cs typeface="Avenir Medium"/>
+            </a:endParaRPr>
+          </a:p>
+          <a:p>
+            <a:endParaRPr lang="ro-RO" sz="3000" dirty="0">
+              <a:latin typeface="Avenir Medium"/>
+              <a:cs typeface="Avenir Medium"/>
+            </a:endParaRPr>
+          </a:p>
+          <a:p>
+            <a:endParaRPr lang="ro-RO" sz="3000" dirty="0">
+              <a:latin typeface="Avenir Medium"/>
+              <a:cs typeface="Avenir Medium"/>
+            </a:endParaRPr>
+          </a:p>
+        </p:txBody>
+      </p:sp>
+    </p:spTree>
+    <p:extLst>
+      <p:ext uri="{BB962C8B-B14F-4D97-AF65-F5344CB8AC3E}">
+        <p14:creationId xmlns:p14="http://schemas.microsoft.com/office/powerpoint/2010/main" val="300327083"/>
       </p:ext>
     </p:extLst>
   </p:cSld>
@@ -7251,6 +9215,2783 @@
     <p:extLst>
       <p:ext uri="{BB962C8B-B14F-4D97-AF65-F5344CB8AC3E}">
         <p14:creationId xmlns:p14="http://schemas.microsoft.com/office/powerpoint/2010/main" val="4257978790"/>
+      </p:ext>
+    </p:extLst>
+  </p:cSld>
+  <p:clrMapOvr>
+    <a:masterClrMapping/>
+  </p:clrMapOvr>
+  <p:transition>
+    <p:random/>
+  </p:transition>
+</p:sld>
+</file>
+
+<file path=ppt/slides/slide20.xml><?xml version="1.0" encoding="utf-8"?>
+<p:sld xmlns:a="http://schemas.openxmlformats.org/drawingml/2006/main" xmlns:r="http://schemas.openxmlformats.org/officeDocument/2006/relationships" xmlns:p="http://schemas.openxmlformats.org/presentationml/2006/main">
+  <p:cSld>
+    <p:spTree>
+      <p:nvGrpSpPr>
+        <p:cNvPr id="1" name=""/>
+        <p:cNvGrpSpPr/>
+        <p:nvPr/>
+      </p:nvGrpSpPr>
+      <p:grpSpPr>
+        <a:xfrm>
+          <a:off x="0" y="0"/>
+          <a:ext cx="0" cy="0"/>
+          <a:chOff x="0" y="0"/>
+          <a:chExt cx="0" cy="0"/>
+        </a:xfrm>
+      </p:grpSpPr>
+      <p:sp>
+        <p:nvSpPr>
+          <p:cNvPr id="2" name="Title 1"/>
+          <p:cNvSpPr>
+            <a:spLocks noGrp="1"/>
+          </p:cNvSpPr>
+          <p:nvPr>
+            <p:ph type="title"/>
+          </p:nvPr>
+        </p:nvSpPr>
+        <p:spPr>
+          <a:xfrm>
+            <a:off x="0" y="152400"/>
+            <a:ext cx="9144000" cy="609600"/>
+          </a:xfrm>
+        </p:spPr>
+        <p:txBody>
+          <a:bodyPr anchor="ctr">
+            <a:normAutofit fontScale="90000"/>
+          </a:bodyPr>
+          <a:lstStyle/>
+          <a:p>
+            <a:pPr algn="ctr"/>
+            <a:r>
+              <a:rPr lang="ro-RO" sz="3600" dirty="0">
+                <a:latin typeface="American Typewriter"/>
+                <a:ea typeface="Arial Unicode MS" panose="020B0604020202020204" pitchFamily="34" charset="-128"/>
+                <a:cs typeface="American Typewriter"/>
+              </a:rPr>
+              <a:t>Foreign </a:t>
+            </a:r>
+            <a:r>
+              <a:rPr lang="ro-RO" sz="3600" dirty="0" err="1">
+                <a:latin typeface="American Typewriter"/>
+                <a:ea typeface="Arial Unicode MS" panose="020B0604020202020204" pitchFamily="34" charset="-128"/>
+                <a:cs typeface="American Typewriter"/>
+              </a:rPr>
+              <a:t>Keys</a:t>
+            </a:r>
+            <a:r>
+              <a:rPr lang="ro-RO" sz="3600" dirty="0">
+                <a:latin typeface="American Typewriter"/>
+                <a:ea typeface="Arial Unicode MS" panose="020B0604020202020204" pitchFamily="34" charset="-128"/>
+                <a:cs typeface="American Typewriter"/>
+              </a:rPr>
+              <a:t> in </a:t>
+            </a:r>
+            <a:r>
+              <a:rPr lang="ro-RO" sz="3600" b="1" dirty="0" err="1">
+                <a:latin typeface="American Typewriter"/>
+                <a:ea typeface="Arial Unicode MS" panose="020B0604020202020204" pitchFamily="34" charset="-128"/>
+                <a:cs typeface="American Typewriter"/>
+              </a:rPr>
+              <a:t>sales</a:t>
+            </a:r>
+            <a:r>
+              <a:rPr lang="ro-RO" sz="3600" dirty="0">
+                <a:latin typeface="American Typewriter"/>
+                <a:ea typeface="Arial Unicode MS" panose="020B0604020202020204" pitchFamily="34" charset="-128"/>
+                <a:cs typeface="American Typewriter"/>
+              </a:rPr>
+              <a:t> </a:t>
+            </a:r>
+            <a:r>
+              <a:rPr lang="ro-RO" sz="3600" dirty="0" err="1">
+                <a:latin typeface="American Typewriter"/>
+                <a:ea typeface="Arial Unicode MS" panose="020B0604020202020204" pitchFamily="34" charset="-128"/>
+                <a:cs typeface="American Typewriter"/>
+              </a:rPr>
+              <a:t>Database</a:t>
+            </a:r>
+            <a:endParaRPr lang="en-US" sz="3600" dirty="0">
+              <a:latin typeface="American Typewriter"/>
+              <a:ea typeface="Arial Unicode MS" panose="020B0604020202020204" pitchFamily="34" charset="-128"/>
+              <a:cs typeface="American Typewriter"/>
+            </a:endParaRPr>
+          </a:p>
+        </p:txBody>
+      </p:sp>
+      <p:pic>
+        <p:nvPicPr>
+          <p:cNvPr id="8" name="Picture 7">
+            <a:extLst>
+              <a:ext uri="{FF2B5EF4-FFF2-40B4-BE49-F238E27FC236}">
+                <a16:creationId xmlns:a16="http://schemas.microsoft.com/office/drawing/2014/main" id="{5945716E-36A6-A24D-B145-CDA32862CFDC}"/>
+              </a:ext>
+            </a:extLst>
+          </p:cNvPr>
+          <p:cNvPicPr>
+            <a:picLocks noChangeAspect="1"/>
+          </p:cNvPicPr>
+          <p:nvPr/>
+        </p:nvPicPr>
+        <p:blipFill>
+          <a:blip r:embed="rId2">
+            <a:extLst>
+              <a:ext uri="{28A0092B-C50C-407E-A947-70E740481C1C}">
+                <a14:useLocalDpi xmlns:a14="http://schemas.microsoft.com/office/drawing/2010/main" val="0"/>
+              </a:ext>
+            </a:extLst>
+          </a:blip>
+          <a:stretch>
+            <a:fillRect/>
+          </a:stretch>
+        </p:blipFill>
+        <p:spPr>
+          <a:xfrm>
+            <a:off x="0" y="913993"/>
+            <a:ext cx="9144000" cy="5944007"/>
+          </a:xfrm>
+          <a:prstGeom prst="rect">
+            <a:avLst/>
+          </a:prstGeom>
+        </p:spPr>
+      </p:pic>
+      <p:cxnSp>
+        <p:nvCxnSpPr>
+          <p:cNvPr id="4" name="Straight Arrow Connector 3">
+            <a:extLst>
+              <a:ext uri="{FF2B5EF4-FFF2-40B4-BE49-F238E27FC236}">
+                <a16:creationId xmlns:a16="http://schemas.microsoft.com/office/drawing/2014/main" id="{84BCEE13-23E7-7247-8EDA-CD3626DCD096}"/>
+              </a:ext>
+            </a:extLst>
+          </p:cNvPr>
+          <p:cNvCxnSpPr>
+            <a:cxnSpLocks/>
+          </p:cNvCxnSpPr>
+          <p:nvPr/>
+        </p:nvCxnSpPr>
+        <p:spPr>
+          <a:xfrm flipV="1">
+            <a:off x="4383157" y="1219200"/>
+            <a:ext cx="493643" cy="152400"/>
+          </a:xfrm>
+          <a:prstGeom prst="straightConnector1">
+            <a:avLst/>
+          </a:prstGeom>
+          <a:ln w="25400">
+            <a:solidFill>
+              <a:schemeClr val="accent5"/>
+            </a:solidFill>
+            <a:tailEnd type="triangle"/>
+          </a:ln>
+        </p:spPr>
+        <p:style>
+          <a:lnRef idx="1">
+            <a:schemeClr val="accent5"/>
+          </a:lnRef>
+          <a:fillRef idx="0">
+            <a:schemeClr val="accent5"/>
+          </a:fillRef>
+          <a:effectRef idx="0">
+            <a:schemeClr val="accent5"/>
+          </a:effectRef>
+          <a:fontRef idx="minor">
+            <a:schemeClr val="tx1"/>
+          </a:fontRef>
+        </p:style>
+      </p:cxnSp>
+      <p:cxnSp>
+        <p:nvCxnSpPr>
+          <p:cNvPr id="7" name="Straight Arrow Connector 6">
+            <a:extLst>
+              <a:ext uri="{FF2B5EF4-FFF2-40B4-BE49-F238E27FC236}">
+                <a16:creationId xmlns:a16="http://schemas.microsoft.com/office/drawing/2014/main" id="{D8D31691-20F7-7248-B70A-9CCBE9C8ED85}"/>
+              </a:ext>
+            </a:extLst>
+          </p:cNvPr>
+          <p:cNvCxnSpPr>
+            <a:cxnSpLocks/>
+          </p:cNvCxnSpPr>
+          <p:nvPr/>
+        </p:nvCxnSpPr>
+        <p:spPr>
+          <a:xfrm flipV="1">
+            <a:off x="1262270" y="1143000"/>
+            <a:ext cx="2242930" cy="665922"/>
+          </a:xfrm>
+          <a:prstGeom prst="straightConnector1">
+            <a:avLst/>
+          </a:prstGeom>
+          <a:ln w="25400">
+            <a:solidFill>
+              <a:schemeClr val="accent5"/>
+            </a:solidFill>
+            <a:tailEnd type="triangle"/>
+          </a:ln>
+        </p:spPr>
+        <p:style>
+          <a:lnRef idx="1">
+            <a:schemeClr val="accent5"/>
+          </a:lnRef>
+          <a:fillRef idx="0">
+            <a:schemeClr val="accent5"/>
+          </a:fillRef>
+          <a:effectRef idx="0">
+            <a:schemeClr val="accent5"/>
+          </a:effectRef>
+          <a:fontRef idx="minor">
+            <a:schemeClr val="tx1"/>
+          </a:fontRef>
+        </p:style>
+      </p:cxnSp>
+      <p:cxnSp>
+        <p:nvCxnSpPr>
+          <p:cNvPr id="9" name="Straight Arrow Connector 8">
+            <a:extLst>
+              <a:ext uri="{FF2B5EF4-FFF2-40B4-BE49-F238E27FC236}">
+                <a16:creationId xmlns:a16="http://schemas.microsoft.com/office/drawing/2014/main" id="{6D0220BD-A981-4B41-A633-BD3828B4F3D0}"/>
+              </a:ext>
+            </a:extLst>
+          </p:cNvPr>
+          <p:cNvCxnSpPr>
+            <a:cxnSpLocks/>
+          </p:cNvCxnSpPr>
+          <p:nvPr/>
+        </p:nvCxnSpPr>
+        <p:spPr>
+          <a:xfrm flipH="1" flipV="1">
+            <a:off x="626166" y="1143000"/>
+            <a:ext cx="1331843" cy="596348"/>
+          </a:xfrm>
+          <a:prstGeom prst="straightConnector1">
+            <a:avLst/>
+          </a:prstGeom>
+          <a:ln w="25400">
+            <a:solidFill>
+              <a:schemeClr val="accent5"/>
+            </a:solidFill>
+            <a:tailEnd type="triangle"/>
+          </a:ln>
+        </p:spPr>
+        <p:style>
+          <a:lnRef idx="1">
+            <a:schemeClr val="accent5"/>
+          </a:lnRef>
+          <a:fillRef idx="0">
+            <a:schemeClr val="accent5"/>
+          </a:fillRef>
+          <a:effectRef idx="0">
+            <a:schemeClr val="accent5"/>
+          </a:effectRef>
+          <a:fontRef idx="minor">
+            <a:schemeClr val="tx1"/>
+          </a:fontRef>
+        </p:style>
+      </p:cxnSp>
+      <p:cxnSp>
+        <p:nvCxnSpPr>
+          <p:cNvPr id="18" name="Straight Arrow Connector 17">
+            <a:extLst>
+              <a:ext uri="{FF2B5EF4-FFF2-40B4-BE49-F238E27FC236}">
+                <a16:creationId xmlns:a16="http://schemas.microsoft.com/office/drawing/2014/main" id="{3CDA4580-F509-9D41-99D9-0862ECBE28CE}"/>
+              </a:ext>
+            </a:extLst>
+          </p:cNvPr>
+          <p:cNvCxnSpPr>
+            <a:cxnSpLocks/>
+          </p:cNvCxnSpPr>
+          <p:nvPr/>
+        </p:nvCxnSpPr>
+        <p:spPr>
+          <a:xfrm>
+            <a:off x="2726636" y="1885122"/>
+            <a:ext cx="2262807" cy="251791"/>
+          </a:xfrm>
+          <a:prstGeom prst="straightConnector1">
+            <a:avLst/>
+          </a:prstGeom>
+          <a:ln w="25400">
+            <a:solidFill>
+              <a:schemeClr val="accent5"/>
+            </a:solidFill>
+            <a:tailEnd type="triangle"/>
+          </a:ln>
+        </p:spPr>
+        <p:style>
+          <a:lnRef idx="1">
+            <a:schemeClr val="accent5"/>
+          </a:lnRef>
+          <a:fillRef idx="0">
+            <a:schemeClr val="accent5"/>
+          </a:fillRef>
+          <a:effectRef idx="0">
+            <a:schemeClr val="accent5"/>
+          </a:effectRef>
+          <a:fontRef idx="minor">
+            <a:schemeClr val="tx1"/>
+          </a:fontRef>
+        </p:style>
+      </p:cxnSp>
+      <p:cxnSp>
+        <p:nvCxnSpPr>
+          <p:cNvPr id="20" name="Straight Arrow Connector 19">
+            <a:extLst>
+              <a:ext uri="{FF2B5EF4-FFF2-40B4-BE49-F238E27FC236}">
+                <a16:creationId xmlns:a16="http://schemas.microsoft.com/office/drawing/2014/main" id="{7FF8AEA7-981A-A24A-A6C4-4466F714C524}"/>
+              </a:ext>
+            </a:extLst>
+          </p:cNvPr>
+          <p:cNvCxnSpPr>
+            <a:cxnSpLocks/>
+          </p:cNvCxnSpPr>
+          <p:nvPr/>
+        </p:nvCxnSpPr>
+        <p:spPr>
+          <a:xfrm flipV="1">
+            <a:off x="2726636" y="2136913"/>
+            <a:ext cx="2262807" cy="566530"/>
+          </a:xfrm>
+          <a:prstGeom prst="straightConnector1">
+            <a:avLst/>
+          </a:prstGeom>
+          <a:ln w="25400">
+            <a:solidFill>
+              <a:schemeClr val="accent5"/>
+            </a:solidFill>
+            <a:tailEnd type="triangle"/>
+          </a:ln>
+        </p:spPr>
+        <p:style>
+          <a:lnRef idx="1">
+            <a:schemeClr val="accent5"/>
+          </a:lnRef>
+          <a:fillRef idx="0">
+            <a:schemeClr val="accent5"/>
+          </a:fillRef>
+          <a:effectRef idx="0">
+            <a:schemeClr val="accent5"/>
+          </a:effectRef>
+          <a:fontRef idx="minor">
+            <a:schemeClr val="tx1"/>
+          </a:fontRef>
+        </p:style>
+      </p:cxnSp>
+      <p:cxnSp>
+        <p:nvCxnSpPr>
+          <p:cNvPr id="22" name="Straight Arrow Connector 21">
+            <a:extLst>
+              <a:ext uri="{FF2B5EF4-FFF2-40B4-BE49-F238E27FC236}">
+                <a16:creationId xmlns:a16="http://schemas.microsoft.com/office/drawing/2014/main" id="{78D5EEC7-96A2-4849-9726-AE085BF2EDB3}"/>
+              </a:ext>
+            </a:extLst>
+          </p:cNvPr>
+          <p:cNvCxnSpPr>
+            <a:cxnSpLocks/>
+          </p:cNvCxnSpPr>
+          <p:nvPr/>
+        </p:nvCxnSpPr>
+        <p:spPr>
+          <a:xfrm flipH="1" flipV="1">
+            <a:off x="516835" y="1219200"/>
+            <a:ext cx="1441174" cy="1803952"/>
+          </a:xfrm>
+          <a:prstGeom prst="straightConnector1">
+            <a:avLst/>
+          </a:prstGeom>
+          <a:ln w="25400">
+            <a:solidFill>
+              <a:schemeClr val="accent5"/>
+            </a:solidFill>
+            <a:tailEnd type="triangle"/>
+          </a:ln>
+        </p:spPr>
+        <p:style>
+          <a:lnRef idx="1">
+            <a:schemeClr val="accent5"/>
+          </a:lnRef>
+          <a:fillRef idx="0">
+            <a:schemeClr val="accent5"/>
+          </a:fillRef>
+          <a:effectRef idx="0">
+            <a:schemeClr val="accent5"/>
+          </a:effectRef>
+          <a:fontRef idx="minor">
+            <a:schemeClr val="tx1"/>
+          </a:fontRef>
+        </p:style>
+      </p:cxnSp>
+      <p:cxnSp>
+        <p:nvCxnSpPr>
+          <p:cNvPr id="25" name="Straight Arrow Connector 24">
+            <a:extLst>
+              <a:ext uri="{FF2B5EF4-FFF2-40B4-BE49-F238E27FC236}">
+                <a16:creationId xmlns:a16="http://schemas.microsoft.com/office/drawing/2014/main" id="{0FDBC92A-8CE2-504C-B683-5880AA9DED57}"/>
+              </a:ext>
+            </a:extLst>
+          </p:cNvPr>
+          <p:cNvCxnSpPr>
+            <a:cxnSpLocks/>
+          </p:cNvCxnSpPr>
+          <p:nvPr/>
+        </p:nvCxnSpPr>
+        <p:spPr>
+          <a:xfrm>
+            <a:off x="516835" y="3578087"/>
+            <a:ext cx="1" cy="987287"/>
+          </a:xfrm>
+          <a:prstGeom prst="straightConnector1">
+            <a:avLst/>
+          </a:prstGeom>
+          <a:ln w="25400">
+            <a:solidFill>
+              <a:schemeClr val="accent5"/>
+            </a:solidFill>
+            <a:tailEnd type="triangle"/>
+          </a:ln>
+        </p:spPr>
+        <p:style>
+          <a:lnRef idx="1">
+            <a:schemeClr val="accent5"/>
+          </a:lnRef>
+          <a:fillRef idx="0">
+            <a:schemeClr val="accent5"/>
+          </a:fillRef>
+          <a:effectRef idx="0">
+            <a:schemeClr val="accent5"/>
+          </a:effectRef>
+          <a:fontRef idx="minor">
+            <a:schemeClr val="tx1"/>
+          </a:fontRef>
+        </p:style>
+      </p:cxnSp>
+      <p:cxnSp>
+        <p:nvCxnSpPr>
+          <p:cNvPr id="27" name="Straight Arrow Connector 26">
+            <a:extLst>
+              <a:ext uri="{FF2B5EF4-FFF2-40B4-BE49-F238E27FC236}">
+                <a16:creationId xmlns:a16="http://schemas.microsoft.com/office/drawing/2014/main" id="{AA1EA43A-EEC9-864A-8D5D-5B1104088E7E}"/>
+              </a:ext>
+            </a:extLst>
+          </p:cNvPr>
+          <p:cNvCxnSpPr>
+            <a:cxnSpLocks/>
+          </p:cNvCxnSpPr>
+          <p:nvPr/>
+        </p:nvCxnSpPr>
+        <p:spPr>
+          <a:xfrm flipH="1" flipV="1">
+            <a:off x="516835" y="4641574"/>
+            <a:ext cx="258418" cy="1560444"/>
+          </a:xfrm>
+          <a:prstGeom prst="straightConnector1">
+            <a:avLst/>
+          </a:prstGeom>
+          <a:ln w="25400">
+            <a:solidFill>
+              <a:schemeClr val="accent5"/>
+            </a:solidFill>
+            <a:tailEnd type="triangle"/>
+          </a:ln>
+        </p:spPr>
+        <p:style>
+          <a:lnRef idx="1">
+            <a:schemeClr val="accent5"/>
+          </a:lnRef>
+          <a:fillRef idx="0">
+            <a:schemeClr val="accent5"/>
+          </a:fillRef>
+          <a:effectRef idx="0">
+            <a:schemeClr val="accent5"/>
+          </a:effectRef>
+          <a:fontRef idx="minor">
+            <a:schemeClr val="tx1"/>
+          </a:fontRef>
+        </p:style>
+      </p:cxnSp>
+      <p:cxnSp>
+        <p:nvCxnSpPr>
+          <p:cNvPr id="31" name="Straight Arrow Connector 30">
+            <a:extLst>
+              <a:ext uri="{FF2B5EF4-FFF2-40B4-BE49-F238E27FC236}">
+                <a16:creationId xmlns:a16="http://schemas.microsoft.com/office/drawing/2014/main" id="{7E73125B-8419-4C4E-9E0E-BBDDCB20257B}"/>
+              </a:ext>
+            </a:extLst>
+          </p:cNvPr>
+          <p:cNvCxnSpPr>
+            <a:cxnSpLocks/>
+          </p:cNvCxnSpPr>
+          <p:nvPr/>
+        </p:nvCxnSpPr>
+        <p:spPr>
+          <a:xfrm flipV="1">
+            <a:off x="1133061" y="5944008"/>
+            <a:ext cx="4065104" cy="397157"/>
+          </a:xfrm>
+          <a:prstGeom prst="straightConnector1">
+            <a:avLst/>
+          </a:prstGeom>
+          <a:ln w="25400">
+            <a:solidFill>
+              <a:schemeClr val="accent5"/>
+            </a:solidFill>
+            <a:tailEnd type="triangle"/>
+          </a:ln>
+        </p:spPr>
+        <p:style>
+          <a:lnRef idx="1">
+            <a:schemeClr val="accent5"/>
+          </a:lnRef>
+          <a:fillRef idx="0">
+            <a:schemeClr val="accent5"/>
+          </a:fillRef>
+          <a:effectRef idx="0">
+            <a:schemeClr val="accent5"/>
+          </a:effectRef>
+          <a:fontRef idx="minor">
+            <a:schemeClr val="tx1"/>
+          </a:fontRef>
+        </p:style>
+      </p:cxnSp>
+      <p:cxnSp>
+        <p:nvCxnSpPr>
+          <p:cNvPr id="34" name="Straight Arrow Connector 33">
+            <a:extLst>
+              <a:ext uri="{FF2B5EF4-FFF2-40B4-BE49-F238E27FC236}">
+                <a16:creationId xmlns:a16="http://schemas.microsoft.com/office/drawing/2014/main" id="{22185594-9F23-6340-BFE6-63812852FCC4}"/>
+              </a:ext>
+            </a:extLst>
+          </p:cNvPr>
+          <p:cNvCxnSpPr>
+            <a:cxnSpLocks/>
+          </p:cNvCxnSpPr>
+          <p:nvPr/>
+        </p:nvCxnSpPr>
+        <p:spPr>
+          <a:xfrm flipV="1">
+            <a:off x="5943600" y="3677886"/>
+            <a:ext cx="1590261" cy="2524132"/>
+          </a:xfrm>
+          <a:prstGeom prst="straightConnector1">
+            <a:avLst/>
+          </a:prstGeom>
+          <a:ln w="25400">
+            <a:solidFill>
+              <a:schemeClr val="accent5"/>
+            </a:solidFill>
+            <a:tailEnd type="triangle"/>
+          </a:ln>
+        </p:spPr>
+        <p:style>
+          <a:lnRef idx="1">
+            <a:schemeClr val="accent5"/>
+          </a:lnRef>
+          <a:fillRef idx="0">
+            <a:schemeClr val="accent5"/>
+          </a:fillRef>
+          <a:effectRef idx="0">
+            <a:schemeClr val="accent5"/>
+          </a:effectRef>
+          <a:fontRef idx="minor">
+            <a:schemeClr val="tx1"/>
+          </a:fontRef>
+        </p:style>
+      </p:cxnSp>
+      <p:cxnSp>
+        <p:nvCxnSpPr>
+          <p:cNvPr id="37" name="Straight Arrow Connector 36">
+            <a:extLst>
+              <a:ext uri="{FF2B5EF4-FFF2-40B4-BE49-F238E27FC236}">
+                <a16:creationId xmlns:a16="http://schemas.microsoft.com/office/drawing/2014/main" id="{EB1FACC4-0CED-1542-A882-C66786DB3C65}"/>
+              </a:ext>
+            </a:extLst>
+          </p:cNvPr>
+          <p:cNvCxnSpPr>
+            <a:cxnSpLocks/>
+          </p:cNvCxnSpPr>
+          <p:nvPr/>
+        </p:nvCxnSpPr>
+        <p:spPr>
+          <a:xfrm flipH="1" flipV="1">
+            <a:off x="7682948" y="3677886"/>
+            <a:ext cx="407505" cy="2663280"/>
+          </a:xfrm>
+          <a:prstGeom prst="straightConnector1">
+            <a:avLst/>
+          </a:prstGeom>
+          <a:ln w="25400">
+            <a:solidFill>
+              <a:schemeClr val="accent5"/>
+            </a:solidFill>
+            <a:tailEnd type="triangle"/>
+          </a:ln>
+        </p:spPr>
+        <p:style>
+          <a:lnRef idx="1">
+            <a:schemeClr val="accent5"/>
+          </a:lnRef>
+          <a:fillRef idx="0">
+            <a:schemeClr val="accent5"/>
+          </a:fillRef>
+          <a:effectRef idx="0">
+            <a:schemeClr val="accent5"/>
+          </a:effectRef>
+          <a:fontRef idx="minor">
+            <a:schemeClr val="tx1"/>
+          </a:fontRef>
+        </p:style>
+      </p:cxnSp>
+      <p:cxnSp>
+        <p:nvCxnSpPr>
+          <p:cNvPr id="40" name="Straight Arrow Connector 39">
+            <a:extLst>
+              <a:ext uri="{FF2B5EF4-FFF2-40B4-BE49-F238E27FC236}">
+                <a16:creationId xmlns:a16="http://schemas.microsoft.com/office/drawing/2014/main" id="{9B3D08EB-EAE6-6A4D-B15E-DD4661CE31C9}"/>
+              </a:ext>
+            </a:extLst>
+          </p:cNvPr>
+          <p:cNvCxnSpPr>
+            <a:cxnSpLocks/>
+          </p:cNvCxnSpPr>
+          <p:nvPr/>
+        </p:nvCxnSpPr>
+        <p:spPr>
+          <a:xfrm>
+            <a:off x="7749209" y="2593285"/>
+            <a:ext cx="0" cy="1084601"/>
+          </a:xfrm>
+          <a:prstGeom prst="straightConnector1">
+            <a:avLst/>
+          </a:prstGeom>
+          <a:ln w="25400">
+            <a:solidFill>
+              <a:schemeClr val="accent5"/>
+            </a:solidFill>
+            <a:tailEnd type="triangle"/>
+          </a:ln>
+        </p:spPr>
+        <p:style>
+          <a:lnRef idx="1">
+            <a:schemeClr val="accent5"/>
+          </a:lnRef>
+          <a:fillRef idx="0">
+            <a:schemeClr val="accent5"/>
+          </a:fillRef>
+          <a:effectRef idx="0">
+            <a:schemeClr val="accent5"/>
+          </a:effectRef>
+          <a:fontRef idx="minor">
+            <a:schemeClr val="tx1"/>
+          </a:fontRef>
+        </p:style>
+      </p:cxnSp>
+      <p:cxnSp>
+        <p:nvCxnSpPr>
+          <p:cNvPr id="42" name="Straight Arrow Connector 41">
+            <a:extLst>
+              <a:ext uri="{FF2B5EF4-FFF2-40B4-BE49-F238E27FC236}">
+                <a16:creationId xmlns:a16="http://schemas.microsoft.com/office/drawing/2014/main" id="{9D0737E7-A4A0-AA48-8F85-E0C2D713E043}"/>
+              </a:ext>
+            </a:extLst>
+          </p:cNvPr>
+          <p:cNvCxnSpPr>
+            <a:cxnSpLocks/>
+          </p:cNvCxnSpPr>
+          <p:nvPr/>
+        </p:nvCxnSpPr>
+        <p:spPr>
+          <a:xfrm flipH="1" flipV="1">
+            <a:off x="7533861" y="1143001"/>
+            <a:ext cx="215348" cy="1297884"/>
+          </a:xfrm>
+          <a:prstGeom prst="straightConnector1">
+            <a:avLst/>
+          </a:prstGeom>
+          <a:ln w="25400">
+            <a:solidFill>
+              <a:schemeClr val="accent5"/>
+            </a:solidFill>
+            <a:tailEnd type="triangle"/>
+          </a:ln>
+        </p:spPr>
+        <p:style>
+          <a:lnRef idx="1">
+            <a:schemeClr val="accent5"/>
+          </a:lnRef>
+          <a:fillRef idx="0">
+            <a:schemeClr val="accent5"/>
+          </a:fillRef>
+          <a:effectRef idx="0">
+            <a:schemeClr val="accent5"/>
+          </a:effectRef>
+          <a:fontRef idx="minor">
+            <a:schemeClr val="tx1"/>
+          </a:fontRef>
+        </p:style>
+      </p:cxnSp>
+      <p:cxnSp>
+        <p:nvCxnSpPr>
+          <p:cNvPr id="45" name="Straight Arrow Connector 44">
+            <a:extLst>
+              <a:ext uri="{FF2B5EF4-FFF2-40B4-BE49-F238E27FC236}">
+                <a16:creationId xmlns:a16="http://schemas.microsoft.com/office/drawing/2014/main" id="{99F421C1-F710-5542-B585-B10729FD8224}"/>
+              </a:ext>
+            </a:extLst>
+          </p:cNvPr>
+          <p:cNvCxnSpPr>
+            <a:cxnSpLocks/>
+          </p:cNvCxnSpPr>
+          <p:nvPr/>
+        </p:nvCxnSpPr>
+        <p:spPr>
+          <a:xfrm flipV="1">
+            <a:off x="5685183" y="3677886"/>
+            <a:ext cx="1779104" cy="739230"/>
+          </a:xfrm>
+          <a:prstGeom prst="straightConnector1">
+            <a:avLst/>
+          </a:prstGeom>
+          <a:ln w="25400">
+            <a:solidFill>
+              <a:schemeClr val="accent5"/>
+            </a:solidFill>
+            <a:tailEnd type="triangle"/>
+          </a:ln>
+        </p:spPr>
+        <p:style>
+          <a:lnRef idx="1">
+            <a:schemeClr val="accent5"/>
+          </a:lnRef>
+          <a:fillRef idx="0">
+            <a:schemeClr val="accent5"/>
+          </a:fillRef>
+          <a:effectRef idx="0">
+            <a:schemeClr val="accent5"/>
+          </a:effectRef>
+          <a:fontRef idx="minor">
+            <a:schemeClr val="tx1"/>
+          </a:fontRef>
+        </p:style>
+      </p:cxnSp>
+      <p:cxnSp>
+        <p:nvCxnSpPr>
+          <p:cNvPr id="48" name="Straight Arrow Connector 47">
+            <a:extLst>
+              <a:ext uri="{FF2B5EF4-FFF2-40B4-BE49-F238E27FC236}">
+                <a16:creationId xmlns:a16="http://schemas.microsoft.com/office/drawing/2014/main" id="{E8E23507-AE87-AD4D-8A17-FA2DD78B49B7}"/>
+              </a:ext>
+            </a:extLst>
+          </p:cNvPr>
+          <p:cNvCxnSpPr>
+            <a:cxnSpLocks/>
+          </p:cNvCxnSpPr>
+          <p:nvPr/>
+        </p:nvCxnSpPr>
+        <p:spPr>
+          <a:xfrm flipH="1" flipV="1">
+            <a:off x="5317435" y="2147470"/>
+            <a:ext cx="2213113" cy="1828182"/>
+          </a:xfrm>
+          <a:prstGeom prst="straightConnector1">
+            <a:avLst/>
+          </a:prstGeom>
+          <a:ln w="25400">
+            <a:solidFill>
+              <a:schemeClr val="accent5"/>
+            </a:solidFill>
+            <a:tailEnd type="triangle"/>
+          </a:ln>
+        </p:spPr>
+        <p:style>
+          <a:lnRef idx="1">
+            <a:schemeClr val="accent5"/>
+          </a:lnRef>
+          <a:fillRef idx="0">
+            <a:schemeClr val="accent5"/>
+          </a:fillRef>
+          <a:effectRef idx="0">
+            <a:schemeClr val="accent5"/>
+          </a:effectRef>
+          <a:fontRef idx="minor">
+            <a:schemeClr val="tx1"/>
+          </a:fontRef>
+        </p:style>
+      </p:cxnSp>
+      <p:cxnSp>
+        <p:nvCxnSpPr>
+          <p:cNvPr id="51" name="Straight Arrow Connector 50">
+            <a:extLst>
+              <a:ext uri="{FF2B5EF4-FFF2-40B4-BE49-F238E27FC236}">
+                <a16:creationId xmlns:a16="http://schemas.microsoft.com/office/drawing/2014/main" id="{AD5A9B18-DFAC-8A41-A1D7-1055EDAC39B4}"/>
+              </a:ext>
+            </a:extLst>
+          </p:cNvPr>
+          <p:cNvCxnSpPr>
+            <a:cxnSpLocks/>
+          </p:cNvCxnSpPr>
+          <p:nvPr/>
+        </p:nvCxnSpPr>
+        <p:spPr>
+          <a:xfrm flipV="1">
+            <a:off x="4113145" y="2147470"/>
+            <a:ext cx="985629" cy="1072809"/>
+          </a:xfrm>
+          <a:prstGeom prst="straightConnector1">
+            <a:avLst/>
+          </a:prstGeom>
+          <a:ln w="25400">
+            <a:solidFill>
+              <a:schemeClr val="accent5"/>
+            </a:solidFill>
+            <a:tailEnd type="triangle"/>
+          </a:ln>
+        </p:spPr>
+        <p:style>
+          <a:lnRef idx="1">
+            <a:schemeClr val="accent5"/>
+          </a:lnRef>
+          <a:fillRef idx="0">
+            <a:schemeClr val="accent5"/>
+          </a:fillRef>
+          <a:effectRef idx="0">
+            <a:schemeClr val="accent5"/>
+          </a:effectRef>
+          <a:fontRef idx="minor">
+            <a:schemeClr val="tx1"/>
+          </a:fontRef>
+        </p:style>
+      </p:cxnSp>
+      <p:cxnSp>
+        <p:nvCxnSpPr>
+          <p:cNvPr id="54" name="Straight Arrow Connector 53">
+            <a:extLst>
+              <a:ext uri="{FF2B5EF4-FFF2-40B4-BE49-F238E27FC236}">
+                <a16:creationId xmlns:a16="http://schemas.microsoft.com/office/drawing/2014/main" id="{CEC56B0E-18CF-944A-AADB-EA1B2E79EDD1}"/>
+              </a:ext>
+            </a:extLst>
+          </p:cNvPr>
+          <p:cNvCxnSpPr>
+            <a:cxnSpLocks/>
+          </p:cNvCxnSpPr>
+          <p:nvPr/>
+        </p:nvCxnSpPr>
+        <p:spPr>
+          <a:xfrm flipH="1" flipV="1">
+            <a:off x="646044" y="4641574"/>
+            <a:ext cx="1510747" cy="997226"/>
+          </a:xfrm>
+          <a:prstGeom prst="straightConnector1">
+            <a:avLst/>
+          </a:prstGeom>
+          <a:ln w="25400">
+            <a:solidFill>
+              <a:schemeClr val="accent5"/>
+            </a:solidFill>
+            <a:tailEnd type="triangle"/>
+          </a:ln>
+        </p:spPr>
+        <p:style>
+          <a:lnRef idx="1">
+            <a:schemeClr val="accent5"/>
+          </a:lnRef>
+          <a:fillRef idx="0">
+            <a:schemeClr val="accent5"/>
+          </a:fillRef>
+          <a:effectRef idx="0">
+            <a:schemeClr val="accent5"/>
+          </a:effectRef>
+          <a:fontRef idx="minor">
+            <a:schemeClr val="tx1"/>
+          </a:fontRef>
+        </p:style>
+      </p:cxnSp>
+      <p:sp>
+        <p:nvSpPr>
+          <p:cNvPr id="58" name="Oval 57">
+            <a:extLst>
+              <a:ext uri="{FF2B5EF4-FFF2-40B4-BE49-F238E27FC236}">
+                <a16:creationId xmlns:a16="http://schemas.microsoft.com/office/drawing/2014/main" id="{88AD2250-F5F4-5541-91A5-1B7397B32668}"/>
+              </a:ext>
+            </a:extLst>
+          </p:cNvPr>
+          <p:cNvSpPr/>
+          <p:nvPr/>
+        </p:nvSpPr>
+        <p:spPr>
+          <a:xfrm>
+            <a:off x="1490870" y="3846443"/>
+            <a:ext cx="765313" cy="225287"/>
+          </a:xfrm>
+          <a:prstGeom prst="ellipse">
+            <a:avLst/>
+          </a:prstGeom>
+          <a:noFill/>
+          <a:ln w="9525">
+            <a:solidFill>
+              <a:schemeClr val="accent5"/>
+            </a:solidFill>
+          </a:ln>
+        </p:spPr>
+        <p:style>
+          <a:lnRef idx="2">
+            <a:schemeClr val="accent1">
+              <a:shade val="50000"/>
+            </a:schemeClr>
+          </a:lnRef>
+          <a:fillRef idx="1">
+            <a:schemeClr val="accent1"/>
+          </a:fillRef>
+          <a:effectRef idx="0">
+            <a:schemeClr val="accent1"/>
+          </a:effectRef>
+          <a:fontRef idx="minor">
+            <a:schemeClr val="lt1"/>
+          </a:fontRef>
+        </p:style>
+        <p:txBody>
+          <a:bodyPr rtlCol="0" anchor="ctr"/>
+          <a:lstStyle/>
+          <a:p>
+            <a:pPr algn="ctr"/>
+            <a:endParaRPr lang="ro-RO" dirty="0"/>
+          </a:p>
+        </p:txBody>
+      </p:sp>
+      <p:sp>
+        <p:nvSpPr>
+          <p:cNvPr id="60" name="Oval 59">
+            <a:extLst>
+              <a:ext uri="{FF2B5EF4-FFF2-40B4-BE49-F238E27FC236}">
+                <a16:creationId xmlns:a16="http://schemas.microsoft.com/office/drawing/2014/main" id="{C2F90330-867E-C745-B050-18375C90BE84}"/>
+              </a:ext>
+            </a:extLst>
+          </p:cNvPr>
+          <p:cNvSpPr/>
+          <p:nvPr/>
+        </p:nvSpPr>
+        <p:spPr>
+          <a:xfrm>
+            <a:off x="1991138" y="5728254"/>
+            <a:ext cx="901149" cy="225287"/>
+          </a:xfrm>
+          <a:prstGeom prst="ellipse">
+            <a:avLst/>
+          </a:prstGeom>
+          <a:noFill/>
+          <a:ln w="9525">
+            <a:solidFill>
+              <a:schemeClr val="accent5"/>
+            </a:solidFill>
+          </a:ln>
+        </p:spPr>
+        <p:style>
+          <a:lnRef idx="2">
+            <a:schemeClr val="accent1">
+              <a:shade val="50000"/>
+            </a:schemeClr>
+          </a:lnRef>
+          <a:fillRef idx="1">
+            <a:schemeClr val="accent1"/>
+          </a:fillRef>
+          <a:effectRef idx="0">
+            <a:schemeClr val="accent1"/>
+          </a:effectRef>
+          <a:fontRef idx="minor">
+            <a:schemeClr val="lt1"/>
+          </a:fontRef>
+        </p:style>
+        <p:txBody>
+          <a:bodyPr rtlCol="0" anchor="ctr"/>
+          <a:lstStyle/>
+          <a:p>
+            <a:pPr algn="ctr"/>
+            <a:endParaRPr lang="ro-RO" dirty="0"/>
+          </a:p>
+        </p:txBody>
+      </p:sp>
+      <p:sp>
+        <p:nvSpPr>
+          <p:cNvPr id="61" name="Oval 60">
+            <a:extLst>
+              <a:ext uri="{FF2B5EF4-FFF2-40B4-BE49-F238E27FC236}">
+                <a16:creationId xmlns:a16="http://schemas.microsoft.com/office/drawing/2014/main" id="{C1380365-3C84-8B46-99C2-B2B38F682D25}"/>
+              </a:ext>
+            </a:extLst>
+          </p:cNvPr>
+          <p:cNvSpPr/>
+          <p:nvPr/>
+        </p:nvSpPr>
+        <p:spPr>
+          <a:xfrm>
+            <a:off x="3211996" y="3267070"/>
+            <a:ext cx="901149" cy="225287"/>
+          </a:xfrm>
+          <a:prstGeom prst="ellipse">
+            <a:avLst/>
+          </a:prstGeom>
+          <a:noFill/>
+          <a:ln w="9525">
+            <a:solidFill>
+              <a:schemeClr val="accent5"/>
+            </a:solidFill>
+          </a:ln>
+        </p:spPr>
+        <p:style>
+          <a:lnRef idx="2">
+            <a:schemeClr val="accent1">
+              <a:shade val="50000"/>
+            </a:schemeClr>
+          </a:lnRef>
+          <a:fillRef idx="1">
+            <a:schemeClr val="accent1"/>
+          </a:fillRef>
+          <a:effectRef idx="0">
+            <a:schemeClr val="accent1"/>
+          </a:effectRef>
+          <a:fontRef idx="minor">
+            <a:schemeClr val="lt1"/>
+          </a:fontRef>
+        </p:style>
+        <p:txBody>
+          <a:bodyPr rtlCol="0" anchor="ctr"/>
+          <a:lstStyle/>
+          <a:p>
+            <a:pPr algn="ctr"/>
+            <a:endParaRPr lang="ro-RO" dirty="0"/>
+          </a:p>
+        </p:txBody>
+      </p:sp>
+      <p:cxnSp>
+        <p:nvCxnSpPr>
+          <p:cNvPr id="62" name="Straight Arrow Connector 61">
+            <a:extLst>
+              <a:ext uri="{FF2B5EF4-FFF2-40B4-BE49-F238E27FC236}">
+                <a16:creationId xmlns:a16="http://schemas.microsoft.com/office/drawing/2014/main" id="{96A66C1B-9238-0940-AA9C-1CCE920E7DED}"/>
+              </a:ext>
+            </a:extLst>
+          </p:cNvPr>
+          <p:cNvCxnSpPr>
+            <a:cxnSpLocks/>
+            <a:stCxn id="61" idx="3"/>
+            <a:endCxn id="58" idx="6"/>
+          </p:cNvCxnSpPr>
+          <p:nvPr/>
+        </p:nvCxnSpPr>
+        <p:spPr>
+          <a:xfrm flipH="1">
+            <a:off x="2256183" y="3459364"/>
+            <a:ext cx="1087783" cy="499723"/>
+          </a:xfrm>
+          <a:prstGeom prst="straightConnector1">
+            <a:avLst/>
+          </a:prstGeom>
+          <a:ln w="25400">
+            <a:solidFill>
+              <a:schemeClr val="accent5"/>
+            </a:solidFill>
+            <a:tailEnd type="triangle"/>
+          </a:ln>
+        </p:spPr>
+        <p:style>
+          <a:lnRef idx="1">
+            <a:schemeClr val="accent5"/>
+          </a:lnRef>
+          <a:fillRef idx="0">
+            <a:schemeClr val="accent5"/>
+          </a:fillRef>
+          <a:effectRef idx="0">
+            <a:schemeClr val="accent5"/>
+          </a:effectRef>
+          <a:fontRef idx="minor">
+            <a:schemeClr val="tx1"/>
+          </a:fontRef>
+        </p:style>
+      </p:cxnSp>
+      <p:cxnSp>
+        <p:nvCxnSpPr>
+          <p:cNvPr id="65" name="Straight Arrow Connector 64">
+            <a:extLst>
+              <a:ext uri="{FF2B5EF4-FFF2-40B4-BE49-F238E27FC236}">
+                <a16:creationId xmlns:a16="http://schemas.microsoft.com/office/drawing/2014/main" id="{E999F902-4C01-B74B-A811-33D2B598F353}"/>
+              </a:ext>
+            </a:extLst>
+          </p:cNvPr>
+          <p:cNvCxnSpPr>
+            <a:cxnSpLocks/>
+            <a:stCxn id="60" idx="0"/>
+          </p:cNvCxnSpPr>
+          <p:nvPr/>
+        </p:nvCxnSpPr>
+        <p:spPr>
+          <a:xfrm flipH="1" flipV="1">
+            <a:off x="1991138" y="4071730"/>
+            <a:ext cx="450575" cy="1656524"/>
+          </a:xfrm>
+          <a:prstGeom prst="straightConnector1">
+            <a:avLst/>
+          </a:prstGeom>
+          <a:ln w="25400">
+            <a:solidFill>
+              <a:schemeClr val="accent5"/>
+            </a:solidFill>
+            <a:tailEnd type="triangle"/>
+          </a:ln>
+        </p:spPr>
+        <p:style>
+          <a:lnRef idx="1">
+            <a:schemeClr val="accent5"/>
+          </a:lnRef>
+          <a:fillRef idx="0">
+            <a:schemeClr val="accent5"/>
+          </a:fillRef>
+          <a:effectRef idx="0">
+            <a:schemeClr val="accent5"/>
+          </a:effectRef>
+          <a:fontRef idx="minor">
+            <a:schemeClr val="tx1"/>
+          </a:fontRef>
+        </p:style>
+      </p:cxnSp>
+      <p:cxnSp>
+        <p:nvCxnSpPr>
+          <p:cNvPr id="68" name="Straight Arrow Connector 67">
+            <a:extLst>
+              <a:ext uri="{FF2B5EF4-FFF2-40B4-BE49-F238E27FC236}">
+                <a16:creationId xmlns:a16="http://schemas.microsoft.com/office/drawing/2014/main" id="{6313A7EB-64B9-E148-B269-87F0C7D28260}"/>
+              </a:ext>
+            </a:extLst>
+          </p:cNvPr>
+          <p:cNvCxnSpPr>
+            <a:cxnSpLocks/>
+          </p:cNvCxnSpPr>
+          <p:nvPr/>
+        </p:nvCxnSpPr>
+        <p:spPr>
+          <a:xfrm flipH="1" flipV="1">
+            <a:off x="3703983" y="1143000"/>
+            <a:ext cx="1358348" cy="1427765"/>
+          </a:xfrm>
+          <a:prstGeom prst="straightConnector1">
+            <a:avLst/>
+          </a:prstGeom>
+          <a:ln w="25400">
+            <a:solidFill>
+              <a:schemeClr val="accent5"/>
+            </a:solidFill>
+            <a:tailEnd type="triangle"/>
+          </a:ln>
+        </p:spPr>
+        <p:style>
+          <a:lnRef idx="1">
+            <a:schemeClr val="accent5"/>
+          </a:lnRef>
+          <a:fillRef idx="0">
+            <a:schemeClr val="accent5"/>
+          </a:fillRef>
+          <a:effectRef idx="0">
+            <a:schemeClr val="accent5"/>
+          </a:effectRef>
+          <a:fontRef idx="minor">
+            <a:schemeClr val="tx1"/>
+          </a:fontRef>
+        </p:style>
+      </p:cxnSp>
+      <p:cxnSp>
+        <p:nvCxnSpPr>
+          <p:cNvPr id="75" name="Straight Arrow Connector 74">
+            <a:extLst>
+              <a:ext uri="{FF2B5EF4-FFF2-40B4-BE49-F238E27FC236}">
+                <a16:creationId xmlns:a16="http://schemas.microsoft.com/office/drawing/2014/main" id="{73E51950-0D6A-B04D-B0F0-013CF81A1B86}"/>
+              </a:ext>
+            </a:extLst>
+          </p:cNvPr>
+          <p:cNvCxnSpPr>
+            <a:cxnSpLocks/>
+          </p:cNvCxnSpPr>
+          <p:nvPr/>
+        </p:nvCxnSpPr>
+        <p:spPr>
+          <a:xfrm flipH="1" flipV="1">
+            <a:off x="745436" y="4605130"/>
+            <a:ext cx="4131364" cy="265044"/>
+          </a:xfrm>
+          <a:prstGeom prst="straightConnector1">
+            <a:avLst/>
+          </a:prstGeom>
+          <a:ln w="25400">
+            <a:solidFill>
+              <a:schemeClr val="accent5"/>
+            </a:solidFill>
+            <a:tailEnd type="triangle"/>
+          </a:ln>
+        </p:spPr>
+        <p:style>
+          <a:lnRef idx="1">
+            <a:schemeClr val="accent5"/>
+          </a:lnRef>
+          <a:fillRef idx="0">
+            <a:schemeClr val="accent5"/>
+          </a:fillRef>
+          <a:effectRef idx="0">
+            <a:schemeClr val="accent5"/>
+          </a:effectRef>
+          <a:fontRef idx="minor">
+            <a:schemeClr val="tx1"/>
+          </a:fontRef>
+        </p:style>
+      </p:cxnSp>
+    </p:spTree>
+    <p:extLst>
+      <p:ext uri="{BB962C8B-B14F-4D97-AF65-F5344CB8AC3E}">
+        <p14:creationId xmlns:p14="http://schemas.microsoft.com/office/powerpoint/2010/main" val="1537780599"/>
+      </p:ext>
+    </p:extLst>
+  </p:cSld>
+  <p:clrMapOvr>
+    <a:masterClrMapping/>
+  </p:clrMapOvr>
+  <p:transition>
+    <p:random/>
+  </p:transition>
+</p:sld>
+</file>
+
+<file path=ppt/slides/slide21.xml><?xml version="1.0" encoding="utf-8"?>
+<p:sld xmlns:a="http://schemas.openxmlformats.org/drawingml/2006/main" xmlns:r="http://schemas.openxmlformats.org/officeDocument/2006/relationships" xmlns:p="http://schemas.openxmlformats.org/presentationml/2006/main">
+  <p:cSld>
+    <p:spTree>
+      <p:nvGrpSpPr>
+        <p:cNvPr id="1" name=""/>
+        <p:cNvGrpSpPr/>
+        <p:nvPr/>
+      </p:nvGrpSpPr>
+      <p:grpSpPr>
+        <a:xfrm>
+          <a:off x="0" y="0"/>
+          <a:ext cx="0" cy="0"/>
+          <a:chOff x="0" y="0"/>
+          <a:chExt cx="0" cy="0"/>
+        </a:xfrm>
+      </p:grpSpPr>
+      <p:sp>
+        <p:nvSpPr>
+          <p:cNvPr id="2" name="Title 1"/>
+          <p:cNvSpPr>
+            <a:spLocks noGrp="1"/>
+          </p:cNvSpPr>
+          <p:nvPr>
+            <p:ph type="title"/>
+          </p:nvPr>
+        </p:nvSpPr>
+        <p:spPr>
+          <a:xfrm>
+            <a:off x="0" y="76200"/>
+            <a:ext cx="9144000" cy="1143000"/>
+          </a:xfrm>
+        </p:spPr>
+        <p:txBody>
+          <a:bodyPr anchor="ctr">
+            <a:noAutofit/>
+          </a:bodyPr>
+          <a:lstStyle/>
+          <a:p>
+            <a:pPr algn="ctr"/>
+            <a:r>
+              <a:rPr lang="ro-RO" sz="3600" dirty="0">
+                <a:latin typeface="American Typewriter"/>
+                <a:ea typeface="Arial Unicode MS" panose="020B0604020202020204" pitchFamily="34" charset="-128"/>
+                <a:cs typeface="American Typewriter"/>
+              </a:rPr>
+              <a:t>Script </a:t>
+            </a:r>
+            <a:br>
+              <a:rPr lang="ro-RO" sz="3600" dirty="0">
+                <a:latin typeface="American Typewriter"/>
+                <a:ea typeface="Arial Unicode MS" panose="020B0604020202020204" pitchFamily="34" charset="-128"/>
+                <a:cs typeface="American Typewriter"/>
+              </a:rPr>
+            </a:br>
+            <a:r>
+              <a:rPr lang="ro-RO" sz="3600" b="1" dirty="0">
+                <a:latin typeface="American Typewriter"/>
+                <a:ea typeface="Arial Unicode MS" panose="020B0604020202020204" pitchFamily="34" charset="-128"/>
+                <a:cs typeface="American Typewriter"/>
+              </a:rPr>
+              <a:t>06-01c_en_cascade_updates.sql</a:t>
+            </a:r>
+            <a:endParaRPr lang="en-US" sz="3600" dirty="0">
+              <a:latin typeface="American Typewriter"/>
+              <a:ea typeface="Arial Unicode MS" panose="020B0604020202020204" pitchFamily="34" charset="-128"/>
+              <a:cs typeface="American Typewriter"/>
+            </a:endParaRPr>
+          </a:p>
+        </p:txBody>
+      </p:sp>
+      <p:sp>
+        <p:nvSpPr>
+          <p:cNvPr id="3" name="Content Placeholder 2"/>
+          <p:cNvSpPr>
+            <a:spLocks noGrp="1"/>
+          </p:cNvSpPr>
+          <p:nvPr>
+            <p:ph idx="1"/>
+          </p:nvPr>
+        </p:nvSpPr>
+        <p:spPr>
+          <a:xfrm>
+            <a:off x="609600" y="1295400"/>
+            <a:ext cx="8534400" cy="5486400"/>
+          </a:xfrm>
+        </p:spPr>
+        <p:txBody>
+          <a:bodyPr>
+            <a:normAutofit fontScale="70000" lnSpcReduction="20000"/>
+          </a:bodyPr>
+          <a:lstStyle/>
+          <a:p>
+            <a:r>
+              <a:rPr lang="ro-RO" sz="3000" dirty="0" err="1">
+                <a:latin typeface="Avenir Medium"/>
+                <a:cs typeface="Avenir Medium"/>
+              </a:rPr>
+              <a:t>These</a:t>
+            </a:r>
+            <a:r>
+              <a:rPr lang="ro-RO" sz="3000" dirty="0">
+                <a:latin typeface="Avenir Medium"/>
+                <a:cs typeface="Avenir Medium"/>
+              </a:rPr>
+              <a:t> </a:t>
+            </a:r>
+            <a:r>
+              <a:rPr lang="ro-RO" sz="3000" dirty="0" err="1">
+                <a:latin typeface="Avenir Medium"/>
+                <a:cs typeface="Avenir Medium"/>
+              </a:rPr>
+              <a:t>triggers</a:t>
+            </a:r>
+            <a:r>
+              <a:rPr lang="ro-RO" sz="3000" dirty="0">
+                <a:latin typeface="Avenir Medium"/>
+                <a:cs typeface="Avenir Medium"/>
+              </a:rPr>
+              <a:t> are </a:t>
+            </a:r>
+            <a:r>
+              <a:rPr lang="ro-RO" sz="3000" dirty="0" err="1">
+                <a:latin typeface="Avenir Medium"/>
+                <a:cs typeface="Avenir Medium"/>
+              </a:rPr>
+              <a:t>needed</a:t>
+            </a:r>
+            <a:r>
+              <a:rPr lang="ro-RO" sz="3000" dirty="0">
+                <a:latin typeface="Avenir Medium"/>
+                <a:cs typeface="Avenir Medium"/>
+              </a:rPr>
+              <a:t> </a:t>
+            </a:r>
+            <a:r>
+              <a:rPr lang="ro-RO" sz="3000" dirty="0" err="1">
+                <a:latin typeface="Avenir Medium"/>
+                <a:cs typeface="Avenir Medium"/>
+              </a:rPr>
+              <a:t>since</a:t>
+            </a:r>
+            <a:r>
+              <a:rPr lang="ro-RO" sz="3000" dirty="0">
+                <a:latin typeface="Avenir Medium"/>
+                <a:cs typeface="Avenir Medium"/>
+              </a:rPr>
+              <a:t> UPDATE CASCADE </a:t>
+            </a:r>
+            <a:r>
+              <a:rPr lang="ro-RO" sz="3000" dirty="0" err="1">
+                <a:latin typeface="Avenir Medium"/>
+                <a:cs typeface="Avenir Medium"/>
+              </a:rPr>
+              <a:t>feature</a:t>
+            </a:r>
+            <a:r>
+              <a:rPr lang="ro-RO" sz="3000" dirty="0">
+                <a:latin typeface="Avenir Medium"/>
+                <a:cs typeface="Avenir Medium"/>
+              </a:rPr>
+              <a:t> </a:t>
+            </a:r>
+            <a:r>
+              <a:rPr lang="ro-RO" sz="3000" dirty="0" err="1">
+                <a:latin typeface="Avenir Medium"/>
+                <a:cs typeface="Avenir Medium"/>
+              </a:rPr>
+              <a:t>is</a:t>
+            </a:r>
+            <a:r>
+              <a:rPr lang="ro-RO" sz="3000" dirty="0">
+                <a:latin typeface="Avenir Medium"/>
+                <a:cs typeface="Avenir Medium"/>
+              </a:rPr>
+              <a:t> </a:t>
+            </a:r>
+            <a:r>
+              <a:rPr lang="ro-RO" sz="3000" dirty="0" err="1">
+                <a:latin typeface="Avenir Medium"/>
+                <a:cs typeface="Avenir Medium"/>
+              </a:rPr>
+              <a:t>not</a:t>
+            </a:r>
+            <a:r>
+              <a:rPr lang="ro-RO" sz="3000" dirty="0">
+                <a:latin typeface="Avenir Medium"/>
+                <a:cs typeface="Avenir Medium"/>
+              </a:rPr>
+              <a:t> </a:t>
+            </a:r>
+            <a:r>
+              <a:rPr lang="ro-RO" sz="3000" dirty="0" err="1">
+                <a:latin typeface="Avenir Medium"/>
+                <a:cs typeface="Avenir Medium"/>
+              </a:rPr>
+              <a:t>available</a:t>
+            </a:r>
+            <a:r>
+              <a:rPr lang="ro-RO" sz="3000" dirty="0">
+                <a:latin typeface="Avenir Medium"/>
+                <a:cs typeface="Avenir Medium"/>
+              </a:rPr>
+              <a:t> in Oracle for CREATE/ALTER TABLE </a:t>
+            </a:r>
+            <a:r>
+              <a:rPr lang="ro-RO" sz="3000" dirty="0" err="1">
+                <a:latin typeface="Avenir Medium"/>
+                <a:cs typeface="Avenir Medium"/>
+              </a:rPr>
+              <a:t>statement</a:t>
+            </a:r>
+            <a:endParaRPr lang="ro-RO" sz="2600" dirty="0">
+              <a:latin typeface="Avenir Medium"/>
+              <a:cs typeface="Avenir Medium"/>
+            </a:endParaRPr>
+          </a:p>
+          <a:p>
+            <a:r>
+              <a:rPr lang="ro-RO" sz="3000" dirty="0" err="1">
+                <a:latin typeface="Avenir Medium"/>
+                <a:cs typeface="Avenir Medium"/>
+              </a:rPr>
+              <a:t>Changes</a:t>
+            </a:r>
+            <a:r>
+              <a:rPr lang="ro-RO" sz="3000" dirty="0">
+                <a:latin typeface="Avenir Medium"/>
+                <a:cs typeface="Avenir Medium"/>
+              </a:rPr>
+              <a:t> of </a:t>
+            </a:r>
+            <a:r>
+              <a:rPr lang="ro-RO" sz="3000" b="1" dirty="0" err="1">
+                <a:latin typeface="Avenir Medium"/>
+                <a:cs typeface="Avenir Medium"/>
+              </a:rPr>
+              <a:t>counties.county_code</a:t>
+            </a:r>
+            <a:r>
+              <a:rPr lang="ro-RO" sz="3000" b="1" dirty="0">
+                <a:latin typeface="Avenir Medium"/>
+                <a:cs typeface="Avenir Medium"/>
+              </a:rPr>
+              <a:t> </a:t>
+            </a:r>
+            <a:r>
+              <a:rPr lang="ro-RO" sz="3000" dirty="0" err="1">
+                <a:latin typeface="Avenir Medium"/>
+                <a:cs typeface="Avenir Medium"/>
+              </a:rPr>
+              <a:t>values</a:t>
+            </a:r>
+            <a:r>
+              <a:rPr lang="ro-RO" sz="3000" dirty="0">
+                <a:latin typeface="Avenir Medium"/>
+                <a:cs typeface="Avenir Medium"/>
+              </a:rPr>
+              <a:t> must </a:t>
+            </a:r>
+            <a:r>
+              <a:rPr lang="ro-RO" sz="3000" dirty="0" err="1">
+                <a:latin typeface="Avenir Medium"/>
+                <a:cs typeface="Avenir Medium"/>
+              </a:rPr>
+              <a:t>be</a:t>
+            </a:r>
+            <a:r>
+              <a:rPr lang="ro-RO" sz="3000" dirty="0">
+                <a:latin typeface="Avenir Medium"/>
+                <a:cs typeface="Avenir Medium"/>
+              </a:rPr>
+              <a:t> </a:t>
+            </a:r>
+            <a:r>
+              <a:rPr lang="ro-RO" sz="3000" dirty="0" err="1">
+                <a:latin typeface="Avenir Medium"/>
+                <a:cs typeface="Avenir Medium"/>
+              </a:rPr>
+              <a:t>propagated</a:t>
+            </a:r>
+            <a:r>
+              <a:rPr lang="ro-RO" sz="3000" dirty="0">
+                <a:latin typeface="Avenir Medium"/>
+                <a:cs typeface="Avenir Medium"/>
+              </a:rPr>
+              <a:t> </a:t>
+            </a:r>
+            <a:r>
+              <a:rPr lang="ro-RO" sz="3000" dirty="0" err="1">
+                <a:latin typeface="Avenir Medium"/>
+                <a:cs typeface="Avenir Medium"/>
+              </a:rPr>
+              <a:t>into</a:t>
+            </a:r>
+            <a:r>
+              <a:rPr lang="ro-RO" sz="3000" dirty="0">
+                <a:latin typeface="Avenir Medium"/>
+                <a:cs typeface="Avenir Medium"/>
+              </a:rPr>
+              <a:t> </a:t>
+            </a:r>
+            <a:r>
+              <a:rPr lang="ro-RO" sz="3000" b="1" dirty="0" err="1">
+                <a:latin typeface="Avenir Medium"/>
+                <a:cs typeface="Avenir Medium"/>
+              </a:rPr>
+              <a:t>postal_codes.county_code</a:t>
+            </a:r>
+            <a:r>
+              <a:rPr lang="ro-RO" sz="3000" dirty="0">
+                <a:latin typeface="Avenir Medium"/>
+                <a:cs typeface="Avenir Medium"/>
+              </a:rPr>
+              <a:t> </a:t>
+            </a:r>
+          </a:p>
+          <a:p>
+            <a:r>
+              <a:rPr lang="ro-RO" sz="3000" dirty="0" err="1">
+                <a:latin typeface="Avenir Medium"/>
+                <a:cs typeface="Avenir Medium"/>
+              </a:rPr>
+              <a:t>Changes</a:t>
+            </a:r>
+            <a:r>
+              <a:rPr lang="ro-RO" sz="3000" dirty="0">
+                <a:latin typeface="Avenir Medium"/>
+                <a:cs typeface="Avenir Medium"/>
+              </a:rPr>
+              <a:t> of </a:t>
+            </a:r>
+            <a:r>
+              <a:rPr lang="ro-RO" sz="3000" b="1" dirty="0" err="1">
+                <a:latin typeface="Avenir Medium"/>
+                <a:cs typeface="Avenir Medium"/>
+              </a:rPr>
+              <a:t>postal_codes.post_code</a:t>
+            </a:r>
+            <a:r>
+              <a:rPr lang="ro-RO" sz="3000" b="1" dirty="0">
+                <a:latin typeface="Avenir Medium"/>
+                <a:cs typeface="Avenir Medium"/>
+              </a:rPr>
+              <a:t> </a:t>
+            </a:r>
+            <a:r>
+              <a:rPr lang="ro-RO" sz="3000" dirty="0" err="1">
+                <a:latin typeface="Avenir Medium"/>
+                <a:cs typeface="Avenir Medium"/>
+              </a:rPr>
+              <a:t>values</a:t>
+            </a:r>
+            <a:r>
+              <a:rPr lang="ro-RO" sz="3000" dirty="0">
+                <a:latin typeface="Avenir Medium"/>
+                <a:cs typeface="Avenir Medium"/>
+              </a:rPr>
+              <a:t> must </a:t>
+            </a:r>
+            <a:r>
+              <a:rPr lang="ro-RO" sz="3000" dirty="0" err="1">
+                <a:latin typeface="Avenir Medium"/>
+                <a:cs typeface="Avenir Medium"/>
+              </a:rPr>
+              <a:t>be</a:t>
+            </a:r>
+            <a:r>
+              <a:rPr lang="ro-RO" sz="3000" dirty="0">
+                <a:latin typeface="Avenir Medium"/>
+                <a:cs typeface="Avenir Medium"/>
+              </a:rPr>
+              <a:t> </a:t>
+            </a:r>
+            <a:r>
+              <a:rPr lang="ro-RO" sz="3000" dirty="0" err="1">
+                <a:latin typeface="Avenir Medium"/>
+                <a:cs typeface="Avenir Medium"/>
+              </a:rPr>
+              <a:t>propagated</a:t>
+            </a:r>
+            <a:r>
+              <a:rPr lang="ro-RO" sz="3000" dirty="0">
+                <a:latin typeface="Avenir Medium"/>
+                <a:cs typeface="Avenir Medium"/>
+              </a:rPr>
+              <a:t> </a:t>
+            </a:r>
+            <a:r>
+              <a:rPr lang="ro-RO" sz="3000" dirty="0" err="1">
+                <a:latin typeface="Avenir Medium"/>
+                <a:cs typeface="Avenir Medium"/>
+              </a:rPr>
+              <a:t>into</a:t>
+            </a:r>
+            <a:r>
+              <a:rPr lang="ro-RO" sz="3000" dirty="0">
+                <a:latin typeface="Avenir Medium"/>
+                <a:cs typeface="Avenir Medium"/>
+              </a:rPr>
+              <a:t>:</a:t>
+            </a:r>
+          </a:p>
+          <a:p>
+            <a:pPr lvl="1"/>
+            <a:r>
+              <a:rPr lang="ro-RO" sz="2600" b="1" dirty="0" err="1">
+                <a:latin typeface="Avenir Medium"/>
+                <a:cs typeface="Avenir Medium"/>
+              </a:rPr>
+              <a:t>customers.post_code</a:t>
+            </a:r>
+            <a:endParaRPr lang="ro-RO" sz="2600" b="1" dirty="0">
+              <a:latin typeface="Avenir Medium"/>
+              <a:cs typeface="Avenir Medium"/>
+            </a:endParaRPr>
+          </a:p>
+          <a:p>
+            <a:pPr lvl="1"/>
+            <a:r>
+              <a:rPr lang="ro-RO" sz="2600" b="1" dirty="0" err="1">
+                <a:latin typeface="Avenir Medium"/>
+                <a:cs typeface="Avenir Medium"/>
+              </a:rPr>
+              <a:t>people.post_code</a:t>
+            </a:r>
+            <a:endParaRPr lang="ro-RO" sz="2600" dirty="0">
+              <a:latin typeface="Avenir Medium"/>
+              <a:cs typeface="Avenir Medium"/>
+            </a:endParaRPr>
+          </a:p>
+          <a:p>
+            <a:r>
+              <a:rPr lang="ro-RO" sz="3000" dirty="0" err="1">
+                <a:latin typeface="Avenir Medium"/>
+                <a:cs typeface="Avenir Medium"/>
+              </a:rPr>
+              <a:t>Changes</a:t>
+            </a:r>
+            <a:r>
+              <a:rPr lang="ro-RO" sz="3000" dirty="0">
+                <a:latin typeface="Avenir Medium"/>
+                <a:cs typeface="Avenir Medium"/>
+              </a:rPr>
+              <a:t> of </a:t>
+            </a:r>
+            <a:r>
+              <a:rPr lang="ro-RO" sz="3000" b="1" dirty="0" err="1">
+                <a:latin typeface="Avenir Medium"/>
+                <a:cs typeface="Avenir Medium"/>
+              </a:rPr>
+              <a:t>customers.cust_id</a:t>
+            </a:r>
+            <a:r>
+              <a:rPr lang="ro-RO" sz="3000" b="1" dirty="0">
+                <a:latin typeface="Avenir Medium"/>
+                <a:cs typeface="Avenir Medium"/>
+              </a:rPr>
+              <a:t> </a:t>
+            </a:r>
+            <a:r>
+              <a:rPr lang="ro-RO" sz="3000" dirty="0" err="1">
+                <a:latin typeface="Avenir Medium"/>
+                <a:cs typeface="Avenir Medium"/>
+              </a:rPr>
+              <a:t>values</a:t>
+            </a:r>
+            <a:r>
+              <a:rPr lang="ro-RO" sz="3000" dirty="0">
+                <a:latin typeface="Avenir Medium"/>
+                <a:cs typeface="Avenir Medium"/>
+              </a:rPr>
+              <a:t> must </a:t>
+            </a:r>
+            <a:r>
+              <a:rPr lang="ro-RO" sz="3000" dirty="0" err="1">
+                <a:latin typeface="Avenir Medium"/>
+                <a:cs typeface="Avenir Medium"/>
+              </a:rPr>
+              <a:t>be</a:t>
+            </a:r>
+            <a:r>
+              <a:rPr lang="ro-RO" sz="3000" dirty="0">
+                <a:latin typeface="Avenir Medium"/>
+                <a:cs typeface="Avenir Medium"/>
+              </a:rPr>
+              <a:t> </a:t>
+            </a:r>
+            <a:r>
+              <a:rPr lang="ro-RO" sz="3000" dirty="0" err="1">
+                <a:latin typeface="Avenir Medium"/>
+                <a:cs typeface="Avenir Medium"/>
+              </a:rPr>
+              <a:t>propagated</a:t>
+            </a:r>
+            <a:r>
+              <a:rPr lang="ro-RO" sz="3000" dirty="0">
+                <a:latin typeface="Avenir Medium"/>
+                <a:cs typeface="Avenir Medium"/>
+              </a:rPr>
+              <a:t> </a:t>
+            </a:r>
+            <a:r>
+              <a:rPr lang="ro-RO" sz="3000" dirty="0" err="1">
+                <a:latin typeface="Avenir Medium"/>
+                <a:cs typeface="Avenir Medium"/>
+              </a:rPr>
+              <a:t>into</a:t>
+            </a:r>
+            <a:r>
+              <a:rPr lang="ro-RO" sz="3000" dirty="0">
+                <a:latin typeface="Avenir Medium"/>
+                <a:cs typeface="Avenir Medium"/>
+              </a:rPr>
+              <a:t>:</a:t>
+            </a:r>
+          </a:p>
+          <a:p>
+            <a:pPr lvl="1"/>
+            <a:r>
+              <a:rPr lang="ro-RO" sz="2600" b="1" dirty="0" err="1">
+                <a:latin typeface="Avenir Medium"/>
+                <a:cs typeface="Avenir Medium"/>
+              </a:rPr>
+              <a:t>invoices.cust_id</a:t>
+            </a:r>
+            <a:endParaRPr lang="ro-RO" sz="2600" b="1" dirty="0">
+              <a:latin typeface="Avenir Medium"/>
+              <a:cs typeface="Avenir Medium"/>
+            </a:endParaRPr>
+          </a:p>
+          <a:p>
+            <a:pPr lvl="1"/>
+            <a:r>
+              <a:rPr lang="ro-RO" sz="2600" b="1" dirty="0" err="1">
+                <a:latin typeface="Avenir Medium"/>
+                <a:cs typeface="Avenir Medium"/>
+              </a:rPr>
+              <a:t>current_contacts.cust_id</a:t>
+            </a:r>
+            <a:endParaRPr lang="ro-RO" sz="2600" b="1" dirty="0">
+              <a:latin typeface="Avenir Medium"/>
+              <a:cs typeface="Avenir Medium"/>
+            </a:endParaRPr>
+          </a:p>
+          <a:p>
+            <a:pPr lvl="1"/>
+            <a:r>
+              <a:rPr lang="ro-RO" sz="2600" b="1" dirty="0" err="1">
+                <a:latin typeface="Avenir Medium"/>
+                <a:cs typeface="Avenir Medium"/>
+              </a:rPr>
+              <a:t>customer_monthly_stats.cust_id</a:t>
+            </a:r>
+            <a:endParaRPr lang="ro-RO" sz="2600" b="1" dirty="0">
+              <a:latin typeface="Avenir Medium"/>
+              <a:cs typeface="Avenir Medium"/>
+            </a:endParaRPr>
+          </a:p>
+          <a:p>
+            <a:pPr lvl="1"/>
+            <a:r>
+              <a:rPr lang="ro-RO" sz="2600" b="1" dirty="0" err="1">
+                <a:latin typeface="Avenir Medium"/>
+                <a:cs typeface="Avenir Medium"/>
+              </a:rPr>
+              <a:t>former_contacts.cust_id</a:t>
+            </a:r>
+            <a:endParaRPr lang="ro-RO" sz="2600" b="1" dirty="0">
+              <a:latin typeface="Avenir Medium"/>
+              <a:cs typeface="Avenir Medium"/>
+            </a:endParaRPr>
+          </a:p>
+          <a:p>
+            <a:r>
+              <a:rPr lang="ro-RO" sz="3000" dirty="0" err="1">
+                <a:latin typeface="Avenir Medium"/>
+                <a:cs typeface="Avenir Medium"/>
+              </a:rPr>
+              <a:t>Changes</a:t>
+            </a:r>
+            <a:r>
+              <a:rPr lang="ro-RO" sz="3000" dirty="0">
+                <a:latin typeface="Avenir Medium"/>
+                <a:cs typeface="Avenir Medium"/>
+              </a:rPr>
+              <a:t> of </a:t>
+            </a:r>
+            <a:r>
+              <a:rPr lang="ro-RO" sz="3000" b="1" dirty="0" err="1">
+                <a:latin typeface="Avenir Medium"/>
+                <a:cs typeface="Avenir Medium"/>
+              </a:rPr>
+              <a:t>months.year</a:t>
+            </a:r>
+            <a:r>
+              <a:rPr lang="ro-RO" sz="3000" dirty="0">
+                <a:latin typeface="Avenir Medium"/>
+                <a:cs typeface="Avenir Medium"/>
+              </a:rPr>
+              <a:t> </a:t>
+            </a:r>
+            <a:r>
+              <a:rPr lang="ro-RO" sz="3000" dirty="0" err="1">
+                <a:latin typeface="Avenir Medium"/>
+                <a:cs typeface="Avenir Medium"/>
+              </a:rPr>
+              <a:t>and</a:t>
+            </a:r>
+            <a:r>
+              <a:rPr lang="ro-RO" sz="3000" dirty="0">
+                <a:latin typeface="Avenir Medium"/>
+                <a:cs typeface="Avenir Medium"/>
+              </a:rPr>
+              <a:t>/or </a:t>
+            </a:r>
+            <a:r>
+              <a:rPr lang="ro-RO" sz="3000" b="1" dirty="0" err="1">
+                <a:latin typeface="Avenir Medium"/>
+                <a:cs typeface="Avenir Medium"/>
+              </a:rPr>
+              <a:t>months.month</a:t>
+            </a:r>
+            <a:r>
+              <a:rPr lang="ro-RO" sz="3000" b="1" dirty="0">
+                <a:latin typeface="Avenir Medium"/>
+                <a:cs typeface="Avenir Medium"/>
+              </a:rPr>
+              <a:t> </a:t>
+            </a:r>
+            <a:r>
+              <a:rPr lang="ro-RO" sz="3000" dirty="0" err="1">
+                <a:latin typeface="Avenir Medium"/>
+                <a:cs typeface="Avenir Medium"/>
+              </a:rPr>
+              <a:t>values</a:t>
+            </a:r>
+            <a:r>
+              <a:rPr lang="ro-RO" sz="3000" dirty="0">
+                <a:latin typeface="Avenir Medium"/>
+                <a:cs typeface="Avenir Medium"/>
+              </a:rPr>
+              <a:t> must </a:t>
+            </a:r>
+            <a:r>
+              <a:rPr lang="ro-RO" sz="3000" dirty="0" err="1">
+                <a:latin typeface="Avenir Medium"/>
+                <a:cs typeface="Avenir Medium"/>
+              </a:rPr>
+              <a:t>be</a:t>
+            </a:r>
+            <a:r>
+              <a:rPr lang="ro-RO" sz="3000" dirty="0">
+                <a:latin typeface="Avenir Medium"/>
+                <a:cs typeface="Avenir Medium"/>
+              </a:rPr>
+              <a:t> </a:t>
+            </a:r>
+            <a:r>
+              <a:rPr lang="ro-RO" sz="3000" dirty="0" err="1">
+                <a:latin typeface="Avenir Medium"/>
+                <a:cs typeface="Avenir Medium"/>
+              </a:rPr>
+              <a:t>propagated</a:t>
+            </a:r>
+            <a:r>
+              <a:rPr lang="ro-RO" sz="3000" dirty="0">
+                <a:latin typeface="Avenir Medium"/>
+                <a:cs typeface="Avenir Medium"/>
+              </a:rPr>
+              <a:t> </a:t>
+            </a:r>
+            <a:r>
+              <a:rPr lang="ro-RO" sz="3000" dirty="0" err="1">
+                <a:latin typeface="Avenir Medium"/>
+                <a:cs typeface="Avenir Medium"/>
+              </a:rPr>
+              <a:t>into</a:t>
+            </a:r>
+            <a:r>
+              <a:rPr lang="ro-RO" sz="3000" dirty="0">
+                <a:latin typeface="Avenir Medium"/>
+                <a:cs typeface="Avenir Medium"/>
+              </a:rPr>
+              <a:t>:</a:t>
+            </a:r>
+          </a:p>
+          <a:p>
+            <a:pPr lvl="1"/>
+            <a:r>
+              <a:rPr lang="ro-RO" sz="2600" b="1" dirty="0" err="1">
+                <a:latin typeface="Avenir Medium"/>
+                <a:cs typeface="Avenir Medium"/>
+              </a:rPr>
+              <a:t>customer_monthly_stats.year</a:t>
+            </a:r>
+            <a:r>
+              <a:rPr lang="ro-RO" sz="2600" dirty="0">
+                <a:latin typeface="Avenir Medium"/>
+                <a:cs typeface="Avenir Medium"/>
+              </a:rPr>
+              <a:t> </a:t>
+            </a:r>
+            <a:r>
+              <a:rPr lang="ro-RO" sz="2600" dirty="0" err="1">
+                <a:latin typeface="Avenir Medium"/>
+                <a:cs typeface="Avenir Medium"/>
+              </a:rPr>
+              <a:t>and</a:t>
+            </a:r>
+            <a:r>
+              <a:rPr lang="ro-RO" sz="2600" dirty="0">
+                <a:latin typeface="Avenir Medium"/>
+                <a:cs typeface="Avenir Medium"/>
+              </a:rPr>
+              <a:t> </a:t>
+            </a:r>
+            <a:r>
+              <a:rPr lang="ro-RO" sz="2600" b="1" dirty="0" err="1">
+                <a:latin typeface="Avenir Medium"/>
+                <a:cs typeface="Avenir Medium"/>
+              </a:rPr>
+              <a:t>customer_monthly_stats.month</a:t>
+            </a:r>
+            <a:r>
+              <a:rPr lang="ro-RO" sz="2600" dirty="0">
+                <a:latin typeface="Avenir Medium"/>
+                <a:cs typeface="Avenir Medium"/>
+              </a:rPr>
+              <a:t> </a:t>
+            </a:r>
+          </a:p>
+          <a:p>
+            <a:pPr lvl="1"/>
+            <a:r>
+              <a:rPr lang="ro-RO" sz="2600" b="1" dirty="0" err="1">
+                <a:latin typeface="Avenir Medium"/>
+                <a:cs typeface="Avenir Medium"/>
+              </a:rPr>
+              <a:t>product_monthly_stats.year</a:t>
+            </a:r>
+            <a:r>
+              <a:rPr lang="ro-RO" sz="2600" dirty="0">
+                <a:latin typeface="Avenir Medium"/>
+                <a:cs typeface="Avenir Medium"/>
+              </a:rPr>
+              <a:t> </a:t>
+            </a:r>
+            <a:r>
+              <a:rPr lang="ro-RO" sz="2600" dirty="0" err="1">
+                <a:latin typeface="Avenir Medium"/>
+                <a:cs typeface="Avenir Medium"/>
+              </a:rPr>
+              <a:t>and</a:t>
+            </a:r>
+            <a:r>
+              <a:rPr lang="ro-RO" sz="2600" dirty="0">
+                <a:latin typeface="Avenir Medium"/>
+                <a:cs typeface="Avenir Medium"/>
+              </a:rPr>
+              <a:t> </a:t>
+            </a:r>
+            <a:r>
+              <a:rPr lang="ro-RO" sz="2600" b="1" dirty="0" err="1">
+                <a:latin typeface="Avenir Medium"/>
+                <a:cs typeface="Avenir Medium"/>
+              </a:rPr>
+              <a:t>product_monthly_stats.month</a:t>
+            </a:r>
+            <a:endParaRPr lang="ro-RO" sz="3000" dirty="0">
+              <a:latin typeface="Avenir Medium"/>
+              <a:cs typeface="Avenir Medium"/>
+            </a:endParaRPr>
+          </a:p>
+          <a:p>
+            <a:endParaRPr lang="ro-RO" sz="3000" dirty="0">
+              <a:latin typeface="Avenir Medium"/>
+              <a:cs typeface="Avenir Medium"/>
+            </a:endParaRPr>
+          </a:p>
+        </p:txBody>
+      </p:sp>
+    </p:spTree>
+    <p:extLst>
+      <p:ext uri="{BB962C8B-B14F-4D97-AF65-F5344CB8AC3E}">
+        <p14:creationId xmlns:p14="http://schemas.microsoft.com/office/powerpoint/2010/main" val="3548074683"/>
+      </p:ext>
+    </p:extLst>
+  </p:cSld>
+  <p:clrMapOvr>
+    <a:masterClrMapping/>
+  </p:clrMapOvr>
+  <p:transition>
+    <p:random/>
+  </p:transition>
+</p:sld>
+</file>
+
+<file path=ppt/slides/slide22.xml><?xml version="1.0" encoding="utf-8"?>
+<p:sld xmlns:a="http://schemas.openxmlformats.org/drawingml/2006/main" xmlns:r="http://schemas.openxmlformats.org/officeDocument/2006/relationships" xmlns:p="http://schemas.openxmlformats.org/presentationml/2006/main">
+  <p:cSld>
+    <p:spTree>
+      <p:nvGrpSpPr>
+        <p:cNvPr id="1" name=""/>
+        <p:cNvGrpSpPr/>
+        <p:nvPr/>
+      </p:nvGrpSpPr>
+      <p:grpSpPr>
+        <a:xfrm>
+          <a:off x="0" y="0"/>
+          <a:ext cx="0" cy="0"/>
+          <a:chOff x="0" y="0"/>
+          <a:chExt cx="0" cy="0"/>
+        </a:xfrm>
+      </p:grpSpPr>
+      <p:sp>
+        <p:nvSpPr>
+          <p:cNvPr id="2" name="Title 1"/>
+          <p:cNvSpPr>
+            <a:spLocks noGrp="1"/>
+          </p:cNvSpPr>
+          <p:nvPr>
+            <p:ph type="title"/>
+          </p:nvPr>
+        </p:nvSpPr>
+        <p:spPr>
+          <a:xfrm>
+            <a:off x="0" y="76200"/>
+            <a:ext cx="9144000" cy="1143000"/>
+          </a:xfrm>
+        </p:spPr>
+        <p:txBody>
+          <a:bodyPr anchor="ctr">
+            <a:noAutofit/>
+          </a:bodyPr>
+          <a:lstStyle/>
+          <a:p>
+            <a:pPr algn="ctr"/>
+            <a:r>
+              <a:rPr lang="ro-RO" sz="3600" dirty="0">
+                <a:latin typeface="American Typewriter"/>
+                <a:ea typeface="Arial Unicode MS" panose="020B0604020202020204" pitchFamily="34" charset="-128"/>
+                <a:cs typeface="American Typewriter"/>
+              </a:rPr>
+              <a:t>Script </a:t>
+            </a:r>
+            <a:br>
+              <a:rPr lang="ro-RO" sz="3600" dirty="0">
+                <a:latin typeface="American Typewriter"/>
+                <a:ea typeface="Arial Unicode MS" panose="020B0604020202020204" pitchFamily="34" charset="-128"/>
+                <a:cs typeface="American Typewriter"/>
+              </a:rPr>
+            </a:br>
+            <a:r>
+              <a:rPr lang="ro-RO" sz="3600" b="1" dirty="0">
+                <a:latin typeface="American Typewriter"/>
+                <a:ea typeface="Arial Unicode MS" panose="020B0604020202020204" pitchFamily="34" charset="-128"/>
+                <a:cs typeface="American Typewriter"/>
+              </a:rPr>
+              <a:t>06-01c_en_cascade_updates.sql </a:t>
+            </a:r>
+            <a:r>
+              <a:rPr lang="ro-RO" sz="3600" dirty="0">
+                <a:latin typeface="American Typewriter"/>
+                <a:ea typeface="Arial Unicode MS" panose="020B0604020202020204" pitchFamily="34" charset="-128"/>
+                <a:cs typeface="American Typewriter"/>
+              </a:rPr>
+              <a:t>(cont.)</a:t>
+            </a:r>
+            <a:endParaRPr lang="en-US" sz="3600" dirty="0">
+              <a:latin typeface="American Typewriter"/>
+              <a:ea typeface="Arial Unicode MS" panose="020B0604020202020204" pitchFamily="34" charset="-128"/>
+              <a:cs typeface="American Typewriter"/>
+            </a:endParaRPr>
+          </a:p>
+        </p:txBody>
+      </p:sp>
+      <p:sp>
+        <p:nvSpPr>
+          <p:cNvPr id="3" name="Content Placeholder 2"/>
+          <p:cNvSpPr>
+            <a:spLocks noGrp="1"/>
+          </p:cNvSpPr>
+          <p:nvPr>
+            <p:ph idx="1"/>
+          </p:nvPr>
+        </p:nvSpPr>
+        <p:spPr>
+          <a:xfrm>
+            <a:off x="609600" y="1295400"/>
+            <a:ext cx="8534400" cy="5486400"/>
+          </a:xfrm>
+        </p:spPr>
+        <p:txBody>
+          <a:bodyPr>
+            <a:normAutofit fontScale="70000" lnSpcReduction="20000"/>
+          </a:bodyPr>
+          <a:lstStyle/>
+          <a:p>
+            <a:r>
+              <a:rPr lang="ro-RO" sz="3000" dirty="0" err="1">
+                <a:latin typeface="Avenir Medium"/>
+                <a:cs typeface="Avenir Medium"/>
+              </a:rPr>
+              <a:t>Changes</a:t>
+            </a:r>
+            <a:r>
+              <a:rPr lang="ro-RO" sz="3000" dirty="0">
+                <a:latin typeface="Avenir Medium"/>
+                <a:cs typeface="Avenir Medium"/>
+              </a:rPr>
+              <a:t> of </a:t>
+            </a:r>
+            <a:r>
+              <a:rPr lang="ro-RO" sz="3000" b="1" dirty="0" err="1">
+                <a:latin typeface="Avenir Medium"/>
+                <a:cs typeface="Avenir Medium"/>
+              </a:rPr>
+              <a:t>people</a:t>
+            </a:r>
+            <a:r>
+              <a:rPr lang="ro-RO" sz="3000" b="1" dirty="0">
+                <a:latin typeface="Avenir Medium"/>
+                <a:cs typeface="Avenir Medium"/>
+              </a:rPr>
+              <a:t>. </a:t>
+            </a:r>
+            <a:r>
+              <a:rPr lang="ro-RO" sz="3000" b="1" dirty="0" err="1">
+                <a:latin typeface="Avenir Medium"/>
+                <a:cs typeface="Avenir Medium"/>
+              </a:rPr>
+              <a:t>pers_id</a:t>
+            </a:r>
+            <a:r>
+              <a:rPr lang="ro-RO" sz="3000" b="1" dirty="0">
+                <a:latin typeface="Avenir Medium"/>
+                <a:cs typeface="Avenir Medium"/>
+              </a:rPr>
+              <a:t> </a:t>
+            </a:r>
+            <a:r>
+              <a:rPr lang="ro-RO" sz="3000" dirty="0" err="1">
+                <a:latin typeface="Avenir Medium"/>
+                <a:cs typeface="Avenir Medium"/>
+              </a:rPr>
+              <a:t>values</a:t>
+            </a:r>
+            <a:r>
+              <a:rPr lang="ro-RO" sz="3000" dirty="0">
+                <a:latin typeface="Avenir Medium"/>
+                <a:cs typeface="Avenir Medium"/>
+              </a:rPr>
+              <a:t> must </a:t>
+            </a:r>
+            <a:r>
+              <a:rPr lang="ro-RO" sz="3000" dirty="0" err="1">
+                <a:latin typeface="Avenir Medium"/>
+                <a:cs typeface="Avenir Medium"/>
+              </a:rPr>
+              <a:t>be</a:t>
+            </a:r>
+            <a:r>
+              <a:rPr lang="ro-RO" sz="3000" dirty="0">
+                <a:latin typeface="Avenir Medium"/>
+                <a:cs typeface="Avenir Medium"/>
+              </a:rPr>
+              <a:t> </a:t>
+            </a:r>
+            <a:r>
+              <a:rPr lang="ro-RO" sz="3000" dirty="0" err="1">
+                <a:latin typeface="Avenir Medium"/>
+                <a:cs typeface="Avenir Medium"/>
+              </a:rPr>
+              <a:t>propagated</a:t>
+            </a:r>
+            <a:r>
+              <a:rPr lang="ro-RO" sz="3000" dirty="0">
+                <a:latin typeface="Avenir Medium"/>
+                <a:cs typeface="Avenir Medium"/>
+              </a:rPr>
+              <a:t> </a:t>
+            </a:r>
+            <a:r>
+              <a:rPr lang="ro-RO" sz="3000" dirty="0" err="1">
+                <a:latin typeface="Avenir Medium"/>
+                <a:cs typeface="Avenir Medium"/>
+              </a:rPr>
+              <a:t>into</a:t>
+            </a:r>
+            <a:r>
+              <a:rPr lang="ro-RO" sz="3000" dirty="0">
+                <a:latin typeface="Avenir Medium"/>
+                <a:cs typeface="Avenir Medium"/>
+              </a:rPr>
+              <a:t>:</a:t>
+            </a:r>
+          </a:p>
+          <a:p>
+            <a:pPr lvl="1"/>
+            <a:r>
+              <a:rPr lang="ro-RO" sz="2600" b="1" dirty="0" err="1">
+                <a:latin typeface="Avenir Medium"/>
+                <a:cs typeface="Avenir Medium"/>
+              </a:rPr>
+              <a:t>current_contacts.pers_id</a:t>
+            </a:r>
+            <a:endParaRPr lang="ro-RO" sz="2600" b="1" dirty="0">
+              <a:latin typeface="Avenir Medium"/>
+              <a:cs typeface="Avenir Medium"/>
+            </a:endParaRPr>
+          </a:p>
+          <a:p>
+            <a:pPr lvl="1"/>
+            <a:r>
+              <a:rPr lang="ro-RO" sz="2600" b="1" dirty="0" err="1">
+                <a:latin typeface="Avenir Medium"/>
+                <a:cs typeface="Avenir Medium"/>
+              </a:rPr>
+              <a:t>former_contacts.pers_id</a:t>
+            </a:r>
+            <a:endParaRPr lang="ro-RO" sz="3000" dirty="0">
+              <a:latin typeface="Avenir Medium"/>
+              <a:cs typeface="Avenir Medium"/>
+            </a:endParaRPr>
+          </a:p>
+          <a:p>
+            <a:r>
+              <a:rPr lang="ro-RO" sz="3000" dirty="0" err="1">
+                <a:latin typeface="Avenir Medium"/>
+                <a:cs typeface="Avenir Medium"/>
+              </a:rPr>
+              <a:t>Changes</a:t>
+            </a:r>
+            <a:r>
+              <a:rPr lang="ro-RO" sz="3000" dirty="0">
+                <a:latin typeface="Avenir Medium"/>
+                <a:cs typeface="Avenir Medium"/>
+              </a:rPr>
+              <a:t> of </a:t>
+            </a:r>
+            <a:r>
+              <a:rPr lang="ro-RO" sz="3000" b="1" dirty="0" err="1">
+                <a:latin typeface="Avenir Medium"/>
+                <a:cs typeface="Avenir Medium"/>
+              </a:rPr>
+              <a:t>products</a:t>
+            </a:r>
+            <a:r>
+              <a:rPr lang="ro-RO" sz="3000" b="1" dirty="0">
+                <a:latin typeface="Avenir Medium"/>
+                <a:cs typeface="Avenir Medium"/>
+              </a:rPr>
+              <a:t>. </a:t>
+            </a:r>
+            <a:r>
+              <a:rPr lang="ro-RO" sz="3000" b="1" dirty="0" err="1">
+                <a:latin typeface="Avenir Medium"/>
+                <a:cs typeface="Avenir Medium"/>
+              </a:rPr>
+              <a:t>product_id</a:t>
+            </a:r>
+            <a:r>
+              <a:rPr lang="ro-RO" sz="3000" b="1" dirty="0">
+                <a:latin typeface="Avenir Medium"/>
+                <a:cs typeface="Avenir Medium"/>
+              </a:rPr>
+              <a:t> </a:t>
+            </a:r>
+            <a:r>
+              <a:rPr lang="ro-RO" sz="3000" dirty="0" err="1">
+                <a:latin typeface="Avenir Medium"/>
+                <a:cs typeface="Avenir Medium"/>
+              </a:rPr>
+              <a:t>values</a:t>
+            </a:r>
+            <a:r>
+              <a:rPr lang="ro-RO" sz="3000" dirty="0">
+                <a:latin typeface="Avenir Medium"/>
+                <a:cs typeface="Avenir Medium"/>
+              </a:rPr>
+              <a:t> must </a:t>
+            </a:r>
+            <a:r>
+              <a:rPr lang="ro-RO" sz="3000" dirty="0" err="1">
+                <a:latin typeface="Avenir Medium"/>
+                <a:cs typeface="Avenir Medium"/>
+              </a:rPr>
+              <a:t>be</a:t>
+            </a:r>
+            <a:r>
+              <a:rPr lang="ro-RO" sz="3000" dirty="0">
+                <a:latin typeface="Avenir Medium"/>
+                <a:cs typeface="Avenir Medium"/>
+              </a:rPr>
+              <a:t> </a:t>
+            </a:r>
+            <a:r>
+              <a:rPr lang="ro-RO" sz="3000" dirty="0" err="1">
+                <a:latin typeface="Avenir Medium"/>
+                <a:cs typeface="Avenir Medium"/>
+              </a:rPr>
+              <a:t>propagated</a:t>
+            </a:r>
+            <a:r>
+              <a:rPr lang="ro-RO" sz="3000" dirty="0">
+                <a:latin typeface="Avenir Medium"/>
+                <a:cs typeface="Avenir Medium"/>
+              </a:rPr>
+              <a:t> </a:t>
+            </a:r>
+            <a:r>
+              <a:rPr lang="ro-RO" sz="3000" dirty="0" err="1">
+                <a:latin typeface="Avenir Medium"/>
+                <a:cs typeface="Avenir Medium"/>
+              </a:rPr>
+              <a:t>into</a:t>
+            </a:r>
+            <a:r>
+              <a:rPr lang="ro-RO" sz="3000" dirty="0">
+                <a:latin typeface="Avenir Medium"/>
+                <a:cs typeface="Avenir Medium"/>
+              </a:rPr>
+              <a:t>:</a:t>
+            </a:r>
+          </a:p>
+          <a:p>
+            <a:pPr lvl="1"/>
+            <a:r>
+              <a:rPr lang="ro-RO" sz="2600" b="1" dirty="0" err="1">
+                <a:latin typeface="Avenir Medium"/>
+                <a:cs typeface="Avenir Medium"/>
+              </a:rPr>
+              <a:t>invoice_details.product_id</a:t>
+            </a:r>
+            <a:endParaRPr lang="ro-RO" sz="2600" b="1" dirty="0">
+              <a:latin typeface="Avenir Medium"/>
+              <a:cs typeface="Avenir Medium"/>
+            </a:endParaRPr>
+          </a:p>
+          <a:p>
+            <a:pPr lvl="1"/>
+            <a:r>
+              <a:rPr lang="ro-RO" sz="2600" b="1" dirty="0" err="1">
+                <a:latin typeface="Avenir Medium"/>
+                <a:cs typeface="Avenir Medium"/>
+              </a:rPr>
+              <a:t>former_vat_percents.product_id</a:t>
+            </a:r>
+            <a:endParaRPr lang="ro-RO" sz="2600" b="1" dirty="0">
+              <a:latin typeface="Avenir Medium"/>
+              <a:cs typeface="Avenir Medium"/>
+            </a:endParaRPr>
+          </a:p>
+          <a:p>
+            <a:pPr lvl="1"/>
+            <a:r>
+              <a:rPr lang="ro-RO" sz="2600" b="1" dirty="0" err="1">
+                <a:latin typeface="Avenir Medium"/>
+                <a:cs typeface="Avenir Medium"/>
+              </a:rPr>
+              <a:t>product_monthly_stats.product_id</a:t>
+            </a:r>
+            <a:endParaRPr lang="ro-RO" sz="2600" b="1" dirty="0">
+              <a:latin typeface="Avenir Medium"/>
+              <a:cs typeface="Avenir Medium"/>
+            </a:endParaRPr>
+          </a:p>
+          <a:p>
+            <a:pPr lvl="1"/>
+            <a:r>
+              <a:rPr lang="ro-RO" sz="2600" b="1" dirty="0" err="1">
+                <a:latin typeface="Avenir Medium"/>
+                <a:cs typeface="Avenir Medium"/>
+              </a:rPr>
+              <a:t>refused_products.product_id</a:t>
+            </a:r>
+            <a:endParaRPr lang="ro-RO" sz="2600" b="1" dirty="0">
+              <a:latin typeface="Avenir Medium"/>
+              <a:cs typeface="Avenir Medium"/>
+            </a:endParaRPr>
+          </a:p>
+          <a:p>
+            <a:r>
+              <a:rPr lang="ro-RO" sz="3000" dirty="0" err="1">
+                <a:latin typeface="Avenir Medium"/>
+                <a:cs typeface="Avenir Medium"/>
+              </a:rPr>
+              <a:t>Changes</a:t>
+            </a:r>
+            <a:r>
+              <a:rPr lang="ro-RO" sz="3000" dirty="0">
+                <a:latin typeface="Avenir Medium"/>
+                <a:cs typeface="Avenir Medium"/>
+              </a:rPr>
+              <a:t> of </a:t>
+            </a:r>
+            <a:r>
+              <a:rPr lang="ro-RO" sz="3000" b="1" dirty="0" err="1">
+                <a:latin typeface="Avenir Medium"/>
+                <a:cs typeface="Avenir Medium"/>
+              </a:rPr>
+              <a:t>invoices.invoice_id</a:t>
+            </a:r>
+            <a:r>
+              <a:rPr lang="ro-RO" sz="3000" b="1" dirty="0">
+                <a:latin typeface="Avenir Medium"/>
+                <a:cs typeface="Avenir Medium"/>
+              </a:rPr>
+              <a:t> </a:t>
+            </a:r>
+            <a:r>
+              <a:rPr lang="ro-RO" sz="3000" dirty="0" err="1">
+                <a:latin typeface="Avenir Medium"/>
+                <a:cs typeface="Avenir Medium"/>
+              </a:rPr>
+              <a:t>values</a:t>
+            </a:r>
+            <a:r>
+              <a:rPr lang="ro-RO" sz="3000" dirty="0">
+                <a:latin typeface="Avenir Medium"/>
+                <a:cs typeface="Avenir Medium"/>
+              </a:rPr>
+              <a:t> must </a:t>
+            </a:r>
+            <a:r>
+              <a:rPr lang="ro-RO" sz="3000" dirty="0" err="1">
+                <a:latin typeface="Avenir Medium"/>
+                <a:cs typeface="Avenir Medium"/>
+              </a:rPr>
+              <a:t>be</a:t>
+            </a:r>
+            <a:r>
+              <a:rPr lang="ro-RO" sz="3000" dirty="0">
+                <a:latin typeface="Avenir Medium"/>
+                <a:cs typeface="Avenir Medium"/>
+              </a:rPr>
+              <a:t> </a:t>
+            </a:r>
+            <a:r>
+              <a:rPr lang="ro-RO" sz="3000" dirty="0" err="1">
+                <a:latin typeface="Avenir Medium"/>
+                <a:cs typeface="Avenir Medium"/>
+              </a:rPr>
+              <a:t>propagated</a:t>
+            </a:r>
+            <a:r>
+              <a:rPr lang="ro-RO" sz="3000" dirty="0">
+                <a:latin typeface="Avenir Medium"/>
+                <a:cs typeface="Avenir Medium"/>
+              </a:rPr>
+              <a:t> </a:t>
+            </a:r>
+            <a:r>
+              <a:rPr lang="ro-RO" sz="3000" dirty="0" err="1">
+                <a:latin typeface="Avenir Medium"/>
+                <a:cs typeface="Avenir Medium"/>
+              </a:rPr>
+              <a:t>into</a:t>
+            </a:r>
+            <a:r>
+              <a:rPr lang="ro-RO" sz="3000" dirty="0">
+                <a:latin typeface="Avenir Medium"/>
+                <a:cs typeface="Avenir Medium"/>
+              </a:rPr>
+              <a:t>:</a:t>
+            </a:r>
+          </a:p>
+          <a:p>
+            <a:pPr lvl="1"/>
+            <a:r>
+              <a:rPr lang="ro-RO" sz="2600" b="1" dirty="0" err="1">
+                <a:latin typeface="Avenir Medium"/>
+                <a:cs typeface="Avenir Medium"/>
+              </a:rPr>
+              <a:t>invoice_details.invoice_id</a:t>
+            </a:r>
+            <a:endParaRPr lang="ro-RO" sz="2600" b="1" dirty="0">
+              <a:latin typeface="Avenir Medium"/>
+              <a:cs typeface="Avenir Medium"/>
+            </a:endParaRPr>
+          </a:p>
+          <a:p>
+            <a:pPr lvl="1"/>
+            <a:r>
+              <a:rPr lang="ro-RO" sz="2600" b="1" dirty="0" err="1">
+                <a:latin typeface="Avenir Medium"/>
+                <a:cs typeface="Avenir Medium"/>
+              </a:rPr>
+              <a:t>cancelled_invoices.invoice_id</a:t>
+            </a:r>
+            <a:endParaRPr lang="ro-RO" sz="2600" b="1" dirty="0">
+              <a:latin typeface="Avenir Medium"/>
+              <a:cs typeface="Avenir Medium"/>
+            </a:endParaRPr>
+          </a:p>
+          <a:p>
+            <a:pPr lvl="1"/>
+            <a:r>
+              <a:rPr lang="ro-RO" sz="2600" b="1" dirty="0" err="1">
+                <a:latin typeface="Avenir Medium"/>
+                <a:cs typeface="Avenir Medium"/>
+              </a:rPr>
+              <a:t>receipt_details.invoice_id</a:t>
+            </a:r>
+            <a:endParaRPr lang="ro-RO" sz="2600" b="1" dirty="0">
+              <a:latin typeface="Avenir Medium"/>
+              <a:cs typeface="Avenir Medium"/>
+            </a:endParaRPr>
+          </a:p>
+          <a:p>
+            <a:pPr lvl="1"/>
+            <a:r>
+              <a:rPr lang="ro-RO" sz="2600" b="1" dirty="0" err="1">
+                <a:latin typeface="Avenir Medium"/>
+                <a:cs typeface="Avenir Medium"/>
+              </a:rPr>
+              <a:t>refusals.invoice_id</a:t>
+            </a:r>
+            <a:endParaRPr lang="ro-RO" sz="2600" b="1" dirty="0">
+              <a:latin typeface="Avenir Medium"/>
+              <a:cs typeface="Avenir Medium"/>
+            </a:endParaRPr>
+          </a:p>
+          <a:p>
+            <a:r>
+              <a:rPr lang="ro-RO" sz="3000" dirty="0" err="1">
+                <a:latin typeface="Avenir Medium"/>
+                <a:cs typeface="Avenir Medium"/>
+              </a:rPr>
+              <a:t>Changes</a:t>
+            </a:r>
+            <a:r>
+              <a:rPr lang="ro-RO" sz="3000" dirty="0">
+                <a:latin typeface="Avenir Medium"/>
+                <a:cs typeface="Avenir Medium"/>
+              </a:rPr>
+              <a:t> of </a:t>
+            </a:r>
+            <a:r>
+              <a:rPr lang="ro-RO" sz="3000" b="1" dirty="0" err="1">
+                <a:latin typeface="Avenir Medium"/>
+                <a:cs typeface="Avenir Medium"/>
+              </a:rPr>
+              <a:t>receipts.receipt_id</a:t>
+            </a:r>
+            <a:r>
+              <a:rPr lang="ro-RO" sz="3000" b="1" dirty="0">
+                <a:latin typeface="Avenir Medium"/>
+                <a:cs typeface="Avenir Medium"/>
+              </a:rPr>
+              <a:t> </a:t>
+            </a:r>
+            <a:r>
+              <a:rPr lang="ro-RO" sz="3000" dirty="0" err="1">
+                <a:latin typeface="Avenir Medium"/>
+                <a:cs typeface="Avenir Medium"/>
+              </a:rPr>
+              <a:t>values</a:t>
+            </a:r>
+            <a:r>
+              <a:rPr lang="ro-RO" sz="3000" dirty="0">
+                <a:latin typeface="Avenir Medium"/>
+                <a:cs typeface="Avenir Medium"/>
+              </a:rPr>
+              <a:t> must </a:t>
+            </a:r>
+            <a:r>
+              <a:rPr lang="ro-RO" sz="3000" dirty="0" err="1">
+                <a:latin typeface="Avenir Medium"/>
+                <a:cs typeface="Avenir Medium"/>
+              </a:rPr>
+              <a:t>be</a:t>
+            </a:r>
+            <a:r>
+              <a:rPr lang="ro-RO" sz="3000" dirty="0">
+                <a:latin typeface="Avenir Medium"/>
+                <a:cs typeface="Avenir Medium"/>
+              </a:rPr>
+              <a:t> </a:t>
+            </a:r>
+            <a:r>
+              <a:rPr lang="ro-RO" sz="3000" dirty="0" err="1">
+                <a:latin typeface="Avenir Medium"/>
+                <a:cs typeface="Avenir Medium"/>
+              </a:rPr>
+              <a:t>propagated</a:t>
+            </a:r>
+            <a:r>
+              <a:rPr lang="ro-RO" sz="3000" dirty="0">
+                <a:latin typeface="Avenir Medium"/>
+                <a:cs typeface="Avenir Medium"/>
+              </a:rPr>
+              <a:t> </a:t>
+            </a:r>
+            <a:r>
+              <a:rPr lang="ro-RO" sz="3000" dirty="0" err="1">
+                <a:latin typeface="Avenir Medium"/>
+                <a:cs typeface="Avenir Medium"/>
+              </a:rPr>
+              <a:t>into</a:t>
+            </a:r>
+            <a:r>
+              <a:rPr lang="ro-RO" sz="3000" dirty="0">
+                <a:latin typeface="Avenir Medium"/>
+                <a:cs typeface="Avenir Medium"/>
+              </a:rPr>
+              <a:t> </a:t>
+            </a:r>
+            <a:r>
+              <a:rPr lang="ro-RO" sz="3000" b="1" dirty="0" err="1">
+                <a:latin typeface="Avenir Medium"/>
+                <a:cs typeface="Avenir Medium"/>
+              </a:rPr>
+              <a:t>receipt_details.receipt_id</a:t>
+            </a:r>
+            <a:endParaRPr lang="ro-RO" sz="3000" dirty="0">
+              <a:latin typeface="Avenir Medium"/>
+              <a:cs typeface="Avenir Medium"/>
+            </a:endParaRPr>
+          </a:p>
+          <a:p>
+            <a:r>
+              <a:rPr lang="ro-RO" sz="3000" dirty="0" err="1">
+                <a:latin typeface="Avenir Medium"/>
+              </a:rPr>
+              <a:t>Changes</a:t>
+            </a:r>
+            <a:r>
+              <a:rPr lang="ro-RO" sz="3000" dirty="0">
+                <a:latin typeface="Avenir Medium"/>
+              </a:rPr>
+              <a:t> of </a:t>
+            </a:r>
+            <a:r>
+              <a:rPr lang="ro-RO" sz="3000" b="1" dirty="0" err="1">
+                <a:latin typeface="Avenir Medium"/>
+              </a:rPr>
+              <a:t>refusals.refusal_id</a:t>
+            </a:r>
+            <a:r>
+              <a:rPr lang="ro-RO" sz="3000" b="1" dirty="0">
+                <a:latin typeface="Avenir Medium"/>
+              </a:rPr>
+              <a:t> </a:t>
+            </a:r>
+            <a:r>
+              <a:rPr lang="ro-RO" sz="3000" dirty="0" err="1">
+                <a:latin typeface="Avenir Medium"/>
+              </a:rPr>
+              <a:t>values</a:t>
+            </a:r>
+            <a:r>
+              <a:rPr lang="ro-RO" sz="3000" dirty="0">
+                <a:latin typeface="Avenir Medium"/>
+              </a:rPr>
+              <a:t> must </a:t>
+            </a:r>
+            <a:r>
+              <a:rPr lang="ro-RO" sz="3000" dirty="0" err="1">
+                <a:latin typeface="Avenir Medium"/>
+              </a:rPr>
+              <a:t>be</a:t>
+            </a:r>
+            <a:r>
+              <a:rPr lang="ro-RO" sz="3000" dirty="0">
+                <a:latin typeface="Avenir Medium"/>
+              </a:rPr>
+              <a:t> </a:t>
+            </a:r>
+            <a:r>
+              <a:rPr lang="ro-RO" sz="3000" dirty="0" err="1">
+                <a:latin typeface="Avenir Medium"/>
+              </a:rPr>
+              <a:t>propagated</a:t>
+            </a:r>
+            <a:r>
+              <a:rPr lang="ro-RO" sz="3000" dirty="0">
+                <a:latin typeface="Avenir Medium"/>
+              </a:rPr>
+              <a:t> </a:t>
+            </a:r>
+            <a:r>
+              <a:rPr lang="ro-RO" sz="3000" dirty="0" err="1">
+                <a:latin typeface="Avenir Medium"/>
+              </a:rPr>
+              <a:t>into</a:t>
+            </a:r>
+            <a:r>
+              <a:rPr lang="ro-RO" sz="3000" dirty="0">
+                <a:latin typeface="Avenir Medium"/>
+              </a:rPr>
+              <a:t> </a:t>
+            </a:r>
+            <a:r>
+              <a:rPr lang="ro-RO" sz="3000" b="1" dirty="0" err="1">
+                <a:latin typeface="Avenir Medium"/>
+              </a:rPr>
+              <a:t>refused_products</a:t>
+            </a:r>
+            <a:r>
+              <a:rPr lang="ro-RO" sz="3000" dirty="0" err="1">
+                <a:latin typeface="Avenir Medium"/>
+              </a:rPr>
+              <a:t>.</a:t>
+            </a:r>
+            <a:r>
+              <a:rPr lang="ro-RO" sz="3000" b="1" dirty="0" err="1">
+                <a:latin typeface="Avenir Medium"/>
+              </a:rPr>
+              <a:t>refusal_id</a:t>
+            </a:r>
+            <a:endParaRPr lang="ro-RO" sz="3000" b="1" dirty="0">
+              <a:latin typeface="Avenir Medium"/>
+            </a:endParaRPr>
+          </a:p>
+          <a:p>
+            <a:endParaRPr lang="ro-RO" sz="3000" dirty="0">
+              <a:latin typeface="Avenir Medium"/>
+              <a:cs typeface="Avenir Medium"/>
+            </a:endParaRPr>
+          </a:p>
+          <a:p>
+            <a:endParaRPr lang="ro-RO" sz="3000" dirty="0">
+              <a:latin typeface="Avenir Medium"/>
+              <a:cs typeface="Avenir Medium"/>
+            </a:endParaRPr>
+          </a:p>
+        </p:txBody>
+      </p:sp>
+    </p:spTree>
+    <p:extLst>
+      <p:ext uri="{BB962C8B-B14F-4D97-AF65-F5344CB8AC3E}">
+        <p14:creationId xmlns:p14="http://schemas.microsoft.com/office/powerpoint/2010/main" val="3519683842"/>
       </p:ext>
     </p:extLst>
   </p:cSld>

--- a/06_Triggers/06-01_en_Triggers - part 1.pptx
+++ b/06_Triggers/06-01_en_Triggers - part 1.pptx
@@ -7,26 +7,27 @@
   <p:sldIdLst>
     <p:sldId id="256" r:id="rId2"/>
     <p:sldId id="472" r:id="rId3"/>
-    <p:sldId id="532" r:id="rId4"/>
-    <p:sldId id="533" r:id="rId5"/>
-    <p:sldId id="534" r:id="rId6"/>
-    <p:sldId id="535" r:id="rId7"/>
-    <p:sldId id="536" r:id="rId8"/>
-    <p:sldId id="537" r:id="rId9"/>
-    <p:sldId id="538" r:id="rId10"/>
-    <p:sldId id="539" r:id="rId11"/>
-    <p:sldId id="540" r:id="rId12"/>
-    <p:sldId id="541" r:id="rId13"/>
-    <p:sldId id="542" r:id="rId14"/>
-    <p:sldId id="543" r:id="rId15"/>
-    <p:sldId id="550" r:id="rId16"/>
-    <p:sldId id="545" r:id="rId17"/>
-    <p:sldId id="551" r:id="rId18"/>
-    <p:sldId id="546" r:id="rId19"/>
-    <p:sldId id="547" r:id="rId20"/>
-    <p:sldId id="552" r:id="rId21"/>
-    <p:sldId id="548" r:id="rId22"/>
-    <p:sldId id="549" r:id="rId23"/>
+    <p:sldId id="553" r:id="rId4"/>
+    <p:sldId id="532" r:id="rId5"/>
+    <p:sldId id="533" r:id="rId6"/>
+    <p:sldId id="534" r:id="rId7"/>
+    <p:sldId id="535" r:id="rId8"/>
+    <p:sldId id="536" r:id="rId9"/>
+    <p:sldId id="537" r:id="rId10"/>
+    <p:sldId id="538" r:id="rId11"/>
+    <p:sldId id="539" r:id="rId12"/>
+    <p:sldId id="540" r:id="rId13"/>
+    <p:sldId id="541" r:id="rId14"/>
+    <p:sldId id="542" r:id="rId15"/>
+    <p:sldId id="543" r:id="rId16"/>
+    <p:sldId id="550" r:id="rId17"/>
+    <p:sldId id="545" r:id="rId18"/>
+    <p:sldId id="551" r:id="rId19"/>
+    <p:sldId id="546" r:id="rId20"/>
+    <p:sldId id="547" r:id="rId21"/>
+    <p:sldId id="552" r:id="rId22"/>
+    <p:sldId id="548" r:id="rId23"/>
+    <p:sldId id="549" r:id="rId24"/>
   </p:sldIdLst>
   <p:sldSz cx="9144000" cy="6858000" type="screen4x3"/>
   <p:notesSz cx="6858000" cy="9144000"/>
@@ -4818,7 +4819,7 @@
                 <a:ea typeface="Arial Unicode MS" panose="020B0604020202020204" pitchFamily="34" charset="-128"/>
                 <a:cs typeface="American Typewriter"/>
               </a:rPr>
-              <a:t>Trigger Events (1)</a:t>
+              <a:t>Some Trigger Applications</a:t>
             </a:r>
             <a:endParaRPr lang="en-US" sz="3600" dirty="0">
               <a:latin typeface="American Typewriter"/>
@@ -4840,13 +4841,13 @@
         </p:nvSpPr>
         <p:spPr>
           <a:xfrm>
-            <a:off x="685800" y="1600200"/>
-            <a:ext cx="8458200" cy="5257800"/>
+            <a:off x="609600" y="1600200"/>
+            <a:ext cx="8458200" cy="5029200"/>
           </a:xfrm>
         </p:spPr>
         <p:txBody>
           <a:bodyPr>
-            <a:normAutofit fontScale="92500" lnSpcReduction="20000"/>
+            <a:normAutofit fontScale="85000" lnSpcReduction="20000"/>
           </a:bodyPr>
           <a:lstStyle/>
           <a:p>
@@ -4855,204 +4856,258 @@
                 <a:latin typeface="Avenir Medium"/>
                 <a:cs typeface="Avenir Medium"/>
               </a:rPr>
-              <a:t>Database Level Events</a:t>
-            </a:r>
-          </a:p>
-          <a:p>
-            <a:pPr lvl="1"/>
-            <a:r>
-              <a:rPr lang="ro-RO" dirty="0">
-                <a:latin typeface="Avenir Medium"/>
-                <a:cs typeface="Avenir Medium"/>
-              </a:rPr>
-              <a:t>Database startup (</a:t>
-            </a:r>
-            <a:r>
-              <a:rPr lang="ro-RO" dirty="0">
-                <a:solidFill>
-                  <a:srgbClr val="0070C0"/>
-                </a:solidFill>
-                <a:latin typeface="Avenir Medium"/>
-                <a:cs typeface="Avenir Medium"/>
-              </a:rPr>
-              <a:t>STARTUP</a:t>
-            </a:r>
-            <a:r>
-              <a:rPr lang="ro-RO" dirty="0">
-                <a:latin typeface="Avenir Medium"/>
-                <a:cs typeface="Avenir Medium"/>
-              </a:rPr>
-              <a:t>)</a:t>
-            </a:r>
-          </a:p>
-          <a:p>
-            <a:pPr lvl="1"/>
-            <a:r>
-              <a:rPr lang="ro-RO" dirty="0">
-                <a:latin typeface="Avenir Medium"/>
-                <a:cs typeface="Avenir Medium"/>
-              </a:rPr>
-              <a:t>Database stop (</a:t>
-            </a:r>
-            <a:r>
-              <a:rPr lang="ro-RO" dirty="0">
-                <a:solidFill>
-                  <a:srgbClr val="0070C0"/>
-                </a:solidFill>
-                <a:latin typeface="Avenir Medium"/>
-                <a:cs typeface="Avenir Medium"/>
-              </a:rPr>
-              <a:t>SHUTDOWN</a:t>
-            </a:r>
-            <a:r>
-              <a:rPr lang="ro-RO" dirty="0">
-                <a:latin typeface="Avenir Medium"/>
-                <a:cs typeface="Avenir Medium"/>
-              </a:rPr>
-              <a:t>)</a:t>
-            </a:r>
-          </a:p>
-          <a:p>
-            <a:r>
-              <a:rPr lang="ro-RO" sz="3000" dirty="0">
-                <a:latin typeface="Avenir Medium"/>
-                <a:cs typeface="Avenir Medium"/>
-              </a:rPr>
-              <a:t>User session</a:t>
-            </a:r>
-          </a:p>
-          <a:p>
-            <a:pPr lvl="1"/>
-            <a:r>
-              <a:rPr lang="ro-RO" dirty="0">
-                <a:solidFill>
-                  <a:srgbClr val="0070C0"/>
-                </a:solidFill>
-                <a:latin typeface="Avenir Medium"/>
-                <a:cs typeface="Avenir Medium"/>
-              </a:rPr>
-              <a:t>LOGON</a:t>
-            </a:r>
-            <a:r>
-              <a:rPr lang="ro-RO" dirty="0">
+              <a:t>Surrogate key handling</a:t>
+            </a:r>
+          </a:p>
+          <a:p>
+            <a:r>
+              <a:rPr lang="ro-RO" sz="3000" dirty="0">
+                <a:latin typeface="Avenir Medium"/>
+                <a:cs typeface="Avenir Medium"/>
+              </a:rPr>
+              <a:t>CASCADE </a:t>
+            </a:r>
+            <a:r>
+              <a:rPr lang="ro-RO" sz="3000" dirty="0" err="1">
+                <a:latin typeface="Avenir Medium"/>
+                <a:cs typeface="Avenir Medium"/>
+              </a:rPr>
+              <a:t>UPDATEs</a:t>
+            </a:r>
+            <a:r>
+              <a:rPr lang="ro-RO" sz="3000" dirty="0">
+                <a:latin typeface="Avenir Medium"/>
+                <a:cs typeface="Avenir Medium"/>
+              </a:rPr>
+              <a:t> - </a:t>
+            </a:r>
+            <a:r>
+              <a:rPr lang="ro-RO" sz="3000" dirty="0" err="1">
+                <a:latin typeface="Avenir Medium"/>
+                <a:cs typeface="Avenir Medium"/>
+              </a:rPr>
+              <a:t>when</a:t>
+            </a:r>
+            <a:r>
+              <a:rPr lang="ro-RO" sz="3000" dirty="0">
                 <a:latin typeface="Avenir Medium"/>
                 <a:cs typeface="Avenir Medium"/>
               </a:rPr>
               <a:t> </a:t>
             </a:r>
-          </a:p>
-          <a:p>
-            <a:pPr lvl="1"/>
-            <a:r>
-              <a:rPr lang="ro-RO" dirty="0">
-                <a:solidFill>
-                  <a:srgbClr val="0070C0"/>
-                </a:solidFill>
-                <a:latin typeface="Avenir Medium"/>
-                <a:cs typeface="Avenir Medium"/>
-              </a:rPr>
-              <a:t>LOGOFF</a:t>
-            </a:r>
-          </a:p>
-          <a:p>
-            <a:r>
-              <a:rPr lang="ro-RO" sz="3000" dirty="0">
-                <a:latin typeface="Avenir Medium"/>
-                <a:cs typeface="Avenir Medium"/>
-              </a:rPr>
-              <a:t>DDL statement execution (launch)</a:t>
-            </a:r>
-          </a:p>
-          <a:p>
-            <a:pPr lvl="1"/>
-            <a:r>
-              <a:rPr lang="ro-RO" dirty="0">
-                <a:solidFill>
-                  <a:srgbClr val="0070C0"/>
-                </a:solidFill>
-                <a:latin typeface="Avenir Medium"/>
-                <a:cs typeface="Avenir Medium"/>
-              </a:rPr>
-              <a:t>CREATE</a:t>
-            </a:r>
-          </a:p>
-          <a:p>
-            <a:pPr lvl="1"/>
-            <a:r>
-              <a:rPr lang="ro-RO" dirty="0">
-                <a:solidFill>
-                  <a:srgbClr val="0070C0"/>
-                </a:solidFill>
-                <a:latin typeface="Avenir Medium"/>
-                <a:cs typeface="Avenir Medium"/>
-              </a:rPr>
-              <a:t>DROP</a:t>
-            </a:r>
-          </a:p>
-          <a:p>
-            <a:pPr lvl="1"/>
-            <a:r>
-              <a:rPr lang="ro-RO" dirty="0">
-                <a:solidFill>
-                  <a:srgbClr val="0070C0"/>
-                </a:solidFill>
-                <a:latin typeface="Avenir Medium"/>
-                <a:cs typeface="Avenir Medium"/>
-              </a:rPr>
-              <a:t>ALTER</a:t>
-            </a:r>
-          </a:p>
-          <a:p>
-            <a:r>
-              <a:rPr lang="ro-RO" sz="3000" dirty="0">
-                <a:latin typeface="Avenir Medium"/>
-                <a:cs typeface="Avenir Medium"/>
-              </a:rPr>
-              <a:t>Occurence of a database server error (</a:t>
-            </a:r>
-            <a:r>
-              <a:rPr lang="en-US" sz="3000" dirty="0" err="1">
-                <a:solidFill>
-                  <a:srgbClr val="0070C0"/>
-                </a:solidFill>
-                <a:latin typeface="Avenir Medium"/>
-                <a:cs typeface="Avenir Medium"/>
-              </a:rPr>
-              <a:t>SERVERERROR</a:t>
-            </a:r>
-            <a:r>
-              <a:rPr lang="ro-RO" sz="3000" dirty="0">
-                <a:latin typeface="Avenir Medium"/>
-                <a:cs typeface="Avenir Medium"/>
-              </a:rPr>
-              <a:t>)</a:t>
-            </a:r>
-          </a:p>
-          <a:p>
-            <a:endParaRPr lang="ro-RO" sz="3000" dirty="0">
-              <a:latin typeface="Avenir Medium"/>
-              <a:cs typeface="Avenir Medium"/>
-            </a:endParaRPr>
-          </a:p>
-          <a:p>
-            <a:endParaRPr lang="ro-RO" sz="3000" dirty="0">
-              <a:latin typeface="Avenir Medium"/>
-              <a:cs typeface="Avenir Medium"/>
-            </a:endParaRPr>
-          </a:p>
-          <a:p>
-            <a:endParaRPr lang="ro-RO" sz="3000" dirty="0">
-              <a:latin typeface="Avenir Medium"/>
-              <a:cs typeface="Avenir Medium"/>
-            </a:endParaRPr>
-          </a:p>
-          <a:p>
-            <a:endParaRPr lang="ro-RO" sz="3000" dirty="0">
-              <a:latin typeface="Avenir Medium"/>
-              <a:cs typeface="Avenir Medium"/>
-            </a:endParaRPr>
-          </a:p>
-          <a:p>
+            <a:r>
+              <a:rPr lang="ro-RO" sz="3000" dirty="0" err="1">
+                <a:latin typeface="Avenir Medium"/>
+                <a:cs typeface="Avenir Medium"/>
+              </a:rPr>
+              <a:t>one</a:t>
+            </a:r>
+            <a:r>
+              <a:rPr lang="ro-RO" sz="3000" dirty="0">
+                <a:latin typeface="Avenir Medium"/>
+                <a:cs typeface="Avenir Medium"/>
+              </a:rPr>
+              <a:t> or more </a:t>
+            </a:r>
+            <a:r>
+              <a:rPr lang="ro-RO" sz="3000" dirty="0" err="1">
+                <a:latin typeface="Avenir Medium"/>
+                <a:cs typeface="Avenir Medium"/>
+              </a:rPr>
+              <a:t>values</a:t>
+            </a:r>
+            <a:r>
+              <a:rPr lang="ro-RO" sz="3000" dirty="0">
+                <a:latin typeface="Avenir Medium"/>
+                <a:cs typeface="Avenir Medium"/>
+              </a:rPr>
+              <a:t> of </a:t>
+            </a:r>
+            <a:r>
+              <a:rPr lang="ro-RO" sz="3000" dirty="0" err="1">
+                <a:latin typeface="Avenir Medium"/>
+                <a:cs typeface="Avenir Medium"/>
+              </a:rPr>
+              <a:t>the</a:t>
+            </a:r>
+            <a:r>
+              <a:rPr lang="ro-RO" sz="3000" dirty="0">
+                <a:latin typeface="Avenir Medium"/>
+                <a:cs typeface="Avenir Medium"/>
+              </a:rPr>
+              <a:t> </a:t>
+            </a:r>
+            <a:r>
+              <a:rPr lang="ro-RO" sz="3000" dirty="0" err="1">
+                <a:latin typeface="Avenir Medium"/>
+                <a:cs typeface="Avenir Medium"/>
+              </a:rPr>
+              <a:t>primary</a:t>
+            </a:r>
+            <a:r>
+              <a:rPr lang="ro-RO" sz="3000" dirty="0">
+                <a:latin typeface="Avenir Medium"/>
+                <a:cs typeface="Avenir Medium"/>
+              </a:rPr>
+              <a:t> </a:t>
+            </a:r>
+            <a:r>
+              <a:rPr lang="ro-RO" sz="3000" dirty="0" err="1">
+                <a:latin typeface="Avenir Medium"/>
+                <a:cs typeface="Avenir Medium"/>
+              </a:rPr>
+              <a:t>key</a:t>
+            </a:r>
+            <a:r>
+              <a:rPr lang="ro-RO" sz="3000" dirty="0">
+                <a:latin typeface="Avenir Medium"/>
+                <a:cs typeface="Avenir Medium"/>
+              </a:rPr>
+              <a:t> are </a:t>
+            </a:r>
+            <a:r>
+              <a:rPr lang="ro-RO" sz="3000" dirty="0" err="1">
+                <a:latin typeface="Avenir Medium"/>
+                <a:cs typeface="Avenir Medium"/>
+              </a:rPr>
+              <a:t>updated</a:t>
+            </a:r>
+            <a:r>
+              <a:rPr lang="ro-RO" sz="3000" dirty="0">
+                <a:latin typeface="Avenir Medium"/>
+                <a:cs typeface="Avenir Medium"/>
+              </a:rPr>
+              <a:t> (in </a:t>
+            </a:r>
+            <a:r>
+              <a:rPr lang="ro-RO" sz="3000" dirty="0" err="1">
+                <a:latin typeface="Avenir Medium"/>
+                <a:cs typeface="Avenir Medium"/>
+              </a:rPr>
+              <a:t>the</a:t>
+            </a:r>
+            <a:r>
+              <a:rPr lang="ro-RO" sz="3000" dirty="0">
+                <a:latin typeface="Avenir Medium"/>
+                <a:cs typeface="Avenir Medium"/>
+              </a:rPr>
+              <a:t> </a:t>
+            </a:r>
+            <a:r>
+              <a:rPr lang="ro-RO" sz="3000" dirty="0" err="1">
+                <a:latin typeface="Avenir Medium"/>
+                <a:cs typeface="Avenir Medium"/>
+              </a:rPr>
+              <a:t>parent</a:t>
+            </a:r>
+            <a:r>
+              <a:rPr lang="ro-RO" sz="3000" dirty="0">
+                <a:latin typeface="Avenir Medium"/>
+                <a:cs typeface="Avenir Medium"/>
+              </a:rPr>
+              <a:t> table) </a:t>
+            </a:r>
+            <a:r>
+              <a:rPr lang="ro-RO" sz="3000" dirty="0" err="1">
+                <a:latin typeface="Avenir Medium"/>
+                <a:cs typeface="Avenir Medium"/>
+              </a:rPr>
+              <a:t>they</a:t>
+            </a:r>
+            <a:r>
+              <a:rPr lang="ro-RO" sz="3000" dirty="0">
+                <a:latin typeface="Avenir Medium"/>
+                <a:cs typeface="Avenir Medium"/>
+              </a:rPr>
+              <a:t> must be propagated into all the </a:t>
+            </a:r>
+            <a:r>
+              <a:rPr lang="ro-RO" sz="3000" dirty="0" err="1">
+                <a:latin typeface="Avenir Medium"/>
+                <a:cs typeface="Avenir Medium"/>
+              </a:rPr>
+              <a:t>children</a:t>
+            </a:r>
+            <a:r>
+              <a:rPr lang="ro-RO" sz="3000" dirty="0">
+                <a:latin typeface="Avenir Medium"/>
+                <a:cs typeface="Avenir Medium"/>
+              </a:rPr>
+              <a:t> </a:t>
+            </a:r>
+            <a:r>
+              <a:rPr lang="ro-RO" sz="3000" dirty="0" err="1">
+                <a:latin typeface="Avenir Medium"/>
+                <a:cs typeface="Avenir Medium"/>
+              </a:rPr>
+              <a:t>tables</a:t>
+            </a:r>
+            <a:r>
+              <a:rPr lang="ro-RO" sz="3000" dirty="0">
+                <a:latin typeface="Avenir Medium"/>
+                <a:cs typeface="Avenir Medium"/>
+              </a:rPr>
+              <a:t> </a:t>
+            </a:r>
+          </a:p>
+          <a:p>
+            <a:r>
+              <a:rPr lang="ro-RO" sz="3000" dirty="0">
+                <a:latin typeface="Avenir Medium"/>
+                <a:cs typeface="Avenir Medium"/>
+              </a:rPr>
+              <a:t>Computed (derived, redundant) attributes management, </a:t>
+            </a:r>
+            <a:r>
+              <a:rPr lang="ro-RO" sz="3000" dirty="0" err="1">
+                <a:latin typeface="Avenir Medium"/>
+                <a:cs typeface="Avenir Medium"/>
+              </a:rPr>
+              <a:t>through</a:t>
+            </a:r>
+            <a:r>
+              <a:rPr lang="ro-RO" sz="3000" dirty="0">
+                <a:latin typeface="Avenir Medium"/>
+                <a:cs typeface="Avenir Medium"/>
+              </a:rPr>
+              <a:t> automatic updates (see Invoice_Amount, Account_Current_Balance, etc.)</a:t>
+            </a:r>
+          </a:p>
+          <a:p>
+            <a:r>
+              <a:rPr lang="ro-RO" sz="3000" dirty="0">
+                <a:latin typeface="Avenir Medium"/>
+                <a:cs typeface="Avenir Medium"/>
+              </a:rPr>
+              <a:t>Implementing complex constraints</a:t>
+            </a:r>
+          </a:p>
+          <a:p>
+            <a:r>
+              <a:rPr lang="ro-RO" sz="3000" dirty="0">
+                <a:latin typeface="Avenir Medium"/>
+                <a:cs typeface="Avenir Medium"/>
+              </a:rPr>
+              <a:t>Preventing unauthorized access and updates to the computed attributes and/or any other sensitive information</a:t>
+            </a:r>
+          </a:p>
+          <a:p>
+            <a:r>
+              <a:rPr lang="ro-RO" sz="3000" dirty="0">
+                <a:latin typeface="Avenir Medium"/>
+                <a:cs typeface="Avenir Medium"/>
+              </a:rPr>
+              <a:t>Declaring/implementing complex business rules</a:t>
+            </a:r>
+          </a:p>
+          <a:p>
+            <a:r>
+              <a:rPr lang="ro-RO" sz="3000" dirty="0">
+                <a:latin typeface="Avenir Medium"/>
+                <a:cs typeface="Avenir Medium"/>
+              </a:rPr>
+              <a:t>Logging of sensitive transactions</a:t>
+            </a:r>
             <a:endParaRPr lang="en-US" sz="3000" dirty="0">
               <a:latin typeface="Avenir Medium"/>
               <a:cs typeface="Avenir Medium"/>
@@ -5063,7 +5118,7 @@
     </p:spTree>
     <p:extLst>
       <p:ext uri="{BB962C8B-B14F-4D97-AF65-F5344CB8AC3E}">
-        <p14:creationId xmlns:p14="http://schemas.microsoft.com/office/powerpoint/2010/main" val="12112033"/>
+        <p14:creationId xmlns:p14="http://schemas.microsoft.com/office/powerpoint/2010/main" val="2415595335"/>
       </p:ext>
     </p:extLst>
   </p:cSld>
@@ -5117,7 +5172,7 @@
                 <a:ea typeface="Arial Unicode MS" panose="020B0604020202020204" pitchFamily="34" charset="-128"/>
                 <a:cs typeface="American Typewriter"/>
               </a:rPr>
-              <a:t>Trigger Events (2)</a:t>
+              <a:t>Trigger Events (1)</a:t>
             </a:r>
             <a:endParaRPr lang="en-US" sz="3600" dirty="0">
               <a:latin typeface="American Typewriter"/>
@@ -5139,13 +5194,13 @@
         </p:nvSpPr>
         <p:spPr>
           <a:xfrm>
-            <a:off x="533400" y="1600200"/>
-            <a:ext cx="8610600" cy="5181600"/>
+            <a:off x="685800" y="1600200"/>
+            <a:ext cx="8458200" cy="5257800"/>
           </a:xfrm>
         </p:spPr>
         <p:txBody>
           <a:bodyPr>
-            <a:normAutofit/>
+            <a:normAutofit fontScale="92500" lnSpcReduction="20000"/>
           </a:bodyPr>
           <a:lstStyle/>
           <a:p>
@@ -5154,30 +5209,30 @@
                 <a:latin typeface="Avenir Medium"/>
                 <a:cs typeface="Avenir Medium"/>
               </a:rPr>
-              <a:t>Table events:</a:t>
+              <a:t>Database Level Events</a:t>
             </a:r>
           </a:p>
           <a:p>
             <a:pPr lvl="1"/>
             <a:r>
-              <a:rPr lang="ro-RO" sz="2600" dirty="0">
-                <a:latin typeface="Avenir Medium"/>
-                <a:cs typeface="Avenir Medium"/>
-              </a:rPr>
-              <a:t>Add one or more records into a table (</a:t>
-            </a:r>
-            <a:r>
-              <a:rPr lang="ro-RO" sz="2600" dirty="0">
+              <a:rPr lang="ro-RO" dirty="0">
+                <a:latin typeface="Avenir Medium"/>
+                <a:cs typeface="Avenir Medium"/>
+              </a:rPr>
+              <a:t>Database startup (</a:t>
+            </a:r>
+            <a:r>
+              <a:rPr lang="ro-RO" dirty="0">
                 <a:solidFill>
                   <a:srgbClr val="0070C0"/>
                 </a:solidFill>
                 <a:latin typeface="Avenir Medium"/>
                 <a:cs typeface="Avenir Medium"/>
               </a:rPr>
-              <a:t>INSERT</a:t>
-            </a:r>
-            <a:r>
-              <a:rPr lang="ro-RO" sz="2600" dirty="0">
+              <a:t>STARTUP</a:t>
+            </a:r>
+            <a:r>
+              <a:rPr lang="ro-RO" dirty="0">
                 <a:latin typeface="Avenir Medium"/>
                 <a:cs typeface="Avenir Medium"/>
               </a:rPr>
@@ -5187,24 +5242,24 @@
           <a:p>
             <a:pPr lvl="1"/>
             <a:r>
-              <a:rPr lang="ro-RO" sz="2600" dirty="0">
-                <a:latin typeface="Avenir Medium"/>
-                <a:cs typeface="Avenir Medium"/>
-              </a:rPr>
-              <a:t>Update one or more records in a table (</a:t>
-            </a:r>
-            <a:r>
-              <a:rPr lang="ro-RO" sz="2600" dirty="0">
+              <a:rPr lang="ro-RO" dirty="0">
+                <a:latin typeface="Avenir Medium"/>
+                <a:cs typeface="Avenir Medium"/>
+              </a:rPr>
+              <a:t>Database stop (</a:t>
+            </a:r>
+            <a:r>
+              <a:rPr lang="ro-RO" dirty="0">
                 <a:solidFill>
                   <a:srgbClr val="0070C0"/>
                 </a:solidFill>
                 <a:latin typeface="Avenir Medium"/>
                 <a:cs typeface="Avenir Medium"/>
               </a:rPr>
-              <a:t>UPDATE</a:t>
-            </a:r>
-            <a:r>
-              <a:rPr lang="ro-RO" sz="2600" dirty="0">
+              <a:t>SHUTDOWN</a:t>
+            </a:r>
+            <a:r>
+              <a:rPr lang="ro-RO" dirty="0">
                 <a:latin typeface="Avenir Medium"/>
                 <a:cs typeface="Avenir Medium"/>
               </a:rPr>
@@ -5212,126 +5267,115 @@
             </a:r>
           </a:p>
           <a:p>
+            <a:r>
+              <a:rPr lang="ro-RO" sz="3000" dirty="0">
+                <a:latin typeface="Avenir Medium"/>
+                <a:cs typeface="Avenir Medium"/>
+              </a:rPr>
+              <a:t>User session</a:t>
+            </a:r>
+          </a:p>
+          <a:p>
             <a:pPr lvl="1"/>
             <a:r>
-              <a:rPr lang="ro-RO" sz="2600" dirty="0">
-                <a:latin typeface="Avenir Medium"/>
-                <a:cs typeface="Avenir Medium"/>
-              </a:rPr>
-              <a:t>Delete one or more records in a table (</a:t>
-            </a:r>
-            <a:r>
-              <a:rPr lang="ro-RO" sz="2600" dirty="0">
+              <a:rPr lang="ro-RO" dirty="0">
                 <a:solidFill>
                   <a:srgbClr val="0070C0"/>
                 </a:solidFill>
                 <a:latin typeface="Avenir Medium"/>
                 <a:cs typeface="Avenir Medium"/>
               </a:rPr>
-              <a:t>DELETE</a:t>
-            </a:r>
-            <a:r>
-              <a:rPr lang="ro-RO" sz="2600" dirty="0">
-                <a:latin typeface="Avenir Medium"/>
-                <a:cs typeface="Avenir Medium"/>
-              </a:rPr>
-              <a:t>)</a:t>
-            </a:r>
-          </a:p>
-          <a:p>
-            <a:r>
-              <a:rPr lang="ro-RO" sz="3000" dirty="0">
-                <a:latin typeface="Avenir Medium"/>
-                <a:cs typeface="Avenir Medium"/>
-              </a:rPr>
-              <a:t>View events – </a:t>
-            </a:r>
-            <a:r>
-              <a:rPr lang="ro-RO" sz="3000" dirty="0">
+              <a:t>LOGON</a:t>
+            </a:r>
+            <a:r>
+              <a:rPr lang="ro-RO" dirty="0">
+                <a:latin typeface="Avenir Medium"/>
+                <a:cs typeface="Avenir Medium"/>
+              </a:rPr>
+              <a:t> </a:t>
+            </a:r>
+          </a:p>
+          <a:p>
+            <a:pPr lvl="1"/>
+            <a:r>
+              <a:rPr lang="ro-RO" dirty="0">
                 <a:solidFill>
                   <a:srgbClr val="0070C0"/>
                 </a:solidFill>
                 <a:latin typeface="Avenir Medium"/>
                 <a:cs typeface="Avenir Medium"/>
               </a:rPr>
-              <a:t>INSTEAD OF</a:t>
+              <a:t>LOGOFF</a:t>
+            </a:r>
+          </a:p>
+          <a:p>
+            <a:r>
+              <a:rPr lang="ro-RO" sz="3000" dirty="0">
+                <a:latin typeface="Avenir Medium"/>
+                <a:cs typeface="Avenir Medium"/>
+              </a:rPr>
+              <a:t>DDL statement execution (launch)</a:t>
             </a:r>
           </a:p>
           <a:p>
             <a:pPr lvl="1"/>
             <a:r>
-              <a:rPr lang="ro-RO" sz="2600" dirty="0">
-                <a:latin typeface="Avenir Medium"/>
-                <a:cs typeface="Avenir Medium"/>
-              </a:rPr>
-              <a:t>Add one or more records into a view (</a:t>
-            </a:r>
-            <a:r>
-              <a:rPr lang="ro-RO" sz="2600" dirty="0">
+              <a:rPr lang="ro-RO" dirty="0">
                 <a:solidFill>
                   <a:srgbClr val="0070C0"/>
                 </a:solidFill>
                 <a:latin typeface="Avenir Medium"/>
                 <a:cs typeface="Avenir Medium"/>
               </a:rPr>
-              <a:t>INSTEAD OF INSERT</a:t>
-            </a:r>
-            <a:r>
-              <a:rPr lang="ro-RO" sz="2600" dirty="0">
-                <a:latin typeface="Avenir Medium"/>
-                <a:cs typeface="Avenir Medium"/>
-              </a:rPr>
-              <a:t>)</a:t>
+              <a:t>CREATE</a:t>
             </a:r>
           </a:p>
           <a:p>
             <a:pPr lvl="1"/>
             <a:r>
-              <a:rPr lang="ro-RO" sz="2600" dirty="0">
-                <a:latin typeface="Avenir Medium"/>
-                <a:cs typeface="Avenir Medium"/>
-              </a:rPr>
-              <a:t>Update one or more records in a table (</a:t>
-            </a:r>
-            <a:r>
-              <a:rPr lang="ro-RO" sz="2600" dirty="0">
+              <a:rPr lang="ro-RO" dirty="0">
                 <a:solidFill>
                   <a:srgbClr val="0070C0"/>
                 </a:solidFill>
                 <a:latin typeface="Avenir Medium"/>
                 <a:cs typeface="Avenir Medium"/>
               </a:rPr>
-              <a:t>INSTEAD OF UPDATE</a:t>
-            </a:r>
-            <a:r>
-              <a:rPr lang="ro-RO" sz="2600" dirty="0">
-                <a:latin typeface="Avenir Medium"/>
-                <a:cs typeface="Avenir Medium"/>
-              </a:rPr>
-              <a:t>)</a:t>
+              <a:t>DROP</a:t>
             </a:r>
           </a:p>
           <a:p>
             <a:pPr lvl="1"/>
             <a:r>
-              <a:rPr lang="ro-RO" sz="2600" dirty="0">
-                <a:latin typeface="Avenir Medium"/>
-                <a:cs typeface="Avenir Medium"/>
-              </a:rPr>
-              <a:t>Delete one or more records  in a view (</a:t>
-            </a:r>
-            <a:r>
-              <a:rPr lang="ro-RO" sz="2600" dirty="0">
+              <a:rPr lang="ro-RO" dirty="0">
                 <a:solidFill>
                   <a:srgbClr val="0070C0"/>
                 </a:solidFill>
                 <a:latin typeface="Avenir Medium"/>
                 <a:cs typeface="Avenir Medium"/>
               </a:rPr>
-              <a:t>INSTEAD OF DELETE</a:t>
-            </a:r>
-            <a:r>
-              <a:rPr lang="ro-RO" sz="2600" dirty="0">
+              <a:t>ALTER</a:t>
+            </a:r>
+          </a:p>
+          <a:p>
+            <a:r>
+              <a:rPr lang="ro-RO" sz="3000" dirty="0">
+                <a:latin typeface="Avenir Medium"/>
+                <a:cs typeface="Avenir Medium"/>
+              </a:rPr>
+              <a:t>Occurence of a database server error (</a:t>
+            </a:r>
+            <a:r>
+              <a:rPr lang="en-US" sz="3000" dirty="0" err="1">
+                <a:solidFill>
+                  <a:srgbClr val="0070C0"/>
+                </a:solidFill>
+                <a:latin typeface="Avenir Medium"/>
+                <a:cs typeface="Avenir Medium"/>
+              </a:rPr>
+              <a:t>SERVERERROR</a:t>
+            </a:r>
+            <a:r>
+              <a:rPr lang="ro-RO" sz="3000" dirty="0">
                 <a:latin typeface="Avenir Medium"/>
                 <a:cs typeface="Avenir Medium"/>
               </a:rPr>
@@ -5339,8 +5383,19 @@
             </a:r>
           </a:p>
           <a:p>
-            <a:pPr lvl="1"/>
-            <a:endParaRPr lang="ro-RO" sz="2600" dirty="0">
+            <a:endParaRPr lang="ro-RO" sz="3000" dirty="0">
+              <a:latin typeface="Avenir Medium"/>
+              <a:cs typeface="Avenir Medium"/>
+            </a:endParaRPr>
+          </a:p>
+          <a:p>
+            <a:endParaRPr lang="ro-RO" sz="3000" dirty="0">
+              <a:latin typeface="Avenir Medium"/>
+              <a:cs typeface="Avenir Medium"/>
+            </a:endParaRPr>
+          </a:p>
+          <a:p>
+            <a:endParaRPr lang="ro-RO" sz="3000" dirty="0">
               <a:latin typeface="Avenir Medium"/>
               <a:cs typeface="Avenir Medium"/>
             </a:endParaRPr>
@@ -5362,7 +5417,7 @@
     </p:spTree>
     <p:extLst>
       <p:ext uri="{BB962C8B-B14F-4D97-AF65-F5344CB8AC3E}">
-        <p14:creationId xmlns:p14="http://schemas.microsoft.com/office/powerpoint/2010/main" val="1275386552"/>
+        <p14:creationId xmlns:p14="http://schemas.microsoft.com/office/powerpoint/2010/main" val="12112033"/>
       </p:ext>
     </p:extLst>
   </p:cSld>
@@ -5416,7 +5471,7 @@
                 <a:ea typeface="Arial Unicode MS" panose="020B0604020202020204" pitchFamily="34" charset="-128"/>
                 <a:cs typeface="American Typewriter"/>
               </a:rPr>
-              <a:t>Trigger `Moment` (Timing)</a:t>
+              <a:t>Trigger Events (2)</a:t>
             </a:r>
             <a:endParaRPr lang="en-US" sz="3600" dirty="0">
               <a:latin typeface="American Typewriter"/>
@@ -5438,134 +5493,145 @@
         </p:nvSpPr>
         <p:spPr>
           <a:xfrm>
-            <a:off x="685800" y="1600200"/>
-            <a:ext cx="8001000" cy="5257800"/>
+            <a:off x="533400" y="1600200"/>
+            <a:ext cx="8610600" cy="5181600"/>
           </a:xfrm>
         </p:spPr>
         <p:txBody>
           <a:bodyPr>
-            <a:normAutofit fontScale="92500" lnSpcReduction="10000"/>
+            <a:normAutofit/>
           </a:bodyPr>
           <a:lstStyle/>
           <a:p>
             <a:r>
-              <a:rPr lang="ro-RO" dirty="0">
+              <a:rPr lang="ro-RO" sz="3000" dirty="0">
+                <a:latin typeface="Avenir Medium"/>
+                <a:cs typeface="Avenir Medium"/>
+              </a:rPr>
+              <a:t>Table events:</a:t>
+            </a:r>
+          </a:p>
+          <a:p>
+            <a:pPr lvl="1"/>
+            <a:r>
+              <a:rPr lang="ro-RO" sz="2600" dirty="0">
+                <a:latin typeface="Avenir Medium"/>
+                <a:cs typeface="Avenir Medium"/>
+              </a:rPr>
+              <a:t>Add one or more records into a table (</a:t>
+            </a:r>
+            <a:r>
+              <a:rPr lang="ro-RO" sz="2600" dirty="0">
                 <a:solidFill>
                   <a:srgbClr val="0070C0"/>
                 </a:solidFill>
                 <a:latin typeface="Avenir Medium"/>
                 <a:cs typeface="Avenir Medium"/>
               </a:rPr>
-              <a:t>BEFORE</a:t>
-            </a:r>
-            <a:r>
-              <a:rPr lang="ro-RO" dirty="0">
-                <a:latin typeface="Avenir Medium"/>
-                <a:cs typeface="Avenir Medium"/>
-              </a:rPr>
-              <a:t> triggers</a:t>
+              <a:t>INSERT</a:t>
+            </a:r>
+            <a:r>
+              <a:rPr lang="ro-RO" sz="2600" dirty="0">
+                <a:latin typeface="Avenir Medium"/>
+                <a:cs typeface="Avenir Medium"/>
+              </a:rPr>
+              <a:t>)</a:t>
             </a:r>
           </a:p>
           <a:p>
             <a:pPr lvl="1"/>
             <a:r>
-              <a:rPr lang="en-US" dirty="0" err="1">
-                <a:latin typeface="Avenir Medium"/>
-                <a:cs typeface="Avenir Medium"/>
-              </a:rPr>
-              <a:t>Executed (lauched) </a:t>
-            </a:r>
-            <a:r>
-              <a:rPr lang="en-US" b="1" i="1" dirty="0" err="1">
-                <a:latin typeface="Avenir Medium"/>
-                <a:cs typeface="Avenir Medium"/>
-              </a:rPr>
-              <a:t>before</a:t>
-            </a:r>
-            <a:r>
-              <a:rPr lang="en-US" dirty="0" err="1">
-                <a:latin typeface="Avenir Medium"/>
-                <a:cs typeface="Avenir Medium"/>
-              </a:rPr>
-              <a:t> checking the table constrains</a:t>
-            </a:r>
-            <a:r>
-              <a:rPr lang="en-US" dirty="0">
-                <a:latin typeface="Avenir Medium"/>
-                <a:cs typeface="Avenir Medium"/>
-              </a:rPr>
-              <a:t> </a:t>
-            </a:r>
-            <a:r>
-              <a:rPr lang="ro-RO" dirty="0">
-                <a:latin typeface="Avenir Medium"/>
-                <a:cs typeface="Avenir Medium"/>
-              </a:rPr>
-              <a:t>(</a:t>
-            </a:r>
-            <a:r>
-              <a:rPr lang="ro-RO" dirty="0">
+              <a:rPr lang="ro-RO" sz="2600" dirty="0">
+                <a:latin typeface="Avenir Medium"/>
+                <a:cs typeface="Avenir Medium"/>
+              </a:rPr>
+              <a:t>Update one or more records in a table (</a:t>
+            </a:r>
+            <a:r>
+              <a:rPr lang="ro-RO" sz="2600" dirty="0">
                 <a:solidFill>
                   <a:srgbClr val="0070C0"/>
                 </a:solidFill>
                 <a:latin typeface="Avenir Medium"/>
                 <a:cs typeface="Avenir Medium"/>
               </a:rPr>
-              <a:t>PRIMARY KEY</a:t>
-            </a:r>
-            <a:r>
-              <a:rPr lang="ro-RO" dirty="0">
-                <a:latin typeface="Avenir Medium"/>
-                <a:cs typeface="Avenir Medium"/>
-              </a:rPr>
-              <a:t>, </a:t>
-            </a:r>
-            <a:r>
-              <a:rPr lang="ro-RO" dirty="0">
+              <a:t>UPDATE</a:t>
+            </a:r>
+            <a:r>
+              <a:rPr lang="ro-RO" sz="2600" dirty="0">
+                <a:latin typeface="Avenir Medium"/>
+                <a:cs typeface="Avenir Medium"/>
+              </a:rPr>
+              <a:t>)</a:t>
+            </a:r>
+          </a:p>
+          <a:p>
+            <a:pPr lvl="1"/>
+            <a:r>
+              <a:rPr lang="ro-RO" sz="2600" dirty="0">
+                <a:latin typeface="Avenir Medium"/>
+                <a:cs typeface="Avenir Medium"/>
+              </a:rPr>
+              <a:t>Delete one or more records in a table (</a:t>
+            </a:r>
+            <a:r>
+              <a:rPr lang="ro-RO" sz="2600" dirty="0">
                 <a:solidFill>
                   <a:srgbClr val="0070C0"/>
                 </a:solidFill>
                 <a:latin typeface="Avenir Medium"/>
                 <a:cs typeface="Avenir Medium"/>
               </a:rPr>
-              <a:t>UNIQUE</a:t>
-            </a:r>
-            <a:r>
-              <a:rPr lang="ro-RO" dirty="0">
-                <a:latin typeface="Avenir Medium"/>
-                <a:cs typeface="Avenir Medium"/>
-              </a:rPr>
-              <a:t>, </a:t>
-            </a:r>
-            <a:r>
-              <a:rPr lang="ro-RO" dirty="0">
+              <a:t>DELETE</a:t>
+            </a:r>
+            <a:r>
+              <a:rPr lang="ro-RO" sz="2600" dirty="0">
+                <a:latin typeface="Avenir Medium"/>
+                <a:cs typeface="Avenir Medium"/>
+              </a:rPr>
+              <a:t>)</a:t>
+            </a:r>
+          </a:p>
+          <a:p>
+            <a:r>
+              <a:rPr lang="ro-RO" sz="3000" dirty="0">
+                <a:latin typeface="Avenir Medium"/>
+                <a:cs typeface="Avenir Medium"/>
+              </a:rPr>
+              <a:t>View events – </a:t>
+            </a:r>
+            <a:r>
+              <a:rPr lang="ro-RO" sz="3000" dirty="0">
                 <a:solidFill>
                   <a:srgbClr val="0070C0"/>
                 </a:solidFill>
                 <a:latin typeface="Avenir Medium"/>
                 <a:cs typeface="Avenir Medium"/>
               </a:rPr>
-              <a:t>CHECK</a:t>
-            </a:r>
-            <a:r>
-              <a:rPr lang="ro-RO" dirty="0">
-                <a:latin typeface="Avenir Medium"/>
-                <a:cs typeface="Avenir Medium"/>
-              </a:rPr>
-              <a:t>, </a:t>
-            </a:r>
-            <a:r>
-              <a:rPr lang="ro-RO" dirty="0">
+              <a:t>INSTEAD OF</a:t>
+            </a:r>
+          </a:p>
+          <a:p>
+            <a:pPr lvl="1"/>
+            <a:r>
+              <a:rPr lang="ro-RO" sz="2600" dirty="0">
+                <a:latin typeface="Avenir Medium"/>
+                <a:cs typeface="Avenir Medium"/>
+              </a:rPr>
+              <a:t>Add one or more records into a view (</a:t>
+            </a:r>
+            <a:r>
+              <a:rPr lang="ro-RO" sz="2600" dirty="0">
                 <a:solidFill>
                   <a:srgbClr val="0070C0"/>
                 </a:solidFill>
                 <a:latin typeface="Avenir Medium"/>
                 <a:cs typeface="Avenir Medium"/>
               </a:rPr>
-              <a:t>FOREIGN KEY</a:t>
-            </a:r>
-            <a:r>
-              <a:rPr lang="ro-RO" dirty="0">
+              <a:t>INSTEAD OF INSERT</a:t>
+            </a:r>
+            <a:r>
+              <a:rPr lang="ro-RO" sz="2600" dirty="0">
                 <a:latin typeface="Avenir Medium"/>
                 <a:cs typeface="Avenir Medium"/>
               </a:rPr>
@@ -5575,308 +5641,72 @@
           <a:p>
             <a:pPr lvl="1"/>
             <a:r>
-              <a:rPr lang="ro-RO" dirty="0">
-                <a:latin typeface="Avenir Medium"/>
-                <a:cs typeface="Avenir Medium"/>
-              </a:rPr>
-              <a:t>Operation (</a:t>
-            </a:r>
-            <a:r>
-              <a:rPr lang="ro-RO" dirty="0">
+              <a:rPr lang="ro-RO" sz="2600" dirty="0">
+                <a:latin typeface="Avenir Medium"/>
+                <a:cs typeface="Avenir Medium"/>
+              </a:rPr>
+              <a:t>Update one or more records in a table (</a:t>
+            </a:r>
+            <a:r>
+              <a:rPr lang="ro-RO" sz="2600" dirty="0">
                 <a:solidFill>
                   <a:srgbClr val="0070C0"/>
                 </a:solidFill>
                 <a:latin typeface="Avenir Medium"/>
                 <a:cs typeface="Avenir Medium"/>
               </a:rPr>
-              <a:t>INSERT</a:t>
-            </a:r>
-            <a:r>
-              <a:rPr lang="ro-RO" dirty="0">
-                <a:latin typeface="Avenir Medium"/>
-                <a:cs typeface="Avenir Medium"/>
-              </a:rPr>
-              <a:t>/</a:t>
-            </a:r>
-            <a:r>
-              <a:rPr lang="ro-RO" dirty="0">
+              <a:t>INSTEAD OF UPDATE</a:t>
+            </a:r>
+            <a:r>
+              <a:rPr lang="ro-RO" sz="2600" dirty="0">
+                <a:latin typeface="Avenir Medium"/>
+                <a:cs typeface="Avenir Medium"/>
+              </a:rPr>
+              <a:t>)</a:t>
+            </a:r>
+          </a:p>
+          <a:p>
+            <a:pPr lvl="1"/>
+            <a:r>
+              <a:rPr lang="ro-RO" sz="2600" dirty="0">
+                <a:latin typeface="Avenir Medium"/>
+                <a:cs typeface="Avenir Medium"/>
+              </a:rPr>
+              <a:t>Delete one or more records  in a view (</a:t>
+            </a:r>
+            <a:r>
+              <a:rPr lang="ro-RO" sz="2600" dirty="0">
                 <a:solidFill>
                   <a:srgbClr val="0070C0"/>
                 </a:solidFill>
                 <a:latin typeface="Avenir Medium"/>
                 <a:cs typeface="Avenir Medium"/>
               </a:rPr>
-              <a:t>UPDATE</a:t>
-            </a:r>
-            <a:r>
-              <a:rPr lang="ro-RO" dirty="0">
-                <a:latin typeface="Avenir Medium"/>
-                <a:cs typeface="Avenir Medium"/>
-              </a:rPr>
-              <a:t>/</a:t>
-            </a:r>
-            <a:r>
-              <a:rPr lang="ro-RO" dirty="0">
-                <a:solidFill>
-                  <a:srgbClr val="0070C0"/>
-                </a:solidFill>
-                <a:latin typeface="Avenir Medium"/>
-                <a:cs typeface="Avenir Medium"/>
-              </a:rPr>
-              <a:t>DELETE</a:t>
-            </a:r>
-            <a:r>
-              <a:rPr lang="ro-RO" dirty="0">
-                <a:latin typeface="Avenir Medium"/>
-                <a:cs typeface="Avenir Medium"/>
-              </a:rPr>
-              <a:t>) results </a:t>
-            </a:r>
-            <a:r>
-              <a:rPr lang="ro-RO" b="1" i="1" dirty="0">
-                <a:latin typeface="Avenir Medium"/>
-                <a:cs typeface="Avenir Medium"/>
-              </a:rPr>
-              <a:t>cannot</a:t>
-            </a:r>
-            <a:r>
-              <a:rPr lang="ro-RO" dirty="0">
-                <a:latin typeface="Avenir Medium"/>
-                <a:cs typeface="Avenir Medium"/>
-              </a:rPr>
-              <a:t> be seen/read in the BEFORE triggers</a:t>
-            </a:r>
-            <a:endParaRPr lang="en-US" dirty="0">
+              <a:t>INSTEAD OF DELETE</a:t>
+            </a:r>
+            <a:r>
+              <a:rPr lang="ro-RO" sz="2600" dirty="0">
+                <a:latin typeface="Avenir Medium"/>
+                <a:cs typeface="Avenir Medium"/>
+              </a:rPr>
+              <a:t>)</a:t>
+            </a:r>
+          </a:p>
+          <a:p>
+            <a:pPr lvl="1"/>
+            <a:endParaRPr lang="ro-RO" sz="2600" dirty="0">
               <a:latin typeface="Avenir Medium"/>
               <a:cs typeface="Avenir Medium"/>
             </a:endParaRPr>
           </a:p>
           <a:p>
-            <a:r>
-              <a:rPr lang="ro-RO" dirty="0">
-                <a:solidFill>
-                  <a:srgbClr val="0070C0"/>
-                </a:solidFill>
-                <a:latin typeface="Avenir Medium"/>
-                <a:cs typeface="Avenir Medium"/>
-              </a:rPr>
-              <a:t>AFTER</a:t>
-            </a:r>
-            <a:r>
-              <a:rPr lang="ro-RO" dirty="0">
-                <a:latin typeface="Avenir Medium"/>
-                <a:cs typeface="Avenir Medium"/>
-              </a:rPr>
-              <a:t> triggers</a:t>
-            </a:r>
-          </a:p>
-          <a:p>
-            <a:pPr lvl="1"/>
-            <a:r>
-              <a:rPr lang="en-US" dirty="0" err="1">
-                <a:latin typeface="Avenir Medium"/>
-                <a:cs typeface="Avenir Medium"/>
-              </a:rPr>
-              <a:t>Executed </a:t>
-            </a:r>
-            <a:r>
-              <a:rPr lang="en-US" b="1" i="1" dirty="0" err="1">
-                <a:latin typeface="Avenir Medium"/>
-                <a:cs typeface="Avenir Medium"/>
-              </a:rPr>
-              <a:t>after</a:t>
-            </a:r>
-            <a:r>
-              <a:rPr lang="en-US" dirty="0" err="1">
-                <a:latin typeface="Avenir Medium"/>
-                <a:cs typeface="Avenir Medium"/>
-              </a:rPr>
-              <a:t> checking the table constrains</a:t>
-            </a:r>
-            <a:r>
-              <a:rPr lang="en-US" dirty="0">
-                <a:latin typeface="Avenir Medium"/>
-                <a:cs typeface="Avenir Medium"/>
-              </a:rPr>
-              <a:t> </a:t>
-            </a:r>
-            <a:r>
-              <a:rPr lang="ro-RO" dirty="0">
-                <a:latin typeface="Avenir Medium"/>
-                <a:cs typeface="Avenir Medium"/>
-              </a:rPr>
-              <a:t>(</a:t>
-            </a:r>
-            <a:r>
-              <a:rPr lang="ro-RO" dirty="0">
-                <a:solidFill>
-                  <a:srgbClr val="0070C0"/>
-                </a:solidFill>
-                <a:latin typeface="Avenir Medium"/>
-                <a:cs typeface="Avenir Medium"/>
-              </a:rPr>
-              <a:t>PRIMARY</a:t>
-            </a:r>
-            <a:r>
-              <a:rPr lang="ro-RO" dirty="0">
-                <a:latin typeface="Avenir Medium"/>
-                <a:cs typeface="Avenir Medium"/>
-              </a:rPr>
-              <a:t> </a:t>
-            </a:r>
-            <a:r>
-              <a:rPr lang="ro-RO" dirty="0">
-                <a:solidFill>
-                  <a:srgbClr val="0070C0"/>
-                </a:solidFill>
-                <a:latin typeface="Avenir Medium"/>
-                <a:cs typeface="Avenir Medium"/>
-              </a:rPr>
-              <a:t>KEY</a:t>
-            </a:r>
-            <a:r>
-              <a:rPr lang="ro-RO" dirty="0">
-                <a:latin typeface="Avenir Medium"/>
-                <a:cs typeface="Avenir Medium"/>
-              </a:rPr>
-              <a:t>, </a:t>
-            </a:r>
-            <a:r>
-              <a:rPr lang="ro-RO" dirty="0">
-                <a:solidFill>
-                  <a:srgbClr val="0070C0"/>
-                </a:solidFill>
-                <a:latin typeface="Avenir Medium"/>
-                <a:cs typeface="Avenir Medium"/>
-              </a:rPr>
-              <a:t>UNIQUE</a:t>
-            </a:r>
-            <a:r>
-              <a:rPr lang="ro-RO" dirty="0">
-                <a:latin typeface="Avenir Medium"/>
-                <a:cs typeface="Avenir Medium"/>
-              </a:rPr>
-              <a:t>, </a:t>
-            </a:r>
-            <a:r>
-              <a:rPr lang="ro-RO" dirty="0">
-                <a:solidFill>
-                  <a:srgbClr val="0070C0"/>
-                </a:solidFill>
-                <a:latin typeface="Avenir Medium"/>
-                <a:cs typeface="Avenir Medium"/>
-              </a:rPr>
-              <a:t>CHECK</a:t>
-            </a:r>
-            <a:r>
-              <a:rPr lang="ro-RO" dirty="0">
-                <a:latin typeface="Avenir Medium"/>
-                <a:cs typeface="Avenir Medium"/>
-              </a:rPr>
-              <a:t>, </a:t>
-            </a:r>
-            <a:r>
-              <a:rPr lang="ro-RO" dirty="0">
-                <a:solidFill>
-                  <a:srgbClr val="0070C0"/>
-                </a:solidFill>
-                <a:latin typeface="Avenir Medium"/>
-                <a:cs typeface="Avenir Medium"/>
-              </a:rPr>
-              <a:t>FOREIGN KEY</a:t>
-            </a:r>
-            <a:r>
-              <a:rPr lang="ro-RO" dirty="0">
-                <a:latin typeface="Avenir Medium"/>
-                <a:cs typeface="Avenir Medium"/>
-              </a:rPr>
-              <a:t>)</a:t>
-            </a:r>
-          </a:p>
-          <a:p>
-            <a:pPr lvl="1"/>
-            <a:r>
-              <a:rPr lang="ro-RO" dirty="0">
-                <a:latin typeface="Avenir Medium"/>
-                <a:cs typeface="Avenir Medium"/>
-              </a:rPr>
-              <a:t>Operation (</a:t>
-            </a:r>
-            <a:r>
-              <a:rPr lang="ro-RO" dirty="0">
-                <a:solidFill>
-                  <a:srgbClr val="0070C0"/>
-                </a:solidFill>
-                <a:latin typeface="Avenir Medium"/>
-                <a:cs typeface="Avenir Medium"/>
-              </a:rPr>
-              <a:t>INSERT</a:t>
-            </a:r>
-            <a:r>
-              <a:rPr lang="ro-RO" dirty="0">
-                <a:latin typeface="Avenir Medium"/>
-                <a:cs typeface="Avenir Medium"/>
-              </a:rPr>
-              <a:t>/</a:t>
-            </a:r>
-            <a:r>
-              <a:rPr lang="ro-RO" dirty="0">
-                <a:solidFill>
-                  <a:srgbClr val="0070C0"/>
-                </a:solidFill>
-                <a:latin typeface="Avenir Medium"/>
-                <a:cs typeface="Avenir Medium"/>
-              </a:rPr>
-              <a:t>UPDATE</a:t>
-            </a:r>
-            <a:r>
-              <a:rPr lang="ro-RO" dirty="0">
-                <a:latin typeface="Avenir Medium"/>
-                <a:cs typeface="Avenir Medium"/>
-              </a:rPr>
-              <a:t>/</a:t>
-            </a:r>
-            <a:r>
-              <a:rPr lang="ro-RO" dirty="0">
-                <a:solidFill>
-                  <a:srgbClr val="0070C0"/>
-                </a:solidFill>
-                <a:latin typeface="Avenir Medium"/>
-                <a:cs typeface="Avenir Medium"/>
-              </a:rPr>
-              <a:t>DELETE</a:t>
-            </a:r>
-            <a:r>
-              <a:rPr lang="ro-RO" dirty="0">
-                <a:latin typeface="Avenir Medium"/>
-                <a:cs typeface="Avenir Medium"/>
-              </a:rPr>
-              <a:t>) results can be seen/read in the </a:t>
-            </a:r>
-            <a:r>
-              <a:rPr lang="ro-RO" dirty="0">
-                <a:solidFill>
-                  <a:srgbClr val="0070C0"/>
-                </a:solidFill>
-                <a:latin typeface="Avenir Medium"/>
-                <a:cs typeface="Avenir Medium"/>
-              </a:rPr>
-              <a:t>AFTER</a:t>
-            </a:r>
-            <a:r>
-              <a:rPr lang="ro-RO" dirty="0">
-                <a:latin typeface="Avenir Medium"/>
-                <a:cs typeface="Avenir Medium"/>
-              </a:rPr>
-              <a:t> triggers</a:t>
-            </a:r>
-            <a:endParaRPr lang="en-US" dirty="0">
+            <a:endParaRPr lang="ro-RO" sz="3000" dirty="0">
               <a:latin typeface="Avenir Medium"/>
               <a:cs typeface="Avenir Medium"/>
             </a:endParaRPr>
           </a:p>
           <a:p>
-            <a:endParaRPr lang="en-US" dirty="0">
+            <a:endParaRPr lang="en-US" sz="3000" dirty="0">
               <a:latin typeface="Avenir Medium"/>
               <a:cs typeface="Avenir Medium"/>
             </a:endParaRPr>
@@ -5886,7 +5716,7 @@
     </p:spTree>
     <p:extLst>
       <p:ext uri="{BB962C8B-B14F-4D97-AF65-F5344CB8AC3E}">
-        <p14:creationId xmlns:p14="http://schemas.microsoft.com/office/powerpoint/2010/main" val="3620362078"/>
+        <p14:creationId xmlns:p14="http://schemas.microsoft.com/office/powerpoint/2010/main" val="1275386552"/>
       </p:ext>
     </p:extLst>
   </p:cSld>
@@ -5940,7 +5770,7 @@
                 <a:ea typeface="Arial Unicode MS" panose="020B0604020202020204" pitchFamily="34" charset="-128"/>
                 <a:cs typeface="American Typewriter"/>
               </a:rPr>
-              <a:t>(DML) Triggel Levels</a:t>
+              <a:t>Trigger `Moment` (Timing)</a:t>
             </a:r>
             <a:endParaRPr lang="en-US" sz="3600" dirty="0">
               <a:latin typeface="American Typewriter"/>
@@ -5962,43 +5792,16 @@
         </p:nvSpPr>
         <p:spPr>
           <a:xfrm>
-            <a:off x="609600" y="1371600"/>
-            <a:ext cx="8382000" cy="5334000"/>
+            <a:off x="685800" y="1600200"/>
+            <a:ext cx="8001000" cy="5257800"/>
           </a:xfrm>
         </p:spPr>
         <p:txBody>
           <a:bodyPr>
-            <a:normAutofit fontScale="77500" lnSpcReduction="20000"/>
+            <a:normAutofit fontScale="92500" lnSpcReduction="10000"/>
           </a:bodyPr>
           <a:lstStyle/>
           <a:p>
-            <a:r>
-              <a:rPr lang="ro-RO" dirty="0">
-                <a:latin typeface="Avenir Medium"/>
-                <a:cs typeface="Avenir Medium"/>
-              </a:rPr>
-              <a:t>Statement level triggers:</a:t>
-            </a:r>
-          </a:p>
-          <a:p>
-            <a:pPr lvl="1"/>
-            <a:r>
-              <a:rPr lang="ro-RO" dirty="0">
-                <a:latin typeface="Avenir Medium"/>
-                <a:cs typeface="Avenir Medium"/>
-              </a:rPr>
-              <a:t>Default (no clause required)</a:t>
-            </a:r>
-          </a:p>
-          <a:p>
-            <a:pPr lvl="1"/>
-            <a:r>
-              <a:rPr lang="ro-RO" dirty="0">
-                <a:latin typeface="Avenir Medium"/>
-                <a:cs typeface="Avenir Medium"/>
-              </a:rPr>
-              <a:t>Trigger statement is executed just once </a:t>
-            </a:r>
             <a:r>
               <a:rPr lang="ro-RO" dirty="0">
                 <a:solidFill>
@@ -6014,7 +5817,45 @@
                 <a:latin typeface="Avenir Medium"/>
                 <a:cs typeface="Avenir Medium"/>
               </a:rPr>
-              <a:t> or </a:t>
+              <a:t> triggers</a:t>
+            </a:r>
+          </a:p>
+          <a:p>
+            <a:pPr lvl="1"/>
+            <a:r>
+              <a:rPr lang="en-US" dirty="0" err="1">
+                <a:latin typeface="Avenir Medium"/>
+                <a:cs typeface="Avenir Medium"/>
+              </a:rPr>
+              <a:t>Executed (lauched) </a:t>
+            </a:r>
+            <a:r>
+              <a:rPr lang="en-US" b="1" i="1" dirty="0" err="1">
+                <a:latin typeface="Avenir Medium"/>
+                <a:cs typeface="Avenir Medium"/>
+              </a:rPr>
+              <a:t>before</a:t>
+            </a:r>
+            <a:r>
+              <a:rPr lang="en-US" dirty="0" err="1">
+                <a:latin typeface="Avenir Medium"/>
+                <a:cs typeface="Avenir Medium"/>
+              </a:rPr>
+              <a:t> checking the table constrains</a:t>
+            </a:r>
+            <a:r>
+              <a:rPr lang="en-US" dirty="0">
+                <a:latin typeface="Avenir Medium"/>
+                <a:cs typeface="Avenir Medium"/>
+              </a:rPr>
+              <a:t> </a:t>
+            </a:r>
+            <a:r>
+              <a:rPr lang="ro-RO" dirty="0">
+                <a:latin typeface="Avenir Medium"/>
+                <a:cs typeface="Avenir Medium"/>
+              </a:rPr>
+              <a:t>(</a:t>
             </a:r>
             <a:r>
               <a:rPr lang="ro-RO" dirty="0">
@@ -6024,14 +5865,14 @@
                 <a:latin typeface="Avenir Medium"/>
                 <a:cs typeface="Avenir Medium"/>
               </a:rPr>
-              <a:t>AFTER</a:t>
+              <a:t>PRIMARY KEY</a:t>
             </a:r>
             <a:r>
               <a:rPr lang="ro-RO" dirty="0">
                 <a:latin typeface="Avenir Medium"/>
                 <a:cs typeface="Avenir Medium"/>
               </a:rPr>
-              <a:t>  a DML statement (</a:t>
+              <a:t>, </a:t>
             </a:r>
             <a:r>
               <a:rPr lang="ro-RO" dirty="0">
@@ -6041,14 +5882,14 @@
                 <a:latin typeface="Avenir Medium"/>
                 <a:cs typeface="Avenir Medium"/>
               </a:rPr>
-              <a:t>INSERT</a:t>
+              <a:t>UNIQUE</a:t>
             </a:r>
             <a:r>
               <a:rPr lang="ro-RO" dirty="0">
                 <a:latin typeface="Avenir Medium"/>
                 <a:cs typeface="Avenir Medium"/>
               </a:rPr>
-              <a:t>/</a:t>
+              <a:t>, </a:t>
             </a:r>
             <a:r>
               <a:rPr lang="ro-RO" dirty="0">
@@ -6058,14 +5899,14 @@
                 <a:latin typeface="Avenir Medium"/>
                 <a:cs typeface="Avenir Medium"/>
               </a:rPr>
-              <a:t>UPDATE</a:t>
+              <a:t>CHECK</a:t>
             </a:r>
             <a:r>
               <a:rPr lang="ro-RO" dirty="0">
                 <a:latin typeface="Avenir Medium"/>
                 <a:cs typeface="Avenir Medium"/>
               </a:rPr>
-              <a:t>/</a:t>
+              <a:t>, </a:t>
             </a:r>
             <a:r>
               <a:rPr lang="ro-RO" dirty="0">
@@ -6075,14 +5916,24 @@
                 <a:latin typeface="Avenir Medium"/>
                 <a:cs typeface="Avenir Medium"/>
               </a:rPr>
-              <a:t>DELETE</a:t>
+              <a:t>FOREIGN KEY</a:t>
             </a:r>
             <a:r>
               <a:rPr lang="ro-RO" dirty="0">
                 <a:latin typeface="Avenir Medium"/>
                 <a:cs typeface="Avenir Medium"/>
               </a:rPr>
-              <a:t>) is performed, no matter how many record will be affected by the DML statement (e.g. how many records will be deleted by the </a:t>
+              <a:t>)</a:t>
+            </a:r>
+          </a:p>
+          <a:p>
+            <a:pPr lvl="1"/>
+            <a:r>
+              <a:rPr lang="ro-RO" dirty="0">
+                <a:latin typeface="Avenir Medium"/>
+                <a:cs typeface="Avenir Medium"/>
+              </a:rPr>
+              <a:t>Operation (</a:t>
             </a:r>
             <a:r>
               <a:rPr lang="ro-RO" dirty="0">
@@ -6092,33 +5943,14 @@
                 <a:latin typeface="Avenir Medium"/>
                 <a:cs typeface="Avenir Medium"/>
               </a:rPr>
-              <a:t>DELETE</a:t>
+              <a:t>INSERT</a:t>
             </a:r>
             <a:r>
               <a:rPr lang="ro-RO" dirty="0">
                 <a:latin typeface="Avenir Medium"/>
                 <a:cs typeface="Avenir Medium"/>
               </a:rPr>
-              <a:t> statement)</a:t>
-            </a:r>
-          </a:p>
-          <a:p>
-            <a:r>
-              <a:rPr lang="ro-RO" dirty="0">
-                <a:latin typeface="Avenir Medium"/>
-                <a:cs typeface="Avenir Medium"/>
-              </a:rPr>
-              <a:t>Row level triggers:</a:t>
-            </a:r>
-          </a:p>
-          <a:p>
-            <a:pPr lvl="1"/>
-            <a:r>
-              <a:rPr lang="ro-RO" dirty="0">
-                <a:latin typeface="Avenir Medium"/>
-                <a:cs typeface="Avenir Medium"/>
-              </a:rPr>
-              <a:t>Require </a:t>
+              <a:t>/</a:t>
             </a:r>
             <a:r>
               <a:rPr lang="ro-RO" dirty="0">
@@ -6128,48 +5960,14 @@
                 <a:latin typeface="Avenir Medium"/>
                 <a:cs typeface="Avenir Medium"/>
               </a:rPr>
-              <a:t>FOR EACH ROW </a:t>
+              <a:t>UPDATE</a:t>
             </a:r>
             <a:r>
               <a:rPr lang="ro-RO" dirty="0">
                 <a:latin typeface="Avenir Medium"/>
                 <a:cs typeface="Avenir Medium"/>
               </a:rPr>
-              <a:t>clause in the syntax</a:t>
-            </a:r>
-          </a:p>
-          <a:p>
-            <a:pPr lvl="1"/>
-            <a:r>
-              <a:rPr lang="ro-RO" dirty="0">
-                <a:latin typeface="Avenir Medium"/>
-                <a:cs typeface="Avenir Medium"/>
-              </a:rPr>
-              <a:t>Are executed for </a:t>
-            </a:r>
-            <a:r>
-              <a:rPr lang="ro-RO" b="1" i="1" dirty="0">
-                <a:latin typeface="Avenir Medium"/>
-                <a:cs typeface="Avenir Medium"/>
-              </a:rPr>
-              <a:t>each row affected </a:t>
-            </a:r>
-            <a:r>
-              <a:rPr lang="ro-RO" dirty="0">
-                <a:latin typeface="Avenir Medium"/>
-                <a:cs typeface="Avenir Medium"/>
-              </a:rPr>
-              <a:t>by the DML command (each inserted, updated or deleted record/row)</a:t>
-            </a:r>
-          </a:p>
-          <a:p>
-            <a:pPr lvl="1"/>
-            <a:r>
-              <a:rPr lang="ro-RO" dirty="0">
-                <a:latin typeface="Avenir Medium"/>
-                <a:cs typeface="Avenir Medium"/>
-              </a:rPr>
-              <a:t>Could also be defined as </a:t>
+              <a:t>/</a:t>
             </a:r>
             <a:r>
               <a:rPr lang="ro-RO" dirty="0">
@@ -6179,15 +5977,35 @@
                 <a:latin typeface="Avenir Medium"/>
                 <a:cs typeface="Avenir Medium"/>
               </a:rPr>
-              <a:t>BEFORE</a:t>
+              <a:t>DELETE</a:t>
             </a:r>
             <a:r>
               <a:rPr lang="ro-RO" dirty="0">
                 <a:latin typeface="Avenir Medium"/>
                 <a:cs typeface="Avenir Medium"/>
               </a:rPr>
-              <a:t> or </a:t>
-            </a:r>
+              <a:t>) results </a:t>
+            </a:r>
+            <a:r>
+              <a:rPr lang="ro-RO" b="1" i="1" dirty="0">
+                <a:latin typeface="Avenir Medium"/>
+                <a:cs typeface="Avenir Medium"/>
+              </a:rPr>
+              <a:t>cannot</a:t>
+            </a:r>
+            <a:r>
+              <a:rPr lang="ro-RO" dirty="0">
+                <a:latin typeface="Avenir Medium"/>
+                <a:cs typeface="Avenir Medium"/>
+              </a:rPr>
+              <a:t> be seen/read in the BEFORE triggers</a:t>
+            </a:r>
+            <a:endParaRPr lang="en-US" dirty="0">
+              <a:latin typeface="Avenir Medium"/>
+              <a:cs typeface="Avenir Medium"/>
+            </a:endParaRPr>
+          </a:p>
+          <a:p>
             <a:r>
               <a:rPr lang="ro-RO" dirty="0">
                 <a:solidFill>
@@ -6209,11 +6027,39 @@
           <a:p>
             <a:pPr lvl="1"/>
             <a:r>
+              <a:rPr lang="en-US" dirty="0" err="1">
+                <a:latin typeface="Avenir Medium"/>
+                <a:cs typeface="Avenir Medium"/>
+              </a:rPr>
+              <a:t>Executed </a:t>
+            </a:r>
+            <a:r>
+              <a:rPr lang="en-US" b="1" i="1" dirty="0" err="1">
+                <a:latin typeface="Avenir Medium"/>
+                <a:cs typeface="Avenir Medium"/>
+              </a:rPr>
+              <a:t>after</a:t>
+            </a:r>
+            <a:r>
+              <a:rPr lang="en-US" dirty="0" err="1">
+                <a:latin typeface="Avenir Medium"/>
+                <a:cs typeface="Avenir Medium"/>
+              </a:rPr>
+              <a:t> checking the table constrains</a:t>
+            </a:r>
+            <a:r>
+              <a:rPr lang="en-US" dirty="0">
+                <a:latin typeface="Avenir Medium"/>
+                <a:cs typeface="Avenir Medium"/>
+              </a:rPr>
+              <a:t> </a:t>
+            </a:r>
+            <a:r>
               <a:rPr lang="ro-RO" dirty="0">
                 <a:latin typeface="Avenir Medium"/>
                 <a:cs typeface="Avenir Medium"/>
               </a:rPr>
-              <a:t>We can acces the attribute values before the statement execution </a:t>
+              <a:t>(</a:t>
             </a:r>
             <a:r>
               <a:rPr lang="ro-RO" dirty="0">
@@ -6223,14 +6069,14 @@
                 <a:latin typeface="Avenir Medium"/>
                 <a:cs typeface="Avenir Medium"/>
               </a:rPr>
-              <a:t>(:OLD</a:t>
+              <a:t>PRIMARY</a:t>
             </a:r>
             <a:r>
               <a:rPr lang="ro-RO" dirty="0">
                 <a:latin typeface="Avenir Medium"/>
                 <a:cs typeface="Avenir Medium"/>
               </a:rPr>
-              <a:t>) and also the attribute values after the statement execution </a:t>
+              <a:t> </a:t>
             </a:r>
             <a:r>
               <a:rPr lang="ro-RO" dirty="0">
@@ -6240,24 +6086,14 @@
                 <a:latin typeface="Avenir Medium"/>
                 <a:cs typeface="Avenir Medium"/>
               </a:rPr>
-              <a:t>(:NEW</a:t>
+              <a:t>KEY</a:t>
             </a:r>
             <a:r>
               <a:rPr lang="ro-RO" dirty="0">
                 <a:latin typeface="Avenir Medium"/>
                 <a:cs typeface="Avenir Medium"/>
               </a:rPr>
-              <a:t>)</a:t>
-            </a:r>
-          </a:p>
-          <a:p>
-            <a:pPr lvl="1"/>
-            <a:r>
-              <a:rPr lang="ro-RO" dirty="0">
-                <a:latin typeface="Avenir Medium"/>
-                <a:cs typeface="Avenir Medium"/>
-              </a:rPr>
-              <a:t>We can alter (overwrite) an attribute value resulted from a DML statement using triggers of type </a:t>
+              <a:t>, </a:t>
             </a:r>
             <a:r>
               <a:rPr lang="ro-RO" dirty="0">
@@ -6267,14 +6103,14 @@
                 <a:latin typeface="Avenir Medium"/>
                 <a:cs typeface="Avenir Medium"/>
               </a:rPr>
-              <a:t>BEFORE</a:t>
+              <a:t>UNIQUE</a:t>
             </a:r>
             <a:r>
               <a:rPr lang="ro-RO" dirty="0">
                 <a:latin typeface="Avenir Medium"/>
                 <a:cs typeface="Avenir Medium"/>
               </a:rPr>
-              <a:t> - </a:t>
+              <a:t>, </a:t>
             </a:r>
             <a:r>
               <a:rPr lang="ro-RO" dirty="0">
@@ -6284,8 +6120,114 @@
                 <a:latin typeface="Avenir Medium"/>
                 <a:cs typeface="Avenir Medium"/>
               </a:rPr>
-              <a:t>ROW</a:t>
-            </a:r>
+              <a:t>CHECK</a:t>
+            </a:r>
+            <a:r>
+              <a:rPr lang="ro-RO" dirty="0">
+                <a:latin typeface="Avenir Medium"/>
+                <a:cs typeface="Avenir Medium"/>
+              </a:rPr>
+              <a:t>, </a:t>
+            </a:r>
+            <a:r>
+              <a:rPr lang="ro-RO" dirty="0">
+                <a:solidFill>
+                  <a:srgbClr val="0070C0"/>
+                </a:solidFill>
+                <a:latin typeface="Avenir Medium"/>
+                <a:cs typeface="Avenir Medium"/>
+              </a:rPr>
+              <a:t>FOREIGN KEY</a:t>
+            </a:r>
+            <a:r>
+              <a:rPr lang="ro-RO" dirty="0">
+                <a:latin typeface="Avenir Medium"/>
+                <a:cs typeface="Avenir Medium"/>
+              </a:rPr>
+              <a:t>)</a:t>
+            </a:r>
+          </a:p>
+          <a:p>
+            <a:pPr lvl="1"/>
+            <a:r>
+              <a:rPr lang="ro-RO" dirty="0">
+                <a:latin typeface="Avenir Medium"/>
+                <a:cs typeface="Avenir Medium"/>
+              </a:rPr>
+              <a:t>Operation (</a:t>
+            </a:r>
+            <a:r>
+              <a:rPr lang="ro-RO" dirty="0">
+                <a:solidFill>
+                  <a:srgbClr val="0070C0"/>
+                </a:solidFill>
+                <a:latin typeface="Avenir Medium"/>
+                <a:cs typeface="Avenir Medium"/>
+              </a:rPr>
+              <a:t>INSERT</a:t>
+            </a:r>
+            <a:r>
+              <a:rPr lang="ro-RO" dirty="0">
+                <a:latin typeface="Avenir Medium"/>
+                <a:cs typeface="Avenir Medium"/>
+              </a:rPr>
+              <a:t>/</a:t>
+            </a:r>
+            <a:r>
+              <a:rPr lang="ro-RO" dirty="0">
+                <a:solidFill>
+                  <a:srgbClr val="0070C0"/>
+                </a:solidFill>
+                <a:latin typeface="Avenir Medium"/>
+                <a:cs typeface="Avenir Medium"/>
+              </a:rPr>
+              <a:t>UPDATE</a:t>
+            </a:r>
+            <a:r>
+              <a:rPr lang="ro-RO" dirty="0">
+                <a:latin typeface="Avenir Medium"/>
+                <a:cs typeface="Avenir Medium"/>
+              </a:rPr>
+              <a:t>/</a:t>
+            </a:r>
+            <a:r>
+              <a:rPr lang="ro-RO" dirty="0">
+                <a:solidFill>
+                  <a:srgbClr val="0070C0"/>
+                </a:solidFill>
+                <a:latin typeface="Avenir Medium"/>
+                <a:cs typeface="Avenir Medium"/>
+              </a:rPr>
+              <a:t>DELETE</a:t>
+            </a:r>
+            <a:r>
+              <a:rPr lang="ro-RO" dirty="0">
+                <a:latin typeface="Avenir Medium"/>
+                <a:cs typeface="Avenir Medium"/>
+              </a:rPr>
+              <a:t>) results can be seen/read in the </a:t>
+            </a:r>
+            <a:r>
+              <a:rPr lang="ro-RO" dirty="0">
+                <a:solidFill>
+                  <a:srgbClr val="0070C0"/>
+                </a:solidFill>
+                <a:latin typeface="Avenir Medium"/>
+                <a:cs typeface="Avenir Medium"/>
+              </a:rPr>
+              <a:t>AFTER</a:t>
+            </a:r>
+            <a:r>
+              <a:rPr lang="ro-RO" dirty="0">
+                <a:latin typeface="Avenir Medium"/>
+                <a:cs typeface="Avenir Medium"/>
+              </a:rPr>
+              <a:t> triggers</a:t>
+            </a:r>
+            <a:endParaRPr lang="en-US" dirty="0">
+              <a:latin typeface="Avenir Medium"/>
+              <a:cs typeface="Avenir Medium"/>
+            </a:endParaRPr>
           </a:p>
           <a:p>
             <a:endParaRPr lang="en-US" dirty="0">
@@ -6298,7 +6240,7 @@
     </p:spTree>
     <p:extLst>
       <p:ext uri="{BB962C8B-B14F-4D97-AF65-F5344CB8AC3E}">
-        <p14:creationId xmlns:p14="http://schemas.microsoft.com/office/powerpoint/2010/main" val="3660183713"/>
+        <p14:creationId xmlns:p14="http://schemas.microsoft.com/office/powerpoint/2010/main" val="3620362078"/>
       </p:ext>
     </p:extLst>
   </p:cSld>
@@ -6352,6 +6294,418 @@
                 <a:ea typeface="Arial Unicode MS" panose="020B0604020202020204" pitchFamily="34" charset="-128"/>
                 <a:cs typeface="American Typewriter"/>
               </a:rPr>
+              <a:t>(DML) Triggel Levels</a:t>
+            </a:r>
+            <a:endParaRPr lang="en-US" sz="3600" dirty="0">
+              <a:latin typeface="American Typewriter"/>
+              <a:ea typeface="Arial Unicode MS" panose="020B0604020202020204" pitchFamily="34" charset="-128"/>
+              <a:cs typeface="American Typewriter"/>
+            </a:endParaRPr>
+          </a:p>
+        </p:txBody>
+      </p:sp>
+      <p:sp>
+        <p:nvSpPr>
+          <p:cNvPr id="3" name="Content Placeholder 2"/>
+          <p:cNvSpPr>
+            <a:spLocks noGrp="1"/>
+          </p:cNvSpPr>
+          <p:nvPr>
+            <p:ph idx="1"/>
+          </p:nvPr>
+        </p:nvSpPr>
+        <p:spPr>
+          <a:xfrm>
+            <a:off x="609600" y="1371600"/>
+            <a:ext cx="8382000" cy="5334000"/>
+          </a:xfrm>
+        </p:spPr>
+        <p:txBody>
+          <a:bodyPr>
+            <a:normAutofit fontScale="77500" lnSpcReduction="20000"/>
+          </a:bodyPr>
+          <a:lstStyle/>
+          <a:p>
+            <a:r>
+              <a:rPr lang="ro-RO" dirty="0">
+                <a:latin typeface="Avenir Medium"/>
+                <a:cs typeface="Avenir Medium"/>
+              </a:rPr>
+              <a:t>Statement level triggers:</a:t>
+            </a:r>
+          </a:p>
+          <a:p>
+            <a:pPr lvl="1"/>
+            <a:r>
+              <a:rPr lang="ro-RO" dirty="0">
+                <a:latin typeface="Avenir Medium"/>
+                <a:cs typeface="Avenir Medium"/>
+              </a:rPr>
+              <a:t>Default (no clause required)</a:t>
+            </a:r>
+          </a:p>
+          <a:p>
+            <a:pPr lvl="1"/>
+            <a:r>
+              <a:rPr lang="ro-RO" dirty="0">
+                <a:latin typeface="Avenir Medium"/>
+                <a:cs typeface="Avenir Medium"/>
+              </a:rPr>
+              <a:t>Trigger statement is executed just once </a:t>
+            </a:r>
+            <a:r>
+              <a:rPr lang="ro-RO" dirty="0">
+                <a:solidFill>
+                  <a:srgbClr val="0070C0"/>
+                </a:solidFill>
+                <a:latin typeface="Avenir Medium"/>
+                <a:cs typeface="Avenir Medium"/>
+              </a:rPr>
+              <a:t>BEFORE</a:t>
+            </a:r>
+            <a:r>
+              <a:rPr lang="ro-RO" dirty="0">
+                <a:latin typeface="Avenir Medium"/>
+                <a:cs typeface="Avenir Medium"/>
+              </a:rPr>
+              <a:t> or </a:t>
+            </a:r>
+            <a:r>
+              <a:rPr lang="ro-RO" dirty="0">
+                <a:solidFill>
+                  <a:srgbClr val="0070C0"/>
+                </a:solidFill>
+                <a:latin typeface="Avenir Medium"/>
+                <a:cs typeface="Avenir Medium"/>
+              </a:rPr>
+              <a:t>AFTER</a:t>
+            </a:r>
+            <a:r>
+              <a:rPr lang="ro-RO" dirty="0">
+                <a:latin typeface="Avenir Medium"/>
+                <a:cs typeface="Avenir Medium"/>
+              </a:rPr>
+              <a:t>  a DML statement (</a:t>
+            </a:r>
+            <a:r>
+              <a:rPr lang="ro-RO" dirty="0">
+                <a:solidFill>
+                  <a:srgbClr val="0070C0"/>
+                </a:solidFill>
+                <a:latin typeface="Avenir Medium"/>
+                <a:cs typeface="Avenir Medium"/>
+              </a:rPr>
+              <a:t>INSERT</a:t>
+            </a:r>
+            <a:r>
+              <a:rPr lang="ro-RO" dirty="0">
+                <a:latin typeface="Avenir Medium"/>
+                <a:cs typeface="Avenir Medium"/>
+              </a:rPr>
+              <a:t>/</a:t>
+            </a:r>
+            <a:r>
+              <a:rPr lang="ro-RO" dirty="0">
+                <a:solidFill>
+                  <a:srgbClr val="0070C0"/>
+                </a:solidFill>
+                <a:latin typeface="Avenir Medium"/>
+                <a:cs typeface="Avenir Medium"/>
+              </a:rPr>
+              <a:t>UPDATE</a:t>
+            </a:r>
+            <a:r>
+              <a:rPr lang="ro-RO" dirty="0">
+                <a:latin typeface="Avenir Medium"/>
+                <a:cs typeface="Avenir Medium"/>
+              </a:rPr>
+              <a:t>/</a:t>
+            </a:r>
+            <a:r>
+              <a:rPr lang="ro-RO" dirty="0">
+                <a:solidFill>
+                  <a:srgbClr val="0070C0"/>
+                </a:solidFill>
+                <a:latin typeface="Avenir Medium"/>
+                <a:cs typeface="Avenir Medium"/>
+              </a:rPr>
+              <a:t>DELETE</a:t>
+            </a:r>
+            <a:r>
+              <a:rPr lang="ro-RO" dirty="0">
+                <a:latin typeface="Avenir Medium"/>
+                <a:cs typeface="Avenir Medium"/>
+              </a:rPr>
+              <a:t>) is performed, no matter how many record will be affected by the DML statement (e.g. how many records will be deleted by the </a:t>
+            </a:r>
+            <a:r>
+              <a:rPr lang="ro-RO" dirty="0">
+                <a:solidFill>
+                  <a:srgbClr val="0070C0"/>
+                </a:solidFill>
+                <a:latin typeface="Avenir Medium"/>
+                <a:cs typeface="Avenir Medium"/>
+              </a:rPr>
+              <a:t>DELETE</a:t>
+            </a:r>
+            <a:r>
+              <a:rPr lang="ro-RO" dirty="0">
+                <a:latin typeface="Avenir Medium"/>
+                <a:cs typeface="Avenir Medium"/>
+              </a:rPr>
+              <a:t> statement)</a:t>
+            </a:r>
+          </a:p>
+          <a:p>
+            <a:r>
+              <a:rPr lang="ro-RO" dirty="0">
+                <a:latin typeface="Avenir Medium"/>
+                <a:cs typeface="Avenir Medium"/>
+              </a:rPr>
+              <a:t>Row level triggers:</a:t>
+            </a:r>
+          </a:p>
+          <a:p>
+            <a:pPr lvl="1"/>
+            <a:r>
+              <a:rPr lang="ro-RO" dirty="0">
+                <a:latin typeface="Avenir Medium"/>
+                <a:cs typeface="Avenir Medium"/>
+              </a:rPr>
+              <a:t>Require </a:t>
+            </a:r>
+            <a:r>
+              <a:rPr lang="ro-RO" dirty="0">
+                <a:solidFill>
+                  <a:srgbClr val="0070C0"/>
+                </a:solidFill>
+                <a:latin typeface="Avenir Medium"/>
+                <a:cs typeface="Avenir Medium"/>
+              </a:rPr>
+              <a:t>FOR EACH ROW </a:t>
+            </a:r>
+            <a:r>
+              <a:rPr lang="ro-RO" dirty="0">
+                <a:latin typeface="Avenir Medium"/>
+                <a:cs typeface="Avenir Medium"/>
+              </a:rPr>
+              <a:t>clause in the syntax</a:t>
+            </a:r>
+          </a:p>
+          <a:p>
+            <a:pPr lvl="1"/>
+            <a:r>
+              <a:rPr lang="ro-RO" dirty="0">
+                <a:latin typeface="Avenir Medium"/>
+                <a:cs typeface="Avenir Medium"/>
+              </a:rPr>
+              <a:t>Are executed for </a:t>
+            </a:r>
+            <a:r>
+              <a:rPr lang="ro-RO" b="1" i="1" dirty="0">
+                <a:latin typeface="Avenir Medium"/>
+                <a:cs typeface="Avenir Medium"/>
+              </a:rPr>
+              <a:t>each row affected </a:t>
+            </a:r>
+            <a:r>
+              <a:rPr lang="ro-RO" dirty="0">
+                <a:latin typeface="Avenir Medium"/>
+                <a:cs typeface="Avenir Medium"/>
+              </a:rPr>
+              <a:t>by the DML command (each inserted, updated or deleted record/row)</a:t>
+            </a:r>
+          </a:p>
+          <a:p>
+            <a:pPr lvl="1"/>
+            <a:r>
+              <a:rPr lang="ro-RO" dirty="0">
+                <a:latin typeface="Avenir Medium"/>
+                <a:cs typeface="Avenir Medium"/>
+              </a:rPr>
+              <a:t>Could also be defined as </a:t>
+            </a:r>
+            <a:r>
+              <a:rPr lang="ro-RO" dirty="0">
+                <a:solidFill>
+                  <a:srgbClr val="0070C0"/>
+                </a:solidFill>
+                <a:latin typeface="Avenir Medium"/>
+                <a:cs typeface="Avenir Medium"/>
+              </a:rPr>
+              <a:t>BEFORE</a:t>
+            </a:r>
+            <a:r>
+              <a:rPr lang="ro-RO" dirty="0">
+                <a:latin typeface="Avenir Medium"/>
+                <a:cs typeface="Avenir Medium"/>
+              </a:rPr>
+              <a:t> or </a:t>
+            </a:r>
+            <a:r>
+              <a:rPr lang="ro-RO" dirty="0">
+                <a:solidFill>
+                  <a:srgbClr val="0070C0"/>
+                </a:solidFill>
+                <a:latin typeface="Avenir Medium"/>
+                <a:cs typeface="Avenir Medium"/>
+              </a:rPr>
+              <a:t>AFTER</a:t>
+            </a:r>
+            <a:r>
+              <a:rPr lang="ro-RO" dirty="0">
+                <a:latin typeface="Avenir Medium"/>
+                <a:cs typeface="Avenir Medium"/>
+              </a:rPr>
+              <a:t> triggers</a:t>
+            </a:r>
+          </a:p>
+          <a:p>
+            <a:pPr lvl="1"/>
+            <a:r>
+              <a:rPr lang="ro-RO" dirty="0">
+                <a:latin typeface="Avenir Medium"/>
+                <a:cs typeface="Avenir Medium"/>
+              </a:rPr>
+              <a:t>We can acces the attribute values before the statement execution </a:t>
+            </a:r>
+            <a:r>
+              <a:rPr lang="ro-RO" dirty="0">
+                <a:solidFill>
+                  <a:srgbClr val="0070C0"/>
+                </a:solidFill>
+                <a:latin typeface="Avenir Medium"/>
+                <a:cs typeface="Avenir Medium"/>
+              </a:rPr>
+              <a:t>(:OLD</a:t>
+            </a:r>
+            <a:r>
+              <a:rPr lang="ro-RO" dirty="0">
+                <a:latin typeface="Avenir Medium"/>
+                <a:cs typeface="Avenir Medium"/>
+              </a:rPr>
+              <a:t>) and also the attribute values after the statement execution </a:t>
+            </a:r>
+            <a:r>
+              <a:rPr lang="ro-RO" dirty="0">
+                <a:solidFill>
+                  <a:srgbClr val="0070C0"/>
+                </a:solidFill>
+                <a:latin typeface="Avenir Medium"/>
+                <a:cs typeface="Avenir Medium"/>
+              </a:rPr>
+              <a:t>(:NEW</a:t>
+            </a:r>
+            <a:r>
+              <a:rPr lang="ro-RO" dirty="0">
+                <a:latin typeface="Avenir Medium"/>
+                <a:cs typeface="Avenir Medium"/>
+              </a:rPr>
+              <a:t>)</a:t>
+            </a:r>
+          </a:p>
+          <a:p>
+            <a:pPr lvl="1"/>
+            <a:r>
+              <a:rPr lang="ro-RO" dirty="0">
+                <a:latin typeface="Avenir Medium"/>
+                <a:cs typeface="Avenir Medium"/>
+              </a:rPr>
+              <a:t>We can alter (overwrite) an attribute value resulted from a DML statement using triggers of type </a:t>
+            </a:r>
+            <a:r>
+              <a:rPr lang="ro-RO" dirty="0">
+                <a:solidFill>
+                  <a:srgbClr val="0070C0"/>
+                </a:solidFill>
+                <a:latin typeface="Avenir Medium"/>
+                <a:cs typeface="Avenir Medium"/>
+              </a:rPr>
+              <a:t>BEFORE</a:t>
+            </a:r>
+            <a:r>
+              <a:rPr lang="ro-RO" dirty="0">
+                <a:latin typeface="Avenir Medium"/>
+                <a:cs typeface="Avenir Medium"/>
+              </a:rPr>
+              <a:t> - </a:t>
+            </a:r>
+            <a:r>
+              <a:rPr lang="ro-RO" dirty="0">
+                <a:solidFill>
+                  <a:srgbClr val="0070C0"/>
+                </a:solidFill>
+                <a:latin typeface="Avenir Medium"/>
+                <a:cs typeface="Avenir Medium"/>
+              </a:rPr>
+              <a:t>ROW</a:t>
+            </a:r>
+          </a:p>
+          <a:p>
+            <a:endParaRPr lang="en-US" dirty="0">
+              <a:latin typeface="Avenir Medium"/>
+              <a:cs typeface="Avenir Medium"/>
+            </a:endParaRPr>
+          </a:p>
+        </p:txBody>
+      </p:sp>
+    </p:spTree>
+    <p:extLst>
+      <p:ext uri="{BB962C8B-B14F-4D97-AF65-F5344CB8AC3E}">
+        <p14:creationId xmlns:p14="http://schemas.microsoft.com/office/powerpoint/2010/main" val="3660183713"/>
+      </p:ext>
+    </p:extLst>
+  </p:cSld>
+  <p:clrMapOvr>
+    <a:masterClrMapping/>
+  </p:clrMapOvr>
+  <p:transition>
+    <p:random/>
+  </p:transition>
+</p:sld>
+</file>
+
+<file path=ppt/slides/slide15.xml><?xml version="1.0" encoding="utf-8"?>
+<p:sld xmlns:a="http://schemas.openxmlformats.org/drawingml/2006/main" xmlns:r="http://schemas.openxmlformats.org/officeDocument/2006/relationships" xmlns:p="http://schemas.openxmlformats.org/presentationml/2006/main">
+  <p:cSld>
+    <p:spTree>
+      <p:nvGrpSpPr>
+        <p:cNvPr id="1" name=""/>
+        <p:cNvGrpSpPr/>
+        <p:nvPr/>
+      </p:nvGrpSpPr>
+      <p:grpSpPr>
+        <a:xfrm>
+          <a:off x="0" y="0"/>
+          <a:ext cx="0" cy="0"/>
+          <a:chOff x="0" y="0"/>
+          <a:chExt cx="0" cy="0"/>
+        </a:xfrm>
+      </p:grpSpPr>
+      <p:sp>
+        <p:nvSpPr>
+          <p:cNvPr id="2" name="Title 1"/>
+          <p:cNvSpPr>
+            <a:spLocks noGrp="1"/>
+          </p:cNvSpPr>
+          <p:nvPr>
+            <p:ph type="title"/>
+          </p:nvPr>
+        </p:nvSpPr>
+        <p:spPr/>
+        <p:txBody>
+          <a:bodyPr anchor="ctr">
+            <a:normAutofit/>
+          </a:bodyPr>
+          <a:lstStyle/>
+          <a:p>
+            <a:pPr algn="ctr"/>
+            <a:r>
+              <a:rPr lang="ro-RO" sz="3600" dirty="0">
+                <a:latin typeface="American Typewriter"/>
+                <a:ea typeface="Arial Unicode MS" panose="020B0604020202020204" pitchFamily="34" charset="-128"/>
+                <a:cs typeface="American Typewriter"/>
+              </a:rPr>
               <a:t>More Recent Trigger Features</a:t>
             </a:r>
             <a:endParaRPr lang="en-US" sz="3600" dirty="0">
@@ -6537,7 +6891,7 @@
 </p:sld>
 </file>
 
-<file path=ppt/slides/slide15.xml><?xml version="1.0" encoding="utf-8"?>
+<file path=ppt/slides/slide16.xml><?xml version="1.0" encoding="utf-8"?>
 <p:sld xmlns:a="http://schemas.openxmlformats.org/drawingml/2006/main" xmlns:r="http://schemas.openxmlformats.org/officeDocument/2006/relationships" xmlns:p="http://schemas.openxmlformats.org/presentationml/2006/main">
   <p:cSld>
     <p:spTree>
@@ -6685,7 +7039,7 @@
 </p:sld>
 </file>
 
-<file path=ppt/slides/slide16.xml><?xml version="1.0" encoding="utf-8"?>
+<file path=ppt/slides/slide17.xml><?xml version="1.0" encoding="utf-8"?>
 <p:sld xmlns:a="http://schemas.openxmlformats.org/drawingml/2006/main" xmlns:r="http://schemas.openxmlformats.org/officeDocument/2006/relationships" xmlns:p="http://schemas.openxmlformats.org/presentationml/2006/main">
   <p:cSld>
     <p:spTree>
@@ -7121,7 +7475,7 @@
 </p:sld>
 </file>
 
-<file path=ppt/slides/slide17.xml><?xml version="1.0" encoding="utf-8"?>
+<file path=ppt/slides/slide18.xml><?xml version="1.0" encoding="utf-8"?>
 <p:sld xmlns:a="http://schemas.openxmlformats.org/drawingml/2006/main" xmlns:r="http://schemas.openxmlformats.org/officeDocument/2006/relationships" xmlns:p="http://schemas.openxmlformats.org/presentationml/2006/main">
   <p:cSld>
     <p:spTree>
@@ -7507,7 +7861,7 @@
 </p:sld>
 </file>
 
-<file path=ppt/slides/slide18.xml><?xml version="1.0" encoding="utf-8"?>
+<file path=ppt/slides/slide19.xml><?xml version="1.0" encoding="utf-8"?>
 <p:sld xmlns:a="http://schemas.openxmlformats.org/drawingml/2006/main" xmlns:r="http://schemas.openxmlformats.org/officeDocument/2006/relationships" xmlns:p="http://schemas.openxmlformats.org/presentationml/2006/main">
   <p:cSld>
     <p:spTree>
@@ -8097,827 +8451,6 @@
     <p:extLst>
       <p:ext uri="{BB962C8B-B14F-4D97-AF65-F5344CB8AC3E}">
         <p14:creationId xmlns:p14="http://schemas.microsoft.com/office/powerpoint/2010/main" val="1302709944"/>
-      </p:ext>
-    </p:extLst>
-  </p:cSld>
-  <p:clrMapOvr>
-    <a:masterClrMapping/>
-  </p:clrMapOvr>
-  <p:transition>
-    <p:random/>
-  </p:transition>
-</p:sld>
-</file>
-
-<file path=ppt/slides/slide19.xml><?xml version="1.0" encoding="utf-8"?>
-<p:sld xmlns:a="http://schemas.openxmlformats.org/drawingml/2006/main" xmlns:r="http://schemas.openxmlformats.org/officeDocument/2006/relationships" xmlns:p="http://schemas.openxmlformats.org/presentationml/2006/main">
-  <p:cSld>
-    <p:spTree>
-      <p:nvGrpSpPr>
-        <p:cNvPr id="1" name=""/>
-        <p:cNvGrpSpPr/>
-        <p:nvPr/>
-      </p:nvGrpSpPr>
-      <p:grpSpPr>
-        <a:xfrm>
-          <a:off x="0" y="0"/>
-          <a:ext cx="0" cy="0"/>
-          <a:chOff x="0" y="0"/>
-          <a:chExt cx="0" cy="0"/>
-        </a:xfrm>
-      </p:grpSpPr>
-      <p:sp>
-        <p:nvSpPr>
-          <p:cNvPr id="2" name="Title 1"/>
-          <p:cNvSpPr>
-            <a:spLocks noGrp="1"/>
-          </p:cNvSpPr>
-          <p:nvPr>
-            <p:ph type="title"/>
-          </p:nvPr>
-        </p:nvSpPr>
-        <p:spPr>
-          <a:xfrm>
-            <a:off x="0" y="76200"/>
-            <a:ext cx="9144000" cy="1143000"/>
-          </a:xfrm>
-        </p:spPr>
-        <p:txBody>
-          <a:bodyPr anchor="ctr">
-            <a:normAutofit/>
-          </a:bodyPr>
-          <a:lstStyle/>
-          <a:p>
-            <a:pPr algn="ctr"/>
-            <a:r>
-              <a:rPr lang="ro-RO" sz="3000" dirty="0">
-                <a:latin typeface="American Typewriter"/>
-                <a:ea typeface="Arial Unicode MS" panose="020B0604020202020204" pitchFamily="34" charset="-128"/>
-                <a:cs typeface="American Typewriter"/>
-              </a:rPr>
-              <a:t>Script </a:t>
-            </a:r>
-            <a:br>
-              <a:rPr lang="ro-RO" sz="3000" dirty="0">
-                <a:latin typeface="American Typewriter"/>
-                <a:ea typeface="Arial Unicode MS" panose="020B0604020202020204" pitchFamily="34" charset="-128"/>
-                <a:cs typeface="American Typewriter"/>
-              </a:rPr>
-            </a:br>
-            <a:r>
-              <a:rPr lang="ro-RO" sz="3000" b="1" dirty="0">
-                <a:latin typeface="American Typewriter"/>
-                <a:ea typeface="Arial Unicode MS" panose="020B0604020202020204" pitchFamily="34" charset="-128"/>
-                <a:cs typeface="American Typewriter"/>
-              </a:rPr>
-              <a:t>06-01b_en_data_cleaning__surrogate_keys.sql</a:t>
-            </a:r>
-            <a:endParaRPr lang="en-US" sz="3000" dirty="0">
-              <a:latin typeface="American Typewriter"/>
-              <a:ea typeface="Arial Unicode MS" panose="020B0604020202020204" pitchFamily="34" charset="-128"/>
-              <a:cs typeface="American Typewriter"/>
-            </a:endParaRPr>
-          </a:p>
-        </p:txBody>
-      </p:sp>
-      <p:sp>
-        <p:nvSpPr>
-          <p:cNvPr id="3" name="Content Placeholder 2"/>
-          <p:cNvSpPr>
-            <a:spLocks noGrp="1"/>
-          </p:cNvSpPr>
-          <p:nvPr>
-            <p:ph idx="1"/>
-          </p:nvPr>
-        </p:nvSpPr>
-        <p:spPr>
-          <a:xfrm>
-            <a:off x="609600" y="1295400"/>
-            <a:ext cx="8534400" cy="5486400"/>
-          </a:xfrm>
-        </p:spPr>
-        <p:txBody>
-          <a:bodyPr>
-            <a:normAutofit/>
-          </a:bodyPr>
-          <a:lstStyle/>
-          <a:p>
-            <a:r>
-              <a:rPr lang="ro-RO" sz="3000" dirty="0">
-                <a:latin typeface="Avenir Medium"/>
-                <a:cs typeface="Avenir Medium"/>
-              </a:rPr>
-              <a:t>Simple </a:t>
-            </a:r>
-            <a:r>
-              <a:rPr lang="ro-RO" sz="3000" dirty="0" err="1">
-                <a:latin typeface="Avenir Medium"/>
-                <a:cs typeface="Avenir Medium"/>
-              </a:rPr>
-              <a:t>triggers</a:t>
-            </a:r>
-            <a:endParaRPr lang="ro-RO" sz="3000" dirty="0">
-              <a:latin typeface="Avenir Medium"/>
-              <a:cs typeface="Avenir Medium"/>
-            </a:endParaRPr>
-          </a:p>
-          <a:p>
-            <a:pPr lvl="1"/>
-            <a:r>
-              <a:rPr lang="ro-RO" sz="2600" dirty="0" err="1">
-                <a:latin typeface="Avenir Medium"/>
-                <a:cs typeface="Avenir Medium"/>
-              </a:rPr>
-              <a:t>before</a:t>
-            </a:r>
-            <a:r>
-              <a:rPr lang="ro-RO" sz="2600" dirty="0">
-                <a:latin typeface="Avenir Medium"/>
-                <a:cs typeface="Avenir Medium"/>
-              </a:rPr>
-              <a:t>/</a:t>
-            </a:r>
-            <a:r>
-              <a:rPr lang="ro-RO" sz="2600" dirty="0" err="1">
-                <a:latin typeface="Avenir Medium"/>
-                <a:cs typeface="Avenir Medium"/>
-              </a:rPr>
-              <a:t>after</a:t>
-            </a:r>
-            <a:r>
-              <a:rPr lang="ro-RO" sz="2600" dirty="0">
-                <a:latin typeface="Avenir Medium"/>
-                <a:cs typeface="Avenir Medium"/>
-              </a:rPr>
-              <a:t> </a:t>
-            </a:r>
-            <a:r>
-              <a:rPr lang="ro-RO" sz="2600" dirty="0" err="1">
-                <a:latin typeface="Avenir Medium"/>
-                <a:cs typeface="Avenir Medium"/>
-              </a:rPr>
-              <a:t>row</a:t>
-            </a:r>
-            <a:r>
-              <a:rPr lang="ro-RO" sz="2600" dirty="0">
-                <a:latin typeface="Avenir Medium"/>
-                <a:cs typeface="Avenir Medium"/>
-              </a:rPr>
-              <a:t> </a:t>
-            </a:r>
-            <a:r>
-              <a:rPr lang="ro-RO" sz="2600" dirty="0" err="1">
-                <a:latin typeface="Avenir Medium"/>
-                <a:cs typeface="Avenir Medium"/>
-              </a:rPr>
-              <a:t>level</a:t>
-            </a:r>
-            <a:r>
-              <a:rPr lang="ro-RO" sz="2600" dirty="0">
-                <a:latin typeface="Avenir Medium"/>
-                <a:cs typeface="Avenir Medium"/>
-              </a:rPr>
-              <a:t> </a:t>
-            </a:r>
-          </a:p>
-          <a:p>
-            <a:pPr lvl="1"/>
-            <a:r>
-              <a:rPr lang="ro-RO" sz="2600" dirty="0" err="1">
-                <a:latin typeface="Avenir Medium"/>
-                <a:cs typeface="Avenir Medium"/>
-              </a:rPr>
-              <a:t>before</a:t>
-            </a:r>
-            <a:r>
-              <a:rPr lang="ro-RO" sz="2600" dirty="0">
-                <a:latin typeface="Avenir Medium"/>
-                <a:cs typeface="Avenir Medium"/>
-              </a:rPr>
-              <a:t>/</a:t>
-            </a:r>
-            <a:r>
-              <a:rPr lang="ro-RO" sz="2600" dirty="0" err="1">
-                <a:latin typeface="Avenir Medium"/>
-                <a:cs typeface="Avenir Medium"/>
-              </a:rPr>
-              <a:t>after</a:t>
-            </a:r>
-            <a:r>
-              <a:rPr lang="ro-RO" sz="2600" dirty="0">
-                <a:latin typeface="Avenir Medium"/>
-                <a:cs typeface="Avenir Medium"/>
-              </a:rPr>
-              <a:t> </a:t>
-            </a:r>
-            <a:r>
-              <a:rPr lang="ro-RO" sz="2600" dirty="0" err="1">
-                <a:latin typeface="Avenir Medium"/>
-                <a:cs typeface="Avenir Medium"/>
-              </a:rPr>
-              <a:t>statement</a:t>
-            </a:r>
-            <a:r>
-              <a:rPr lang="ro-RO" sz="2600" dirty="0">
-                <a:latin typeface="Avenir Medium"/>
-                <a:cs typeface="Avenir Medium"/>
-              </a:rPr>
-              <a:t> </a:t>
-            </a:r>
-            <a:r>
-              <a:rPr lang="ro-RO" sz="2600" dirty="0" err="1">
-                <a:latin typeface="Avenir Medium"/>
-                <a:cs typeface="Avenir Medium"/>
-              </a:rPr>
-              <a:t>level</a:t>
-            </a:r>
-            <a:endParaRPr lang="ro-RO" sz="2600" dirty="0">
-              <a:latin typeface="Avenir Medium"/>
-              <a:cs typeface="Avenir Medium"/>
-            </a:endParaRPr>
-          </a:p>
-          <a:p>
-            <a:r>
-              <a:rPr lang="ro-RO" sz="3000" dirty="0" err="1">
-                <a:latin typeface="Avenir Medium"/>
-                <a:cs typeface="Avenir Medium"/>
-              </a:rPr>
-              <a:t>Triggers</a:t>
-            </a:r>
-            <a:r>
-              <a:rPr lang="ro-RO" sz="3000" dirty="0">
-                <a:latin typeface="Avenir Medium"/>
-                <a:cs typeface="Avenir Medium"/>
-              </a:rPr>
-              <a:t> for data </a:t>
-            </a:r>
-            <a:r>
-              <a:rPr lang="ro-RO" sz="3000" dirty="0" err="1">
-                <a:latin typeface="Avenir Medium"/>
-                <a:cs typeface="Avenir Medium"/>
-              </a:rPr>
-              <a:t>cleaning</a:t>
-            </a:r>
-            <a:endParaRPr lang="ro-RO" sz="3000" dirty="0">
-              <a:latin typeface="Avenir Medium"/>
-              <a:cs typeface="Avenir Medium"/>
-            </a:endParaRPr>
-          </a:p>
-          <a:p>
-            <a:r>
-              <a:rPr lang="ro-RO" sz="3000" dirty="0" err="1">
-                <a:latin typeface="Avenir Medium"/>
-                <a:cs typeface="Avenir Medium"/>
-              </a:rPr>
-              <a:t>Triggers</a:t>
-            </a:r>
-            <a:r>
-              <a:rPr lang="ro-RO" sz="3000" dirty="0">
-                <a:latin typeface="Avenir Medium"/>
-                <a:cs typeface="Avenir Medium"/>
-              </a:rPr>
-              <a:t> </a:t>
-            </a:r>
-            <a:r>
-              <a:rPr lang="ro-RO" sz="3000" dirty="0" err="1">
-                <a:latin typeface="Avenir Medium"/>
-                <a:cs typeface="Avenir Medium"/>
-              </a:rPr>
-              <a:t>and</a:t>
-            </a:r>
-            <a:r>
-              <a:rPr lang="ro-RO" sz="3000" dirty="0">
-                <a:latin typeface="Avenir Medium"/>
-                <a:cs typeface="Avenir Medium"/>
-              </a:rPr>
-              <a:t> </a:t>
-            </a:r>
-            <a:r>
-              <a:rPr lang="ro-RO" sz="3000" dirty="0" err="1">
-                <a:latin typeface="Avenir Medium"/>
-                <a:cs typeface="Avenir Medium"/>
-              </a:rPr>
-              <a:t>surrogate</a:t>
-            </a:r>
-            <a:r>
-              <a:rPr lang="ro-RO" sz="3000" dirty="0">
-                <a:latin typeface="Avenir Medium"/>
-                <a:cs typeface="Avenir Medium"/>
-              </a:rPr>
-              <a:t> </a:t>
-            </a:r>
-            <a:r>
-              <a:rPr lang="ro-RO" sz="3000" dirty="0" err="1">
-                <a:latin typeface="Avenir Medium"/>
-                <a:cs typeface="Avenir Medium"/>
-              </a:rPr>
-              <a:t>keys</a:t>
-            </a:r>
-            <a:endParaRPr lang="ro-RO" sz="3000" dirty="0">
-              <a:latin typeface="Avenir Medium"/>
-              <a:cs typeface="Avenir Medium"/>
-            </a:endParaRPr>
-          </a:p>
-          <a:p>
-            <a:r>
-              <a:rPr lang="ro-RO" sz="3000" dirty="0" err="1">
-                <a:latin typeface="Avenir Medium"/>
-                <a:cs typeface="Avenir Medium"/>
-              </a:rPr>
-              <a:t>Problems</a:t>
-            </a:r>
-            <a:r>
-              <a:rPr lang="ro-RO" sz="3000" dirty="0">
-                <a:latin typeface="Avenir Medium"/>
-                <a:cs typeface="Avenir Medium"/>
-              </a:rPr>
-              <a:t> (</a:t>
-            </a:r>
-            <a:r>
-              <a:rPr lang="ro-RO" sz="3000" dirty="0" err="1">
-                <a:latin typeface="Avenir Medium"/>
-                <a:cs typeface="Avenir Medium"/>
-              </a:rPr>
-              <a:t>and</a:t>
-            </a:r>
-            <a:r>
-              <a:rPr lang="ro-RO" sz="3000" dirty="0">
-                <a:latin typeface="Avenir Medium"/>
-                <a:cs typeface="Avenir Medium"/>
-              </a:rPr>
-              <a:t> </a:t>
-            </a:r>
-            <a:r>
-              <a:rPr lang="ro-RO" sz="3000" dirty="0" err="1">
-                <a:latin typeface="Avenir Medium"/>
-                <a:cs typeface="Avenir Medium"/>
-              </a:rPr>
-              <a:t>solutions</a:t>
-            </a:r>
-            <a:r>
-              <a:rPr lang="ro-RO" sz="3000" dirty="0">
-                <a:latin typeface="Avenir Medium"/>
-                <a:cs typeface="Avenir Medium"/>
-              </a:rPr>
-              <a:t>) </a:t>
-            </a:r>
-            <a:r>
-              <a:rPr lang="ro-RO" sz="3000" dirty="0" err="1">
-                <a:latin typeface="Avenir Medium"/>
-                <a:cs typeface="Avenir Medium"/>
-              </a:rPr>
-              <a:t>when</a:t>
-            </a:r>
-            <a:r>
-              <a:rPr lang="ro-RO" sz="3000" dirty="0">
-                <a:latin typeface="Avenir Medium"/>
-                <a:cs typeface="Avenir Medium"/>
-              </a:rPr>
-              <a:t> </a:t>
-            </a:r>
-            <a:r>
-              <a:rPr lang="ro-RO" sz="3000" dirty="0" err="1">
-                <a:latin typeface="Avenir Medium"/>
-                <a:cs typeface="Avenir Medium"/>
-              </a:rPr>
-              <a:t>dealing</a:t>
-            </a:r>
-            <a:r>
-              <a:rPr lang="ro-RO" sz="3000" dirty="0">
-                <a:latin typeface="Avenir Medium"/>
-                <a:cs typeface="Avenir Medium"/>
-              </a:rPr>
-              <a:t> </a:t>
-            </a:r>
-            <a:r>
-              <a:rPr lang="ro-RO" sz="3000" dirty="0" err="1">
-                <a:latin typeface="Avenir Medium"/>
-                <a:cs typeface="Avenir Medium"/>
-              </a:rPr>
-              <a:t>with</a:t>
-            </a:r>
-            <a:r>
-              <a:rPr lang="ro-RO" sz="3000" dirty="0">
-                <a:latin typeface="Avenir Medium"/>
-                <a:cs typeface="Avenir Medium"/>
-              </a:rPr>
-              <a:t> </a:t>
-            </a:r>
-            <a:r>
-              <a:rPr lang="ro-RO" sz="3000" dirty="0" err="1">
-                <a:latin typeface="Avenir Medium"/>
-                <a:cs typeface="Avenir Medium"/>
-              </a:rPr>
-              <a:t>surrogate</a:t>
-            </a:r>
-            <a:r>
-              <a:rPr lang="ro-RO" sz="3000" dirty="0">
-                <a:latin typeface="Avenir Medium"/>
-                <a:cs typeface="Avenir Medium"/>
-              </a:rPr>
-              <a:t> </a:t>
-            </a:r>
-            <a:r>
-              <a:rPr lang="ro-RO" sz="3000" dirty="0" err="1">
-                <a:latin typeface="Avenir Medium"/>
-                <a:cs typeface="Avenir Medium"/>
-              </a:rPr>
-              <a:t>keys</a:t>
-            </a:r>
-            <a:endParaRPr lang="ro-RO" sz="3000" dirty="0">
-              <a:latin typeface="Avenir Medium"/>
-              <a:cs typeface="Avenir Medium"/>
-            </a:endParaRPr>
-          </a:p>
-          <a:p>
-            <a:pPr lvl="1"/>
-            <a:r>
-              <a:rPr lang="ro-RO" sz="2600" dirty="0" err="1">
-                <a:latin typeface="Avenir Medium"/>
-                <a:cs typeface="Avenir Medium"/>
-              </a:rPr>
-              <a:t>updates</a:t>
-            </a:r>
-            <a:r>
-              <a:rPr lang="ro-RO" sz="2600" dirty="0">
-                <a:latin typeface="Avenir Medium"/>
-                <a:cs typeface="Avenir Medium"/>
-              </a:rPr>
-              <a:t> </a:t>
-            </a:r>
-            <a:r>
-              <a:rPr lang="ro-RO" sz="2600" dirty="0" err="1">
-                <a:latin typeface="Avenir Medium"/>
-                <a:cs typeface="Avenir Medium"/>
-              </a:rPr>
-              <a:t>that</a:t>
-            </a:r>
-            <a:r>
-              <a:rPr lang="ro-RO" sz="2600" dirty="0">
-                <a:latin typeface="Avenir Medium"/>
-                <a:cs typeface="Avenir Medium"/>
-              </a:rPr>
-              <a:t> set </a:t>
-            </a:r>
-            <a:r>
-              <a:rPr lang="ro-RO" sz="2600" dirty="0" err="1">
-                <a:latin typeface="Avenir Medium"/>
-                <a:cs typeface="Avenir Medium"/>
-              </a:rPr>
-              <a:t>the</a:t>
-            </a:r>
-            <a:r>
-              <a:rPr lang="ro-RO" sz="2600" dirty="0">
-                <a:latin typeface="Avenir Medium"/>
-                <a:cs typeface="Avenir Medium"/>
-              </a:rPr>
-              <a:t> </a:t>
-            </a:r>
-            <a:r>
-              <a:rPr lang="ro-RO" sz="2600" dirty="0" err="1">
-                <a:latin typeface="Avenir Medium"/>
-                <a:cs typeface="Avenir Medium"/>
-              </a:rPr>
-              <a:t>surrogate</a:t>
-            </a:r>
-            <a:r>
-              <a:rPr lang="ro-RO" sz="2600" dirty="0">
-                <a:latin typeface="Avenir Medium"/>
-                <a:cs typeface="Avenir Medium"/>
-              </a:rPr>
-              <a:t> </a:t>
-            </a:r>
-            <a:r>
-              <a:rPr lang="ro-RO" sz="2600" dirty="0" err="1">
-                <a:latin typeface="Avenir Medium"/>
-                <a:cs typeface="Avenir Medium"/>
-              </a:rPr>
-              <a:t>key</a:t>
-            </a:r>
-            <a:r>
-              <a:rPr lang="ro-RO" sz="2600" dirty="0">
-                <a:latin typeface="Avenir Medium"/>
-                <a:cs typeface="Avenir Medium"/>
-              </a:rPr>
-              <a:t> </a:t>
-            </a:r>
-            <a:r>
-              <a:rPr lang="ro-RO" sz="2600" dirty="0" err="1">
-                <a:latin typeface="Avenir Medium"/>
-                <a:cs typeface="Avenir Medium"/>
-              </a:rPr>
-              <a:t>value</a:t>
-            </a:r>
-            <a:r>
-              <a:rPr lang="ro-RO" sz="2600" dirty="0">
-                <a:latin typeface="Avenir Medium"/>
-                <a:cs typeface="Avenir Medium"/>
-              </a:rPr>
-              <a:t> </a:t>
-            </a:r>
-            <a:r>
-              <a:rPr lang="ro-RO" sz="2600" dirty="0" err="1">
-                <a:latin typeface="Avenir Medium"/>
-                <a:cs typeface="Avenir Medium"/>
-              </a:rPr>
-              <a:t>above</a:t>
-            </a:r>
-            <a:r>
-              <a:rPr lang="ro-RO" sz="2600" dirty="0">
-                <a:latin typeface="Avenir Medium"/>
-                <a:cs typeface="Avenir Medium"/>
-              </a:rPr>
-              <a:t> </a:t>
-            </a:r>
-            <a:r>
-              <a:rPr lang="ro-RO" sz="2600" dirty="0" err="1">
-                <a:latin typeface="Avenir Medium"/>
-                <a:cs typeface="Avenir Medium"/>
-              </a:rPr>
-              <a:t>the</a:t>
-            </a:r>
-            <a:r>
-              <a:rPr lang="ro-RO" sz="2600" dirty="0">
-                <a:latin typeface="Avenir Medium"/>
-                <a:cs typeface="Avenir Medium"/>
-              </a:rPr>
-              <a:t> </a:t>
-            </a:r>
-            <a:r>
-              <a:rPr lang="ro-RO" sz="2600" dirty="0" err="1">
-                <a:latin typeface="Avenir Medium"/>
-                <a:cs typeface="Avenir Medium"/>
-              </a:rPr>
-              <a:t>current</a:t>
-            </a:r>
-            <a:r>
-              <a:rPr lang="ro-RO" sz="2600" dirty="0">
-                <a:latin typeface="Avenir Medium"/>
-                <a:cs typeface="Avenir Medium"/>
-              </a:rPr>
-              <a:t> </a:t>
-            </a:r>
-            <a:r>
-              <a:rPr lang="ro-RO" sz="2600" dirty="0" err="1">
-                <a:latin typeface="Avenir Medium"/>
-                <a:cs typeface="Avenir Medium"/>
-              </a:rPr>
-              <a:t>value</a:t>
-            </a:r>
-            <a:r>
-              <a:rPr lang="ro-RO" sz="2600" dirty="0">
-                <a:latin typeface="Avenir Medium"/>
-                <a:cs typeface="Avenir Medium"/>
-              </a:rPr>
-              <a:t> of </a:t>
-            </a:r>
-            <a:r>
-              <a:rPr lang="ro-RO" sz="2600" dirty="0" err="1">
-                <a:latin typeface="Avenir Medium"/>
-                <a:cs typeface="Avenir Medium"/>
-              </a:rPr>
-              <a:t>the</a:t>
-            </a:r>
-            <a:r>
-              <a:rPr lang="ro-RO" sz="2600" dirty="0">
-                <a:latin typeface="Avenir Medium"/>
-                <a:cs typeface="Avenir Medium"/>
-              </a:rPr>
-              <a:t> </a:t>
-            </a:r>
-            <a:r>
-              <a:rPr lang="ro-RO" sz="2600" dirty="0" err="1">
-                <a:latin typeface="Avenir Medium"/>
-                <a:cs typeface="Avenir Medium"/>
-              </a:rPr>
-              <a:t>corresponding</a:t>
-            </a:r>
-            <a:r>
-              <a:rPr lang="ro-RO" sz="2600" dirty="0">
-                <a:latin typeface="Avenir Medium"/>
-                <a:cs typeface="Avenir Medium"/>
-              </a:rPr>
-              <a:t> </a:t>
-            </a:r>
-            <a:r>
-              <a:rPr lang="ro-RO" sz="2600" dirty="0" err="1">
-                <a:latin typeface="Avenir Medium"/>
-                <a:cs typeface="Avenir Medium"/>
-              </a:rPr>
-              <a:t>sequence</a:t>
-            </a:r>
-            <a:endParaRPr lang="ro-RO" sz="2600" dirty="0">
-              <a:latin typeface="Avenir Medium"/>
-              <a:cs typeface="Avenir Medium"/>
-            </a:endParaRPr>
-          </a:p>
-          <a:p>
-            <a:pPr lvl="1"/>
-            <a:r>
-              <a:rPr lang="ro-RO" sz="2600" dirty="0" err="1">
-                <a:latin typeface="Avenir Medium"/>
-                <a:cs typeface="Avenir Medium"/>
-              </a:rPr>
-              <a:t>managing</a:t>
-            </a:r>
-            <a:r>
-              <a:rPr lang="ro-RO" sz="2600" dirty="0">
-                <a:latin typeface="Avenir Medium"/>
-                <a:cs typeface="Avenir Medium"/>
-              </a:rPr>
-              <a:t> </a:t>
-            </a:r>
-            <a:r>
-              <a:rPr lang="ro-RO" sz="2600" dirty="0" err="1">
-                <a:latin typeface="Avenir Medium"/>
-                <a:cs typeface="Avenir Medium"/>
-              </a:rPr>
-              <a:t>foreign</a:t>
-            </a:r>
-            <a:r>
-              <a:rPr lang="ro-RO" sz="2600" dirty="0">
-                <a:latin typeface="Avenir Medium"/>
-                <a:cs typeface="Avenir Medium"/>
-              </a:rPr>
-              <a:t> </a:t>
-            </a:r>
-            <a:r>
-              <a:rPr lang="ro-RO" sz="2600" dirty="0" err="1">
-                <a:latin typeface="Avenir Medium"/>
-                <a:cs typeface="Avenir Medium"/>
-              </a:rPr>
-              <a:t>keys</a:t>
-            </a:r>
-            <a:r>
-              <a:rPr lang="ro-RO" sz="2600" dirty="0">
-                <a:latin typeface="Avenir Medium"/>
-                <a:cs typeface="Avenir Medium"/>
-              </a:rPr>
-              <a:t> </a:t>
-            </a:r>
-            <a:r>
-              <a:rPr lang="ro-RO" sz="2600" dirty="0" err="1">
-                <a:latin typeface="Avenir Medium"/>
-                <a:cs typeface="Avenir Medium"/>
-              </a:rPr>
-              <a:t>values</a:t>
-            </a:r>
-            <a:r>
-              <a:rPr lang="ro-RO" sz="2600" dirty="0">
-                <a:latin typeface="Avenir Medium"/>
-                <a:cs typeface="Avenir Medium"/>
-              </a:rPr>
-              <a:t> of </a:t>
-            </a:r>
-            <a:r>
-              <a:rPr lang="ro-RO" sz="2600" dirty="0" err="1">
-                <a:latin typeface="Avenir Medium"/>
-                <a:cs typeface="Avenir Medium"/>
-              </a:rPr>
-              <a:t>the</a:t>
-            </a:r>
-            <a:r>
-              <a:rPr lang="ro-RO" sz="2600" dirty="0">
-                <a:latin typeface="Avenir Medium"/>
-                <a:cs typeface="Avenir Medium"/>
-              </a:rPr>
-              <a:t> </a:t>
-            </a:r>
-            <a:r>
-              <a:rPr lang="ro-RO" sz="2600" dirty="0" err="1">
-                <a:latin typeface="Avenir Medium"/>
-                <a:cs typeface="Avenir Medium"/>
-              </a:rPr>
-              <a:t>surrogate</a:t>
-            </a:r>
-            <a:r>
-              <a:rPr lang="ro-RO" sz="2600" dirty="0">
-                <a:latin typeface="Avenir Medium"/>
-                <a:cs typeface="Avenir Medium"/>
-              </a:rPr>
-              <a:t> </a:t>
-            </a:r>
-            <a:r>
-              <a:rPr lang="ro-RO" sz="2600" dirty="0" err="1">
-                <a:latin typeface="Avenir Medium"/>
-                <a:cs typeface="Avenir Medium"/>
-              </a:rPr>
-              <a:t>keys</a:t>
-            </a:r>
-            <a:r>
-              <a:rPr lang="ro-RO" sz="2600" dirty="0">
-                <a:latin typeface="Avenir Medium"/>
-                <a:cs typeface="Avenir Medium"/>
-              </a:rPr>
-              <a:t> </a:t>
-            </a:r>
-            <a:r>
-              <a:rPr lang="ro-RO" sz="2600" dirty="0" err="1">
-                <a:latin typeface="Avenir Medium"/>
-                <a:cs typeface="Avenir Medium"/>
-              </a:rPr>
-              <a:t>when</a:t>
-            </a:r>
-            <a:r>
-              <a:rPr lang="ro-RO" sz="2600" dirty="0">
-                <a:latin typeface="Avenir Medium"/>
-                <a:cs typeface="Avenir Medium"/>
-              </a:rPr>
-              <a:t> </a:t>
-            </a:r>
-            <a:r>
-              <a:rPr lang="ro-RO" sz="2600" dirty="0" err="1">
-                <a:latin typeface="Avenir Medium"/>
-                <a:cs typeface="Avenir Medium"/>
-              </a:rPr>
-              <a:t>inserting</a:t>
-            </a:r>
-            <a:r>
-              <a:rPr lang="ro-RO" sz="2600" dirty="0">
-                <a:latin typeface="Avenir Medium"/>
-                <a:cs typeface="Avenir Medium"/>
-              </a:rPr>
-              <a:t> </a:t>
-            </a:r>
-            <a:r>
-              <a:rPr lang="ro-RO" sz="2600" dirty="0" err="1">
-                <a:latin typeface="Avenir Medium"/>
-                <a:cs typeface="Avenir Medium"/>
-              </a:rPr>
-              <a:t>records</a:t>
-            </a:r>
-            <a:r>
-              <a:rPr lang="ro-RO" sz="2600" dirty="0">
-                <a:latin typeface="Avenir Medium"/>
-                <a:cs typeface="Avenir Medium"/>
-              </a:rPr>
-              <a:t> in </a:t>
-            </a:r>
-            <a:r>
-              <a:rPr lang="ro-RO" sz="2600" dirty="0" err="1">
-                <a:latin typeface="Avenir Medium"/>
-                <a:cs typeface="Avenir Medium"/>
-              </a:rPr>
-              <a:t>child</a:t>
-            </a:r>
-            <a:r>
-              <a:rPr lang="ro-RO" sz="2600" dirty="0">
-                <a:latin typeface="Avenir Medium"/>
-                <a:cs typeface="Avenir Medium"/>
-              </a:rPr>
-              <a:t> </a:t>
-            </a:r>
-            <a:r>
-              <a:rPr lang="ro-RO" sz="2600" dirty="0" err="1">
-                <a:latin typeface="Avenir Medium"/>
-                <a:cs typeface="Avenir Medium"/>
-              </a:rPr>
-              <a:t>tables</a:t>
-            </a:r>
-            <a:endParaRPr lang="ro-RO" sz="2600" dirty="0">
-              <a:latin typeface="Avenir Medium"/>
-              <a:cs typeface="Avenir Medium"/>
-            </a:endParaRPr>
-          </a:p>
-          <a:p>
-            <a:endParaRPr lang="ro-RO" sz="3000" dirty="0">
-              <a:latin typeface="Avenir Medium"/>
-              <a:cs typeface="Avenir Medium"/>
-            </a:endParaRPr>
-          </a:p>
-          <a:p>
-            <a:pPr marL="82296" indent="0">
-              <a:buNone/>
-            </a:pPr>
-            <a:endParaRPr lang="ro-RO" sz="3000" dirty="0">
-              <a:latin typeface="Avenir Medium"/>
-              <a:cs typeface="Avenir Medium"/>
-            </a:endParaRPr>
-          </a:p>
-          <a:p>
-            <a:endParaRPr lang="ro-RO" sz="3000" dirty="0">
-              <a:latin typeface="Avenir Medium"/>
-              <a:cs typeface="Avenir Medium"/>
-            </a:endParaRPr>
-          </a:p>
-          <a:p>
-            <a:endParaRPr lang="ro-RO" sz="3000" dirty="0">
-              <a:latin typeface="Avenir Medium"/>
-              <a:cs typeface="Avenir Medium"/>
-            </a:endParaRPr>
-          </a:p>
-          <a:p>
-            <a:endParaRPr lang="ro-RO" sz="3000" dirty="0">
-              <a:latin typeface="Avenir Medium"/>
-              <a:cs typeface="Avenir Medium"/>
-            </a:endParaRPr>
-          </a:p>
-        </p:txBody>
-      </p:sp>
-    </p:spTree>
-    <p:extLst>
-      <p:ext uri="{BB962C8B-B14F-4D97-AF65-F5344CB8AC3E}">
-        <p14:creationId xmlns:p14="http://schemas.microsoft.com/office/powerpoint/2010/main" val="300327083"/>
       </p:ext>
     </p:extLst>
   </p:cSld>
@@ -9228,6 +8761,827 @@
 </file>
 
 <file path=ppt/slides/slide20.xml><?xml version="1.0" encoding="utf-8"?>
+<p:sld xmlns:a="http://schemas.openxmlformats.org/drawingml/2006/main" xmlns:r="http://schemas.openxmlformats.org/officeDocument/2006/relationships" xmlns:p="http://schemas.openxmlformats.org/presentationml/2006/main">
+  <p:cSld>
+    <p:spTree>
+      <p:nvGrpSpPr>
+        <p:cNvPr id="1" name=""/>
+        <p:cNvGrpSpPr/>
+        <p:nvPr/>
+      </p:nvGrpSpPr>
+      <p:grpSpPr>
+        <a:xfrm>
+          <a:off x="0" y="0"/>
+          <a:ext cx="0" cy="0"/>
+          <a:chOff x="0" y="0"/>
+          <a:chExt cx="0" cy="0"/>
+        </a:xfrm>
+      </p:grpSpPr>
+      <p:sp>
+        <p:nvSpPr>
+          <p:cNvPr id="2" name="Title 1"/>
+          <p:cNvSpPr>
+            <a:spLocks noGrp="1"/>
+          </p:cNvSpPr>
+          <p:nvPr>
+            <p:ph type="title"/>
+          </p:nvPr>
+        </p:nvSpPr>
+        <p:spPr>
+          <a:xfrm>
+            <a:off x="0" y="76200"/>
+            <a:ext cx="9144000" cy="1143000"/>
+          </a:xfrm>
+        </p:spPr>
+        <p:txBody>
+          <a:bodyPr anchor="ctr">
+            <a:normAutofit/>
+          </a:bodyPr>
+          <a:lstStyle/>
+          <a:p>
+            <a:pPr algn="ctr"/>
+            <a:r>
+              <a:rPr lang="ro-RO" sz="3000" dirty="0">
+                <a:latin typeface="American Typewriter"/>
+                <a:ea typeface="Arial Unicode MS" panose="020B0604020202020204" pitchFamily="34" charset="-128"/>
+                <a:cs typeface="American Typewriter"/>
+              </a:rPr>
+              <a:t>Script </a:t>
+            </a:r>
+            <a:br>
+              <a:rPr lang="ro-RO" sz="3000" dirty="0">
+                <a:latin typeface="American Typewriter"/>
+                <a:ea typeface="Arial Unicode MS" panose="020B0604020202020204" pitchFamily="34" charset="-128"/>
+                <a:cs typeface="American Typewriter"/>
+              </a:rPr>
+            </a:br>
+            <a:r>
+              <a:rPr lang="ro-RO" sz="3000" b="1" dirty="0">
+                <a:latin typeface="American Typewriter"/>
+                <a:ea typeface="Arial Unicode MS" panose="020B0604020202020204" pitchFamily="34" charset="-128"/>
+                <a:cs typeface="American Typewriter"/>
+              </a:rPr>
+              <a:t>06-01b_en_data_cleaning__surrogate_keys.sql</a:t>
+            </a:r>
+            <a:endParaRPr lang="en-US" sz="3000" dirty="0">
+              <a:latin typeface="American Typewriter"/>
+              <a:ea typeface="Arial Unicode MS" panose="020B0604020202020204" pitchFamily="34" charset="-128"/>
+              <a:cs typeface="American Typewriter"/>
+            </a:endParaRPr>
+          </a:p>
+        </p:txBody>
+      </p:sp>
+      <p:sp>
+        <p:nvSpPr>
+          <p:cNvPr id="3" name="Content Placeholder 2"/>
+          <p:cNvSpPr>
+            <a:spLocks noGrp="1"/>
+          </p:cNvSpPr>
+          <p:nvPr>
+            <p:ph idx="1"/>
+          </p:nvPr>
+        </p:nvSpPr>
+        <p:spPr>
+          <a:xfrm>
+            <a:off x="609600" y="1295400"/>
+            <a:ext cx="8534400" cy="5486400"/>
+          </a:xfrm>
+        </p:spPr>
+        <p:txBody>
+          <a:bodyPr>
+            <a:normAutofit/>
+          </a:bodyPr>
+          <a:lstStyle/>
+          <a:p>
+            <a:r>
+              <a:rPr lang="ro-RO" sz="3000" dirty="0">
+                <a:latin typeface="Avenir Medium"/>
+                <a:cs typeface="Avenir Medium"/>
+              </a:rPr>
+              <a:t>Simple </a:t>
+            </a:r>
+            <a:r>
+              <a:rPr lang="ro-RO" sz="3000" dirty="0" err="1">
+                <a:latin typeface="Avenir Medium"/>
+                <a:cs typeface="Avenir Medium"/>
+              </a:rPr>
+              <a:t>triggers</a:t>
+            </a:r>
+            <a:endParaRPr lang="ro-RO" sz="3000" dirty="0">
+              <a:latin typeface="Avenir Medium"/>
+              <a:cs typeface="Avenir Medium"/>
+            </a:endParaRPr>
+          </a:p>
+          <a:p>
+            <a:pPr lvl="1"/>
+            <a:r>
+              <a:rPr lang="ro-RO" sz="2600" dirty="0" err="1">
+                <a:latin typeface="Avenir Medium"/>
+                <a:cs typeface="Avenir Medium"/>
+              </a:rPr>
+              <a:t>before</a:t>
+            </a:r>
+            <a:r>
+              <a:rPr lang="ro-RO" sz="2600" dirty="0">
+                <a:latin typeface="Avenir Medium"/>
+                <a:cs typeface="Avenir Medium"/>
+              </a:rPr>
+              <a:t>/</a:t>
+            </a:r>
+            <a:r>
+              <a:rPr lang="ro-RO" sz="2600" dirty="0" err="1">
+                <a:latin typeface="Avenir Medium"/>
+                <a:cs typeface="Avenir Medium"/>
+              </a:rPr>
+              <a:t>after</a:t>
+            </a:r>
+            <a:r>
+              <a:rPr lang="ro-RO" sz="2600" dirty="0">
+                <a:latin typeface="Avenir Medium"/>
+                <a:cs typeface="Avenir Medium"/>
+              </a:rPr>
+              <a:t> </a:t>
+            </a:r>
+            <a:r>
+              <a:rPr lang="ro-RO" sz="2600" dirty="0" err="1">
+                <a:latin typeface="Avenir Medium"/>
+                <a:cs typeface="Avenir Medium"/>
+              </a:rPr>
+              <a:t>row</a:t>
+            </a:r>
+            <a:r>
+              <a:rPr lang="ro-RO" sz="2600" dirty="0">
+                <a:latin typeface="Avenir Medium"/>
+                <a:cs typeface="Avenir Medium"/>
+              </a:rPr>
+              <a:t> </a:t>
+            </a:r>
+            <a:r>
+              <a:rPr lang="ro-RO" sz="2600" dirty="0" err="1">
+                <a:latin typeface="Avenir Medium"/>
+                <a:cs typeface="Avenir Medium"/>
+              </a:rPr>
+              <a:t>level</a:t>
+            </a:r>
+            <a:r>
+              <a:rPr lang="ro-RO" sz="2600" dirty="0">
+                <a:latin typeface="Avenir Medium"/>
+                <a:cs typeface="Avenir Medium"/>
+              </a:rPr>
+              <a:t> </a:t>
+            </a:r>
+          </a:p>
+          <a:p>
+            <a:pPr lvl="1"/>
+            <a:r>
+              <a:rPr lang="ro-RO" sz="2600" dirty="0" err="1">
+                <a:latin typeface="Avenir Medium"/>
+                <a:cs typeface="Avenir Medium"/>
+              </a:rPr>
+              <a:t>before</a:t>
+            </a:r>
+            <a:r>
+              <a:rPr lang="ro-RO" sz="2600" dirty="0">
+                <a:latin typeface="Avenir Medium"/>
+                <a:cs typeface="Avenir Medium"/>
+              </a:rPr>
+              <a:t>/</a:t>
+            </a:r>
+            <a:r>
+              <a:rPr lang="ro-RO" sz="2600" dirty="0" err="1">
+                <a:latin typeface="Avenir Medium"/>
+                <a:cs typeface="Avenir Medium"/>
+              </a:rPr>
+              <a:t>after</a:t>
+            </a:r>
+            <a:r>
+              <a:rPr lang="ro-RO" sz="2600" dirty="0">
+                <a:latin typeface="Avenir Medium"/>
+                <a:cs typeface="Avenir Medium"/>
+              </a:rPr>
+              <a:t> </a:t>
+            </a:r>
+            <a:r>
+              <a:rPr lang="ro-RO" sz="2600" dirty="0" err="1">
+                <a:latin typeface="Avenir Medium"/>
+                <a:cs typeface="Avenir Medium"/>
+              </a:rPr>
+              <a:t>statement</a:t>
+            </a:r>
+            <a:r>
+              <a:rPr lang="ro-RO" sz="2600" dirty="0">
+                <a:latin typeface="Avenir Medium"/>
+                <a:cs typeface="Avenir Medium"/>
+              </a:rPr>
+              <a:t> </a:t>
+            </a:r>
+            <a:r>
+              <a:rPr lang="ro-RO" sz="2600" dirty="0" err="1">
+                <a:latin typeface="Avenir Medium"/>
+                <a:cs typeface="Avenir Medium"/>
+              </a:rPr>
+              <a:t>level</a:t>
+            </a:r>
+            <a:endParaRPr lang="ro-RO" sz="2600" dirty="0">
+              <a:latin typeface="Avenir Medium"/>
+              <a:cs typeface="Avenir Medium"/>
+            </a:endParaRPr>
+          </a:p>
+          <a:p>
+            <a:r>
+              <a:rPr lang="ro-RO" sz="3000" dirty="0" err="1">
+                <a:latin typeface="Avenir Medium"/>
+                <a:cs typeface="Avenir Medium"/>
+              </a:rPr>
+              <a:t>Triggers</a:t>
+            </a:r>
+            <a:r>
+              <a:rPr lang="ro-RO" sz="3000" dirty="0">
+                <a:latin typeface="Avenir Medium"/>
+                <a:cs typeface="Avenir Medium"/>
+              </a:rPr>
+              <a:t> for data </a:t>
+            </a:r>
+            <a:r>
+              <a:rPr lang="ro-RO" sz="3000" dirty="0" err="1">
+                <a:latin typeface="Avenir Medium"/>
+                <a:cs typeface="Avenir Medium"/>
+              </a:rPr>
+              <a:t>cleaning</a:t>
+            </a:r>
+            <a:endParaRPr lang="ro-RO" sz="3000" dirty="0">
+              <a:latin typeface="Avenir Medium"/>
+              <a:cs typeface="Avenir Medium"/>
+            </a:endParaRPr>
+          </a:p>
+          <a:p>
+            <a:r>
+              <a:rPr lang="ro-RO" sz="3000" dirty="0" err="1">
+                <a:latin typeface="Avenir Medium"/>
+                <a:cs typeface="Avenir Medium"/>
+              </a:rPr>
+              <a:t>Triggers</a:t>
+            </a:r>
+            <a:r>
+              <a:rPr lang="ro-RO" sz="3000" dirty="0">
+                <a:latin typeface="Avenir Medium"/>
+                <a:cs typeface="Avenir Medium"/>
+              </a:rPr>
+              <a:t> </a:t>
+            </a:r>
+            <a:r>
+              <a:rPr lang="ro-RO" sz="3000" dirty="0" err="1">
+                <a:latin typeface="Avenir Medium"/>
+                <a:cs typeface="Avenir Medium"/>
+              </a:rPr>
+              <a:t>and</a:t>
+            </a:r>
+            <a:r>
+              <a:rPr lang="ro-RO" sz="3000" dirty="0">
+                <a:latin typeface="Avenir Medium"/>
+                <a:cs typeface="Avenir Medium"/>
+              </a:rPr>
+              <a:t> </a:t>
+            </a:r>
+            <a:r>
+              <a:rPr lang="ro-RO" sz="3000" dirty="0" err="1">
+                <a:latin typeface="Avenir Medium"/>
+                <a:cs typeface="Avenir Medium"/>
+              </a:rPr>
+              <a:t>surrogate</a:t>
+            </a:r>
+            <a:r>
+              <a:rPr lang="ro-RO" sz="3000" dirty="0">
+                <a:latin typeface="Avenir Medium"/>
+                <a:cs typeface="Avenir Medium"/>
+              </a:rPr>
+              <a:t> </a:t>
+            </a:r>
+            <a:r>
+              <a:rPr lang="ro-RO" sz="3000" dirty="0" err="1">
+                <a:latin typeface="Avenir Medium"/>
+                <a:cs typeface="Avenir Medium"/>
+              </a:rPr>
+              <a:t>keys</a:t>
+            </a:r>
+            <a:endParaRPr lang="ro-RO" sz="3000" dirty="0">
+              <a:latin typeface="Avenir Medium"/>
+              <a:cs typeface="Avenir Medium"/>
+            </a:endParaRPr>
+          </a:p>
+          <a:p>
+            <a:r>
+              <a:rPr lang="ro-RO" sz="3000" dirty="0" err="1">
+                <a:latin typeface="Avenir Medium"/>
+                <a:cs typeface="Avenir Medium"/>
+              </a:rPr>
+              <a:t>Problems</a:t>
+            </a:r>
+            <a:r>
+              <a:rPr lang="ro-RO" sz="3000" dirty="0">
+                <a:latin typeface="Avenir Medium"/>
+                <a:cs typeface="Avenir Medium"/>
+              </a:rPr>
+              <a:t> (</a:t>
+            </a:r>
+            <a:r>
+              <a:rPr lang="ro-RO" sz="3000" dirty="0" err="1">
+                <a:latin typeface="Avenir Medium"/>
+                <a:cs typeface="Avenir Medium"/>
+              </a:rPr>
+              <a:t>and</a:t>
+            </a:r>
+            <a:r>
+              <a:rPr lang="ro-RO" sz="3000" dirty="0">
+                <a:latin typeface="Avenir Medium"/>
+                <a:cs typeface="Avenir Medium"/>
+              </a:rPr>
+              <a:t> </a:t>
+            </a:r>
+            <a:r>
+              <a:rPr lang="ro-RO" sz="3000" dirty="0" err="1">
+                <a:latin typeface="Avenir Medium"/>
+                <a:cs typeface="Avenir Medium"/>
+              </a:rPr>
+              <a:t>solutions</a:t>
+            </a:r>
+            <a:r>
+              <a:rPr lang="ro-RO" sz="3000" dirty="0">
+                <a:latin typeface="Avenir Medium"/>
+                <a:cs typeface="Avenir Medium"/>
+              </a:rPr>
+              <a:t>) </a:t>
+            </a:r>
+            <a:r>
+              <a:rPr lang="ro-RO" sz="3000" dirty="0" err="1">
+                <a:latin typeface="Avenir Medium"/>
+                <a:cs typeface="Avenir Medium"/>
+              </a:rPr>
+              <a:t>when</a:t>
+            </a:r>
+            <a:r>
+              <a:rPr lang="ro-RO" sz="3000" dirty="0">
+                <a:latin typeface="Avenir Medium"/>
+                <a:cs typeface="Avenir Medium"/>
+              </a:rPr>
+              <a:t> </a:t>
+            </a:r>
+            <a:r>
+              <a:rPr lang="ro-RO" sz="3000" dirty="0" err="1">
+                <a:latin typeface="Avenir Medium"/>
+                <a:cs typeface="Avenir Medium"/>
+              </a:rPr>
+              <a:t>dealing</a:t>
+            </a:r>
+            <a:r>
+              <a:rPr lang="ro-RO" sz="3000" dirty="0">
+                <a:latin typeface="Avenir Medium"/>
+                <a:cs typeface="Avenir Medium"/>
+              </a:rPr>
+              <a:t> </a:t>
+            </a:r>
+            <a:r>
+              <a:rPr lang="ro-RO" sz="3000" dirty="0" err="1">
+                <a:latin typeface="Avenir Medium"/>
+                <a:cs typeface="Avenir Medium"/>
+              </a:rPr>
+              <a:t>with</a:t>
+            </a:r>
+            <a:r>
+              <a:rPr lang="ro-RO" sz="3000" dirty="0">
+                <a:latin typeface="Avenir Medium"/>
+                <a:cs typeface="Avenir Medium"/>
+              </a:rPr>
+              <a:t> </a:t>
+            </a:r>
+            <a:r>
+              <a:rPr lang="ro-RO" sz="3000" dirty="0" err="1">
+                <a:latin typeface="Avenir Medium"/>
+                <a:cs typeface="Avenir Medium"/>
+              </a:rPr>
+              <a:t>surrogate</a:t>
+            </a:r>
+            <a:r>
+              <a:rPr lang="ro-RO" sz="3000" dirty="0">
+                <a:latin typeface="Avenir Medium"/>
+                <a:cs typeface="Avenir Medium"/>
+              </a:rPr>
+              <a:t> </a:t>
+            </a:r>
+            <a:r>
+              <a:rPr lang="ro-RO" sz="3000" dirty="0" err="1">
+                <a:latin typeface="Avenir Medium"/>
+                <a:cs typeface="Avenir Medium"/>
+              </a:rPr>
+              <a:t>keys</a:t>
+            </a:r>
+            <a:endParaRPr lang="ro-RO" sz="3000" dirty="0">
+              <a:latin typeface="Avenir Medium"/>
+              <a:cs typeface="Avenir Medium"/>
+            </a:endParaRPr>
+          </a:p>
+          <a:p>
+            <a:pPr lvl="1"/>
+            <a:r>
+              <a:rPr lang="ro-RO" sz="2600" dirty="0" err="1">
+                <a:latin typeface="Avenir Medium"/>
+                <a:cs typeface="Avenir Medium"/>
+              </a:rPr>
+              <a:t>updates</a:t>
+            </a:r>
+            <a:r>
+              <a:rPr lang="ro-RO" sz="2600" dirty="0">
+                <a:latin typeface="Avenir Medium"/>
+                <a:cs typeface="Avenir Medium"/>
+              </a:rPr>
+              <a:t> </a:t>
+            </a:r>
+            <a:r>
+              <a:rPr lang="ro-RO" sz="2600" dirty="0" err="1">
+                <a:latin typeface="Avenir Medium"/>
+                <a:cs typeface="Avenir Medium"/>
+              </a:rPr>
+              <a:t>that</a:t>
+            </a:r>
+            <a:r>
+              <a:rPr lang="ro-RO" sz="2600" dirty="0">
+                <a:latin typeface="Avenir Medium"/>
+                <a:cs typeface="Avenir Medium"/>
+              </a:rPr>
+              <a:t> set </a:t>
+            </a:r>
+            <a:r>
+              <a:rPr lang="ro-RO" sz="2600" dirty="0" err="1">
+                <a:latin typeface="Avenir Medium"/>
+                <a:cs typeface="Avenir Medium"/>
+              </a:rPr>
+              <a:t>the</a:t>
+            </a:r>
+            <a:r>
+              <a:rPr lang="ro-RO" sz="2600" dirty="0">
+                <a:latin typeface="Avenir Medium"/>
+                <a:cs typeface="Avenir Medium"/>
+              </a:rPr>
+              <a:t> </a:t>
+            </a:r>
+            <a:r>
+              <a:rPr lang="ro-RO" sz="2600" dirty="0" err="1">
+                <a:latin typeface="Avenir Medium"/>
+                <a:cs typeface="Avenir Medium"/>
+              </a:rPr>
+              <a:t>surrogate</a:t>
+            </a:r>
+            <a:r>
+              <a:rPr lang="ro-RO" sz="2600" dirty="0">
+                <a:latin typeface="Avenir Medium"/>
+                <a:cs typeface="Avenir Medium"/>
+              </a:rPr>
+              <a:t> </a:t>
+            </a:r>
+            <a:r>
+              <a:rPr lang="ro-RO" sz="2600" dirty="0" err="1">
+                <a:latin typeface="Avenir Medium"/>
+                <a:cs typeface="Avenir Medium"/>
+              </a:rPr>
+              <a:t>key</a:t>
+            </a:r>
+            <a:r>
+              <a:rPr lang="ro-RO" sz="2600" dirty="0">
+                <a:latin typeface="Avenir Medium"/>
+                <a:cs typeface="Avenir Medium"/>
+              </a:rPr>
+              <a:t> </a:t>
+            </a:r>
+            <a:r>
+              <a:rPr lang="ro-RO" sz="2600" dirty="0" err="1">
+                <a:latin typeface="Avenir Medium"/>
+                <a:cs typeface="Avenir Medium"/>
+              </a:rPr>
+              <a:t>value</a:t>
+            </a:r>
+            <a:r>
+              <a:rPr lang="ro-RO" sz="2600" dirty="0">
+                <a:latin typeface="Avenir Medium"/>
+                <a:cs typeface="Avenir Medium"/>
+              </a:rPr>
+              <a:t> </a:t>
+            </a:r>
+            <a:r>
+              <a:rPr lang="ro-RO" sz="2600" dirty="0" err="1">
+                <a:latin typeface="Avenir Medium"/>
+                <a:cs typeface="Avenir Medium"/>
+              </a:rPr>
+              <a:t>above</a:t>
+            </a:r>
+            <a:r>
+              <a:rPr lang="ro-RO" sz="2600" dirty="0">
+                <a:latin typeface="Avenir Medium"/>
+                <a:cs typeface="Avenir Medium"/>
+              </a:rPr>
+              <a:t> </a:t>
+            </a:r>
+            <a:r>
+              <a:rPr lang="ro-RO" sz="2600" dirty="0" err="1">
+                <a:latin typeface="Avenir Medium"/>
+                <a:cs typeface="Avenir Medium"/>
+              </a:rPr>
+              <a:t>the</a:t>
+            </a:r>
+            <a:r>
+              <a:rPr lang="ro-RO" sz="2600" dirty="0">
+                <a:latin typeface="Avenir Medium"/>
+                <a:cs typeface="Avenir Medium"/>
+              </a:rPr>
+              <a:t> </a:t>
+            </a:r>
+            <a:r>
+              <a:rPr lang="ro-RO" sz="2600" dirty="0" err="1">
+                <a:latin typeface="Avenir Medium"/>
+                <a:cs typeface="Avenir Medium"/>
+              </a:rPr>
+              <a:t>current</a:t>
+            </a:r>
+            <a:r>
+              <a:rPr lang="ro-RO" sz="2600" dirty="0">
+                <a:latin typeface="Avenir Medium"/>
+                <a:cs typeface="Avenir Medium"/>
+              </a:rPr>
+              <a:t> </a:t>
+            </a:r>
+            <a:r>
+              <a:rPr lang="ro-RO" sz="2600" dirty="0" err="1">
+                <a:latin typeface="Avenir Medium"/>
+                <a:cs typeface="Avenir Medium"/>
+              </a:rPr>
+              <a:t>value</a:t>
+            </a:r>
+            <a:r>
+              <a:rPr lang="ro-RO" sz="2600" dirty="0">
+                <a:latin typeface="Avenir Medium"/>
+                <a:cs typeface="Avenir Medium"/>
+              </a:rPr>
+              <a:t> of </a:t>
+            </a:r>
+            <a:r>
+              <a:rPr lang="ro-RO" sz="2600" dirty="0" err="1">
+                <a:latin typeface="Avenir Medium"/>
+                <a:cs typeface="Avenir Medium"/>
+              </a:rPr>
+              <a:t>the</a:t>
+            </a:r>
+            <a:r>
+              <a:rPr lang="ro-RO" sz="2600" dirty="0">
+                <a:latin typeface="Avenir Medium"/>
+                <a:cs typeface="Avenir Medium"/>
+              </a:rPr>
+              <a:t> </a:t>
+            </a:r>
+            <a:r>
+              <a:rPr lang="ro-RO" sz="2600" dirty="0" err="1">
+                <a:latin typeface="Avenir Medium"/>
+                <a:cs typeface="Avenir Medium"/>
+              </a:rPr>
+              <a:t>corresponding</a:t>
+            </a:r>
+            <a:r>
+              <a:rPr lang="ro-RO" sz="2600" dirty="0">
+                <a:latin typeface="Avenir Medium"/>
+                <a:cs typeface="Avenir Medium"/>
+              </a:rPr>
+              <a:t> </a:t>
+            </a:r>
+            <a:r>
+              <a:rPr lang="ro-RO" sz="2600" dirty="0" err="1">
+                <a:latin typeface="Avenir Medium"/>
+                <a:cs typeface="Avenir Medium"/>
+              </a:rPr>
+              <a:t>sequence</a:t>
+            </a:r>
+            <a:endParaRPr lang="ro-RO" sz="2600" dirty="0">
+              <a:latin typeface="Avenir Medium"/>
+              <a:cs typeface="Avenir Medium"/>
+            </a:endParaRPr>
+          </a:p>
+          <a:p>
+            <a:pPr lvl="1"/>
+            <a:r>
+              <a:rPr lang="ro-RO" sz="2600" dirty="0" err="1">
+                <a:latin typeface="Avenir Medium"/>
+                <a:cs typeface="Avenir Medium"/>
+              </a:rPr>
+              <a:t>managing</a:t>
+            </a:r>
+            <a:r>
+              <a:rPr lang="ro-RO" sz="2600" dirty="0">
+                <a:latin typeface="Avenir Medium"/>
+                <a:cs typeface="Avenir Medium"/>
+              </a:rPr>
+              <a:t> </a:t>
+            </a:r>
+            <a:r>
+              <a:rPr lang="ro-RO" sz="2600" dirty="0" err="1">
+                <a:latin typeface="Avenir Medium"/>
+                <a:cs typeface="Avenir Medium"/>
+              </a:rPr>
+              <a:t>foreign</a:t>
+            </a:r>
+            <a:r>
+              <a:rPr lang="ro-RO" sz="2600" dirty="0">
+                <a:latin typeface="Avenir Medium"/>
+                <a:cs typeface="Avenir Medium"/>
+              </a:rPr>
+              <a:t> </a:t>
+            </a:r>
+            <a:r>
+              <a:rPr lang="ro-RO" sz="2600" dirty="0" err="1">
+                <a:latin typeface="Avenir Medium"/>
+                <a:cs typeface="Avenir Medium"/>
+              </a:rPr>
+              <a:t>keys</a:t>
+            </a:r>
+            <a:r>
+              <a:rPr lang="ro-RO" sz="2600" dirty="0">
+                <a:latin typeface="Avenir Medium"/>
+                <a:cs typeface="Avenir Medium"/>
+              </a:rPr>
+              <a:t> </a:t>
+            </a:r>
+            <a:r>
+              <a:rPr lang="ro-RO" sz="2600" dirty="0" err="1">
+                <a:latin typeface="Avenir Medium"/>
+                <a:cs typeface="Avenir Medium"/>
+              </a:rPr>
+              <a:t>values</a:t>
+            </a:r>
+            <a:r>
+              <a:rPr lang="ro-RO" sz="2600" dirty="0">
+                <a:latin typeface="Avenir Medium"/>
+                <a:cs typeface="Avenir Medium"/>
+              </a:rPr>
+              <a:t> of </a:t>
+            </a:r>
+            <a:r>
+              <a:rPr lang="ro-RO" sz="2600" dirty="0" err="1">
+                <a:latin typeface="Avenir Medium"/>
+                <a:cs typeface="Avenir Medium"/>
+              </a:rPr>
+              <a:t>the</a:t>
+            </a:r>
+            <a:r>
+              <a:rPr lang="ro-RO" sz="2600" dirty="0">
+                <a:latin typeface="Avenir Medium"/>
+                <a:cs typeface="Avenir Medium"/>
+              </a:rPr>
+              <a:t> </a:t>
+            </a:r>
+            <a:r>
+              <a:rPr lang="ro-RO" sz="2600" dirty="0" err="1">
+                <a:latin typeface="Avenir Medium"/>
+                <a:cs typeface="Avenir Medium"/>
+              </a:rPr>
+              <a:t>surrogate</a:t>
+            </a:r>
+            <a:r>
+              <a:rPr lang="ro-RO" sz="2600" dirty="0">
+                <a:latin typeface="Avenir Medium"/>
+                <a:cs typeface="Avenir Medium"/>
+              </a:rPr>
+              <a:t> </a:t>
+            </a:r>
+            <a:r>
+              <a:rPr lang="ro-RO" sz="2600" dirty="0" err="1">
+                <a:latin typeface="Avenir Medium"/>
+                <a:cs typeface="Avenir Medium"/>
+              </a:rPr>
+              <a:t>keys</a:t>
+            </a:r>
+            <a:r>
+              <a:rPr lang="ro-RO" sz="2600" dirty="0">
+                <a:latin typeface="Avenir Medium"/>
+                <a:cs typeface="Avenir Medium"/>
+              </a:rPr>
+              <a:t> </a:t>
+            </a:r>
+            <a:r>
+              <a:rPr lang="ro-RO" sz="2600" dirty="0" err="1">
+                <a:latin typeface="Avenir Medium"/>
+                <a:cs typeface="Avenir Medium"/>
+              </a:rPr>
+              <a:t>when</a:t>
+            </a:r>
+            <a:r>
+              <a:rPr lang="ro-RO" sz="2600" dirty="0">
+                <a:latin typeface="Avenir Medium"/>
+                <a:cs typeface="Avenir Medium"/>
+              </a:rPr>
+              <a:t> </a:t>
+            </a:r>
+            <a:r>
+              <a:rPr lang="ro-RO" sz="2600" dirty="0" err="1">
+                <a:latin typeface="Avenir Medium"/>
+                <a:cs typeface="Avenir Medium"/>
+              </a:rPr>
+              <a:t>inserting</a:t>
+            </a:r>
+            <a:r>
+              <a:rPr lang="ro-RO" sz="2600" dirty="0">
+                <a:latin typeface="Avenir Medium"/>
+                <a:cs typeface="Avenir Medium"/>
+              </a:rPr>
+              <a:t> </a:t>
+            </a:r>
+            <a:r>
+              <a:rPr lang="ro-RO" sz="2600" dirty="0" err="1">
+                <a:latin typeface="Avenir Medium"/>
+                <a:cs typeface="Avenir Medium"/>
+              </a:rPr>
+              <a:t>records</a:t>
+            </a:r>
+            <a:r>
+              <a:rPr lang="ro-RO" sz="2600" dirty="0">
+                <a:latin typeface="Avenir Medium"/>
+                <a:cs typeface="Avenir Medium"/>
+              </a:rPr>
+              <a:t> in </a:t>
+            </a:r>
+            <a:r>
+              <a:rPr lang="ro-RO" sz="2600" dirty="0" err="1">
+                <a:latin typeface="Avenir Medium"/>
+                <a:cs typeface="Avenir Medium"/>
+              </a:rPr>
+              <a:t>child</a:t>
+            </a:r>
+            <a:r>
+              <a:rPr lang="ro-RO" sz="2600" dirty="0">
+                <a:latin typeface="Avenir Medium"/>
+                <a:cs typeface="Avenir Medium"/>
+              </a:rPr>
+              <a:t> </a:t>
+            </a:r>
+            <a:r>
+              <a:rPr lang="ro-RO" sz="2600" dirty="0" err="1">
+                <a:latin typeface="Avenir Medium"/>
+                <a:cs typeface="Avenir Medium"/>
+              </a:rPr>
+              <a:t>tables</a:t>
+            </a:r>
+            <a:endParaRPr lang="ro-RO" sz="2600" dirty="0">
+              <a:latin typeface="Avenir Medium"/>
+              <a:cs typeface="Avenir Medium"/>
+            </a:endParaRPr>
+          </a:p>
+          <a:p>
+            <a:endParaRPr lang="ro-RO" sz="3000" dirty="0">
+              <a:latin typeface="Avenir Medium"/>
+              <a:cs typeface="Avenir Medium"/>
+            </a:endParaRPr>
+          </a:p>
+          <a:p>
+            <a:pPr marL="82296" indent="0">
+              <a:buNone/>
+            </a:pPr>
+            <a:endParaRPr lang="ro-RO" sz="3000" dirty="0">
+              <a:latin typeface="Avenir Medium"/>
+              <a:cs typeface="Avenir Medium"/>
+            </a:endParaRPr>
+          </a:p>
+          <a:p>
+            <a:endParaRPr lang="ro-RO" sz="3000" dirty="0">
+              <a:latin typeface="Avenir Medium"/>
+              <a:cs typeface="Avenir Medium"/>
+            </a:endParaRPr>
+          </a:p>
+          <a:p>
+            <a:endParaRPr lang="ro-RO" sz="3000" dirty="0">
+              <a:latin typeface="Avenir Medium"/>
+              <a:cs typeface="Avenir Medium"/>
+            </a:endParaRPr>
+          </a:p>
+          <a:p>
+            <a:endParaRPr lang="ro-RO" sz="3000" dirty="0">
+              <a:latin typeface="Avenir Medium"/>
+              <a:cs typeface="Avenir Medium"/>
+            </a:endParaRPr>
+          </a:p>
+        </p:txBody>
+      </p:sp>
+    </p:spTree>
+    <p:extLst>
+      <p:ext uri="{BB962C8B-B14F-4D97-AF65-F5344CB8AC3E}">
+        <p14:creationId xmlns:p14="http://schemas.microsoft.com/office/powerpoint/2010/main" val="300327083"/>
+      </p:ext>
+    </p:extLst>
+  </p:cSld>
+  <p:clrMapOvr>
+    <a:masterClrMapping/>
+  </p:clrMapOvr>
+  <p:transition>
+    <p:random/>
+  </p:transition>
+</p:sld>
+</file>
+
+<file path=ppt/slides/slide21.xml><?xml version="1.0" encoding="utf-8"?>
 <p:sld xmlns:a="http://schemas.openxmlformats.org/drawingml/2006/main" xmlns:r="http://schemas.openxmlformats.org/officeDocument/2006/relationships" xmlns:p="http://schemas.openxmlformats.org/presentationml/2006/main">
   <p:cSld>
     <p:spTree>
@@ -10458,7 +10812,7 @@
 </p:sld>
 </file>
 
-<file path=ppt/slides/slide21.xml><?xml version="1.0" encoding="utf-8"?>
+<file path=ppt/slides/slide22.xml><?xml version="1.0" encoding="utf-8"?>
 <p:sld xmlns:a="http://schemas.openxmlformats.org/drawingml/2006/main" xmlns:r="http://schemas.openxmlformats.org/officeDocument/2006/relationships" xmlns:p="http://schemas.openxmlformats.org/presentationml/2006/main">
   <p:cSld>
     <p:spTree>
@@ -11256,7 +11610,7 @@
 </p:sld>
 </file>
 
-<file path=ppt/slides/slide22.xml><?xml version="1.0" encoding="utf-8"?>
+<file path=ppt/slides/slide23.xml><?xml version="1.0" encoding="utf-8"?>
 <p:sld xmlns:a="http://schemas.openxmlformats.org/drawingml/2006/main" xmlns:r="http://schemas.openxmlformats.org/officeDocument/2006/relationships" xmlns:p="http://schemas.openxmlformats.org/presentationml/2006/main">
   <p:cSld>
     <p:spTree>
@@ -12033,8 +12387,8 @@
         </p:nvSpPr>
         <p:spPr>
           <a:xfrm>
-            <a:off x="1188720" y="76200"/>
-            <a:ext cx="7498080" cy="1143000"/>
+            <a:off x="152400" y="76200"/>
+            <a:ext cx="8763000" cy="1143000"/>
           </a:xfrm>
         </p:spPr>
         <p:txBody>
@@ -12045,12 +12399,12 @@
           <a:p>
             <a:pPr algn="ctr"/>
             <a:r>
-              <a:rPr lang="en-US" sz="3600" dirty="0" err="1">
+              <a:rPr lang="ro-RO" sz="3600" dirty="0">
                 <a:latin typeface="American Typewriter"/>
                 <a:ea typeface="Arial Unicode MS" panose="020B0604020202020204" pitchFamily="34" charset="-128"/>
                 <a:cs typeface="American Typewriter"/>
               </a:rPr>
-              <a:t>Agenda</a:t>
+              <a:t>Text (in Romanian)</a:t>
             </a:r>
             <a:endParaRPr lang="en-US" sz="3600" dirty="0">
               <a:latin typeface="American Typewriter"/>
@@ -12072,22 +12426,23 @@
         </p:nvSpPr>
         <p:spPr>
           <a:xfrm>
-            <a:off x="609600" y="1447800"/>
-            <a:ext cx="8458200" cy="5334000"/>
+            <a:off x="685800" y="1219200"/>
+            <a:ext cx="8305800" cy="5638800"/>
           </a:xfrm>
         </p:spPr>
         <p:txBody>
           <a:bodyPr>
-            <a:normAutofit fontScale="92500" lnSpcReduction="10000"/>
+            <a:normAutofit fontScale="92500"/>
           </a:bodyPr>
           <a:lstStyle/>
           <a:p>
             <a:r>
-              <a:rPr lang="en-US" sz="3000" dirty="0">
-                <a:latin typeface="Avenir Medium"/>
-                <a:cs typeface="Avenir Medium"/>
-              </a:rPr>
-              <a:t>Sequences – brief description</a:t>
+              <a:rPr lang="ro-RO" sz="3000" dirty="0">
+                <a:latin typeface="Avenir Medium"/>
+                <a:cs typeface="Avenir Medium"/>
+                <a:hlinkClick r:id="rId2"/>
+              </a:rPr>
+              <a:t>https://github.com/marinfotache/Database-Logic-in-Business-Applications/tree/master/Oracle%209i2.%20Ghidul%20dezvoltarii%20aplicatiilor%202003/Cap11_Declansatoare</a:t>
             </a:r>
             <a:endParaRPr lang="ro-RO" sz="3000" dirty="0">
               <a:latin typeface="Avenir Medium"/>
@@ -12095,208 +12450,73 @@
             </a:endParaRPr>
           </a:p>
           <a:p>
-            <a:r>
-              <a:rPr lang="ro-RO" sz="3000" dirty="0">
-                <a:latin typeface="Avenir Medium"/>
-                <a:cs typeface="Avenir Medium"/>
-              </a:rPr>
-              <a:t>Sequence creation (</a:t>
-            </a:r>
-            <a:r>
-              <a:rPr lang="ro-RO" sz="3000" dirty="0">
-                <a:solidFill>
-                  <a:srgbClr val="0070C0"/>
-                </a:solidFill>
-                <a:latin typeface="Avenir Medium"/>
-                <a:cs typeface="Avenir Medium"/>
-              </a:rPr>
-              <a:t>CREATE SEQUENCE</a:t>
-            </a:r>
-            <a:r>
-              <a:rPr lang="ro-RO" sz="3000" dirty="0">
-                <a:latin typeface="Avenir Medium"/>
-                <a:cs typeface="Avenir Medium"/>
-              </a:rPr>
-              <a:t>), altering (</a:t>
-            </a:r>
-            <a:r>
-              <a:rPr lang="ro-RO" sz="3000" dirty="0">
-                <a:solidFill>
-                  <a:srgbClr val="0070C0"/>
-                </a:solidFill>
-                <a:latin typeface="Avenir Medium"/>
-                <a:cs typeface="Avenir Medium"/>
-              </a:rPr>
-              <a:t>ALTER SEQUENCE</a:t>
-            </a:r>
-            <a:r>
-              <a:rPr lang="ro-RO" sz="3000" dirty="0">
-                <a:latin typeface="Avenir Medium"/>
-                <a:cs typeface="Avenir Medium"/>
-              </a:rPr>
-              <a:t>), calling (</a:t>
-            </a:r>
-            <a:r>
-              <a:rPr lang="ro-RO" sz="3000" dirty="0" err="1">
-                <a:solidFill>
-                  <a:srgbClr val="0070C0"/>
-                </a:solidFill>
-                <a:latin typeface="Avenir Medium"/>
-                <a:cs typeface="Avenir Medium"/>
-              </a:rPr>
-              <a:t>NextVal</a:t>
-            </a:r>
-            <a:r>
-              <a:rPr lang="ro-RO" sz="3000" dirty="0">
-                <a:latin typeface="Avenir Medium"/>
-                <a:cs typeface="Avenir Medium"/>
-              </a:rPr>
-              <a:t>, </a:t>
-            </a:r>
-            <a:r>
-              <a:rPr lang="ro-RO" sz="3000" dirty="0">
-                <a:solidFill>
-                  <a:srgbClr val="0070C0"/>
-                </a:solidFill>
-                <a:latin typeface="Avenir Medium"/>
-                <a:cs typeface="Avenir Medium"/>
-              </a:rPr>
-              <a:t>CurrVal</a:t>
-            </a:r>
-            <a:r>
-              <a:rPr lang="ro-RO" sz="3000" dirty="0">
-                <a:latin typeface="Avenir Medium"/>
-                <a:cs typeface="Avenir Medium"/>
-              </a:rPr>
-              <a:t>)</a:t>
-            </a:r>
-          </a:p>
-          <a:p>
-            <a:r>
-              <a:rPr lang="ro-RO" sz="3000" dirty="0" err="1">
-                <a:latin typeface="Avenir Medium"/>
-                <a:cs typeface="Avenir Medium"/>
-              </a:rPr>
-              <a:t>Triggers</a:t>
-            </a:r>
-            <a:r>
-              <a:rPr lang="ro-RO" sz="3000" dirty="0">
-                <a:latin typeface="Avenir Medium"/>
-                <a:cs typeface="Avenir Medium"/>
-              </a:rPr>
-              <a:t> taxonomy</a:t>
-            </a:r>
-          </a:p>
-          <a:p>
-            <a:pPr lvl="1"/>
-            <a:r>
-              <a:rPr lang="ro-RO" sz="2600" dirty="0">
-                <a:latin typeface="Avenir Medium"/>
-                <a:cs typeface="Avenir Medium"/>
-              </a:rPr>
-              <a:t>DML trigger types</a:t>
-            </a:r>
-          </a:p>
-          <a:p>
-            <a:pPr lvl="1"/>
-            <a:r>
-              <a:rPr lang="ro-RO" sz="2600" dirty="0">
-                <a:latin typeface="Avenir Medium"/>
-                <a:cs typeface="Avenir Medium"/>
-              </a:rPr>
-              <a:t>DDL and system trigger types</a:t>
-            </a:r>
-          </a:p>
-          <a:p>
-            <a:r>
-              <a:rPr lang="ro-RO" sz="3000" dirty="0">
-                <a:latin typeface="Avenir Medium"/>
-                <a:cs typeface="Avenir Medium"/>
-              </a:rPr>
-              <a:t>Main applications of triggers</a:t>
-            </a:r>
-          </a:p>
-          <a:p>
-            <a:r>
-              <a:rPr lang="ro-RO" sz="3000" dirty="0">
-                <a:solidFill>
-                  <a:srgbClr val="0070C0"/>
-                </a:solidFill>
-                <a:latin typeface="Avenir Medium"/>
-                <a:cs typeface="Avenir Medium"/>
-              </a:rPr>
-              <a:t>BEFORE INSERT </a:t>
-            </a:r>
-            <a:r>
-              <a:rPr lang="ro-RO" sz="3000" dirty="0">
-                <a:latin typeface="Avenir Medium"/>
-                <a:cs typeface="Avenir Medium"/>
-              </a:rPr>
-              <a:t>...</a:t>
-            </a:r>
-            <a:r>
-              <a:rPr lang="ro-RO" sz="3000" dirty="0">
-                <a:solidFill>
-                  <a:srgbClr val="0070C0"/>
-                </a:solidFill>
-                <a:latin typeface="Avenir Medium"/>
-                <a:cs typeface="Avenir Medium"/>
-              </a:rPr>
-              <a:t> FOR EACH ROW </a:t>
-            </a:r>
-            <a:r>
-              <a:rPr lang="ro-RO" sz="3000" dirty="0">
-                <a:latin typeface="Avenir Medium"/>
-                <a:cs typeface="Avenir Medium"/>
-              </a:rPr>
-              <a:t>triggers (getting a surrogate key values from a sequence)</a:t>
-            </a:r>
-          </a:p>
-          <a:p>
-            <a:r>
-              <a:rPr lang="ro-RO" sz="3000" dirty="0">
-                <a:latin typeface="Avenir Medium"/>
-                <a:cs typeface="Avenir Medium"/>
-              </a:rPr>
-              <a:t>Triggers for foreign key management (</a:t>
-            </a:r>
-            <a:r>
-              <a:rPr lang="ro-RO" sz="3000" dirty="0">
-                <a:solidFill>
-                  <a:srgbClr val="0070C0"/>
-                </a:solidFill>
-                <a:latin typeface="Avenir Medium"/>
-                <a:cs typeface="Avenir Medium"/>
-              </a:rPr>
-              <a:t>UPDATE</a:t>
-            </a:r>
-            <a:r>
-              <a:rPr lang="ro-RO" sz="3000" dirty="0">
-                <a:latin typeface="Avenir Medium"/>
-                <a:cs typeface="Avenir Medium"/>
-              </a:rPr>
-              <a:t>... </a:t>
-            </a:r>
-            <a:r>
-              <a:rPr lang="ro-RO" sz="3000" dirty="0">
-                <a:solidFill>
-                  <a:srgbClr val="0070C0"/>
-                </a:solidFill>
-                <a:latin typeface="Avenir Medium"/>
-                <a:cs typeface="Avenir Medium"/>
-              </a:rPr>
-              <a:t>CASCADE</a:t>
-            </a:r>
-            <a:r>
-              <a:rPr lang="ro-RO" sz="3000" dirty="0">
-                <a:latin typeface="Avenir Medium"/>
-                <a:cs typeface="Avenir Medium"/>
-              </a:rPr>
-              <a:t>)</a:t>
-            </a:r>
-            <a:endParaRPr lang="en-US" sz="3000" dirty="0">
+            <a:endParaRPr lang="ro-RO" sz="3000" dirty="0">
               <a:latin typeface="Avenir Medium"/>
               <a:cs typeface="Avenir Medium"/>
+            </a:endParaRPr>
+          </a:p>
+          <a:p>
+            <a:r>
+              <a:rPr lang="ro-RO" sz="3000" dirty="0">
+                <a:latin typeface="Avenir Medium"/>
+                <a:cs typeface="Avenir Medium"/>
+                <a:hlinkClick r:id="rId3"/>
+              </a:rPr>
+              <a:t>https://github.com/marinfotache/Baze-de-date-I/blob/master/SQL.%20Dialecte%20DB2-%20Oracle-%20PostgreSQL%20si%20SQL%20Server/SQL2009_Cap17_Declansatoare.pdf</a:t>
+            </a:r>
+            <a:endParaRPr lang="ro-RO" sz="3000" dirty="0">
+              <a:latin typeface="Avenir Medium"/>
+              <a:cs typeface="Avenir Medium"/>
+            </a:endParaRPr>
+          </a:p>
+          <a:p>
+            <a:pPr marL="82296" indent="0">
+              <a:buNone/>
+            </a:pPr>
+            <a:r>
+              <a:rPr lang="ro-RO" sz="3000" dirty="0">
+                <a:latin typeface="Avenir Medium"/>
+                <a:cs typeface="Avenir Medium"/>
+              </a:rPr>
+              <a:t>(</a:t>
+            </a:r>
+            <a:r>
+              <a:rPr lang="ro-RO" sz="3000" dirty="0" err="1">
+                <a:latin typeface="Avenir Medium"/>
+                <a:cs typeface="Avenir Medium"/>
+              </a:rPr>
+              <a:t>sections</a:t>
+            </a:r>
+            <a:r>
+              <a:rPr lang="ro-RO" sz="3000" dirty="0">
+                <a:latin typeface="Avenir Medium"/>
+                <a:cs typeface="Avenir Medium"/>
+              </a:rPr>
+              <a:t> 17.1 </a:t>
+            </a:r>
+            <a:r>
+              <a:rPr lang="ro-RO" sz="3000" dirty="0" err="1">
+                <a:latin typeface="Avenir Medium"/>
+                <a:cs typeface="Avenir Medium"/>
+              </a:rPr>
+              <a:t>and</a:t>
+            </a:r>
+            <a:r>
+              <a:rPr lang="ro-RO" sz="3000" dirty="0">
+                <a:latin typeface="Avenir Medium"/>
+                <a:cs typeface="Avenir Medium"/>
+              </a:rPr>
+              <a:t> 17.3)</a:t>
+            </a:r>
+          </a:p>
+          <a:p>
+            <a:pPr marL="82296" indent="0">
+              <a:buNone/>
+            </a:pPr>
+            <a:endParaRPr lang="ro-RO" sz="3000" dirty="0">
+              <a:latin typeface="Avenir Medium"/>
+              <a:cs typeface="Avenir Medium"/>
+              <a:hlinkClick r:id="rId4"/>
             </a:endParaRPr>
           </a:p>
         </p:txBody>
@@ -12304,7 +12524,7 @@
     </p:spTree>
     <p:extLst>
       <p:ext uri="{BB962C8B-B14F-4D97-AF65-F5344CB8AC3E}">
-        <p14:creationId xmlns:p14="http://schemas.microsoft.com/office/powerpoint/2010/main" val="1638534000"/>
+        <p14:creationId xmlns:p14="http://schemas.microsoft.com/office/powerpoint/2010/main" val="1534134947"/>
       </p:ext>
     </p:extLst>
   </p:cSld>
@@ -12346,8 +12566,8 @@
         </p:nvSpPr>
         <p:spPr>
           <a:xfrm>
-            <a:off x="76200" y="76200"/>
-            <a:ext cx="8915400" cy="1143000"/>
+            <a:off x="1188720" y="76200"/>
+            <a:ext cx="7498080" cy="1143000"/>
           </a:xfrm>
         </p:spPr>
         <p:txBody>
@@ -12358,12 +12578,12 @@
           <a:p>
             <a:pPr algn="ctr"/>
             <a:r>
-              <a:rPr lang="ro-RO" sz="3600" dirty="0">
+              <a:rPr lang="en-US" sz="3600" dirty="0" err="1">
                 <a:latin typeface="American Typewriter"/>
                 <a:ea typeface="Arial Unicode MS" panose="020B0604020202020204" pitchFamily="34" charset="-128"/>
                 <a:cs typeface="American Typewriter"/>
               </a:rPr>
-              <a:t>Sequences</a:t>
+              <a:t>Agenda</a:t>
             </a:r>
             <a:endParaRPr lang="en-US" sz="3600" dirty="0">
               <a:latin typeface="American Typewriter"/>
@@ -12385,8 +12605,8 @@
         </p:nvSpPr>
         <p:spPr>
           <a:xfrm>
-            <a:off x="838200" y="1295400"/>
-            <a:ext cx="8305800" cy="5410200"/>
+            <a:off x="609600" y="1447800"/>
+            <a:ext cx="8458200" cy="5334000"/>
           </a:xfrm>
         </p:spPr>
         <p:txBody>
@@ -12396,79 +12616,228 @@
           <a:lstStyle/>
           <a:p>
             <a:r>
-              <a:rPr lang="ro-RO" sz="3000" dirty="0">
-                <a:latin typeface="Avenir Medium"/>
-                <a:cs typeface="Avenir Medium"/>
-              </a:rPr>
-              <a:t>Database objects that generate unique values based on some basic parameters (start value, end value, increment, order, cache)</a:t>
-            </a:r>
-          </a:p>
-          <a:p>
-            <a:r>
-              <a:rPr lang="ro-RO" sz="3000" dirty="0">
-                <a:latin typeface="Avenir Medium"/>
-                <a:cs typeface="Avenir Medium"/>
-              </a:rPr>
-              <a:t>Public (as the tables are)</a:t>
-            </a:r>
-          </a:p>
-          <a:p>
-            <a:r>
-              <a:rPr lang="ro-RO" sz="3000" dirty="0">
-                <a:latin typeface="Avenir Medium"/>
-                <a:cs typeface="Avenir Medium"/>
-              </a:rPr>
-              <a:t>Generated value cannot be "rollbacked" (not subject of transactions)</a:t>
-            </a:r>
-          </a:p>
-          <a:p>
-            <a:r>
-              <a:rPr lang="ro-RO" sz="3000" dirty="0">
-                <a:latin typeface="Avenir Medium"/>
-                <a:cs typeface="Avenir Medium"/>
-              </a:rPr>
-              <a:t>Ideal for surrogate keys</a:t>
-            </a:r>
-          </a:p>
-          <a:p>
-            <a:r>
-              <a:rPr lang="ro-RO" sz="3000" dirty="0">
-                <a:latin typeface="Avenir Medium"/>
-                <a:cs typeface="Avenir Medium"/>
-              </a:rPr>
-              <a:t>Work best with (insert triggers)</a:t>
-            </a:r>
-          </a:p>
-          <a:p>
-            <a:r>
-              <a:rPr lang="ro-RO" sz="3000" dirty="0">
-                <a:latin typeface="Avenir Medium"/>
-                <a:cs typeface="Avenir Medium"/>
-              </a:rPr>
-              <a:t>Basic example:</a:t>
-            </a:r>
-          </a:p>
-          <a:p>
-            <a:pPr marL="82296" indent="0">
-              <a:buNone/>
-            </a:pPr>
+              <a:rPr lang="en-US" sz="3000" dirty="0">
+                <a:latin typeface="Avenir Medium"/>
+                <a:cs typeface="Avenir Medium"/>
+              </a:rPr>
+              <a:t>Sequences – brief description</a:t>
+            </a:r>
+            <a:endParaRPr lang="ro-RO" sz="3000" dirty="0">
+              <a:latin typeface="Avenir Medium"/>
+              <a:cs typeface="Avenir Medium"/>
+            </a:endParaRPr>
+          </a:p>
+          <a:p>
+            <a:r>
+              <a:rPr lang="ro-RO" sz="3000" dirty="0">
+                <a:latin typeface="Avenir Medium"/>
+                <a:cs typeface="Avenir Medium"/>
+              </a:rPr>
+              <a:t>Sequence creation (</a:t>
+            </a:r>
             <a:r>
               <a:rPr lang="ro-RO" sz="3000" dirty="0">
                 <a:solidFill>
                   <a:srgbClr val="0070C0"/>
                 </a:solidFill>
-                <a:latin typeface="Consolas"/>
-                <a:cs typeface="Consolas"/>
-              </a:rPr>
-              <a:t>CREATE SEQUENCE a_sequence START WITH 1001 MINVALUE 1 MAXVALUE 9999999 INCREMENT BY 1 NOCACHE NOCYCLE</a:t>
-            </a:r>
+                <a:latin typeface="Avenir Medium"/>
+                <a:cs typeface="Avenir Medium"/>
+              </a:rPr>
+              <a:t>CREATE SEQUENCE</a:t>
+            </a:r>
+            <a:r>
+              <a:rPr lang="ro-RO" sz="3000" dirty="0">
+                <a:latin typeface="Avenir Medium"/>
+                <a:cs typeface="Avenir Medium"/>
+              </a:rPr>
+              <a:t>), altering (</a:t>
+            </a:r>
+            <a:r>
+              <a:rPr lang="ro-RO" sz="3000" dirty="0">
+                <a:solidFill>
+                  <a:srgbClr val="0070C0"/>
+                </a:solidFill>
+                <a:latin typeface="Avenir Medium"/>
+                <a:cs typeface="Avenir Medium"/>
+              </a:rPr>
+              <a:t>ALTER SEQUENCE</a:t>
+            </a:r>
+            <a:r>
+              <a:rPr lang="ro-RO" sz="3000" dirty="0">
+                <a:latin typeface="Avenir Medium"/>
+                <a:cs typeface="Avenir Medium"/>
+              </a:rPr>
+              <a:t>), calling (</a:t>
+            </a:r>
+            <a:r>
+              <a:rPr lang="ro-RO" sz="3000" dirty="0" err="1">
+                <a:solidFill>
+                  <a:srgbClr val="0070C0"/>
+                </a:solidFill>
+                <a:latin typeface="Avenir Medium"/>
+                <a:cs typeface="Avenir Medium"/>
+              </a:rPr>
+              <a:t>NextVal</a:t>
+            </a:r>
+            <a:r>
+              <a:rPr lang="ro-RO" sz="3000" dirty="0">
+                <a:latin typeface="Avenir Medium"/>
+                <a:cs typeface="Avenir Medium"/>
+              </a:rPr>
+              <a:t>, </a:t>
+            </a:r>
+            <a:r>
+              <a:rPr lang="ro-RO" sz="3000" dirty="0">
+                <a:solidFill>
+                  <a:srgbClr val="0070C0"/>
+                </a:solidFill>
+                <a:latin typeface="Avenir Medium"/>
+                <a:cs typeface="Avenir Medium"/>
+              </a:rPr>
+              <a:t>CurrVal</a:t>
+            </a:r>
+            <a:r>
+              <a:rPr lang="ro-RO" sz="3000" dirty="0">
+                <a:latin typeface="Avenir Medium"/>
+                <a:cs typeface="Avenir Medium"/>
+              </a:rPr>
+              <a:t>)</a:t>
+            </a:r>
+          </a:p>
+          <a:p>
+            <a:r>
+              <a:rPr lang="ro-RO" sz="3000" dirty="0" err="1">
+                <a:latin typeface="Avenir Medium"/>
+                <a:cs typeface="Avenir Medium"/>
+              </a:rPr>
+              <a:t>Triggers</a:t>
+            </a:r>
+            <a:r>
+              <a:rPr lang="ro-RO" sz="3000" dirty="0">
+                <a:latin typeface="Avenir Medium"/>
+                <a:cs typeface="Avenir Medium"/>
+              </a:rPr>
+              <a:t> taxonomy</a:t>
+            </a:r>
+          </a:p>
+          <a:p>
+            <a:pPr lvl="1"/>
+            <a:r>
+              <a:rPr lang="ro-RO" sz="2600" dirty="0">
+                <a:latin typeface="Avenir Medium"/>
+                <a:cs typeface="Avenir Medium"/>
+              </a:rPr>
+              <a:t>DML trigger types</a:t>
+            </a:r>
+          </a:p>
+          <a:p>
+            <a:pPr lvl="1"/>
+            <a:r>
+              <a:rPr lang="ro-RO" sz="2600" dirty="0">
+                <a:latin typeface="Avenir Medium"/>
+                <a:cs typeface="Avenir Medium"/>
+              </a:rPr>
+              <a:t>DDL and system trigger types</a:t>
+            </a:r>
+          </a:p>
+          <a:p>
+            <a:r>
+              <a:rPr lang="ro-RO" sz="3000" dirty="0">
+                <a:latin typeface="Avenir Medium"/>
+                <a:cs typeface="Avenir Medium"/>
+              </a:rPr>
+              <a:t>Main applications of triggers</a:t>
+            </a:r>
+          </a:p>
+          <a:p>
+            <a:r>
+              <a:rPr lang="ro-RO" sz="3000" dirty="0">
+                <a:solidFill>
+                  <a:srgbClr val="0070C0"/>
+                </a:solidFill>
+                <a:latin typeface="Avenir Medium"/>
+                <a:cs typeface="Avenir Medium"/>
+              </a:rPr>
+              <a:t>BEFORE INSERT </a:t>
+            </a:r>
+            <a:r>
+              <a:rPr lang="ro-RO" sz="3000" dirty="0">
+                <a:latin typeface="Avenir Medium"/>
+                <a:cs typeface="Avenir Medium"/>
+              </a:rPr>
+              <a:t>...</a:t>
+            </a:r>
+            <a:r>
+              <a:rPr lang="ro-RO" sz="3000" dirty="0">
+                <a:solidFill>
+                  <a:srgbClr val="0070C0"/>
+                </a:solidFill>
+                <a:latin typeface="Avenir Medium"/>
+                <a:cs typeface="Avenir Medium"/>
+              </a:rPr>
+              <a:t> FOR EACH ROW </a:t>
+            </a:r>
+            <a:r>
+              <a:rPr lang="ro-RO" sz="3000" dirty="0">
+                <a:latin typeface="Avenir Medium"/>
+                <a:cs typeface="Avenir Medium"/>
+              </a:rPr>
+              <a:t>triggers (getting a surrogate key values from a sequence)</a:t>
+            </a:r>
+          </a:p>
+          <a:p>
+            <a:r>
+              <a:rPr lang="ro-RO" sz="3000" dirty="0">
+                <a:latin typeface="Avenir Medium"/>
+                <a:cs typeface="Avenir Medium"/>
+              </a:rPr>
+              <a:t>Triggers for foreign key management (</a:t>
+            </a:r>
+            <a:r>
+              <a:rPr lang="ro-RO" sz="3000" dirty="0">
+                <a:solidFill>
+                  <a:srgbClr val="0070C0"/>
+                </a:solidFill>
+                <a:latin typeface="Avenir Medium"/>
+                <a:cs typeface="Avenir Medium"/>
+              </a:rPr>
+              <a:t>UPDATE</a:t>
+            </a:r>
+            <a:r>
+              <a:rPr lang="ro-RO" sz="3000" dirty="0">
+                <a:latin typeface="Avenir Medium"/>
+                <a:cs typeface="Avenir Medium"/>
+              </a:rPr>
+              <a:t>... </a:t>
+            </a:r>
+            <a:r>
+              <a:rPr lang="ro-RO" sz="3000" dirty="0">
+                <a:solidFill>
+                  <a:srgbClr val="0070C0"/>
+                </a:solidFill>
+                <a:latin typeface="Avenir Medium"/>
+                <a:cs typeface="Avenir Medium"/>
+              </a:rPr>
+              <a:t>CASCADE</a:t>
+            </a:r>
+            <a:r>
+              <a:rPr lang="ro-RO" sz="3000" dirty="0">
+                <a:latin typeface="Avenir Medium"/>
+                <a:cs typeface="Avenir Medium"/>
+              </a:rPr>
+              <a:t>)</a:t>
+            </a:r>
+            <a:endParaRPr lang="en-US" sz="3000" dirty="0">
+              <a:latin typeface="Avenir Medium"/>
+              <a:cs typeface="Avenir Medium"/>
+            </a:endParaRPr>
           </a:p>
         </p:txBody>
       </p:sp>
     </p:spTree>
     <p:extLst>
       <p:ext uri="{BB962C8B-B14F-4D97-AF65-F5344CB8AC3E}">
-        <p14:creationId xmlns:p14="http://schemas.microsoft.com/office/powerpoint/2010/main" val="1067298074"/>
+        <p14:creationId xmlns:p14="http://schemas.microsoft.com/office/powerpoint/2010/main" val="1638534000"/>
       </p:ext>
     </p:extLst>
   </p:cSld>
@@ -12510,8 +12879,8 @@
         </p:nvSpPr>
         <p:spPr>
           <a:xfrm>
-            <a:off x="1295400" y="-19878"/>
-            <a:ext cx="7498080" cy="1143000"/>
+            <a:off x="76200" y="76200"/>
+            <a:ext cx="8915400" cy="1143000"/>
           </a:xfrm>
         </p:spPr>
         <p:txBody>
@@ -12527,7 +12896,7 @@
                 <a:ea typeface="Arial Unicode MS" panose="020B0604020202020204" pitchFamily="34" charset="-128"/>
                 <a:cs typeface="American Typewriter"/>
               </a:rPr>
-              <a:t>Sequence Main Parameters</a:t>
+              <a:t>Sequences</a:t>
             </a:r>
             <a:endParaRPr lang="en-US" sz="3600" dirty="0">
               <a:latin typeface="American Typewriter"/>
@@ -12549,370 +12918,90 @@
         </p:nvSpPr>
         <p:spPr>
           <a:xfrm>
-            <a:off x="609600" y="1219200"/>
-            <a:ext cx="8458200" cy="5638800"/>
+            <a:off x="838200" y="1295400"/>
+            <a:ext cx="8305800" cy="5410200"/>
           </a:xfrm>
         </p:spPr>
         <p:txBody>
           <a:bodyPr>
-            <a:normAutofit fontScale="85000" lnSpcReduction="20000"/>
+            <a:normAutofit fontScale="92500" lnSpcReduction="10000"/>
           </a:bodyPr>
           <a:lstStyle/>
           <a:p>
+            <a:r>
+              <a:rPr lang="ro-RO" sz="3000" dirty="0">
+                <a:latin typeface="Avenir Medium"/>
+                <a:cs typeface="Avenir Medium"/>
+              </a:rPr>
+              <a:t>Database objects that generate unique values based on some basic parameters (start value, end value, increment, order, cache)</a:t>
+            </a:r>
+          </a:p>
+          <a:p>
+            <a:r>
+              <a:rPr lang="ro-RO" sz="3000" dirty="0">
+                <a:latin typeface="Avenir Medium"/>
+                <a:cs typeface="Avenir Medium"/>
+              </a:rPr>
+              <a:t>Public (as the tables are)</a:t>
+            </a:r>
+          </a:p>
+          <a:p>
+            <a:r>
+              <a:rPr lang="ro-RO" sz="3000" dirty="0">
+                <a:latin typeface="Avenir Medium"/>
+                <a:cs typeface="Avenir Medium"/>
+              </a:rPr>
+              <a:t>Generated value cannot be "rollbacked" (not subject of transactions)</a:t>
+            </a:r>
+          </a:p>
+          <a:p>
+            <a:r>
+              <a:rPr lang="ro-RO" sz="3000" dirty="0">
+                <a:latin typeface="Avenir Medium"/>
+                <a:cs typeface="Avenir Medium"/>
+              </a:rPr>
+              <a:t>Ideal for surrogate keys</a:t>
+            </a:r>
+          </a:p>
+          <a:p>
+            <a:r>
+              <a:rPr lang="ro-RO" sz="3000" dirty="0">
+                <a:latin typeface="Avenir Medium"/>
+                <a:cs typeface="Avenir Medium"/>
+              </a:rPr>
+              <a:t>Work best with (insert triggers)</a:t>
+            </a:r>
+          </a:p>
+          <a:p>
+            <a:r>
+              <a:rPr lang="ro-RO" sz="3000" dirty="0">
+                <a:latin typeface="Avenir Medium"/>
+                <a:cs typeface="Avenir Medium"/>
+              </a:rPr>
+              <a:t>Basic example:</a:t>
+            </a:r>
+          </a:p>
+          <a:p>
+            <a:pPr marL="82296" indent="0">
+              <a:buNone/>
+            </a:pPr>
             <a:r>
               <a:rPr lang="ro-RO" sz="3000" dirty="0">
                 <a:solidFill>
                   <a:srgbClr val="0070C0"/>
                 </a:solidFill>
-                <a:latin typeface="Avenir Medium"/>
-                <a:cs typeface="Avenir Medium"/>
-              </a:rPr>
-              <a:t>MINVALUE</a:t>
-            </a:r>
-            <a:r>
-              <a:rPr lang="ro-RO" sz="3000" dirty="0">
-                <a:latin typeface="Avenir Medium"/>
-                <a:cs typeface="Avenir Medium"/>
-              </a:rPr>
-              <a:t> (the smallest value a sequence may generate)</a:t>
-            </a:r>
-          </a:p>
-          <a:p>
-            <a:r>
-              <a:rPr lang="ro-RO" sz="3000" dirty="0">
-                <a:solidFill>
-                  <a:srgbClr val="0070C0"/>
-                </a:solidFill>
-                <a:latin typeface="Avenir Medium"/>
-                <a:cs typeface="Avenir Medium"/>
-              </a:rPr>
-              <a:t>START WITH </a:t>
-            </a:r>
-            <a:r>
-              <a:rPr lang="ro-RO" sz="3000" dirty="0">
-                <a:latin typeface="Avenir Medium"/>
-                <a:cs typeface="Avenir Medium"/>
-              </a:rPr>
-              <a:t>value (first value generated by the sequence) - could be identical to </a:t>
-            </a:r>
-            <a:r>
-              <a:rPr lang="ro-RO" sz="3000" dirty="0">
-                <a:solidFill>
-                  <a:srgbClr val="0070C0"/>
-                </a:solidFill>
-                <a:latin typeface="Avenir Medium"/>
-                <a:cs typeface="Avenir Medium"/>
-              </a:rPr>
-              <a:t>MINVALUE</a:t>
-            </a:r>
-            <a:r>
-              <a:rPr lang="ro-RO" sz="3000" dirty="0">
-                <a:latin typeface="Avenir Medium"/>
-                <a:cs typeface="Avenir Medium"/>
-              </a:rPr>
-              <a:t>, but not necessarily</a:t>
-            </a:r>
-          </a:p>
-          <a:p>
-            <a:r>
-              <a:rPr lang="ro-RO" sz="3000" dirty="0">
-                <a:solidFill>
-                  <a:srgbClr val="0070C0"/>
-                </a:solidFill>
-                <a:latin typeface="Avenir Medium"/>
-                <a:cs typeface="Avenir Medium"/>
-              </a:rPr>
-              <a:t>MAXVALUE</a:t>
-            </a:r>
-            <a:r>
-              <a:rPr lang="ro-RO" sz="3000" dirty="0">
-                <a:latin typeface="Avenir Medium"/>
-                <a:cs typeface="Avenir Medium"/>
-              </a:rPr>
-              <a:t> (the largest value a sequence may generate)</a:t>
-            </a:r>
-          </a:p>
-          <a:p>
-            <a:r>
-              <a:rPr lang="ro-RO" sz="3000" dirty="0">
-                <a:solidFill>
-                  <a:srgbClr val="0070C0"/>
-                </a:solidFill>
-                <a:latin typeface="Avenir Medium"/>
-                <a:cs typeface="Avenir Medium"/>
-              </a:rPr>
-              <a:t>INCREMENT BY </a:t>
-            </a:r>
-            <a:r>
-              <a:rPr lang="ro-RO" sz="3000" dirty="0">
-                <a:latin typeface="Avenir Medium"/>
-                <a:cs typeface="Avenir Medium"/>
-              </a:rPr>
-              <a:t>(step, i.e. the increment amount)</a:t>
-            </a:r>
-          </a:p>
-          <a:p>
-            <a:r>
-              <a:rPr lang="ro-RO" sz="3000" dirty="0">
-                <a:solidFill>
-                  <a:srgbClr val="0070C0"/>
-                </a:solidFill>
-                <a:latin typeface="Avenir Medium"/>
-                <a:cs typeface="Avenir Medium"/>
-              </a:rPr>
-              <a:t>CYCLE</a:t>
-            </a:r>
-            <a:r>
-              <a:rPr lang="ro-RO" sz="3000" dirty="0">
-                <a:latin typeface="Avenir Medium"/>
-                <a:cs typeface="Avenir Medium"/>
-              </a:rPr>
-              <a:t>: declares if, after the max value is reached, at </a:t>
-            </a:r>
-            <a:r>
-              <a:rPr lang="ro-RO" sz="3000" dirty="0" err="1">
-                <a:latin typeface="Avenir Medium"/>
-                <a:cs typeface="Avenir Medium"/>
-              </a:rPr>
-              <a:t>the</a:t>
-            </a:r>
-            <a:r>
-              <a:rPr lang="ro-RO" sz="3000" dirty="0">
-                <a:latin typeface="Avenir Medium"/>
-                <a:cs typeface="Avenir Medium"/>
-              </a:rPr>
-              <a:t> </a:t>
-            </a:r>
-            <a:r>
-              <a:rPr lang="ro-RO" sz="3000" dirty="0" err="1">
-                <a:latin typeface="Avenir Medium"/>
-                <a:cs typeface="Avenir Medium"/>
-              </a:rPr>
-              <a:t>next</a:t>
-            </a:r>
-            <a:r>
-              <a:rPr lang="ro-RO" sz="3000" dirty="0">
-                <a:latin typeface="Avenir Medium"/>
-                <a:cs typeface="Avenir Medium"/>
-              </a:rPr>
-              <a:t> sequence call (</a:t>
-            </a:r>
-            <a:r>
-              <a:rPr lang="ro-RO" sz="3000" dirty="0">
-                <a:solidFill>
-                  <a:srgbClr val="0070C0"/>
-                </a:solidFill>
-                <a:latin typeface="Avenir Medium"/>
-                <a:cs typeface="Avenir Medium"/>
-              </a:rPr>
-              <a:t>NextValue</a:t>
-            </a:r>
-            <a:r>
-              <a:rPr lang="ro-RO" sz="3000" dirty="0">
-                <a:latin typeface="Avenir Medium"/>
-                <a:cs typeface="Avenir Medium"/>
-              </a:rPr>
-              <a:t>) an error will be generated (</a:t>
-            </a:r>
-            <a:r>
-              <a:rPr lang="ro-RO" sz="3000" dirty="0">
-                <a:solidFill>
-                  <a:srgbClr val="0070C0"/>
-                </a:solidFill>
-                <a:latin typeface="Avenir Medium"/>
-                <a:cs typeface="Avenir Medium"/>
-              </a:rPr>
-              <a:t>NOCYCLE</a:t>
-            </a:r>
-            <a:r>
-              <a:rPr lang="ro-RO" sz="3000" dirty="0">
-                <a:latin typeface="Avenir Medium"/>
-                <a:cs typeface="Avenir Medium"/>
-              </a:rPr>
-              <a:t>) or the </a:t>
-            </a:r>
-            <a:r>
-              <a:rPr lang="ro-RO" sz="3000" dirty="0" err="1">
-                <a:latin typeface="Avenir Medium"/>
-                <a:cs typeface="Avenir Medium"/>
-              </a:rPr>
-              <a:t>sequence</a:t>
-            </a:r>
-            <a:r>
-              <a:rPr lang="ro-RO" sz="3000" dirty="0">
-                <a:latin typeface="Avenir Medium"/>
-                <a:cs typeface="Avenir Medium"/>
-              </a:rPr>
-              <a:t> </a:t>
-            </a:r>
-            <a:r>
-              <a:rPr lang="ro-RO" sz="3000" dirty="0" err="1">
-                <a:latin typeface="Avenir Medium"/>
-                <a:cs typeface="Avenir Medium"/>
-              </a:rPr>
-              <a:t>restarts</a:t>
-            </a:r>
-            <a:r>
-              <a:rPr lang="ro-RO" sz="3000" dirty="0">
-                <a:latin typeface="Avenir Medium"/>
-                <a:cs typeface="Avenir Medium"/>
-              </a:rPr>
-              <a:t> </a:t>
-            </a:r>
-            <a:r>
-              <a:rPr lang="ro-RO" sz="3000" dirty="0" err="1">
-                <a:latin typeface="Avenir Medium"/>
-                <a:cs typeface="Avenir Medium"/>
-              </a:rPr>
-              <a:t>with</a:t>
-            </a:r>
-            <a:r>
-              <a:rPr lang="ro-RO" sz="3000" dirty="0">
-                <a:latin typeface="Avenir Medium"/>
-                <a:cs typeface="Avenir Medium"/>
-              </a:rPr>
-              <a:t> </a:t>
-            </a:r>
-            <a:r>
-              <a:rPr lang="ro-RO" sz="3000" dirty="0">
-                <a:solidFill>
-                  <a:srgbClr val="0070C0"/>
-                </a:solidFill>
-                <a:latin typeface="Avenir Medium"/>
-                <a:cs typeface="Avenir Medium"/>
-              </a:rPr>
-              <a:t>MINVALUE</a:t>
-            </a:r>
-          </a:p>
-          <a:p>
-            <a:r>
-              <a:rPr lang="ro-RO" sz="3000" dirty="0">
-                <a:solidFill>
-                  <a:srgbClr val="0070C0"/>
-                </a:solidFill>
-                <a:latin typeface="Avenir Medium"/>
-                <a:cs typeface="Avenir Medium"/>
-              </a:rPr>
-              <a:t>ORDER</a:t>
-            </a:r>
-            <a:r>
-              <a:rPr lang="ro-RO" sz="3000" dirty="0">
-                <a:latin typeface="Avenir Medium"/>
-                <a:cs typeface="Avenir Medium"/>
-              </a:rPr>
-              <a:t> – generated values will be ordered or not</a:t>
-            </a:r>
-          </a:p>
-          <a:p>
-            <a:r>
-              <a:rPr lang="ro-RO" sz="3000" dirty="0">
-                <a:solidFill>
-                  <a:srgbClr val="0070C0"/>
-                </a:solidFill>
-                <a:latin typeface="Avenir Medium"/>
-                <a:cs typeface="Avenir Medium"/>
-              </a:rPr>
-              <a:t>CACHE</a:t>
-            </a:r>
-            <a:r>
-              <a:rPr lang="ro-RO" sz="3000" dirty="0">
-                <a:latin typeface="Avenir Medium"/>
-                <a:cs typeface="Avenir Medium"/>
-              </a:rPr>
-              <a:t> – </a:t>
-            </a:r>
-            <a:r>
-              <a:rPr lang="ro-RO" sz="3000" dirty="0" err="1">
-                <a:latin typeface="Avenir Medium"/>
-                <a:cs typeface="Avenir Medium"/>
-              </a:rPr>
-              <a:t>we</a:t>
-            </a:r>
-            <a:r>
-              <a:rPr lang="ro-RO" sz="3000" dirty="0">
-                <a:latin typeface="Avenir Medium"/>
-                <a:cs typeface="Avenir Medium"/>
-              </a:rPr>
-              <a:t> </a:t>
-            </a:r>
-            <a:r>
-              <a:rPr lang="ro-RO" sz="3000" dirty="0" err="1">
-                <a:latin typeface="Avenir Medium"/>
-                <a:cs typeface="Avenir Medium"/>
-              </a:rPr>
-              <a:t>will</a:t>
-            </a:r>
-            <a:r>
-              <a:rPr lang="ro-RO" sz="3000" dirty="0">
-                <a:latin typeface="Avenir Medium"/>
-                <a:cs typeface="Avenir Medium"/>
-              </a:rPr>
-              <a:t> </a:t>
-            </a:r>
-            <a:r>
-              <a:rPr lang="ro-RO" sz="3000" dirty="0" err="1">
-                <a:latin typeface="Avenir Medium"/>
-                <a:cs typeface="Avenir Medium"/>
-              </a:rPr>
-              <a:t>use</a:t>
-            </a:r>
-            <a:r>
-              <a:rPr lang="ro-RO" sz="3000" dirty="0">
-                <a:latin typeface="Avenir Medium"/>
-                <a:cs typeface="Avenir Medium"/>
-              </a:rPr>
-              <a:t> </a:t>
-            </a:r>
-            <a:r>
-              <a:rPr lang="ro-RO" sz="3000" dirty="0" err="1">
-                <a:latin typeface="Avenir Medium"/>
-                <a:cs typeface="Avenir Medium"/>
-              </a:rPr>
-              <a:t>mostly</a:t>
-            </a:r>
-            <a:r>
-              <a:rPr lang="ro-RO" sz="3000" dirty="0">
-                <a:latin typeface="Avenir Medium"/>
-                <a:cs typeface="Avenir Medium"/>
-              </a:rPr>
-              <a:t> </a:t>
-            </a:r>
-            <a:r>
-              <a:rPr lang="ro-RO" sz="3000" dirty="0">
-                <a:solidFill>
-                  <a:srgbClr val="0070C0"/>
-                </a:solidFill>
-                <a:latin typeface="Avenir Medium"/>
-                <a:cs typeface="Avenir Medium"/>
-              </a:rPr>
-              <a:t>NOCACHE</a:t>
-            </a:r>
-            <a:r>
-              <a:rPr lang="ro-RO" sz="3000" dirty="0">
-                <a:latin typeface="Avenir Medium"/>
-                <a:cs typeface="Avenir Medium"/>
-              </a:rPr>
-              <a:t> (we need this for controlling the sequence values within triggers)</a:t>
-            </a:r>
-          </a:p>
-          <a:p>
-            <a:endParaRPr lang="en-US" sz="3000" dirty="0">
-              <a:latin typeface="Avenir Medium"/>
-              <a:cs typeface="Avenir Medium"/>
-            </a:endParaRPr>
-          </a:p>
-          <a:p>
-            <a:endParaRPr lang="en-US" sz="3000" dirty="0">
-              <a:latin typeface="Avenir Medium"/>
-              <a:cs typeface="Avenir Medium"/>
-            </a:endParaRPr>
+                <a:latin typeface="Consolas"/>
+                <a:cs typeface="Consolas"/>
+              </a:rPr>
+              <a:t>CREATE SEQUENCE a_sequence START WITH 1001 MINVALUE 1 MAXVALUE 9999999 INCREMENT BY 1 NOCACHE NOCYCLE</a:t>
+            </a:r>
           </a:p>
         </p:txBody>
       </p:sp>
     </p:spTree>
     <p:extLst>
       <p:ext uri="{BB962C8B-B14F-4D97-AF65-F5344CB8AC3E}">
-        <p14:creationId xmlns:p14="http://schemas.microsoft.com/office/powerpoint/2010/main" val="3157719426"/>
+        <p14:creationId xmlns:p14="http://schemas.microsoft.com/office/powerpoint/2010/main" val="1067298074"/>
       </p:ext>
     </p:extLst>
   </p:cSld>
@@ -12954,8 +13043,8 @@
         </p:nvSpPr>
         <p:spPr>
           <a:xfrm>
-            <a:off x="228600" y="274638"/>
-            <a:ext cx="8686800" cy="1143000"/>
+            <a:off x="1295400" y="-19878"/>
+            <a:ext cx="7498080" cy="1143000"/>
           </a:xfrm>
         </p:spPr>
         <p:txBody>
@@ -12966,13 +13055,18 @@
           <a:p>
             <a:pPr algn="ctr"/>
             <a:r>
-              <a:rPr lang="en-US" sz="3600" dirty="0">
+              <a:rPr lang="ro-RO" sz="3600" dirty="0">
                 <a:latin typeface="American Typewriter"/>
                 <a:ea typeface="Arial Unicode MS" panose="020B0604020202020204" pitchFamily="34" charset="-128"/>
                 <a:cs typeface="American Typewriter"/>
               </a:rPr>
-              <a:t>Altering the Sequence</a:t>
-            </a:r>
+              <a:t>Sequence Main Parameters</a:t>
+            </a:r>
+            <a:endParaRPr lang="en-US" sz="3600" dirty="0">
+              <a:latin typeface="American Typewriter"/>
+              <a:ea typeface="Arial Unicode MS" panose="020B0604020202020204" pitchFamily="34" charset="-128"/>
+              <a:cs typeface="American Typewriter"/>
+            </a:endParaRPr>
           </a:p>
         </p:txBody>
       </p:sp>
@@ -12988,23 +13082,16 @@
         </p:nvSpPr>
         <p:spPr>
           <a:xfrm>
-            <a:off x="609600" y="1600200"/>
-            <a:ext cx="8534400" cy="5257800"/>
+            <a:off x="609600" y="1219200"/>
+            <a:ext cx="8458200" cy="5638800"/>
           </a:xfrm>
         </p:spPr>
         <p:txBody>
           <a:bodyPr>
-            <a:normAutofit/>
+            <a:normAutofit fontScale="85000" lnSpcReduction="20000"/>
           </a:bodyPr>
           <a:lstStyle/>
           <a:p>
-            <a:r>
-              <a:rPr lang="ro-RO" sz="3000" dirty="0">
-                <a:latin typeface="Avenir Medium"/>
-                <a:cs typeface="Avenir Medium"/>
-              </a:rPr>
-              <a:t>Once created, some sequence parameters may be modified `on-the-fly` using </a:t>
-            </a:r>
             <a:r>
               <a:rPr lang="ro-RO" sz="3000" dirty="0">
                 <a:solidFill>
@@ -13013,77 +13100,72 @@
                 <a:latin typeface="Avenir Medium"/>
                 <a:cs typeface="Avenir Medium"/>
               </a:rPr>
-              <a:t>ALTER SEQUENCE</a:t>
-            </a:r>
-            <a:r>
-              <a:rPr lang="ro-RO" sz="3000" dirty="0">
-                <a:latin typeface="Avenir Medium"/>
-                <a:cs typeface="Avenir Medium"/>
-              </a:rPr>
-              <a:t>:</a:t>
-            </a:r>
-          </a:p>
-          <a:p>
-            <a:pPr lvl="1"/>
-            <a:r>
-              <a:rPr lang="ro-RO" sz="2600" dirty="0">
-                <a:latin typeface="Avenir Medium"/>
-                <a:cs typeface="Avenir Medium"/>
-              </a:rPr>
-              <a:t>step (</a:t>
-            </a:r>
-            <a:r>
-              <a:rPr lang="ro-RO" sz="2600" dirty="0">
+              <a:t>MINVALUE</a:t>
+            </a:r>
+            <a:r>
+              <a:rPr lang="ro-RO" sz="3000" dirty="0">
+                <a:latin typeface="Avenir Medium"/>
+                <a:cs typeface="Avenir Medium"/>
+              </a:rPr>
+              <a:t> (the smallest value a sequence may generate)</a:t>
+            </a:r>
+          </a:p>
+          <a:p>
+            <a:r>
+              <a:rPr lang="ro-RO" sz="3000" dirty="0">
                 <a:solidFill>
                   <a:srgbClr val="0070C0"/>
                 </a:solidFill>
                 <a:latin typeface="Avenir Medium"/>
                 <a:cs typeface="Avenir Medium"/>
               </a:rPr>
-              <a:t>INCREMENT BY</a:t>
-            </a:r>
-            <a:r>
-              <a:rPr lang="ro-RO" sz="2600" dirty="0">
-                <a:latin typeface="Avenir Medium"/>
-                <a:cs typeface="Avenir Medium"/>
-              </a:rPr>
-              <a:t>)</a:t>
-            </a:r>
-          </a:p>
-          <a:p>
-            <a:pPr lvl="1"/>
-            <a:r>
-              <a:rPr lang="ro-RO" sz="2600" dirty="0">
+              <a:t>START WITH </a:t>
+            </a:r>
+            <a:r>
+              <a:rPr lang="ro-RO" sz="3000" dirty="0">
+                <a:latin typeface="Avenir Medium"/>
+                <a:cs typeface="Avenir Medium"/>
+              </a:rPr>
+              <a:t>value (first value generated by the sequence) - could be identical to </a:t>
+            </a:r>
+            <a:r>
+              <a:rPr lang="ro-RO" sz="3000" dirty="0">
                 <a:solidFill>
                   <a:srgbClr val="0070C0"/>
                 </a:solidFill>
                 <a:latin typeface="Avenir Medium"/>
                 <a:cs typeface="Avenir Medium"/>
               </a:rPr>
-              <a:t>MAXVALUE</a:t>
-            </a:r>
-          </a:p>
-          <a:p>
-            <a:pPr lvl="1"/>
-            <a:r>
-              <a:rPr lang="ro-RO" sz="2600" dirty="0">
+              <a:t>MINVALUE</a:t>
+            </a:r>
+            <a:r>
+              <a:rPr lang="ro-RO" sz="3000" dirty="0">
+                <a:latin typeface="Avenir Medium"/>
+                <a:cs typeface="Avenir Medium"/>
+              </a:rPr>
+              <a:t>, but not necessarily</a:t>
+            </a:r>
+          </a:p>
+          <a:p>
+            <a:r>
+              <a:rPr lang="ro-RO" sz="3000" dirty="0">
                 <a:solidFill>
                   <a:srgbClr val="0070C0"/>
                 </a:solidFill>
                 <a:latin typeface="Avenir Medium"/>
                 <a:cs typeface="Avenir Medium"/>
               </a:rPr>
-              <a:t>CYCLE</a:t>
-            </a:r>
-          </a:p>
-          <a:p>
-            <a:r>
-              <a:rPr lang="ro-RO" sz="3000" dirty="0">
-                <a:latin typeface="Avenir Medium"/>
-                <a:cs typeface="Avenir Medium"/>
-              </a:rPr>
-              <a:t>... But, if we want to "jump" the sequence current value (.</a:t>
-            </a:r>
+              <a:t>MAXVALUE</a:t>
+            </a:r>
+            <a:r>
+              <a:rPr lang="ro-RO" sz="3000" dirty="0">
+                <a:latin typeface="Avenir Medium"/>
+                <a:cs typeface="Avenir Medium"/>
+              </a:rPr>
+              <a:t> (the largest value a sequence may generate)</a:t>
+            </a:r>
+          </a:p>
+          <a:p>
             <a:r>
               <a:rPr lang="ro-RO" sz="3000" dirty="0">
                 <a:solidFill>
@@ -13092,15 +13174,17 @@
                 <a:latin typeface="Avenir Medium"/>
                 <a:cs typeface="Avenir Medium"/>
               </a:rPr>
-              <a:t>CurrVa</a:t>
-            </a:r>
-            <a:r>
-              <a:rPr lang="ro-RO" sz="3000" dirty="0">
-                <a:latin typeface="Avenir Medium"/>
-                <a:cs typeface="Avenir Medium"/>
-              </a:rPr>
-              <a:t>l) to the </a:t>
-            </a:r>
+              <a:t>INCREMENT BY </a:t>
+            </a:r>
+            <a:r>
+              <a:rPr lang="ro-RO" sz="3000" dirty="0">
+                <a:latin typeface="Avenir Medium"/>
+                <a:cs typeface="Avenir Medium"/>
+              </a:rPr>
+              <a:t>(step, i.e. the increment amount)</a:t>
+            </a:r>
+          </a:p>
+          <a:p>
             <a:r>
               <a:rPr lang="ro-RO" sz="3000" dirty="0">
                 <a:solidFill>
@@ -13109,76 +13193,259 @@
                 <a:latin typeface="Avenir Medium"/>
                 <a:cs typeface="Avenir Medium"/>
               </a:rPr>
-              <a:t>MINVALUE</a:t>
-            </a:r>
-            <a:r>
-              <a:rPr lang="ro-RO" sz="3000" dirty="0">
-                <a:latin typeface="Avenir Medium"/>
-                <a:cs typeface="Avenir Medium"/>
-              </a:rPr>
-              <a:t>, </a:t>
-            </a:r>
-          </a:p>
-          <a:p>
-            <a:pPr lvl="1"/>
-            <a:r>
-              <a:rPr lang="ro-RO" sz="2600" dirty="0">
-                <a:latin typeface="Avenir Medium"/>
-                <a:cs typeface="Avenir Medium"/>
-              </a:rPr>
-              <a:t>First, one must delete the sequence (</a:t>
-            </a:r>
-            <a:r>
-              <a:rPr lang="ro-RO" sz="2600" dirty="0">
+              <a:t>CYCLE</a:t>
+            </a:r>
+            <a:r>
+              <a:rPr lang="ro-RO" sz="3000" dirty="0">
+                <a:latin typeface="Avenir Medium"/>
+                <a:cs typeface="Avenir Medium"/>
+              </a:rPr>
+              <a:t>: declares if, after the max value is reached, at </a:t>
+            </a:r>
+            <a:r>
+              <a:rPr lang="ro-RO" sz="3000" dirty="0" err="1">
+                <a:latin typeface="Avenir Medium"/>
+                <a:cs typeface="Avenir Medium"/>
+              </a:rPr>
+              <a:t>the</a:t>
+            </a:r>
+            <a:r>
+              <a:rPr lang="ro-RO" sz="3000" dirty="0">
+                <a:latin typeface="Avenir Medium"/>
+                <a:cs typeface="Avenir Medium"/>
+              </a:rPr>
+              <a:t> </a:t>
+            </a:r>
+            <a:r>
+              <a:rPr lang="ro-RO" sz="3000" dirty="0" err="1">
+                <a:latin typeface="Avenir Medium"/>
+                <a:cs typeface="Avenir Medium"/>
+              </a:rPr>
+              <a:t>next</a:t>
+            </a:r>
+            <a:r>
+              <a:rPr lang="ro-RO" sz="3000" dirty="0">
+                <a:latin typeface="Avenir Medium"/>
+                <a:cs typeface="Avenir Medium"/>
+              </a:rPr>
+              <a:t> sequence call (</a:t>
+            </a:r>
+            <a:r>
+              <a:rPr lang="ro-RO" sz="3000" dirty="0">
                 <a:solidFill>
                   <a:srgbClr val="0070C0"/>
                 </a:solidFill>
                 <a:latin typeface="Avenir Medium"/>
                 <a:cs typeface="Avenir Medium"/>
               </a:rPr>
-              <a:t>DROP SEQUENCE</a:t>
-            </a:r>
-            <a:r>
-              <a:rPr lang="ro-RO" sz="2600" dirty="0">
-                <a:latin typeface="Avenir Medium"/>
-                <a:cs typeface="Avenir Medium"/>
-              </a:rPr>
-              <a:t>)</a:t>
-            </a:r>
-          </a:p>
-          <a:p>
-            <a:pPr lvl="1"/>
-            <a:r>
-              <a:rPr lang="ro-RO" sz="2600" dirty="0">
-                <a:latin typeface="Avenir Medium"/>
-                <a:cs typeface="Avenir Medium"/>
-              </a:rPr>
-              <a:t>... And then re-create it (</a:t>
-            </a:r>
-            <a:r>
-              <a:rPr lang="ro-RO" sz="2600" dirty="0">
+              <a:t>NextValue</a:t>
+            </a:r>
+            <a:r>
+              <a:rPr lang="ro-RO" sz="3000" dirty="0">
+                <a:latin typeface="Avenir Medium"/>
+                <a:cs typeface="Avenir Medium"/>
+              </a:rPr>
+              <a:t>) an error will be generated (</a:t>
+            </a:r>
+            <a:r>
+              <a:rPr lang="ro-RO" sz="3000" dirty="0">
                 <a:solidFill>
                   <a:srgbClr val="0070C0"/>
                 </a:solidFill>
                 <a:latin typeface="Avenir Medium"/>
                 <a:cs typeface="Avenir Medium"/>
               </a:rPr>
-              <a:t>CREATE SEQUENCE</a:t>
-            </a:r>
-            <a:r>
-              <a:rPr lang="ro-RO" sz="2600" dirty="0">
-                <a:latin typeface="Avenir Medium"/>
-                <a:cs typeface="Avenir Medium"/>
-              </a:rPr>
-              <a:t>)</a:t>
-            </a:r>
+              <a:t>NOCYCLE</a:t>
+            </a:r>
+            <a:r>
+              <a:rPr lang="ro-RO" sz="3000" dirty="0">
+                <a:latin typeface="Avenir Medium"/>
+                <a:cs typeface="Avenir Medium"/>
+              </a:rPr>
+              <a:t>) or the </a:t>
+            </a:r>
+            <a:r>
+              <a:rPr lang="ro-RO" sz="3000" dirty="0" err="1">
+                <a:latin typeface="Avenir Medium"/>
+                <a:cs typeface="Avenir Medium"/>
+              </a:rPr>
+              <a:t>sequence</a:t>
+            </a:r>
+            <a:r>
+              <a:rPr lang="ro-RO" sz="3000" dirty="0">
+                <a:latin typeface="Avenir Medium"/>
+                <a:cs typeface="Avenir Medium"/>
+              </a:rPr>
+              <a:t> </a:t>
+            </a:r>
+            <a:r>
+              <a:rPr lang="ro-RO" sz="3000" dirty="0" err="1">
+                <a:latin typeface="Avenir Medium"/>
+                <a:cs typeface="Avenir Medium"/>
+              </a:rPr>
+              <a:t>restarts</a:t>
+            </a:r>
+            <a:r>
+              <a:rPr lang="ro-RO" sz="3000" dirty="0">
+                <a:latin typeface="Avenir Medium"/>
+                <a:cs typeface="Avenir Medium"/>
+              </a:rPr>
+              <a:t> </a:t>
+            </a:r>
+            <a:r>
+              <a:rPr lang="ro-RO" sz="3000" dirty="0" err="1">
+                <a:latin typeface="Avenir Medium"/>
+                <a:cs typeface="Avenir Medium"/>
+              </a:rPr>
+              <a:t>with</a:t>
+            </a:r>
+            <a:r>
+              <a:rPr lang="ro-RO" sz="3000" dirty="0">
+                <a:latin typeface="Avenir Medium"/>
+                <a:cs typeface="Avenir Medium"/>
+              </a:rPr>
+              <a:t> </a:t>
+            </a:r>
+            <a:r>
+              <a:rPr lang="ro-RO" sz="3000" dirty="0">
+                <a:solidFill>
+                  <a:srgbClr val="0070C0"/>
+                </a:solidFill>
+                <a:latin typeface="Avenir Medium"/>
+                <a:cs typeface="Avenir Medium"/>
+              </a:rPr>
+              <a:t>MINVALUE</a:t>
+            </a:r>
+          </a:p>
+          <a:p>
+            <a:r>
+              <a:rPr lang="ro-RO" sz="3000" dirty="0">
+                <a:solidFill>
+                  <a:srgbClr val="0070C0"/>
+                </a:solidFill>
+                <a:latin typeface="Avenir Medium"/>
+                <a:cs typeface="Avenir Medium"/>
+              </a:rPr>
+              <a:t>ORDER</a:t>
+            </a:r>
+            <a:r>
+              <a:rPr lang="ro-RO" sz="3000" dirty="0">
+                <a:latin typeface="Avenir Medium"/>
+                <a:cs typeface="Avenir Medium"/>
+              </a:rPr>
+              <a:t> – generated values will be ordered or not</a:t>
+            </a:r>
+          </a:p>
+          <a:p>
+            <a:r>
+              <a:rPr lang="ro-RO" sz="3000" dirty="0">
+                <a:solidFill>
+                  <a:srgbClr val="0070C0"/>
+                </a:solidFill>
+                <a:latin typeface="Avenir Medium"/>
+                <a:cs typeface="Avenir Medium"/>
+              </a:rPr>
+              <a:t>CACHE</a:t>
+            </a:r>
+            <a:r>
+              <a:rPr lang="ro-RO" sz="3000" dirty="0">
+                <a:latin typeface="Avenir Medium"/>
+                <a:cs typeface="Avenir Medium"/>
+              </a:rPr>
+              <a:t> – </a:t>
+            </a:r>
+            <a:r>
+              <a:rPr lang="ro-RO" sz="3000" dirty="0" err="1">
+                <a:latin typeface="Avenir Medium"/>
+                <a:cs typeface="Avenir Medium"/>
+              </a:rPr>
+              <a:t>we</a:t>
+            </a:r>
+            <a:r>
+              <a:rPr lang="ro-RO" sz="3000" dirty="0">
+                <a:latin typeface="Avenir Medium"/>
+                <a:cs typeface="Avenir Medium"/>
+              </a:rPr>
+              <a:t> </a:t>
+            </a:r>
+            <a:r>
+              <a:rPr lang="ro-RO" sz="3000" dirty="0" err="1">
+                <a:latin typeface="Avenir Medium"/>
+                <a:cs typeface="Avenir Medium"/>
+              </a:rPr>
+              <a:t>will</a:t>
+            </a:r>
+            <a:r>
+              <a:rPr lang="ro-RO" sz="3000" dirty="0">
+                <a:latin typeface="Avenir Medium"/>
+                <a:cs typeface="Avenir Medium"/>
+              </a:rPr>
+              <a:t> </a:t>
+            </a:r>
+            <a:r>
+              <a:rPr lang="ro-RO" sz="3000" dirty="0" err="1">
+                <a:latin typeface="Avenir Medium"/>
+                <a:cs typeface="Avenir Medium"/>
+              </a:rPr>
+              <a:t>use</a:t>
+            </a:r>
+            <a:r>
+              <a:rPr lang="ro-RO" sz="3000" dirty="0">
+                <a:latin typeface="Avenir Medium"/>
+                <a:cs typeface="Avenir Medium"/>
+              </a:rPr>
+              <a:t> </a:t>
+            </a:r>
+            <a:r>
+              <a:rPr lang="ro-RO" sz="3000" dirty="0" err="1">
+                <a:latin typeface="Avenir Medium"/>
+                <a:cs typeface="Avenir Medium"/>
+              </a:rPr>
+              <a:t>mostly</a:t>
+            </a:r>
+            <a:r>
+              <a:rPr lang="ro-RO" sz="3000" dirty="0">
+                <a:latin typeface="Avenir Medium"/>
+                <a:cs typeface="Avenir Medium"/>
+              </a:rPr>
+              <a:t> </a:t>
+            </a:r>
+            <a:r>
+              <a:rPr lang="ro-RO" sz="3000" dirty="0">
+                <a:solidFill>
+                  <a:srgbClr val="0070C0"/>
+                </a:solidFill>
+                <a:latin typeface="Avenir Medium"/>
+                <a:cs typeface="Avenir Medium"/>
+              </a:rPr>
+              <a:t>NOCACHE</a:t>
+            </a:r>
+            <a:r>
+              <a:rPr lang="ro-RO" sz="3000" dirty="0">
+                <a:latin typeface="Avenir Medium"/>
+                <a:cs typeface="Avenir Medium"/>
+              </a:rPr>
+              <a:t> (we need this for controlling the sequence values within triggers)</a:t>
+            </a:r>
+          </a:p>
+          <a:p>
+            <a:endParaRPr lang="en-US" sz="3000" dirty="0">
+              <a:latin typeface="Avenir Medium"/>
+              <a:cs typeface="Avenir Medium"/>
+            </a:endParaRPr>
+          </a:p>
+          <a:p>
+            <a:endParaRPr lang="en-US" sz="3000" dirty="0">
+              <a:latin typeface="Avenir Medium"/>
+              <a:cs typeface="Avenir Medium"/>
+            </a:endParaRPr>
           </a:p>
         </p:txBody>
       </p:sp>
     </p:spTree>
     <p:extLst>
       <p:ext uri="{BB962C8B-B14F-4D97-AF65-F5344CB8AC3E}">
-        <p14:creationId xmlns:p14="http://schemas.microsoft.com/office/powerpoint/2010/main" val="1151055982"/>
+        <p14:creationId xmlns:p14="http://schemas.microsoft.com/office/powerpoint/2010/main" val="3157719426"/>
       </p:ext>
     </p:extLst>
   </p:cSld>
@@ -13218,7 +13485,12 @@
             <p:ph type="title"/>
           </p:nvPr>
         </p:nvSpPr>
-        <p:spPr/>
+        <p:spPr>
+          <a:xfrm>
+            <a:off x="228600" y="274638"/>
+            <a:ext cx="8686800" cy="1143000"/>
+          </a:xfrm>
+        </p:spPr>
         <p:txBody>
           <a:bodyPr anchor="ctr">
             <a:normAutofit/>
@@ -13232,7 +13504,7 @@
                 <a:ea typeface="Arial Unicode MS" panose="020B0604020202020204" pitchFamily="34" charset="-128"/>
                 <a:cs typeface="American Typewriter"/>
               </a:rPr>
-              <a:t>Sequence Calling (Invoking)</a:t>
+              <a:t>Altering the Sequence</a:t>
             </a:r>
           </a:p>
         </p:txBody>
@@ -13249,13 +13521,13 @@
         </p:nvSpPr>
         <p:spPr>
           <a:xfrm>
-            <a:off x="609600" y="1295400"/>
-            <a:ext cx="8534400" cy="5562600"/>
+            <a:off x="609600" y="1600200"/>
+            <a:ext cx="8534400" cy="5257800"/>
           </a:xfrm>
         </p:spPr>
         <p:txBody>
           <a:bodyPr>
-            <a:normAutofit fontScale="70000" lnSpcReduction="20000"/>
+            <a:normAutofit/>
           </a:bodyPr>
           <a:lstStyle/>
           <a:p>
@@ -13264,11 +13536,35 @@
                 <a:latin typeface="Avenir Medium"/>
                 <a:cs typeface="Avenir Medium"/>
               </a:rPr>
-              <a:t>When calling a sequence (from a PL/SQL block), we may use two main properties (called pseudo-columns): </a:t>
+              <a:t>Once created, some sequence parameters may be modified `on-the-fly` using </a:t>
+            </a:r>
+            <a:r>
+              <a:rPr lang="ro-RO" sz="3000" dirty="0">
+                <a:solidFill>
+                  <a:srgbClr val="0070C0"/>
+                </a:solidFill>
+                <a:latin typeface="Avenir Medium"/>
+                <a:cs typeface="Avenir Medium"/>
+              </a:rPr>
+              <a:t>ALTER SEQUENCE</a:t>
+            </a:r>
+            <a:r>
+              <a:rPr lang="ro-RO" sz="3000" dirty="0">
+                <a:latin typeface="Avenir Medium"/>
+                <a:cs typeface="Avenir Medium"/>
+              </a:rPr>
+              <a:t>:</a:t>
             </a:r>
           </a:p>
           <a:p>
             <a:pPr lvl="1"/>
+            <a:r>
+              <a:rPr lang="ro-RO" sz="2600" dirty="0">
+                <a:latin typeface="Avenir Medium"/>
+                <a:cs typeface="Avenir Medium"/>
+              </a:rPr>
+              <a:t>step (</a:t>
+            </a:r>
             <a:r>
               <a:rPr lang="ro-RO" sz="2600" dirty="0">
                 <a:solidFill>
@@ -13277,7 +13573,14 @@
                 <a:latin typeface="Avenir Medium"/>
                 <a:cs typeface="Avenir Medium"/>
               </a:rPr>
-              <a:t>NEXTVAL</a:t>
+              <a:t>INCREMENT BY</a:t>
+            </a:r>
+            <a:r>
+              <a:rPr lang="ro-RO" sz="2600" dirty="0">
+                <a:latin typeface="Avenir Medium"/>
+                <a:cs typeface="Avenir Medium"/>
+              </a:rPr>
+              <a:t>)</a:t>
             </a:r>
           </a:p>
           <a:p>
@@ -13290,195 +13593,11 @@
                 <a:latin typeface="Avenir Medium"/>
                 <a:cs typeface="Avenir Medium"/>
               </a:rPr>
-              <a:t>CURRVAL</a:t>
-            </a:r>
-            <a:endParaRPr lang="en-US" sz="2600" dirty="0">
-              <a:solidFill>
-                <a:srgbClr val="0070C0"/>
-              </a:solidFill>
-              <a:latin typeface="Avenir Medium"/>
-              <a:cs typeface="Avenir Medium"/>
-            </a:endParaRPr>
-          </a:p>
-          <a:p>
-            <a:r>
-              <a:rPr lang="en-US" sz="3000" dirty="0">
-                <a:solidFill>
-                  <a:srgbClr val="0070C0"/>
-                </a:solidFill>
-                <a:latin typeface="Avenir Medium"/>
-                <a:cs typeface="Avenir Medium"/>
-              </a:rPr>
-              <a:t>NEXTVAL</a:t>
-            </a:r>
-            <a:r>
-              <a:rPr lang="en-US" sz="3000" dirty="0">
-                <a:latin typeface="Avenir Medium"/>
-                <a:cs typeface="Avenir Medium"/>
-              </a:rPr>
-              <a:t>: </a:t>
+              <a:t>MAXVALUE</a:t>
             </a:r>
           </a:p>
           <a:p>
             <a:pPr lvl="1"/>
-            <a:r>
-              <a:rPr lang="en-US" sz="2600" dirty="0">
-                <a:latin typeface="Avenir Medium"/>
-                <a:cs typeface="Avenir Medium"/>
-              </a:rPr>
-              <a:t>Extracts the next value generated by the sequence</a:t>
-            </a:r>
-          </a:p>
-          <a:p>
-            <a:pPr lvl="1"/>
-            <a:r>
-              <a:rPr lang="en-US" sz="2600" dirty="0">
-                <a:latin typeface="Avenir Medium"/>
-                <a:cs typeface="Avenir Medium"/>
-              </a:rPr>
-              <a:t>Usually with </a:t>
-            </a:r>
-            <a:r>
-              <a:rPr lang="en-US" sz="2600" dirty="0">
-                <a:solidFill>
-                  <a:srgbClr val="0070C0"/>
-                </a:solidFill>
-                <a:latin typeface="Avenir Medium"/>
-                <a:cs typeface="Avenir Medium"/>
-              </a:rPr>
-              <a:t>NEXTVAL</a:t>
-            </a:r>
-            <a:r>
-              <a:rPr lang="en-US" sz="2600" dirty="0">
-                <a:latin typeface="Avenir Medium"/>
-                <a:cs typeface="Avenir Medium"/>
-              </a:rPr>
-              <a:t> we set the value of a surrogate key in a </a:t>
-            </a:r>
-            <a:r>
-              <a:rPr lang="en-US" sz="2600" dirty="0">
-                <a:solidFill>
-                  <a:srgbClr val="0070C0"/>
-                </a:solidFill>
-                <a:latin typeface="Avenir Medium"/>
-                <a:cs typeface="Avenir Medium"/>
-              </a:rPr>
-              <a:t>BEFORE</a:t>
-            </a:r>
-            <a:r>
-              <a:rPr lang="en-US" sz="2600" dirty="0">
-                <a:latin typeface="Avenir Medium"/>
-                <a:cs typeface="Avenir Medium"/>
-              </a:rPr>
-              <a:t> </a:t>
-            </a:r>
-            <a:r>
-              <a:rPr lang="en-US" sz="2600" dirty="0">
-                <a:solidFill>
-                  <a:srgbClr val="0070C0"/>
-                </a:solidFill>
-                <a:latin typeface="Avenir Medium"/>
-                <a:cs typeface="Avenir Medium"/>
-              </a:rPr>
-              <a:t>INSERT</a:t>
-            </a:r>
-            <a:r>
-              <a:rPr lang="en-US" sz="2600" dirty="0">
-                <a:latin typeface="Avenir Medium"/>
-                <a:cs typeface="Avenir Medium"/>
-              </a:rPr>
-              <a:t> ... </a:t>
-            </a:r>
-            <a:r>
-              <a:rPr lang="en-US" sz="2600" dirty="0">
-                <a:solidFill>
-                  <a:srgbClr val="0070C0"/>
-                </a:solidFill>
-                <a:latin typeface="Avenir Medium"/>
-                <a:cs typeface="Avenir Medium"/>
-              </a:rPr>
-              <a:t>FOR EACH ROW </a:t>
-            </a:r>
-            <a:r>
-              <a:rPr lang="en-US" sz="2600" dirty="0">
-                <a:latin typeface="Avenir Medium"/>
-                <a:cs typeface="Avenir Medium"/>
-              </a:rPr>
-              <a:t>trigger of the table the surrogate key belongs to</a:t>
-            </a:r>
-          </a:p>
-          <a:p>
-            <a:pPr lvl="1"/>
-            <a:r>
-              <a:rPr lang="en-US" sz="2600" dirty="0">
-                <a:latin typeface="Avenir Medium"/>
-                <a:cs typeface="Avenir Medium"/>
-              </a:rPr>
-              <a:t>Cannot be ROLLED BACK!!!! (if </a:t>
-            </a:r>
-            <a:r>
-              <a:rPr lang="en-US" sz="2600" dirty="0">
-                <a:solidFill>
-                  <a:srgbClr val="0070C0"/>
-                </a:solidFill>
-                <a:latin typeface="Avenir Medium"/>
-                <a:cs typeface="Avenir Medium"/>
-              </a:rPr>
-              <a:t>NextVal</a:t>
-            </a:r>
-            <a:r>
-              <a:rPr lang="en-US" sz="2600" dirty="0">
-                <a:latin typeface="Avenir Medium"/>
-                <a:cs typeface="Avenir Medium"/>
-              </a:rPr>
-              <a:t> appears in a transaction that is cancelled (through </a:t>
-            </a:r>
-            <a:r>
-              <a:rPr lang="en-US" sz="2600" dirty="0">
-                <a:solidFill>
-                  <a:srgbClr val="0070C0"/>
-                </a:solidFill>
-                <a:latin typeface="Avenir Medium"/>
-                <a:cs typeface="Avenir Medium"/>
-              </a:rPr>
-              <a:t>ROLLBACK</a:t>
-            </a:r>
-            <a:r>
-              <a:rPr lang="en-US" sz="2600" dirty="0">
-                <a:latin typeface="Avenir Medium"/>
-                <a:cs typeface="Avenir Medium"/>
-              </a:rPr>
-              <a:t>), the sequence value is `lost`</a:t>
-            </a:r>
-          </a:p>
-          <a:p>
-            <a:r>
-              <a:rPr lang="ro-RO" sz="3000" dirty="0">
-                <a:solidFill>
-                  <a:srgbClr val="0070C0"/>
-                </a:solidFill>
-                <a:latin typeface="Avenir Medium"/>
-                <a:cs typeface="Avenir Medium"/>
-              </a:rPr>
-              <a:t>CURRVAL</a:t>
-            </a:r>
-            <a:r>
-              <a:rPr lang="ro-RO" sz="3000" dirty="0">
-                <a:latin typeface="Avenir Medium"/>
-                <a:cs typeface="Avenir Medium"/>
-              </a:rPr>
-              <a:t>:</a:t>
-            </a:r>
-          </a:p>
-          <a:p>
-            <a:pPr lvl="1"/>
-            <a:r>
-              <a:rPr lang="ro-RO" sz="2600" dirty="0">
-                <a:latin typeface="Avenir Medium"/>
-                <a:cs typeface="Avenir Medium"/>
-              </a:rPr>
-              <a:t>Returns (provides) the most recent (last) value generated by the sequence (trough </a:t>
-            </a:r>
             <a:r>
               <a:rPr lang="ro-RO" sz="2600" dirty="0">
                 <a:solidFill>
@@ -13487,24 +13606,60 @@
                 <a:latin typeface="Avenir Medium"/>
                 <a:cs typeface="Avenir Medium"/>
               </a:rPr>
-              <a:t>NEXTVAL</a:t>
-            </a:r>
+              <a:t>CYCLE</a:t>
+            </a:r>
+          </a:p>
+          <a:p>
+            <a:r>
+              <a:rPr lang="ro-RO" sz="3000" dirty="0">
+                <a:latin typeface="Avenir Medium"/>
+                <a:cs typeface="Avenir Medium"/>
+              </a:rPr>
+              <a:t>... But, if we want to "jump" the sequence current value (.</a:t>
+            </a:r>
+            <a:r>
+              <a:rPr lang="ro-RO" sz="3000" dirty="0">
+                <a:solidFill>
+                  <a:srgbClr val="0070C0"/>
+                </a:solidFill>
+                <a:latin typeface="Avenir Medium"/>
+                <a:cs typeface="Avenir Medium"/>
+              </a:rPr>
+              <a:t>CurrVa</a:t>
+            </a:r>
+            <a:r>
+              <a:rPr lang="ro-RO" sz="3000" dirty="0">
+                <a:latin typeface="Avenir Medium"/>
+                <a:cs typeface="Avenir Medium"/>
+              </a:rPr>
+              <a:t>l) to the </a:t>
+            </a:r>
+            <a:r>
+              <a:rPr lang="ro-RO" sz="3000" dirty="0">
+                <a:solidFill>
+                  <a:srgbClr val="0070C0"/>
+                </a:solidFill>
+                <a:latin typeface="Avenir Medium"/>
+                <a:cs typeface="Avenir Medium"/>
+              </a:rPr>
+              <a:t>MINVALUE</a:t>
+            </a:r>
+            <a:r>
+              <a:rPr lang="ro-RO" sz="3000" dirty="0">
+                <a:latin typeface="Avenir Medium"/>
+                <a:cs typeface="Avenir Medium"/>
+              </a:rPr>
+              <a:t>, </a:t>
+            </a:r>
+          </a:p>
+          <a:p>
+            <a:pPr lvl="1"/>
             <a:r>
               <a:rPr lang="ro-RO" sz="2600" dirty="0">
                 <a:latin typeface="Avenir Medium"/>
                 <a:cs typeface="Avenir Medium"/>
               </a:rPr>
-              <a:t>)</a:t>
-            </a:r>
-          </a:p>
-          <a:p>
-            <a:pPr lvl="1"/>
-            <a:r>
-              <a:rPr lang="ro-RO" sz="2600" dirty="0">
-                <a:latin typeface="Avenir Medium"/>
-                <a:cs typeface="Avenir Medium"/>
-              </a:rPr>
-              <a:t>For each session, before initial call of </a:t>
+              <a:t>First, one must delete the sequence (</a:t>
             </a:r>
             <a:r>
               <a:rPr lang="ro-RO" sz="2600" dirty="0">
@@ -13514,14 +13669,24 @@
                 <a:latin typeface="Avenir Medium"/>
                 <a:cs typeface="Avenir Medium"/>
               </a:rPr>
-              <a:t>CURRVAL</a:t>
+              <a:t>DROP SEQUENCE</a:t>
             </a:r>
             <a:r>
               <a:rPr lang="ro-RO" sz="2600" dirty="0">
                 <a:latin typeface="Avenir Medium"/>
                 <a:cs typeface="Avenir Medium"/>
               </a:rPr>
-              <a:t>, the sequence must be initiated with a </a:t>
+              <a:t>)</a:t>
+            </a:r>
+          </a:p>
+          <a:p>
+            <a:pPr lvl="1"/>
+            <a:r>
+              <a:rPr lang="ro-RO" sz="2600" dirty="0">
+                <a:latin typeface="Avenir Medium"/>
+                <a:cs typeface="Avenir Medium"/>
+              </a:rPr>
+              <a:t>... And then re-create it (</a:t>
             </a:r>
             <a:r>
               <a:rPr lang="ro-RO" sz="2600" dirty="0">
@@ -13531,78 +13696,22 @@
                 <a:latin typeface="Avenir Medium"/>
                 <a:cs typeface="Avenir Medium"/>
               </a:rPr>
-              <a:t>NEXTVAL</a:t>
+              <a:t>CREATE SEQUENCE</a:t>
             </a:r>
             <a:r>
               <a:rPr lang="ro-RO" sz="2600" dirty="0">
                 <a:latin typeface="Avenir Medium"/>
                 <a:cs typeface="Avenir Medium"/>
               </a:rPr>
-              <a:t> clause</a:t>
-            </a:r>
-          </a:p>
-          <a:p>
-            <a:pPr lvl="1"/>
-            <a:r>
-              <a:rPr lang="ro-RO" sz="2600" dirty="0">
-                <a:latin typeface="Avenir Medium"/>
-                <a:cs typeface="Avenir Medium"/>
-              </a:rPr>
-              <a:t>If we need to know the last generated sequence value without `spending` a value we cal use </a:t>
-            </a:r>
-            <a:r>
-              <a:rPr lang="ro-RO" sz="2600" dirty="0">
-                <a:solidFill>
-                  <a:srgbClr val="0070C0"/>
-                </a:solidFill>
-                <a:latin typeface="Avenir Medium"/>
-                <a:cs typeface="Avenir Medium"/>
-              </a:rPr>
-              <a:t>USER_TRANSACTIONS </a:t>
-            </a:r>
-            <a:r>
-              <a:rPr lang="ro-RO" sz="2600" dirty="0">
-                <a:latin typeface="Avenir Medium"/>
-                <a:cs typeface="Avenir Medium"/>
-              </a:rPr>
-              <a:t>view in the data dictionary (pay attention to </a:t>
-            </a:r>
-            <a:r>
-              <a:rPr lang="ro-RO" sz="2600" dirty="0">
-                <a:solidFill>
-                  <a:srgbClr val="0070C0"/>
-                </a:solidFill>
-                <a:latin typeface="Avenir Medium"/>
-                <a:cs typeface="Avenir Medium"/>
-              </a:rPr>
-              <a:t>CACHE</a:t>
-            </a:r>
-            <a:r>
-              <a:rPr lang="ro-RO" sz="2600" dirty="0">
-                <a:latin typeface="Avenir Medium"/>
-                <a:cs typeface="Avenir Medium"/>
-              </a:rPr>
-              <a:t> parameter!)</a:t>
-            </a:r>
-          </a:p>
-          <a:p>
-            <a:endParaRPr lang="en-US" sz="3000" dirty="0">
-              <a:latin typeface="Avenir Medium"/>
-              <a:cs typeface="Avenir Medium"/>
-            </a:endParaRPr>
-          </a:p>
-          <a:p>
-            <a:endParaRPr lang="en-US" sz="3000" dirty="0">
-              <a:latin typeface="Avenir Medium"/>
-              <a:cs typeface="Avenir Medium"/>
-            </a:endParaRPr>
+              <a:t>)</a:t>
+            </a:r>
           </a:p>
         </p:txBody>
       </p:sp>
     </p:spTree>
     <p:extLst>
       <p:ext uri="{BB962C8B-B14F-4D97-AF65-F5344CB8AC3E}">
-        <p14:creationId xmlns:p14="http://schemas.microsoft.com/office/powerpoint/2010/main" val="1028615218"/>
+        <p14:creationId xmlns:p14="http://schemas.microsoft.com/office/powerpoint/2010/main" val="1151055982"/>
       </p:ext>
     </p:extLst>
   </p:cSld>
@@ -13651,18 +13760,13 @@
           <a:p>
             <a:pPr algn="ctr"/>
             <a:r>
-              <a:rPr lang="ro-RO" sz="3600" dirty="0">
+              <a:rPr lang="en-US" sz="3600" dirty="0">
                 <a:latin typeface="American Typewriter"/>
                 <a:ea typeface="Arial Unicode MS" panose="020B0604020202020204" pitchFamily="34" charset="-128"/>
                 <a:cs typeface="American Typewriter"/>
               </a:rPr>
-              <a:t>Triggers</a:t>
-            </a:r>
-            <a:endParaRPr lang="en-US" sz="3600" dirty="0">
-              <a:latin typeface="American Typewriter"/>
-              <a:ea typeface="Arial Unicode MS" panose="020B0604020202020204" pitchFamily="34" charset="-128"/>
-              <a:cs typeface="American Typewriter"/>
-            </a:endParaRPr>
+              <a:t>Sequence Calling (Invoking)</a:t>
+            </a:r>
           </a:p>
         </p:txBody>
       </p:sp>
@@ -13678,13 +13782,13 @@
         </p:nvSpPr>
         <p:spPr>
           <a:xfrm>
-            <a:off x="609600" y="1600200"/>
-            <a:ext cx="8077200" cy="5257800"/>
+            <a:off x="609600" y="1295400"/>
+            <a:ext cx="8534400" cy="5562600"/>
           </a:xfrm>
         </p:spPr>
         <p:txBody>
           <a:bodyPr>
-            <a:normAutofit fontScale="85000" lnSpcReduction="10000"/>
+            <a:normAutofit fontScale="70000" lnSpcReduction="20000"/>
           </a:bodyPr>
           <a:lstStyle/>
           <a:p>
@@ -13693,197 +13797,235 @@
                 <a:latin typeface="Avenir Medium"/>
                 <a:cs typeface="Avenir Medium"/>
               </a:rPr>
-              <a:t>Represents the core of a database logic layer within a business application</a:t>
-            </a:r>
-          </a:p>
-          <a:p>
-            <a:r>
-              <a:rPr lang="ro-RO" sz="3000" dirty="0">
-                <a:latin typeface="Avenir Medium"/>
-                <a:cs typeface="Avenir Medium"/>
-              </a:rPr>
-              <a:t>Triggers are PL/SQL modules that are launched automatically at a specific pre-</a:t>
-            </a:r>
-            <a:r>
-              <a:rPr lang="ro-RO" sz="3000" dirty="0" err="1">
-                <a:latin typeface="Avenir Medium"/>
-                <a:cs typeface="Avenir Medium"/>
-              </a:rPr>
-              <a:t>defined</a:t>
-            </a:r>
-            <a:r>
-              <a:rPr lang="ro-RO" sz="3000" dirty="0">
-                <a:latin typeface="Avenir Medium"/>
-                <a:cs typeface="Avenir Medium"/>
-              </a:rPr>
-              <a:t> event</a:t>
-            </a:r>
-          </a:p>
-          <a:p>
-            <a:r>
-              <a:rPr lang="ro-RO" sz="3000" dirty="0">
-                <a:latin typeface="Avenir Medium"/>
-                <a:cs typeface="Avenir Medium"/>
-              </a:rPr>
-              <a:t>Type of events that can be associated with a trigger:</a:t>
+              <a:t>When calling a sequence (from a PL/SQL block), we may use two main properties (called pseudo-columns): </a:t>
             </a:r>
           </a:p>
           <a:p>
             <a:pPr lvl="1"/>
             <a:r>
-              <a:rPr lang="en-US" dirty="0" err="1">
-                <a:latin typeface="Avenir Book"/>
-                <a:cs typeface="Avenir Book"/>
-              </a:rPr>
-              <a:t>Starting the database</a:t>
-            </a:r>
-          </a:p>
-          <a:p>
-            <a:pPr lvl="1"/>
-            <a:r>
-              <a:rPr lang="en-US" dirty="0" err="1">
-                <a:latin typeface="Avenir Book"/>
-                <a:cs typeface="Avenir Book"/>
-              </a:rPr>
-              <a:t>Shutting down the database</a:t>
-            </a:r>
-          </a:p>
-          <a:p>
-            <a:pPr lvl="1"/>
-            <a:r>
-              <a:rPr lang="en-US" dirty="0" err="1">
-                <a:latin typeface="Avenir Book"/>
-                <a:cs typeface="Avenir Book"/>
-              </a:rPr>
-              <a:t>Login to the database server</a:t>
-            </a:r>
-            <a:endParaRPr lang="en-US" dirty="0">
-              <a:latin typeface="Avenir Book"/>
-              <a:cs typeface="Avenir Book"/>
-            </a:endParaRPr>
-          </a:p>
-          <a:p>
-            <a:pPr lvl="1"/>
-            <a:r>
-              <a:rPr lang="en-US" dirty="0" err="1">
-                <a:latin typeface="Avenir Book"/>
-                <a:cs typeface="Avenir Book"/>
-              </a:rPr>
-              <a:t>Logout from the database server</a:t>
-            </a:r>
-            <a:endParaRPr lang="en-US" dirty="0">
-              <a:latin typeface="Avenir Book"/>
-              <a:cs typeface="Avenir Book"/>
-            </a:endParaRPr>
-          </a:p>
-          <a:p>
-            <a:pPr lvl="1"/>
-            <a:r>
-              <a:rPr lang="en-US" dirty="0">
-                <a:latin typeface="Avenir Book"/>
-                <a:cs typeface="Avenir Book"/>
-              </a:rPr>
-              <a:t>A</a:t>
-            </a:r>
-            <a:r>
-              <a:rPr lang="ro-RO" dirty="0">
-                <a:latin typeface="Avenir Book"/>
-                <a:cs typeface="Avenir Book"/>
-              </a:rPr>
-              <a:t> DDL statement (</a:t>
-            </a:r>
-            <a:r>
-              <a:rPr lang="ro-RO" dirty="0">
+              <a:rPr lang="ro-RO" sz="2600" dirty="0">
                 <a:solidFill>
                   <a:srgbClr val="0070C0"/>
                 </a:solidFill>
-                <a:latin typeface="Avenir Book"/>
-                <a:cs typeface="Avenir Book"/>
-              </a:rPr>
-              <a:t>CREATE TABLE</a:t>
-            </a:r>
-            <a:r>
-              <a:rPr lang="ro-RO" dirty="0">
-                <a:latin typeface="Avenir Book"/>
-                <a:cs typeface="Avenir Book"/>
-              </a:rPr>
-              <a:t>, </a:t>
-            </a:r>
-            <a:r>
-              <a:rPr lang="ro-RO" dirty="0">
+                <a:latin typeface="Avenir Medium"/>
+                <a:cs typeface="Avenir Medium"/>
+              </a:rPr>
+              <a:t>NEXTVAL</a:t>
+            </a:r>
+          </a:p>
+          <a:p>
+            <a:pPr lvl="1"/>
+            <a:r>
+              <a:rPr lang="ro-RO" sz="2600" dirty="0">
                 <a:solidFill>
                   <a:srgbClr val="0070C0"/>
                 </a:solidFill>
-                <a:latin typeface="Avenir Book"/>
-                <a:cs typeface="Avenir Book"/>
-              </a:rPr>
-              <a:t>DROP VIEW</a:t>
-            </a:r>
-            <a:r>
-              <a:rPr lang="ro-RO" dirty="0">
-                <a:latin typeface="Avenir Book"/>
-                <a:cs typeface="Avenir Book"/>
-              </a:rPr>
-              <a:t>, ...)</a:t>
-            </a:r>
-          </a:p>
-          <a:p>
-            <a:pPr lvl="1"/>
-            <a:r>
-              <a:rPr lang="ro-RO" b="1" dirty="0">
-                <a:latin typeface="Avenir Book"/>
-                <a:cs typeface="Avenir Book"/>
-              </a:rPr>
-              <a:t>A DML statement (</a:t>
-            </a:r>
-            <a:r>
-              <a:rPr lang="ro-RO" b="1" dirty="0">
+                <a:latin typeface="Avenir Medium"/>
+                <a:cs typeface="Avenir Medium"/>
+              </a:rPr>
+              <a:t>CURRVAL</a:t>
+            </a:r>
+            <a:endParaRPr lang="en-US" sz="2600" dirty="0">
+              <a:solidFill>
+                <a:srgbClr val="0070C0"/>
+              </a:solidFill>
+              <a:latin typeface="Avenir Medium"/>
+              <a:cs typeface="Avenir Medium"/>
+            </a:endParaRPr>
+          </a:p>
+          <a:p>
+            <a:r>
+              <a:rPr lang="en-US" sz="3000" dirty="0">
                 <a:solidFill>
                   <a:srgbClr val="0070C0"/>
                 </a:solidFill>
-                <a:latin typeface="Avenir Book"/>
-                <a:cs typeface="Avenir Book"/>
-              </a:rPr>
-              <a:t>INSERT</a:t>
-            </a:r>
-            <a:r>
-              <a:rPr lang="ro-RO" b="1" dirty="0">
-                <a:latin typeface="Avenir Book"/>
-                <a:cs typeface="Avenir Book"/>
-              </a:rPr>
-              <a:t>/</a:t>
-            </a:r>
-            <a:r>
-              <a:rPr lang="ro-RO" b="1" dirty="0">
+                <a:latin typeface="Avenir Medium"/>
+                <a:cs typeface="Avenir Medium"/>
+              </a:rPr>
+              <a:t>NEXTVAL</a:t>
+            </a:r>
+            <a:r>
+              <a:rPr lang="en-US" sz="3000" dirty="0">
+                <a:latin typeface="Avenir Medium"/>
+                <a:cs typeface="Avenir Medium"/>
+              </a:rPr>
+              <a:t>: </a:t>
+            </a:r>
+          </a:p>
+          <a:p>
+            <a:pPr lvl="1"/>
+            <a:r>
+              <a:rPr lang="en-US" sz="2600" dirty="0">
+                <a:latin typeface="Avenir Medium"/>
+                <a:cs typeface="Avenir Medium"/>
+              </a:rPr>
+              <a:t>Extracts the next value generated by the sequence</a:t>
+            </a:r>
+          </a:p>
+          <a:p>
+            <a:pPr lvl="1"/>
+            <a:r>
+              <a:rPr lang="en-US" sz="2600" dirty="0">
+                <a:latin typeface="Avenir Medium"/>
+                <a:cs typeface="Avenir Medium"/>
+              </a:rPr>
+              <a:t>Usually with </a:t>
+            </a:r>
+            <a:r>
+              <a:rPr lang="en-US" sz="2600" dirty="0">
                 <a:solidFill>
                   <a:srgbClr val="0070C0"/>
                 </a:solidFill>
-                <a:latin typeface="Avenir Book"/>
-                <a:cs typeface="Avenir Book"/>
-              </a:rPr>
-              <a:t>UPDATE</a:t>
-            </a:r>
-            <a:r>
-              <a:rPr lang="ro-RO" b="1" dirty="0">
-                <a:latin typeface="Avenir Book"/>
-                <a:cs typeface="Avenir Book"/>
-              </a:rPr>
-              <a:t>/</a:t>
-            </a:r>
-            <a:r>
-              <a:rPr lang="ro-RO" b="1" dirty="0">
+                <a:latin typeface="Avenir Medium"/>
+                <a:cs typeface="Avenir Medium"/>
+              </a:rPr>
+              <a:t>NEXTVAL</a:t>
+            </a:r>
+            <a:r>
+              <a:rPr lang="en-US" sz="2600" dirty="0">
+                <a:latin typeface="Avenir Medium"/>
+                <a:cs typeface="Avenir Medium"/>
+              </a:rPr>
+              <a:t> we set the value of a surrogate key in a </a:t>
+            </a:r>
+            <a:r>
+              <a:rPr lang="en-US" sz="2600" dirty="0">
                 <a:solidFill>
                   <a:srgbClr val="0070C0"/>
                 </a:solidFill>
-                <a:latin typeface="Avenir Book"/>
-                <a:cs typeface="Avenir Book"/>
-              </a:rPr>
-              <a:t>DELETE</a:t>
-            </a:r>
-            <a:r>
-              <a:rPr lang="ro-RO" b="1" dirty="0">
-                <a:latin typeface="Avenir Book"/>
-                <a:cs typeface="Avenir Book"/>
+                <a:latin typeface="Avenir Medium"/>
+                <a:cs typeface="Avenir Medium"/>
+              </a:rPr>
+              <a:t>BEFORE</a:t>
+            </a:r>
+            <a:r>
+              <a:rPr lang="en-US" sz="2600" dirty="0">
+                <a:latin typeface="Avenir Medium"/>
+                <a:cs typeface="Avenir Medium"/>
+              </a:rPr>
+              <a:t> </a:t>
+            </a:r>
+            <a:r>
+              <a:rPr lang="en-US" sz="2600" dirty="0">
+                <a:solidFill>
+                  <a:srgbClr val="0070C0"/>
+                </a:solidFill>
+                <a:latin typeface="Avenir Medium"/>
+                <a:cs typeface="Avenir Medium"/>
+              </a:rPr>
+              <a:t>INSERT</a:t>
+            </a:r>
+            <a:r>
+              <a:rPr lang="en-US" sz="2600" dirty="0">
+                <a:latin typeface="Avenir Medium"/>
+                <a:cs typeface="Avenir Medium"/>
+              </a:rPr>
+              <a:t> ... </a:t>
+            </a:r>
+            <a:r>
+              <a:rPr lang="en-US" sz="2600" dirty="0">
+                <a:solidFill>
+                  <a:srgbClr val="0070C0"/>
+                </a:solidFill>
+                <a:latin typeface="Avenir Medium"/>
+                <a:cs typeface="Avenir Medium"/>
+              </a:rPr>
+              <a:t>FOR EACH ROW </a:t>
+            </a:r>
+            <a:r>
+              <a:rPr lang="en-US" sz="2600" dirty="0">
+                <a:latin typeface="Avenir Medium"/>
+                <a:cs typeface="Avenir Medium"/>
+              </a:rPr>
+              <a:t>trigger of the table the surrogate key belongs to</a:t>
+            </a:r>
+          </a:p>
+          <a:p>
+            <a:pPr lvl="1"/>
+            <a:r>
+              <a:rPr lang="en-US" sz="2600" dirty="0">
+                <a:latin typeface="Avenir Medium"/>
+                <a:cs typeface="Avenir Medium"/>
+              </a:rPr>
+              <a:t>Cannot be ROLLED BACK!!!! (if </a:t>
+            </a:r>
+            <a:r>
+              <a:rPr lang="en-US" sz="2600" dirty="0">
+                <a:solidFill>
+                  <a:srgbClr val="0070C0"/>
+                </a:solidFill>
+                <a:latin typeface="Avenir Medium"/>
+                <a:cs typeface="Avenir Medium"/>
+              </a:rPr>
+              <a:t>NextVal</a:t>
+            </a:r>
+            <a:r>
+              <a:rPr lang="en-US" sz="2600" dirty="0">
+                <a:latin typeface="Avenir Medium"/>
+                <a:cs typeface="Avenir Medium"/>
+              </a:rPr>
+              <a:t> appears in a transaction that is cancelled (through </a:t>
+            </a:r>
+            <a:r>
+              <a:rPr lang="en-US" sz="2600" dirty="0">
+                <a:solidFill>
+                  <a:srgbClr val="0070C0"/>
+                </a:solidFill>
+                <a:latin typeface="Avenir Medium"/>
+                <a:cs typeface="Avenir Medium"/>
+              </a:rPr>
+              <a:t>ROLLBACK</a:t>
+            </a:r>
+            <a:r>
+              <a:rPr lang="en-US" sz="2600" dirty="0">
+                <a:latin typeface="Avenir Medium"/>
+                <a:cs typeface="Avenir Medium"/>
+              </a:rPr>
+              <a:t>), the sequence value is `lost`</a:t>
+            </a:r>
+          </a:p>
+          <a:p>
+            <a:r>
+              <a:rPr lang="ro-RO" sz="3000" dirty="0">
+                <a:solidFill>
+                  <a:srgbClr val="0070C0"/>
+                </a:solidFill>
+                <a:latin typeface="Avenir Medium"/>
+                <a:cs typeface="Avenir Medium"/>
+              </a:rPr>
+              <a:t>CURRVAL</a:t>
+            </a:r>
+            <a:r>
+              <a:rPr lang="ro-RO" sz="3000" dirty="0">
+                <a:latin typeface="Avenir Medium"/>
+                <a:cs typeface="Avenir Medium"/>
+              </a:rPr>
+              <a:t>:</a:t>
+            </a:r>
+          </a:p>
+          <a:p>
+            <a:pPr lvl="1"/>
+            <a:r>
+              <a:rPr lang="ro-RO" sz="2600" dirty="0">
+                <a:latin typeface="Avenir Medium"/>
+                <a:cs typeface="Avenir Medium"/>
+              </a:rPr>
+              <a:t>Returns (provides) the most recent (last) value generated by the sequence (trough </a:t>
+            </a:r>
+            <a:r>
+              <a:rPr lang="ro-RO" sz="2600" dirty="0">
+                <a:solidFill>
+                  <a:srgbClr val="0070C0"/>
+                </a:solidFill>
+                <a:latin typeface="Avenir Medium"/>
+                <a:cs typeface="Avenir Medium"/>
+              </a:rPr>
+              <a:t>NEXTVAL</a:t>
+            </a:r>
+            <a:r>
+              <a:rPr lang="ro-RO" sz="2600" dirty="0">
+                <a:latin typeface="Avenir Medium"/>
+                <a:cs typeface="Avenir Medium"/>
               </a:rPr>
               <a:t>)</a:t>
             </a:r>
@@ -13891,23 +14033,109 @@
           <a:p>
             <a:pPr lvl="1"/>
             <a:r>
-              <a:rPr lang="ro-RO" dirty="0">
-                <a:latin typeface="Avenir Book"/>
-                <a:cs typeface="Avenir Book"/>
-              </a:rPr>
-              <a:t>Occurence of an error within a database server</a:t>
+              <a:rPr lang="ro-RO" sz="2600" dirty="0">
+                <a:latin typeface="Avenir Medium"/>
+                <a:cs typeface="Avenir Medium"/>
+              </a:rPr>
+              <a:t>For each session, before initial call of </a:t>
+            </a:r>
+            <a:r>
+              <a:rPr lang="ro-RO" sz="2600" dirty="0">
+                <a:solidFill>
+                  <a:srgbClr val="0070C0"/>
+                </a:solidFill>
+                <a:latin typeface="Avenir Medium"/>
+                <a:cs typeface="Avenir Medium"/>
+              </a:rPr>
+              <a:t>CURRVAL</a:t>
+            </a:r>
+            <a:r>
+              <a:rPr lang="ro-RO" sz="2600" dirty="0">
+                <a:latin typeface="Avenir Medium"/>
+                <a:cs typeface="Avenir Medium"/>
+              </a:rPr>
+              <a:t>, the sequence must be initiated with a </a:t>
+            </a:r>
+            <a:r>
+              <a:rPr lang="ro-RO" sz="2600" dirty="0">
+                <a:solidFill>
+                  <a:srgbClr val="0070C0"/>
+                </a:solidFill>
+                <a:latin typeface="Avenir Medium"/>
+                <a:cs typeface="Avenir Medium"/>
+              </a:rPr>
+              <a:t>NEXTVAL</a:t>
+            </a:r>
+            <a:r>
+              <a:rPr lang="ro-RO" sz="2600" dirty="0">
+                <a:latin typeface="Avenir Medium"/>
+                <a:cs typeface="Avenir Medium"/>
+              </a:rPr>
+              <a:t> clause</a:t>
             </a:r>
           </a:p>
           <a:p>
             <a:pPr lvl="1"/>
-            <a:endParaRPr lang="en-US" dirty="0"/>
+            <a:r>
+              <a:rPr lang="ro-RO" sz="2600" dirty="0">
+                <a:latin typeface="Avenir Medium"/>
+                <a:cs typeface="Avenir Medium"/>
+              </a:rPr>
+              <a:t>If we need to know the last generated sequence value without `spending` a value we cal use </a:t>
+            </a:r>
+            <a:r>
+              <a:rPr lang="ro-RO" sz="2600" dirty="0">
+                <a:solidFill>
+                  <a:srgbClr val="0070C0"/>
+                </a:solidFill>
+                <a:latin typeface="Avenir Medium"/>
+                <a:cs typeface="Avenir Medium"/>
+              </a:rPr>
+              <a:t>USER_TRANSACTIONS </a:t>
+            </a:r>
+            <a:r>
+              <a:rPr lang="ro-RO" sz="2600" dirty="0">
+                <a:latin typeface="Avenir Medium"/>
+                <a:cs typeface="Avenir Medium"/>
+              </a:rPr>
+              <a:t>view in the data dictionary (pay attention to </a:t>
+            </a:r>
+            <a:r>
+              <a:rPr lang="ro-RO" sz="2600" dirty="0">
+                <a:solidFill>
+                  <a:srgbClr val="0070C0"/>
+                </a:solidFill>
+                <a:latin typeface="Avenir Medium"/>
+                <a:cs typeface="Avenir Medium"/>
+              </a:rPr>
+              <a:t>CACHE</a:t>
+            </a:r>
+            <a:r>
+              <a:rPr lang="ro-RO" sz="2600" dirty="0">
+                <a:latin typeface="Avenir Medium"/>
+                <a:cs typeface="Avenir Medium"/>
+              </a:rPr>
+              <a:t> parameter!)</a:t>
+            </a:r>
+          </a:p>
+          <a:p>
+            <a:endParaRPr lang="en-US" sz="3000" dirty="0">
+              <a:latin typeface="Avenir Medium"/>
+              <a:cs typeface="Avenir Medium"/>
+            </a:endParaRPr>
+          </a:p>
+          <a:p>
+            <a:endParaRPr lang="en-US" sz="3000" dirty="0">
+              <a:latin typeface="Avenir Medium"/>
+              <a:cs typeface="Avenir Medium"/>
+            </a:endParaRPr>
           </a:p>
         </p:txBody>
       </p:sp>
     </p:spTree>
     <p:extLst>
       <p:ext uri="{BB962C8B-B14F-4D97-AF65-F5344CB8AC3E}">
-        <p14:creationId xmlns:p14="http://schemas.microsoft.com/office/powerpoint/2010/main" val="527250167"/>
+        <p14:creationId xmlns:p14="http://schemas.microsoft.com/office/powerpoint/2010/main" val="1028615218"/>
       </p:ext>
     </p:extLst>
   </p:cSld>
@@ -13961,7 +14189,7 @@
                 <a:ea typeface="Arial Unicode MS" panose="020B0604020202020204" pitchFamily="34" charset="-128"/>
                 <a:cs typeface="American Typewriter"/>
               </a:rPr>
-              <a:t>Some Trigger Applications</a:t>
+              <a:t>Triggers</a:t>
             </a:r>
             <a:endParaRPr lang="en-US" sz="3600" dirty="0">
               <a:latin typeface="American Typewriter"/>
@@ -13984,12 +14212,12 @@
         <p:spPr>
           <a:xfrm>
             <a:off x="609600" y="1600200"/>
-            <a:ext cx="8458200" cy="5029200"/>
+            <a:ext cx="8077200" cy="5257800"/>
           </a:xfrm>
         </p:spPr>
         <p:txBody>
           <a:bodyPr>
-            <a:normAutofit fontScale="85000" lnSpcReduction="20000"/>
+            <a:normAutofit fontScale="85000" lnSpcReduction="10000"/>
           </a:bodyPr>
           <a:lstStyle/>
           <a:p>
@@ -13998,269 +14226,221 @@
                 <a:latin typeface="Avenir Medium"/>
                 <a:cs typeface="Avenir Medium"/>
               </a:rPr>
-              <a:t>Surrogate key handling</a:t>
-            </a:r>
-          </a:p>
-          <a:p>
-            <a:r>
-              <a:rPr lang="ro-RO" sz="3000" dirty="0">
-                <a:latin typeface="Avenir Medium"/>
-                <a:cs typeface="Avenir Medium"/>
-              </a:rPr>
-              <a:t>CASCADE </a:t>
+              <a:t>Represents the core of a database logic layer within a business application</a:t>
+            </a:r>
+          </a:p>
+          <a:p>
+            <a:r>
+              <a:rPr lang="ro-RO" sz="3000" dirty="0">
+                <a:latin typeface="Avenir Medium"/>
+                <a:cs typeface="Avenir Medium"/>
+              </a:rPr>
+              <a:t>Triggers are PL/SQL modules that are launched automatically at a specific pre-</a:t>
             </a:r>
             <a:r>
               <a:rPr lang="ro-RO" sz="3000" dirty="0" err="1">
                 <a:latin typeface="Avenir Medium"/>
                 <a:cs typeface="Avenir Medium"/>
               </a:rPr>
-              <a:t>UPDATEs</a:t>
-            </a:r>
-            <a:r>
-              <a:rPr lang="ro-RO" sz="3000" dirty="0">
-                <a:latin typeface="Avenir Medium"/>
-                <a:cs typeface="Avenir Medium"/>
-              </a:rPr>
-              <a:t> - </a:t>
-            </a:r>
-            <a:r>
-              <a:rPr lang="ro-RO" sz="3000" dirty="0" err="1">
-                <a:latin typeface="Avenir Medium"/>
-                <a:cs typeface="Avenir Medium"/>
-              </a:rPr>
-              <a:t>when</a:t>
-            </a:r>
-            <a:r>
-              <a:rPr lang="ro-RO" sz="3000" dirty="0">
-                <a:latin typeface="Avenir Medium"/>
-                <a:cs typeface="Avenir Medium"/>
-              </a:rPr>
-              <a:t> </a:t>
-            </a:r>
-            <a:r>
-              <a:rPr lang="ro-RO" sz="3000" dirty="0" err="1">
-                <a:latin typeface="Avenir Medium"/>
-                <a:cs typeface="Avenir Medium"/>
-              </a:rPr>
-              <a:t>one</a:t>
-            </a:r>
-            <a:r>
-              <a:rPr lang="ro-RO" sz="3000" dirty="0">
-                <a:latin typeface="Avenir Medium"/>
-                <a:cs typeface="Avenir Medium"/>
-              </a:rPr>
-              <a:t> or more </a:t>
-            </a:r>
-            <a:r>
-              <a:rPr lang="ro-RO" sz="3000" dirty="0" err="1">
-                <a:latin typeface="Avenir Medium"/>
-                <a:cs typeface="Avenir Medium"/>
-              </a:rPr>
-              <a:t>values</a:t>
-            </a:r>
-            <a:r>
-              <a:rPr lang="ro-RO" sz="3000" dirty="0">
-                <a:latin typeface="Avenir Medium"/>
-                <a:cs typeface="Avenir Medium"/>
-              </a:rPr>
-              <a:t> of </a:t>
-            </a:r>
-            <a:r>
-              <a:rPr lang="ro-RO" sz="3000" dirty="0" err="1">
-                <a:latin typeface="Avenir Medium"/>
-                <a:cs typeface="Avenir Medium"/>
-              </a:rPr>
-              <a:t>the</a:t>
-            </a:r>
-            <a:r>
-              <a:rPr lang="ro-RO" sz="3000" dirty="0">
-                <a:latin typeface="Avenir Medium"/>
-                <a:cs typeface="Avenir Medium"/>
-              </a:rPr>
-              <a:t> </a:t>
-            </a:r>
-            <a:r>
-              <a:rPr lang="ro-RO" sz="3000" dirty="0" err="1">
-                <a:latin typeface="Avenir Medium"/>
-                <a:cs typeface="Avenir Medium"/>
-              </a:rPr>
-              <a:t>primary</a:t>
-            </a:r>
-            <a:r>
-              <a:rPr lang="ro-RO" sz="3000" dirty="0">
-                <a:latin typeface="Avenir Medium"/>
-                <a:cs typeface="Avenir Medium"/>
-              </a:rPr>
-              <a:t> </a:t>
-            </a:r>
-            <a:r>
-              <a:rPr lang="ro-RO" sz="3000" dirty="0" err="1">
-                <a:latin typeface="Avenir Medium"/>
-                <a:cs typeface="Avenir Medium"/>
-              </a:rPr>
-              <a:t>key</a:t>
-            </a:r>
-            <a:r>
-              <a:rPr lang="ro-RO" sz="3000" dirty="0">
-                <a:latin typeface="Avenir Medium"/>
-                <a:cs typeface="Avenir Medium"/>
-              </a:rPr>
-              <a:t> are </a:t>
-            </a:r>
-            <a:r>
-              <a:rPr lang="ro-RO" sz="3000" dirty="0" err="1">
-                <a:latin typeface="Avenir Medium"/>
-                <a:cs typeface="Avenir Medium"/>
-              </a:rPr>
-              <a:t>updated</a:t>
-            </a:r>
-            <a:r>
-              <a:rPr lang="ro-RO" sz="3000" dirty="0">
-                <a:latin typeface="Avenir Medium"/>
-                <a:cs typeface="Avenir Medium"/>
-              </a:rPr>
-              <a:t> (in </a:t>
-            </a:r>
-            <a:r>
-              <a:rPr lang="ro-RO" sz="3000" dirty="0" err="1">
-                <a:latin typeface="Avenir Medium"/>
-                <a:cs typeface="Avenir Medium"/>
-              </a:rPr>
-              <a:t>the</a:t>
-            </a:r>
-            <a:r>
-              <a:rPr lang="ro-RO" sz="3000" dirty="0">
-                <a:latin typeface="Avenir Medium"/>
-                <a:cs typeface="Avenir Medium"/>
-              </a:rPr>
-              <a:t> </a:t>
-            </a:r>
-            <a:r>
-              <a:rPr lang="ro-RO" sz="3000" dirty="0" err="1">
-                <a:latin typeface="Avenir Medium"/>
-                <a:cs typeface="Avenir Medium"/>
-              </a:rPr>
-              <a:t>parent</a:t>
-            </a:r>
-            <a:r>
-              <a:rPr lang="ro-RO" sz="3000" dirty="0">
-                <a:latin typeface="Avenir Medium"/>
-                <a:cs typeface="Avenir Medium"/>
-              </a:rPr>
-              <a:t> table) </a:t>
-            </a:r>
-            <a:r>
-              <a:rPr lang="ro-RO" sz="3000" dirty="0" err="1">
-                <a:latin typeface="Avenir Medium"/>
-                <a:cs typeface="Avenir Medium"/>
-              </a:rPr>
-              <a:t>they</a:t>
-            </a:r>
-            <a:r>
-              <a:rPr lang="ro-RO" sz="3000" dirty="0">
-                <a:latin typeface="Avenir Medium"/>
-                <a:cs typeface="Avenir Medium"/>
-              </a:rPr>
-              <a:t> must be propagated into all the </a:t>
-            </a:r>
-            <a:r>
-              <a:rPr lang="ro-RO" sz="3000" dirty="0" err="1">
-                <a:latin typeface="Avenir Medium"/>
-                <a:cs typeface="Avenir Medium"/>
-              </a:rPr>
-              <a:t>children</a:t>
-            </a:r>
-            <a:r>
-              <a:rPr lang="ro-RO" sz="3000" dirty="0">
-                <a:latin typeface="Avenir Medium"/>
-                <a:cs typeface="Avenir Medium"/>
-              </a:rPr>
-              <a:t> </a:t>
-            </a:r>
-            <a:r>
-              <a:rPr lang="ro-RO" sz="3000" dirty="0" err="1">
-                <a:latin typeface="Avenir Medium"/>
-                <a:cs typeface="Avenir Medium"/>
-              </a:rPr>
-              <a:t>tables</a:t>
-            </a:r>
-            <a:r>
-              <a:rPr lang="ro-RO" sz="3000" dirty="0">
-                <a:latin typeface="Avenir Medium"/>
-                <a:cs typeface="Avenir Medium"/>
-              </a:rPr>
-              <a:t> </a:t>
-            </a:r>
-          </a:p>
-          <a:p>
-            <a:r>
-              <a:rPr lang="ro-RO" sz="3000" dirty="0">
-                <a:latin typeface="Avenir Medium"/>
-                <a:cs typeface="Avenir Medium"/>
-              </a:rPr>
-              <a:t>Computed (derived, redundant) attributes management, </a:t>
-            </a:r>
-            <a:r>
-              <a:rPr lang="ro-RO" sz="3000" dirty="0" err="1">
-                <a:latin typeface="Avenir Medium"/>
-                <a:cs typeface="Avenir Medium"/>
-              </a:rPr>
-              <a:t>through</a:t>
-            </a:r>
-            <a:r>
-              <a:rPr lang="ro-RO" sz="3000" dirty="0">
-                <a:latin typeface="Avenir Medium"/>
-                <a:cs typeface="Avenir Medium"/>
-              </a:rPr>
-              <a:t> automatic updates (see Invoice_Amount, Account_Current_Balance, etc.)</a:t>
-            </a:r>
-          </a:p>
-          <a:p>
-            <a:r>
-              <a:rPr lang="ro-RO" sz="3000" dirty="0">
-                <a:latin typeface="Avenir Medium"/>
-                <a:cs typeface="Avenir Medium"/>
-              </a:rPr>
-              <a:t>Implementing complex constraints</a:t>
-            </a:r>
-          </a:p>
-          <a:p>
-            <a:r>
-              <a:rPr lang="ro-RO" sz="3000" dirty="0">
-                <a:latin typeface="Avenir Medium"/>
-                <a:cs typeface="Avenir Medium"/>
-              </a:rPr>
-              <a:t>Preventing unauthorized access and updates to the computed attributes and/or any other sensitive information</a:t>
-            </a:r>
-          </a:p>
-          <a:p>
-            <a:r>
-              <a:rPr lang="ro-RO" sz="3000" dirty="0">
-                <a:latin typeface="Avenir Medium"/>
-                <a:cs typeface="Avenir Medium"/>
-              </a:rPr>
-              <a:t>Declaring/implementing complex business rules</a:t>
-            </a:r>
-          </a:p>
-          <a:p>
-            <a:r>
-              <a:rPr lang="ro-RO" sz="3000" dirty="0">
-                <a:latin typeface="Avenir Medium"/>
-                <a:cs typeface="Avenir Medium"/>
-              </a:rPr>
-              <a:t>Logging of sensitive transactions</a:t>
-            </a:r>
-            <a:endParaRPr lang="en-US" sz="3000" dirty="0">
-              <a:latin typeface="Avenir Medium"/>
-              <a:cs typeface="Avenir Medium"/>
+              <a:t>defined</a:t>
+            </a:r>
+            <a:r>
+              <a:rPr lang="ro-RO" sz="3000" dirty="0">
+                <a:latin typeface="Avenir Medium"/>
+                <a:cs typeface="Avenir Medium"/>
+              </a:rPr>
+              <a:t> event</a:t>
+            </a:r>
+          </a:p>
+          <a:p>
+            <a:r>
+              <a:rPr lang="ro-RO" sz="3000" dirty="0">
+                <a:latin typeface="Avenir Medium"/>
+                <a:cs typeface="Avenir Medium"/>
+              </a:rPr>
+              <a:t>Type of events that can be associated with a trigger:</a:t>
+            </a:r>
+          </a:p>
+          <a:p>
+            <a:pPr lvl="1"/>
+            <a:r>
+              <a:rPr lang="en-US" dirty="0" err="1">
+                <a:latin typeface="Avenir Book"/>
+                <a:cs typeface="Avenir Book"/>
+              </a:rPr>
+              <a:t>Starting the database</a:t>
+            </a:r>
+          </a:p>
+          <a:p>
+            <a:pPr lvl="1"/>
+            <a:r>
+              <a:rPr lang="en-US" dirty="0" err="1">
+                <a:latin typeface="Avenir Book"/>
+                <a:cs typeface="Avenir Book"/>
+              </a:rPr>
+              <a:t>Shutting down the database</a:t>
+            </a:r>
+          </a:p>
+          <a:p>
+            <a:pPr lvl="1"/>
+            <a:r>
+              <a:rPr lang="en-US" dirty="0" err="1">
+                <a:latin typeface="Avenir Book"/>
+                <a:cs typeface="Avenir Book"/>
+              </a:rPr>
+              <a:t>Login to the database server</a:t>
+            </a:r>
+            <a:endParaRPr lang="en-US" dirty="0">
+              <a:latin typeface="Avenir Book"/>
+              <a:cs typeface="Avenir Book"/>
             </a:endParaRPr>
+          </a:p>
+          <a:p>
+            <a:pPr lvl="1"/>
+            <a:r>
+              <a:rPr lang="en-US" dirty="0" err="1">
+                <a:latin typeface="Avenir Book"/>
+                <a:cs typeface="Avenir Book"/>
+              </a:rPr>
+              <a:t>Logout from the database server</a:t>
+            </a:r>
+            <a:endParaRPr lang="en-US" dirty="0">
+              <a:latin typeface="Avenir Book"/>
+              <a:cs typeface="Avenir Book"/>
+            </a:endParaRPr>
+          </a:p>
+          <a:p>
+            <a:pPr lvl="1"/>
+            <a:r>
+              <a:rPr lang="en-US" dirty="0">
+                <a:latin typeface="Avenir Book"/>
+                <a:cs typeface="Avenir Book"/>
+              </a:rPr>
+              <a:t>A</a:t>
+            </a:r>
+            <a:r>
+              <a:rPr lang="ro-RO" dirty="0">
+                <a:latin typeface="Avenir Book"/>
+                <a:cs typeface="Avenir Book"/>
+              </a:rPr>
+              <a:t> DDL statement (</a:t>
+            </a:r>
+            <a:r>
+              <a:rPr lang="ro-RO" dirty="0">
+                <a:solidFill>
+                  <a:srgbClr val="0070C0"/>
+                </a:solidFill>
+                <a:latin typeface="Avenir Book"/>
+                <a:cs typeface="Avenir Book"/>
+              </a:rPr>
+              <a:t>CREATE TABLE</a:t>
+            </a:r>
+            <a:r>
+              <a:rPr lang="ro-RO" dirty="0">
+                <a:latin typeface="Avenir Book"/>
+                <a:cs typeface="Avenir Book"/>
+              </a:rPr>
+              <a:t>, </a:t>
+            </a:r>
+            <a:r>
+              <a:rPr lang="ro-RO" dirty="0">
+                <a:solidFill>
+                  <a:srgbClr val="0070C0"/>
+                </a:solidFill>
+                <a:latin typeface="Avenir Book"/>
+                <a:cs typeface="Avenir Book"/>
+              </a:rPr>
+              <a:t>DROP VIEW</a:t>
+            </a:r>
+            <a:r>
+              <a:rPr lang="ro-RO" dirty="0">
+                <a:latin typeface="Avenir Book"/>
+                <a:cs typeface="Avenir Book"/>
+              </a:rPr>
+              <a:t>, ...)</a:t>
+            </a:r>
+          </a:p>
+          <a:p>
+            <a:pPr lvl="1"/>
+            <a:r>
+              <a:rPr lang="ro-RO" b="1" dirty="0">
+                <a:latin typeface="Avenir Book"/>
+                <a:cs typeface="Avenir Book"/>
+              </a:rPr>
+              <a:t>A DML statement (</a:t>
+            </a:r>
+            <a:r>
+              <a:rPr lang="ro-RO" b="1" dirty="0">
+                <a:solidFill>
+                  <a:srgbClr val="0070C0"/>
+                </a:solidFill>
+                <a:latin typeface="Avenir Book"/>
+                <a:cs typeface="Avenir Book"/>
+              </a:rPr>
+              <a:t>INSERT</a:t>
+            </a:r>
+            <a:r>
+              <a:rPr lang="ro-RO" b="1" dirty="0">
+                <a:latin typeface="Avenir Book"/>
+                <a:cs typeface="Avenir Book"/>
+              </a:rPr>
+              <a:t>/</a:t>
+            </a:r>
+            <a:r>
+              <a:rPr lang="ro-RO" b="1" dirty="0">
+                <a:solidFill>
+                  <a:srgbClr val="0070C0"/>
+                </a:solidFill>
+                <a:latin typeface="Avenir Book"/>
+                <a:cs typeface="Avenir Book"/>
+              </a:rPr>
+              <a:t>UPDATE</a:t>
+            </a:r>
+            <a:r>
+              <a:rPr lang="ro-RO" b="1" dirty="0">
+                <a:latin typeface="Avenir Book"/>
+                <a:cs typeface="Avenir Book"/>
+              </a:rPr>
+              <a:t>/</a:t>
+            </a:r>
+            <a:r>
+              <a:rPr lang="ro-RO" b="1" dirty="0">
+                <a:solidFill>
+                  <a:srgbClr val="0070C0"/>
+                </a:solidFill>
+                <a:latin typeface="Avenir Book"/>
+                <a:cs typeface="Avenir Book"/>
+              </a:rPr>
+              <a:t>DELETE</a:t>
+            </a:r>
+            <a:r>
+              <a:rPr lang="ro-RO" b="1" dirty="0">
+                <a:latin typeface="Avenir Book"/>
+                <a:cs typeface="Avenir Book"/>
+              </a:rPr>
+              <a:t>)</a:t>
+            </a:r>
+          </a:p>
+          <a:p>
+            <a:pPr lvl="1"/>
+            <a:r>
+              <a:rPr lang="ro-RO" dirty="0">
+                <a:latin typeface="Avenir Book"/>
+                <a:cs typeface="Avenir Book"/>
+              </a:rPr>
+              <a:t>Occurence of an error within a database server</a:t>
+            </a:r>
+          </a:p>
+          <a:p>
+            <a:pPr lvl="1"/>
+            <a:endParaRPr lang="en-US" dirty="0"/>
           </a:p>
         </p:txBody>
       </p:sp>
     </p:spTree>
     <p:extLst>
       <p:ext uri="{BB962C8B-B14F-4D97-AF65-F5344CB8AC3E}">
-        <p14:creationId xmlns:p14="http://schemas.microsoft.com/office/powerpoint/2010/main" val="2415595335"/>
+        <p14:creationId xmlns:p14="http://schemas.microsoft.com/office/powerpoint/2010/main" val="527250167"/>
       </p:ext>
     </p:extLst>
   </p:cSld>

--- a/06_Triggers/06-01_en_Triggers - part 1.pptx
+++ b/06_Triggers/06-01_en_Triggers - part 1.pptx
@@ -8545,29 +8545,44 @@
         </p:spPr>
         <p:txBody>
           <a:bodyPr>
-            <a:normAutofit fontScale="70000" lnSpcReduction="20000"/>
+            <a:normAutofit fontScale="62500" lnSpcReduction="20000"/>
           </a:bodyPr>
           <a:lstStyle/>
           <a:p>
             <a:r>
-              <a:rPr lang="ro-RO" sz="3000" dirty="0">
-                <a:latin typeface="Avenir Medium"/>
-                <a:cs typeface="Avenir Medium"/>
-              </a:rPr>
-              <a:t>Triggers in PL/SQL (Manish Sharma)</a:t>
-            </a:r>
-          </a:p>
-          <a:p>
-            <a:pPr marL="82296" indent="0">
-              <a:buNone/>
-            </a:pPr>
-            <a:r>
-              <a:rPr lang="ro-RO" sz="3000" dirty="0">
-                <a:latin typeface="Avenir Medium"/>
-                <a:cs typeface="Avenir Medium"/>
-                <a:hlinkClick r:id="rId2"/>
-              </a:rPr>
-              <a:t>http://www.rebellionrider.com/pl-sql-tutorials/triggers-in-oracle-database/introduction-of-triggers-in-oracle-database.htm#.Wg3Ufa2B1E4</a:t>
+              <a:rPr lang="ro-RO" sz="3000" dirty="0" err="1">
+                <a:latin typeface="Avenir Medium"/>
+                <a:cs typeface="Avenir Medium"/>
+              </a:rPr>
+              <a:t>Database</a:t>
+            </a:r>
+            <a:r>
+              <a:rPr lang="ro-RO" sz="3000" dirty="0">
+                <a:latin typeface="Avenir Medium"/>
+                <a:cs typeface="Avenir Medium"/>
+              </a:rPr>
+              <a:t> </a:t>
+            </a:r>
+            <a:r>
+              <a:rPr lang="ro-RO" sz="3000" dirty="0" err="1">
+                <a:latin typeface="Avenir Medium"/>
+                <a:cs typeface="Avenir Medium"/>
+              </a:rPr>
+              <a:t>Triggers</a:t>
+            </a:r>
+            <a:r>
+              <a:rPr lang="ro-RO" sz="3000" dirty="0">
+                <a:latin typeface="Avenir Medium"/>
+                <a:cs typeface="Avenir Medium"/>
+              </a:rPr>
+              <a:t> </a:t>
+            </a:r>
+            <a:r>
+              <a:rPr lang="ro-RO" sz="3000" dirty="0" err="1">
+                <a:latin typeface="Avenir Medium"/>
+                <a:cs typeface="Avenir Medium"/>
+              </a:rPr>
+              <a:t>Overview</a:t>
             </a:r>
             <a:endParaRPr lang="ro-RO" sz="3000" dirty="0">
               <a:latin typeface="Avenir Medium"/>
@@ -8575,50 +8590,165 @@
             </a:endParaRPr>
           </a:p>
           <a:p>
+            <a:pPr marL="82296" indent="0">
+              <a:buNone/>
+            </a:pPr>
+            <a:r>
+              <a:rPr lang="ro-RO" sz="3000" dirty="0">
+                <a:latin typeface="Avenir Medium"/>
+                <a:cs typeface="Avenir Medium"/>
+                <a:hlinkClick r:id="rId2"/>
+              </a:rPr>
+              <a:t>https://oracle-base.com/articles/misc/database-triggers-overview</a:t>
+            </a:r>
             <a:endParaRPr lang="ro-RO" sz="3000" dirty="0">
               <a:latin typeface="Avenir Medium"/>
               <a:cs typeface="Avenir Medium"/>
             </a:endParaRPr>
           </a:p>
           <a:p>
-            <a:r>
-              <a:rPr lang="ro-RO" sz="3000" dirty="0">
-                <a:latin typeface="Avenir Medium"/>
-                <a:cs typeface="Avenir Medium"/>
-              </a:rPr>
-              <a:t>PL/SQL Triggers</a:t>
-            </a:r>
-          </a:p>
-          <a:p>
-            <a:pPr marL="82296" indent="0">
-              <a:buNone/>
-            </a:pPr>
-            <a:r>
-              <a:rPr lang="ro-RO" sz="3000" dirty="0">
-                <a:latin typeface="Avenir Medium"/>
-                <a:cs typeface="Avenir Medium"/>
-                <a:hlinkClick r:id="rId3"/>
-              </a:rPr>
-              <a:t>http://www.way2tutorial.com/plsql/plsql_triggers.php</a:t>
-            </a:r>
             <a:endParaRPr lang="ro-RO" sz="3000" dirty="0">
               <a:latin typeface="Avenir Medium"/>
               <a:cs typeface="Avenir Medium"/>
             </a:endParaRPr>
           </a:p>
           <a:p>
+            <a:r>
+              <a:rPr lang="ro-RO" sz="3000" dirty="0" err="1">
+                <a:latin typeface="Avenir Medium"/>
+                <a:cs typeface="Avenir Medium"/>
+              </a:rPr>
+              <a:t>Database</a:t>
+            </a:r>
+            <a:r>
+              <a:rPr lang="ro-RO" sz="3000" dirty="0">
+                <a:latin typeface="Avenir Medium"/>
+                <a:cs typeface="Avenir Medium"/>
+              </a:rPr>
+              <a:t> PL/SQL </a:t>
+            </a:r>
+            <a:r>
+              <a:rPr lang="ro-RO" sz="3000" dirty="0" err="1">
+                <a:latin typeface="Avenir Medium"/>
+                <a:cs typeface="Avenir Medium"/>
+              </a:rPr>
+              <a:t>Language</a:t>
+            </a:r>
+            <a:r>
+              <a:rPr lang="ro-RO" sz="3000" dirty="0">
+                <a:latin typeface="Avenir Medium"/>
+                <a:cs typeface="Avenir Medium"/>
+              </a:rPr>
+              <a:t> </a:t>
+            </a:r>
+            <a:r>
+              <a:rPr lang="ro-RO" sz="3000" dirty="0" err="1">
+                <a:latin typeface="Avenir Medium"/>
+                <a:cs typeface="Avenir Medium"/>
+              </a:rPr>
+              <a:t>Reference</a:t>
+            </a:r>
+            <a:r>
+              <a:rPr lang="ro-RO" sz="3000" dirty="0">
+                <a:latin typeface="Avenir Medium"/>
+                <a:cs typeface="Avenir Medium"/>
+              </a:rPr>
+              <a:t> (2021)</a:t>
+            </a:r>
+          </a:p>
+          <a:p>
+            <a:pPr marL="82296" indent="0">
+              <a:buNone/>
+            </a:pPr>
+            <a:r>
+              <a:rPr lang="ro-RO" sz="3000" dirty="0">
+                <a:latin typeface="Avenir Medium"/>
+                <a:cs typeface="Avenir Medium"/>
+                <a:hlinkClick r:id="rId3"/>
+              </a:rPr>
+              <a:t>https://docs.oracle.com/en/database/oracle/oracle-database/19/lnpls/plsql-triggers.html#GUID-217E8B13-29EF-45F3-8D0F-2384F9F1D231</a:t>
+            </a:r>
             <a:endParaRPr lang="ro-RO" sz="3000" dirty="0">
               <a:latin typeface="Avenir Medium"/>
               <a:cs typeface="Avenir Medium"/>
             </a:endParaRPr>
           </a:p>
           <a:p>
-            <a:r>
-              <a:rPr lang="ro-RO" sz="3000" dirty="0">
-                <a:latin typeface="Avenir Medium"/>
-                <a:cs typeface="Avenir Medium"/>
-              </a:rPr>
-              <a:t>Database Triggers Overview</a:t>
+            <a:endParaRPr lang="ro-RO" sz="3000" dirty="0">
+              <a:latin typeface="Avenir Medium"/>
+              <a:cs typeface="Avenir Medium"/>
+            </a:endParaRPr>
+          </a:p>
+          <a:p>
+            <a:r>
+              <a:rPr lang="ro-RO" sz="3000" dirty="0" err="1">
+                <a:latin typeface="Avenir Medium"/>
+                <a:cs typeface="Avenir Medium"/>
+              </a:rPr>
+              <a:t>Triggers</a:t>
+            </a:r>
+            <a:r>
+              <a:rPr lang="ro-RO" sz="3000" dirty="0">
+                <a:latin typeface="Avenir Medium"/>
+                <a:cs typeface="Avenir Medium"/>
+              </a:rPr>
+              <a:t> In PL SQL: </a:t>
+            </a:r>
+            <a:r>
+              <a:rPr lang="ro-RO" sz="3000" dirty="0" err="1">
+                <a:latin typeface="Avenir Medium"/>
+                <a:cs typeface="Avenir Medium"/>
+              </a:rPr>
+              <a:t>Tutorial</a:t>
+            </a:r>
+            <a:r>
+              <a:rPr lang="ro-RO" sz="3000" dirty="0">
+                <a:latin typeface="Avenir Medium"/>
+                <a:cs typeface="Avenir Medium"/>
+              </a:rPr>
+              <a:t> </a:t>
+            </a:r>
+            <a:r>
+              <a:rPr lang="ro-RO" sz="3000" dirty="0" err="1">
+                <a:latin typeface="Avenir Medium"/>
+                <a:cs typeface="Avenir Medium"/>
+              </a:rPr>
+              <a:t>With</a:t>
+            </a:r>
+            <a:r>
+              <a:rPr lang="ro-RO" sz="3000" dirty="0">
+                <a:latin typeface="Avenir Medium"/>
+                <a:cs typeface="Avenir Medium"/>
+              </a:rPr>
+              <a:t> </a:t>
+            </a:r>
+            <a:r>
+              <a:rPr lang="ro-RO" sz="3000" dirty="0" err="1">
+                <a:latin typeface="Avenir Medium"/>
+                <a:cs typeface="Avenir Medium"/>
+              </a:rPr>
+              <a:t>Example</a:t>
+            </a:r>
+            <a:r>
+              <a:rPr lang="ro-RO" sz="3000" dirty="0">
+                <a:latin typeface="Avenir Medium"/>
+                <a:cs typeface="Avenir Medium"/>
+              </a:rPr>
+              <a:t> </a:t>
+            </a:r>
+            <a:r>
+              <a:rPr lang="ro-RO" sz="3000" dirty="0" err="1">
+                <a:latin typeface="Avenir Medium"/>
+                <a:cs typeface="Avenir Medium"/>
+              </a:rPr>
+              <a:t>Programs</a:t>
+            </a:r>
+            <a:r>
+              <a:rPr lang="ro-RO" sz="3000" dirty="0">
+                <a:latin typeface="Avenir Medium"/>
+                <a:cs typeface="Avenir Medium"/>
+              </a:rPr>
+              <a:t> (2021)</a:t>
             </a:r>
           </a:p>
           <a:p>
@@ -8631,7 +8761,7 @@
                 <a:cs typeface="Avenir Medium"/>
                 <a:hlinkClick r:id="rId4"/>
               </a:rPr>
-              <a:t>https://oracle-base.com/articles/misc/database-triggers-overview</a:t>
+              <a:t>https://www.softwaretestinghelp.com/triggers-in-pl-sql/</a:t>
             </a:r>
             <a:endParaRPr lang="ro-RO" sz="3000" dirty="0">
               <a:latin typeface="Avenir Medium"/>
@@ -8649,11 +8779,32 @@
           </a:p>
           <a:p>
             <a:r>
-              <a:rPr lang="ro-RO" sz="3000" dirty="0">
-                <a:latin typeface="Avenir Medium"/>
-                <a:cs typeface="Avenir Medium"/>
-              </a:rPr>
-              <a:t>Triggers : Trigger « Trigger « Oracle PL/SQL Tutorial </a:t>
+              <a:rPr lang="ro-RO" sz="3000" dirty="0" err="1">
+                <a:latin typeface="Avenir Medium"/>
+                <a:cs typeface="Avenir Medium"/>
+              </a:rPr>
+              <a:t>Triggers</a:t>
+            </a:r>
+            <a:r>
+              <a:rPr lang="ro-RO" sz="3000" dirty="0">
+                <a:latin typeface="Avenir Medium"/>
+                <a:cs typeface="Avenir Medium"/>
+              </a:rPr>
+              <a:t> : Trigger « Trigger « Oracle PL/SQL </a:t>
+            </a:r>
+            <a:r>
+              <a:rPr lang="ro-RO" sz="3000" dirty="0" err="1">
+                <a:latin typeface="Avenir Medium"/>
+                <a:cs typeface="Avenir Medium"/>
+              </a:rPr>
+              <a:t>Tutorial</a:t>
+            </a:r>
+            <a:r>
+              <a:rPr lang="ro-RO" sz="3000" dirty="0">
+                <a:latin typeface="Avenir Medium"/>
+                <a:cs typeface="Avenir Medium"/>
+              </a:rPr>
+              <a:t> </a:t>
             </a:r>
             <a:r>
               <a:rPr lang="ro-RO" sz="3000" dirty="0">
@@ -8676,11 +8827,18 @@
           </a:p>
           <a:p>
             <a:r>
-              <a:rPr lang="ro-RO" sz="3000" dirty="0">
-                <a:latin typeface="Avenir Medium"/>
-                <a:cs typeface="Avenir Medium"/>
-              </a:rPr>
-              <a:t>Triggers in PL/SQL</a:t>
+              <a:rPr lang="ro-RO" sz="3000" dirty="0" err="1">
+                <a:latin typeface="Avenir Medium"/>
+                <a:cs typeface="Avenir Medium"/>
+              </a:rPr>
+              <a:t>Triggers</a:t>
+            </a:r>
+            <a:r>
+              <a:rPr lang="ro-RO" sz="3000" dirty="0">
+                <a:latin typeface="Avenir Medium"/>
+                <a:cs typeface="Avenir Medium"/>
+              </a:rPr>
+              <a:t> in PL/SQL</a:t>
             </a:r>
           </a:p>
           <a:p>
@@ -8695,6 +8853,59 @@
               </a:rPr>
               <a:t>https://www.guru99.com/triggers-pl-sql.html</a:t>
             </a:r>
+            <a:endParaRPr lang="ro-RO" sz="3000" dirty="0">
+              <a:latin typeface="Avenir Medium"/>
+              <a:cs typeface="Avenir Medium"/>
+            </a:endParaRPr>
+          </a:p>
+          <a:p>
+            <a:endParaRPr lang="ro-RO" sz="3000" dirty="0">
+              <a:latin typeface="Avenir Medium"/>
+              <a:cs typeface="Avenir Medium"/>
+            </a:endParaRPr>
+          </a:p>
+          <a:p>
+            <a:r>
+              <a:rPr lang="ro-RO" sz="3000" dirty="0">
+                <a:latin typeface="Avenir Medium"/>
+                <a:cs typeface="Avenir Medium"/>
+              </a:rPr>
+              <a:t>PL/SQL Triggers</a:t>
+            </a:r>
+          </a:p>
+          <a:p>
+            <a:pPr marL="82296" indent="0">
+              <a:buNone/>
+            </a:pPr>
+            <a:r>
+              <a:rPr lang="ro-RO" sz="3000" dirty="0">
+                <a:latin typeface="Avenir Medium"/>
+                <a:cs typeface="Avenir Medium"/>
+                <a:hlinkClick r:id="rId7"/>
+              </a:rPr>
+              <a:t>http://www.way2tutorial.com/plsql/plsql_triggers.php</a:t>
+            </a:r>
+            <a:endParaRPr lang="ro-RO" sz="3000" dirty="0">
+              <a:latin typeface="Avenir Medium"/>
+              <a:cs typeface="Avenir Medium"/>
+            </a:endParaRPr>
+          </a:p>
+          <a:p>
+            <a:endParaRPr lang="ro-RO" sz="3000" dirty="0">
+              <a:latin typeface="Avenir Medium"/>
+              <a:cs typeface="Avenir Medium"/>
+            </a:endParaRPr>
+          </a:p>
+          <a:p>
+            <a:pPr marL="82296" indent="0">
+              <a:buNone/>
+            </a:pPr>
+            <a:endParaRPr lang="ro-RO" sz="3000" dirty="0">
+              <a:latin typeface="Avenir Medium"/>
+              <a:cs typeface="Avenir Medium"/>
+            </a:endParaRPr>
+          </a:p>
+          <a:p>
             <a:endParaRPr lang="ro-RO" sz="3000" dirty="0">
               <a:latin typeface="Avenir Medium"/>
               <a:cs typeface="Avenir Medium"/>
